--- a/ASSIGNMENT1.pptx
+++ b/ASSIGNMENT1.pptx
@@ -5,17 +5,21 @@
     <p:sldMasterId id="2147483660" r:id="rId1"/>
   </p:sldMasterIdLst>
   <p:sldIdLst>
-    <p:sldId id="272" r:id="rId2"/>
+    <p:sldId id="256" r:id="rId2"/>
     <p:sldId id="257" r:id="rId3"/>
     <p:sldId id="258" r:id="rId4"/>
     <p:sldId id="260" r:id="rId5"/>
     <p:sldId id="259" r:id="rId6"/>
     <p:sldId id="261" r:id="rId7"/>
-    <p:sldId id="264" r:id="rId8"/>
-    <p:sldId id="267" r:id="rId9"/>
-    <p:sldId id="266" r:id="rId10"/>
-    <p:sldId id="270" r:id="rId11"/>
-    <p:sldId id="271" r:id="rId12"/>
+    <p:sldId id="262" r:id="rId8"/>
+    <p:sldId id="263" r:id="rId9"/>
+    <p:sldId id="264" r:id="rId10"/>
+    <p:sldId id="265" r:id="rId11"/>
+    <p:sldId id="267" r:id="rId12"/>
+    <p:sldId id="268" r:id="rId13"/>
+    <p:sldId id="269" r:id="rId14"/>
+    <p:sldId id="266" r:id="rId15"/>
+    <p:sldId id="271" r:id="rId16"/>
   </p:sldIdLst>
   <p:sldSz cx="12192000" cy="6858000"/>
   <p:notesSz cx="6858000" cy="9144000"/>
@@ -584,7 +588,7 @@
           <a:p>
             <a:fld id="{3064EE62-ECEF-41AE-9F67-44CA13249033}" type="datetimeFigureOut">
               <a:rPr lang="en-ID" smtClean="0"/>
-              <a:t>09/07/2022</a:t>
+              <a:t>13/07/2022</a:t>
             </a:fld>
             <a:endParaRPr lang="en-ID"/>
           </a:p>
@@ -786,7 +790,7 @@
           <a:p>
             <a:fld id="{3064EE62-ECEF-41AE-9F67-44CA13249033}" type="datetimeFigureOut">
               <a:rPr lang="en-ID" smtClean="0"/>
-              <a:t>09/07/2022</a:t>
+              <a:t>13/07/2022</a:t>
             </a:fld>
             <a:endParaRPr lang="en-ID"/>
           </a:p>
@@ -966,7 +970,7 @@
           <a:p>
             <a:fld id="{3064EE62-ECEF-41AE-9F67-44CA13249033}" type="datetimeFigureOut">
               <a:rPr lang="en-ID" smtClean="0"/>
-              <a:t>09/07/2022</a:t>
+              <a:t>13/07/2022</a:t>
             </a:fld>
             <a:endParaRPr lang="en-ID"/>
           </a:p>
@@ -1136,7 +1140,7 @@
           <a:p>
             <a:fld id="{3064EE62-ECEF-41AE-9F67-44CA13249033}" type="datetimeFigureOut">
               <a:rPr lang="en-ID" smtClean="0"/>
-              <a:t>09/07/2022</a:t>
+              <a:t>13/07/2022</a:t>
             </a:fld>
             <a:endParaRPr lang="en-ID"/>
           </a:p>
@@ -1707,7 +1711,7 @@
           <a:p>
             <a:fld id="{3064EE62-ECEF-41AE-9F67-44CA13249033}" type="datetimeFigureOut">
               <a:rPr lang="en-ID" smtClean="0"/>
-              <a:t>09/07/2022</a:t>
+              <a:t>13/07/2022</a:t>
             </a:fld>
             <a:endParaRPr lang="en-ID"/>
           </a:p>
@@ -2009,7 +2013,7 @@
           <a:p>
             <a:fld id="{3064EE62-ECEF-41AE-9F67-44CA13249033}" type="datetimeFigureOut">
               <a:rPr lang="en-ID" smtClean="0"/>
-              <a:t>09/07/2022</a:t>
+              <a:t>13/07/2022</a:t>
             </a:fld>
             <a:endParaRPr lang="en-ID"/>
           </a:p>
@@ -2446,7 +2450,7 @@
           <a:p>
             <a:fld id="{3064EE62-ECEF-41AE-9F67-44CA13249033}" type="datetimeFigureOut">
               <a:rPr lang="en-ID" smtClean="0"/>
-              <a:t>09/07/2022</a:t>
+              <a:t>13/07/2022</a:t>
             </a:fld>
             <a:endParaRPr lang="en-ID"/>
           </a:p>
@@ -2564,7 +2568,7 @@
           <a:p>
             <a:fld id="{3064EE62-ECEF-41AE-9F67-44CA13249033}" type="datetimeFigureOut">
               <a:rPr lang="en-ID" smtClean="0"/>
-              <a:t>09/07/2022</a:t>
+              <a:t>13/07/2022</a:t>
             </a:fld>
             <a:endParaRPr lang="en-ID"/>
           </a:p>
@@ -2659,7 +2663,7 @@
           <a:p>
             <a:fld id="{3064EE62-ECEF-41AE-9F67-44CA13249033}" type="datetimeFigureOut">
               <a:rPr lang="en-ID" smtClean="0"/>
-              <a:t>09/07/2022</a:t>
+              <a:t>13/07/2022</a:t>
             </a:fld>
             <a:endParaRPr lang="en-ID"/>
           </a:p>
@@ -3041,7 +3045,7 @@
           <a:p>
             <a:fld id="{3064EE62-ECEF-41AE-9F67-44CA13249033}" type="datetimeFigureOut">
               <a:rPr lang="en-ID" smtClean="0"/>
-              <a:t>09/07/2022</a:t>
+              <a:t>13/07/2022</a:t>
             </a:fld>
             <a:endParaRPr lang="en-ID"/>
           </a:p>
@@ -3435,7 +3439,7 @@
           <a:p>
             <a:fld id="{3064EE62-ECEF-41AE-9F67-44CA13249033}" type="datetimeFigureOut">
               <a:rPr lang="en-ID" smtClean="0"/>
-              <a:t>09/07/2022</a:t>
+              <a:t>13/07/2022</a:t>
             </a:fld>
             <a:endParaRPr lang="en-ID"/>
           </a:p>
@@ -3748,7 +3752,7 @@
           <a:p>
             <a:fld id="{3064EE62-ECEF-41AE-9F67-44CA13249033}" type="datetimeFigureOut">
               <a:rPr lang="en-ID" smtClean="0"/>
-              <a:t>09/07/2022</a:t>
+              <a:t>13/07/2022</a:t>
             </a:fld>
             <a:endParaRPr lang="en-ID"/>
           </a:p>
@@ -4481,7 +4485,7 @@
     </p:spTree>
     <p:extLst>
       <p:ext uri="{BB962C8B-B14F-4D97-AF65-F5344CB8AC3E}">
-        <p14:creationId xmlns:p14="http://schemas.microsoft.com/office/powerpoint/2010/main" val="1837045625"/>
+        <p14:creationId xmlns:p14="http://schemas.microsoft.com/office/powerpoint/2010/main" val="1932568671"/>
       </p:ext>
     </p:extLst>
   </p:cSld>
@@ -4492,7 +4496,7 @@
 </file>
 
 <file path=ppt/slides/slide10.xml><?xml version="1.0" encoding="utf-8"?>
-<p:sld xmlns:a="http://schemas.openxmlformats.org/drawingml/2006/main" xmlns:r="http://schemas.openxmlformats.org/officeDocument/2006/relationships" xmlns:p="http://schemas.openxmlformats.org/presentationml/2006/main">
+<p:sld xmlns:a="http://schemas.openxmlformats.org/drawingml/2006/main" xmlns:r="http://schemas.openxmlformats.org/officeDocument/2006/relationships" xmlns:p="http://schemas.openxmlformats.org/presentationml/2006/main" show="0">
   <p:cSld>
     <p:spTree>
       <p:nvGrpSpPr>
@@ -4508,45 +4512,6 @@
           <a:chExt cx="0" cy="0"/>
         </a:xfrm>
       </p:grpSpPr>
-      <p:sp>
-        <p:nvSpPr>
-          <p:cNvPr id="4" name="TextBox 3">
-            <a:extLst>
-              <a:ext uri="{FF2B5EF4-FFF2-40B4-BE49-F238E27FC236}">
-                <a16:creationId xmlns:a16="http://schemas.microsoft.com/office/drawing/2014/main" id="{D9A78116-DCE0-4AAF-8126-46847B70DE1A}"/>
-              </a:ext>
-            </a:extLst>
-          </p:cNvPr>
-          <p:cNvSpPr txBox="1"/>
-          <p:nvPr/>
-        </p:nvSpPr>
-        <p:spPr>
-          <a:xfrm>
-            <a:off x="1066800" y="1580701"/>
-            <a:ext cx="2670924" cy="369332"/>
-          </a:xfrm>
-          <a:prstGeom prst="rect">
-            <a:avLst/>
-          </a:prstGeom>
-          <a:noFill/>
-        </p:spPr>
-        <p:txBody>
-          <a:bodyPr wrap="none" rtlCol="0">
-            <a:spAutoFit/>
-          </a:bodyPr>
-          <a:lstStyle/>
-          <a:p>
-            <a:r>
-              <a:rPr lang="en-US" dirty="0">
-                <a:latin typeface="Nunito" pitchFamily="2" charset="0"/>
-                <a:cs typeface="Times New Roman" panose="02020603050405020304" pitchFamily="18" charset="0"/>
-              </a:rPr>
-              <a:t>What we can get more :</a:t>
-            </a:r>
-            <a:endParaRPr lang="en-ID" dirty="0"/>
-          </a:p>
-        </p:txBody>
-      </p:sp>
       <p:sp>
         <p:nvSpPr>
           <p:cNvPr id="10" name="Title 1">
@@ -4693,8 +4658,8 @@
         </p:nvSpPr>
         <p:spPr>
           <a:xfrm>
-            <a:off x="1066800" y="1950033"/>
-            <a:ext cx="9842759" cy="2966197"/>
+            <a:off x="506963" y="1522651"/>
+            <a:ext cx="4750018" cy="473206"/>
           </a:xfrm>
           <a:prstGeom prst="rect">
             <a:avLst/>
@@ -4706,50 +4671,6 @@
             <a:spAutoFit/>
           </a:bodyPr>
           <a:lstStyle/>
-          <a:p>
-            <a:pPr marL="342900" indent="-342900">
-              <a:lnSpc>
-                <a:spcPct val="150000"/>
-              </a:lnSpc>
-              <a:buAutoNum type="arabicPeriod"/>
-            </a:pPr>
-            <a:r>
-              <a:rPr lang="en-US" dirty="0">
-                <a:latin typeface="Nunito" pitchFamily="2" charset="0"/>
-                <a:cs typeface="Times New Roman" panose="02020603050405020304" pitchFamily="18" charset="0"/>
-              </a:rPr>
-              <a:t>Number of trips per month in every station</a:t>
-            </a:r>
-          </a:p>
-          <a:p>
-            <a:pPr lvl="1">
-              <a:lnSpc>
-                <a:spcPct val="150000"/>
-              </a:lnSpc>
-            </a:pPr>
-            <a:r>
-              <a:rPr lang="en-US" dirty="0">
-                <a:latin typeface="Nunito" pitchFamily="2" charset="0"/>
-                <a:cs typeface="Times New Roman" panose="02020603050405020304" pitchFamily="18" charset="0"/>
-              </a:rPr>
-              <a:t>&gt; Number of trips per month by separated its gender</a:t>
-            </a:r>
-          </a:p>
-          <a:p>
-            <a:pPr marL="342900" indent="-342900">
-              <a:lnSpc>
-                <a:spcPct val="150000"/>
-              </a:lnSpc>
-              <a:buAutoNum type="arabicPeriod"/>
-            </a:pPr>
-            <a:r>
-              <a:rPr lang="en-US" dirty="0">
-                <a:latin typeface="Nunito" pitchFamily="2" charset="0"/>
-                <a:cs typeface="Times New Roman" panose="02020603050405020304" pitchFamily="18" charset="0"/>
-              </a:rPr>
-              <a:t>Average duration of the trips per month by separated its gender</a:t>
-            </a:r>
-          </a:p>
           <a:p>
             <a:pPr>
               <a:lnSpc>
@@ -4761,58 +4682,173 @@
                 <a:latin typeface="Nunito" pitchFamily="2" charset="0"/>
                 <a:cs typeface="Times New Roman" panose="02020603050405020304" pitchFamily="18" charset="0"/>
               </a:rPr>
-              <a:t>	&gt; Average duration of the trips per month in every station</a:t>
-            </a:r>
-          </a:p>
-          <a:p>
-            <a:pPr marL="342900" indent="-342900">
-              <a:lnSpc>
-                <a:spcPct val="150000"/>
-              </a:lnSpc>
-              <a:buAutoNum type="arabicPeriod" startAt="3"/>
-            </a:pPr>
-            <a:r>
-              <a:rPr lang="en-US" dirty="0">
+              <a:t>2. 	Average duration of the trips per month</a:t>
+            </a:r>
+          </a:p>
+        </p:txBody>
+      </p:sp>
+      <p:sp>
+        <p:nvSpPr>
+          <p:cNvPr id="7" name="TextBox 6">
+            <a:extLst>
+              <a:ext uri="{FF2B5EF4-FFF2-40B4-BE49-F238E27FC236}">
+                <a16:creationId xmlns:a16="http://schemas.microsoft.com/office/drawing/2014/main" id="{1E1EF9E7-DE31-A19D-36F7-2E656E9FFC96}"/>
+              </a:ext>
+            </a:extLst>
+          </p:cNvPr>
+          <p:cNvSpPr txBox="1"/>
+          <p:nvPr/>
+        </p:nvSpPr>
+        <p:spPr>
+          <a:xfrm>
+            <a:off x="989044" y="2052607"/>
+            <a:ext cx="4198775" cy="338554"/>
+          </a:xfrm>
+          <a:prstGeom prst="rect">
+            <a:avLst/>
+          </a:prstGeom>
+          <a:noFill/>
+        </p:spPr>
+        <p:txBody>
+          <a:bodyPr wrap="square" rtlCol="0">
+            <a:spAutoFit/>
+          </a:bodyPr>
+          <a:lstStyle/>
+          <a:p>
+            <a:r>
+              <a:rPr lang="en-US" sz="1600" dirty="0">
                 <a:latin typeface="Nunito" pitchFamily="2" charset="0"/>
                 <a:cs typeface="Times New Roman" panose="02020603050405020304" pitchFamily="18" charset="0"/>
               </a:rPr>
-              <a:t>From which customers do we get more revenue? (from subscriber or customer)</a:t>
-            </a:r>
-          </a:p>
-          <a:p>
-            <a:pPr>
-              <a:lnSpc>
-                <a:spcPct val="150000"/>
-              </a:lnSpc>
-            </a:pPr>
-            <a:r>
-              <a:rPr lang="en-US" dirty="0">
+              <a:t>Query : with </a:t>
+            </a:r>
+            <a:r>
+              <a:rPr lang="en-US" sz="1600" dirty="0" err="1">
                 <a:latin typeface="Nunito" pitchFamily="2" charset="0"/>
                 <a:cs typeface="Times New Roman" panose="02020603050405020304" pitchFamily="18" charset="0"/>
               </a:rPr>
-              <a:t>	&gt; Number of trips per month by separated its gender and its subscriber type</a:t>
-            </a:r>
-          </a:p>
-          <a:p>
-            <a:pPr>
-              <a:lnSpc>
-                <a:spcPct val="150000"/>
-              </a:lnSpc>
-            </a:pPr>
-            <a:r>
-              <a:rPr lang="en-US" dirty="0">
+              <a:t>BigQuery</a:t>
+            </a:r>
+            <a:r>
+              <a:rPr lang="en-US" sz="1600" dirty="0">
                 <a:latin typeface="Nunito" pitchFamily="2" charset="0"/>
                 <a:cs typeface="Times New Roman" panose="02020603050405020304" pitchFamily="18" charset="0"/>
               </a:rPr>
-              <a:t>	&gt; Average duration of the trips per month separated by its gender and its subscriber type</a:t>
-            </a:r>
-          </a:p>
-        </p:txBody>
-      </p:sp>
+              <a:t> – Google cloud</a:t>
+            </a:r>
+            <a:endParaRPr lang="en-ID" sz="1600" dirty="0">
+              <a:latin typeface="Nunito" pitchFamily="2" charset="0"/>
+              <a:cs typeface="Times New Roman" panose="02020603050405020304" pitchFamily="18" charset="0"/>
+            </a:endParaRPr>
+          </a:p>
+        </p:txBody>
+      </p:sp>
+      <p:sp>
+        <p:nvSpPr>
+          <p:cNvPr id="8" name="TextBox 7">
+            <a:extLst>
+              <a:ext uri="{FF2B5EF4-FFF2-40B4-BE49-F238E27FC236}">
+                <a16:creationId xmlns:a16="http://schemas.microsoft.com/office/drawing/2014/main" id="{D2C07F4D-C38F-BD74-61D4-607F2E526088}"/>
+              </a:ext>
+            </a:extLst>
+          </p:cNvPr>
+          <p:cNvSpPr txBox="1"/>
+          <p:nvPr/>
+        </p:nvSpPr>
+        <p:spPr>
+          <a:xfrm>
+            <a:off x="989044" y="2391161"/>
+            <a:ext cx="4198775" cy="338554"/>
+          </a:xfrm>
+          <a:prstGeom prst="rect">
+            <a:avLst/>
+          </a:prstGeom>
+          <a:noFill/>
+        </p:spPr>
+        <p:txBody>
+          <a:bodyPr wrap="square" rtlCol="0">
+            <a:spAutoFit/>
+          </a:bodyPr>
+          <a:lstStyle/>
+          <a:p>
+            <a:r>
+              <a:rPr lang="en-US" sz="1600" dirty="0">
+                <a:latin typeface="Nunito" pitchFamily="2" charset="0"/>
+                <a:cs typeface="Times New Roman" panose="02020603050405020304" pitchFamily="18" charset="0"/>
+              </a:rPr>
+              <a:t>Visualization : Google Data Studio</a:t>
+            </a:r>
+            <a:endParaRPr lang="en-ID" sz="1600" dirty="0">
+              <a:latin typeface="Nunito" pitchFamily="2" charset="0"/>
+              <a:cs typeface="Times New Roman" panose="02020603050405020304" pitchFamily="18" charset="0"/>
+            </a:endParaRPr>
+          </a:p>
+        </p:txBody>
+      </p:sp>
+      <p:pic>
+        <p:nvPicPr>
+          <p:cNvPr id="12" name="Picture 11">
+            <a:extLst>
+              <a:ext uri="{FF2B5EF4-FFF2-40B4-BE49-F238E27FC236}">
+                <a16:creationId xmlns:a16="http://schemas.microsoft.com/office/drawing/2014/main" id="{ED4CC666-17E7-CDC2-F12C-1EDD94E55EE9}"/>
+              </a:ext>
+            </a:extLst>
+          </p:cNvPr>
+          <p:cNvPicPr>
+            <a:picLocks noChangeAspect="1"/>
+          </p:cNvPicPr>
+          <p:nvPr/>
+        </p:nvPicPr>
+        <p:blipFill>
+          <a:blip r:embed="rId2"/>
+          <a:stretch>
+            <a:fillRect/>
+          </a:stretch>
+        </p:blipFill>
+        <p:spPr>
+          <a:xfrm>
+            <a:off x="6225115" y="437891"/>
+            <a:ext cx="2453853" cy="5982218"/>
+          </a:xfrm>
+          <a:prstGeom prst="rect">
+            <a:avLst/>
+          </a:prstGeom>
+        </p:spPr>
+      </p:pic>
+      <p:pic>
+        <p:nvPicPr>
+          <p:cNvPr id="16" name="Picture 15">
+            <a:extLst>
+              <a:ext uri="{FF2B5EF4-FFF2-40B4-BE49-F238E27FC236}">
+                <a16:creationId xmlns:a16="http://schemas.microsoft.com/office/drawing/2014/main" id="{144BBDDE-F158-A26D-DF76-703118CA1A43}"/>
+              </a:ext>
+            </a:extLst>
+          </p:cNvPr>
+          <p:cNvPicPr>
+            <a:picLocks noChangeAspect="1"/>
+          </p:cNvPicPr>
+          <p:nvPr/>
+        </p:nvPicPr>
+        <p:blipFill>
+          <a:blip r:embed="rId3"/>
+          <a:stretch>
+            <a:fillRect/>
+          </a:stretch>
+        </p:blipFill>
+        <p:spPr>
+          <a:xfrm>
+            <a:off x="8947870" y="437891"/>
+            <a:ext cx="2519452" cy="6042091"/>
+          </a:xfrm>
+          <a:prstGeom prst="rect">
+            <a:avLst/>
+          </a:prstGeom>
+        </p:spPr>
+      </p:pic>
     </p:spTree>
     <p:extLst>
       <p:ext uri="{BB962C8B-B14F-4D97-AF65-F5344CB8AC3E}">
-        <p14:creationId xmlns:p14="http://schemas.microsoft.com/office/powerpoint/2010/main" val="965008088"/>
+        <p14:creationId xmlns:p14="http://schemas.microsoft.com/office/powerpoint/2010/main" val="439180307"/>
       </p:ext>
     </p:extLst>
   </p:cSld>
@@ -4824,6 +4860,1301 @@
 
 <file path=ppt/slides/slide11.xml><?xml version="1.0" encoding="utf-8"?>
 <p:sld xmlns:a="http://schemas.openxmlformats.org/drawingml/2006/main" xmlns:r="http://schemas.openxmlformats.org/officeDocument/2006/relationships" xmlns:p="http://schemas.openxmlformats.org/presentationml/2006/main">
+  <p:cSld>
+    <p:spTree>
+      <p:nvGrpSpPr>
+        <p:cNvPr id="1" name=""/>
+        <p:cNvGrpSpPr/>
+        <p:nvPr/>
+      </p:nvGrpSpPr>
+      <p:grpSpPr>
+        <a:xfrm>
+          <a:off x="0" y="0"/>
+          <a:ext cx="0" cy="0"/>
+          <a:chOff x="0" y="0"/>
+          <a:chExt cx="0" cy="0"/>
+        </a:xfrm>
+      </p:grpSpPr>
+      <p:sp>
+        <p:nvSpPr>
+          <p:cNvPr id="10" name="Title 1">
+            <a:extLst>
+              <a:ext uri="{FF2B5EF4-FFF2-40B4-BE49-F238E27FC236}">
+                <a16:creationId xmlns:a16="http://schemas.microsoft.com/office/drawing/2014/main" id="{12EE7128-FC01-4709-6F16-E8F70D23158E}"/>
+              </a:ext>
+            </a:extLst>
+          </p:cNvPr>
+          <p:cNvSpPr>
+            <a:spLocks noGrp="1"/>
+          </p:cNvSpPr>
+          <p:nvPr>
+            <p:ph type="title"/>
+          </p:nvPr>
+        </p:nvSpPr>
+        <p:spPr>
+          <a:xfrm>
+            <a:off x="1066800" y="336134"/>
+            <a:ext cx="10058400" cy="760078"/>
+          </a:xfrm>
+        </p:spPr>
+        <p:txBody>
+          <a:bodyPr>
+            <a:normAutofit/>
+          </a:bodyPr>
+          <a:lstStyle/>
+          <a:p>
+            <a:pPr rtl="0">
+              <a:spcBef>
+                <a:spcPts val="0"/>
+              </a:spcBef>
+              <a:spcAft>
+                <a:spcPts val="0"/>
+              </a:spcAft>
+            </a:pPr>
+            <a:r>
+              <a:rPr lang="en-ID" sz="3200" b="0" i="0" u="none" strike="noStrike" dirty="0">
+                <a:solidFill>
+                  <a:schemeClr val="tx1"/>
+                </a:solidFill>
+                <a:effectLst/>
+                <a:latin typeface="Nunito" panose="020B0604020202020204" pitchFamily="2" charset="0"/>
+              </a:rPr>
+              <a:t>Case Study</a:t>
+            </a:r>
+            <a:endParaRPr lang="en-ID" sz="7200" dirty="0">
+              <a:solidFill>
+                <a:schemeClr val="tx1"/>
+              </a:solidFill>
+            </a:endParaRPr>
+          </a:p>
+        </p:txBody>
+      </p:sp>
+      <p:sp>
+        <p:nvSpPr>
+          <p:cNvPr id="13" name="Title 1">
+            <a:extLst>
+              <a:ext uri="{FF2B5EF4-FFF2-40B4-BE49-F238E27FC236}">
+                <a16:creationId xmlns:a16="http://schemas.microsoft.com/office/drawing/2014/main" id="{114194E1-6887-C4BB-C88A-3D2A2A9BF1AC}"/>
+              </a:ext>
+            </a:extLst>
+          </p:cNvPr>
+          <p:cNvSpPr txBox="1">
+            <a:spLocks/>
+          </p:cNvSpPr>
+          <p:nvPr/>
+        </p:nvSpPr>
+        <p:spPr>
+          <a:xfrm>
+            <a:off x="1066800" y="852230"/>
+            <a:ext cx="10058400" cy="760078"/>
+          </a:xfrm>
+          <a:prstGeom prst="rect">
+            <a:avLst/>
+          </a:prstGeom>
+        </p:spPr>
+        <p:txBody>
+          <a:bodyPr vert="horz" lIns="91440" tIns="45720" rIns="91440" bIns="45720" rtlCol="0" anchor="ctr">
+            <a:normAutofit/>
+          </a:bodyPr>
+          <a:lstStyle>
+            <a:lvl1pPr algn="l" defTabSz="914400" rtl="0" eaLnBrk="1" latinLnBrk="0" hangingPunct="1">
+              <a:lnSpc>
+                <a:spcPct val="90000"/>
+              </a:lnSpc>
+              <a:spcBef>
+                <a:spcPct val="0"/>
+              </a:spcBef>
+              <a:buNone/>
+              <a:defRPr lang="en-US" sz="4800" kern="1200" cap="none" spc="0" baseline="0" dirty="0">
+                <a:solidFill>
+                  <a:schemeClr val="tx1">
+                    <a:lumMod val="85000"/>
+                    <a:lumOff val="15000"/>
+                  </a:schemeClr>
+                </a:solidFill>
+                <a:effectLst/>
+                <a:latin typeface="+mj-lt"/>
+                <a:ea typeface="+mn-ea"/>
+                <a:cs typeface="+mn-cs"/>
+              </a:defRPr>
+            </a:lvl1pPr>
+          </a:lstStyle>
+          <a:p>
+            <a:pPr rtl="0">
+              <a:spcBef>
+                <a:spcPts val="0"/>
+              </a:spcBef>
+              <a:spcAft>
+                <a:spcPts val="0"/>
+              </a:spcAft>
+            </a:pPr>
+            <a:r>
+              <a:rPr lang="en-ID" sz="2400" b="0" i="0" u="none" strike="noStrike" dirty="0">
+                <a:solidFill>
+                  <a:schemeClr val="tx1"/>
+                </a:solidFill>
+                <a:effectLst/>
+                <a:latin typeface="Nunito" pitchFamily="2" charset="0"/>
+              </a:rPr>
+              <a:t>SQL &amp; DATA VISUALIZATION</a:t>
+            </a:r>
+            <a:endParaRPr lang="en-ID" sz="1400" b="0" dirty="0">
+              <a:solidFill>
+                <a:schemeClr val="tx1"/>
+              </a:solidFill>
+              <a:effectLst/>
+            </a:endParaRPr>
+          </a:p>
+        </p:txBody>
+      </p:sp>
+      <p:sp>
+        <p:nvSpPr>
+          <p:cNvPr id="11" name="TextBox 10">
+            <a:extLst>
+              <a:ext uri="{FF2B5EF4-FFF2-40B4-BE49-F238E27FC236}">
+                <a16:creationId xmlns:a16="http://schemas.microsoft.com/office/drawing/2014/main" id="{1EB309BE-2220-0C60-A1F5-369624B55D82}"/>
+              </a:ext>
+            </a:extLst>
+          </p:cNvPr>
+          <p:cNvSpPr txBox="1"/>
+          <p:nvPr/>
+        </p:nvSpPr>
+        <p:spPr>
+          <a:xfrm>
+            <a:off x="561391" y="1537664"/>
+            <a:ext cx="11069217" cy="1569660"/>
+          </a:xfrm>
+          <a:prstGeom prst="rect">
+            <a:avLst/>
+          </a:prstGeom>
+          <a:noFill/>
+        </p:spPr>
+        <p:txBody>
+          <a:bodyPr wrap="square" rtlCol="0">
+            <a:spAutoFit/>
+          </a:bodyPr>
+          <a:lstStyle/>
+          <a:p>
+            <a:pPr marL="285750" indent="-285750">
+              <a:buFont typeface="Arial" panose="020B0604020202020204" pitchFamily="34" charset="0"/>
+              <a:buChar char="•"/>
+            </a:pPr>
+            <a:r>
+              <a:rPr lang="en-US" sz="1600" dirty="0">
+                <a:latin typeface="Nunito" pitchFamily="2" charset="0"/>
+                <a:cs typeface="Times New Roman" panose="02020603050405020304" pitchFamily="18" charset="0"/>
+              </a:rPr>
+              <a:t>This is a diagram if we put together the number of trips and the average duration of time taken each month starting in 2017.</a:t>
+            </a:r>
+          </a:p>
+          <a:p>
+            <a:pPr marL="285750" indent="-285750">
+              <a:buFont typeface="Arial" panose="020B0604020202020204" pitchFamily="34" charset="0"/>
+              <a:buChar char="•"/>
+            </a:pPr>
+            <a:r>
+              <a:rPr lang="en-US" sz="1600" dirty="0">
+                <a:latin typeface="Nunito" pitchFamily="2" charset="0"/>
+                <a:cs typeface="Times New Roman" panose="02020603050405020304" pitchFamily="18" charset="0"/>
+              </a:rPr>
+              <a:t>Means that for a large number of trips, it is not necessarily a lot of time spent on bikeshare for each trip.</a:t>
+            </a:r>
+          </a:p>
+          <a:p>
+            <a:pPr marL="285750" indent="-285750">
+              <a:buFont typeface="Arial" panose="020B0604020202020204" pitchFamily="34" charset="0"/>
+              <a:buChar char="•"/>
+            </a:pPr>
+            <a:r>
+              <a:rPr lang="en-US" sz="1600" dirty="0">
+                <a:latin typeface="Nunito" pitchFamily="2" charset="0"/>
+                <a:cs typeface="Times New Roman" panose="02020603050405020304" pitchFamily="18" charset="0"/>
+              </a:rPr>
+              <a:t>Where in the diagram it can be seen that the trend in the number of trips from the beginning of the bikeshare reopening until April 2018 tends to increase but for the average duration of use of this bikeshare, it tends to decrease. Which means the number of trips is a lot but the use is only for a short time.</a:t>
+            </a:r>
+            <a:endParaRPr lang="en-ID" sz="1600" dirty="0">
+              <a:latin typeface="Nunito" pitchFamily="2" charset="0"/>
+              <a:cs typeface="Times New Roman" panose="02020603050405020304" pitchFamily="18" charset="0"/>
+            </a:endParaRPr>
+          </a:p>
+        </p:txBody>
+      </p:sp>
+      <p:pic>
+        <p:nvPicPr>
+          <p:cNvPr id="3" name="Picture 2">
+            <a:extLst>
+              <a:ext uri="{FF2B5EF4-FFF2-40B4-BE49-F238E27FC236}">
+                <a16:creationId xmlns:a16="http://schemas.microsoft.com/office/drawing/2014/main" id="{564044D2-8917-3456-46C5-4240B46E2785}"/>
+              </a:ext>
+            </a:extLst>
+          </p:cNvPr>
+          <p:cNvPicPr>
+            <a:picLocks noChangeAspect="1"/>
+          </p:cNvPicPr>
+          <p:nvPr/>
+        </p:nvPicPr>
+        <p:blipFill>
+          <a:blip r:embed="rId2"/>
+          <a:stretch>
+            <a:fillRect/>
+          </a:stretch>
+        </p:blipFill>
+        <p:spPr>
+          <a:xfrm>
+            <a:off x="1836961" y="3118542"/>
+            <a:ext cx="8518076" cy="3414542"/>
+          </a:xfrm>
+          <a:prstGeom prst="rect">
+            <a:avLst/>
+          </a:prstGeom>
+        </p:spPr>
+      </p:pic>
+    </p:spTree>
+    <p:extLst>
+      <p:ext uri="{BB962C8B-B14F-4D97-AF65-F5344CB8AC3E}">
+        <p14:creationId xmlns:p14="http://schemas.microsoft.com/office/powerpoint/2010/main" val="2200505213"/>
+      </p:ext>
+    </p:extLst>
+  </p:cSld>
+  <p:clrMapOvr>
+    <a:masterClrMapping/>
+  </p:clrMapOvr>
+</p:sld>
+</file>
+
+<file path=ppt/slides/slide12.xml><?xml version="1.0" encoding="utf-8"?>
+<p:sld xmlns:a="http://schemas.openxmlformats.org/drawingml/2006/main" xmlns:r="http://schemas.openxmlformats.org/officeDocument/2006/relationships" xmlns:p="http://schemas.openxmlformats.org/presentationml/2006/main" show="0">
+  <p:cSld>
+    <p:spTree>
+      <p:nvGrpSpPr>
+        <p:cNvPr id="1" name=""/>
+        <p:cNvGrpSpPr/>
+        <p:nvPr/>
+      </p:nvGrpSpPr>
+      <p:grpSpPr>
+        <a:xfrm>
+          <a:off x="0" y="0"/>
+          <a:ext cx="0" cy="0"/>
+          <a:chOff x="0" y="0"/>
+          <a:chExt cx="0" cy="0"/>
+        </a:xfrm>
+      </p:grpSpPr>
+      <p:sp>
+        <p:nvSpPr>
+          <p:cNvPr id="10" name="Title 1">
+            <a:extLst>
+              <a:ext uri="{FF2B5EF4-FFF2-40B4-BE49-F238E27FC236}">
+                <a16:creationId xmlns:a16="http://schemas.microsoft.com/office/drawing/2014/main" id="{12EE7128-FC01-4709-6F16-E8F70D23158E}"/>
+              </a:ext>
+            </a:extLst>
+          </p:cNvPr>
+          <p:cNvSpPr>
+            <a:spLocks noGrp="1"/>
+          </p:cNvSpPr>
+          <p:nvPr>
+            <p:ph type="title"/>
+          </p:nvPr>
+        </p:nvSpPr>
+        <p:spPr>
+          <a:xfrm>
+            <a:off x="1066800" y="336134"/>
+            <a:ext cx="10058400" cy="760078"/>
+          </a:xfrm>
+        </p:spPr>
+        <p:txBody>
+          <a:bodyPr>
+            <a:normAutofit/>
+          </a:bodyPr>
+          <a:lstStyle/>
+          <a:p>
+            <a:pPr rtl="0">
+              <a:spcBef>
+                <a:spcPts val="0"/>
+              </a:spcBef>
+              <a:spcAft>
+                <a:spcPts val="0"/>
+              </a:spcAft>
+            </a:pPr>
+            <a:r>
+              <a:rPr lang="en-ID" sz="3200" b="0" i="0" u="none" strike="noStrike" dirty="0">
+                <a:solidFill>
+                  <a:schemeClr val="tx1"/>
+                </a:solidFill>
+                <a:effectLst/>
+                <a:latin typeface="Nunito" panose="020B0604020202020204" pitchFamily="2" charset="0"/>
+              </a:rPr>
+              <a:t>Case Study</a:t>
+            </a:r>
+            <a:endParaRPr lang="en-ID" sz="7200" dirty="0">
+              <a:solidFill>
+                <a:schemeClr val="tx1"/>
+              </a:solidFill>
+            </a:endParaRPr>
+          </a:p>
+        </p:txBody>
+      </p:sp>
+      <p:sp>
+        <p:nvSpPr>
+          <p:cNvPr id="13" name="Title 1">
+            <a:extLst>
+              <a:ext uri="{FF2B5EF4-FFF2-40B4-BE49-F238E27FC236}">
+                <a16:creationId xmlns:a16="http://schemas.microsoft.com/office/drawing/2014/main" id="{114194E1-6887-C4BB-C88A-3D2A2A9BF1AC}"/>
+              </a:ext>
+            </a:extLst>
+          </p:cNvPr>
+          <p:cNvSpPr txBox="1">
+            <a:spLocks/>
+          </p:cNvSpPr>
+          <p:nvPr/>
+        </p:nvSpPr>
+        <p:spPr>
+          <a:xfrm>
+            <a:off x="1066800" y="852230"/>
+            <a:ext cx="10058400" cy="760078"/>
+          </a:xfrm>
+          <a:prstGeom prst="rect">
+            <a:avLst/>
+          </a:prstGeom>
+        </p:spPr>
+        <p:txBody>
+          <a:bodyPr vert="horz" lIns="91440" tIns="45720" rIns="91440" bIns="45720" rtlCol="0" anchor="ctr">
+            <a:normAutofit/>
+          </a:bodyPr>
+          <a:lstStyle>
+            <a:lvl1pPr algn="l" defTabSz="914400" rtl="0" eaLnBrk="1" latinLnBrk="0" hangingPunct="1">
+              <a:lnSpc>
+                <a:spcPct val="90000"/>
+              </a:lnSpc>
+              <a:spcBef>
+                <a:spcPct val="0"/>
+              </a:spcBef>
+              <a:buNone/>
+              <a:defRPr lang="en-US" sz="4800" kern="1200" cap="none" spc="0" baseline="0" dirty="0">
+                <a:solidFill>
+                  <a:schemeClr val="tx1">
+                    <a:lumMod val="85000"/>
+                    <a:lumOff val="15000"/>
+                  </a:schemeClr>
+                </a:solidFill>
+                <a:effectLst/>
+                <a:latin typeface="+mj-lt"/>
+                <a:ea typeface="+mn-ea"/>
+                <a:cs typeface="+mn-cs"/>
+              </a:defRPr>
+            </a:lvl1pPr>
+          </a:lstStyle>
+          <a:p>
+            <a:pPr rtl="0">
+              <a:spcBef>
+                <a:spcPts val="0"/>
+              </a:spcBef>
+              <a:spcAft>
+                <a:spcPts val="0"/>
+              </a:spcAft>
+            </a:pPr>
+            <a:r>
+              <a:rPr lang="en-ID" sz="2400" b="0" i="0" u="none" strike="noStrike" dirty="0">
+                <a:solidFill>
+                  <a:schemeClr val="tx1"/>
+                </a:solidFill>
+                <a:effectLst/>
+                <a:latin typeface="Nunito" pitchFamily="2" charset="0"/>
+              </a:rPr>
+              <a:t>SQL &amp; DATA VISUALIZATION</a:t>
+            </a:r>
+            <a:endParaRPr lang="en-ID" sz="1400" b="0" dirty="0">
+              <a:solidFill>
+                <a:schemeClr val="tx1"/>
+              </a:solidFill>
+              <a:effectLst/>
+            </a:endParaRPr>
+          </a:p>
+        </p:txBody>
+      </p:sp>
+      <p:sp>
+        <p:nvSpPr>
+          <p:cNvPr id="6" name="TextBox 5">
+            <a:extLst>
+              <a:ext uri="{FF2B5EF4-FFF2-40B4-BE49-F238E27FC236}">
+                <a16:creationId xmlns:a16="http://schemas.microsoft.com/office/drawing/2014/main" id="{4657C20B-1438-9AEA-719F-ADCEDCEC4907}"/>
+              </a:ext>
+            </a:extLst>
+          </p:cNvPr>
+          <p:cNvSpPr txBox="1"/>
+          <p:nvPr/>
+        </p:nvSpPr>
+        <p:spPr>
+          <a:xfrm>
+            <a:off x="441649" y="1531162"/>
+            <a:ext cx="4198775" cy="338554"/>
+          </a:xfrm>
+          <a:prstGeom prst="rect">
+            <a:avLst/>
+          </a:prstGeom>
+          <a:noFill/>
+        </p:spPr>
+        <p:txBody>
+          <a:bodyPr wrap="square" rtlCol="0">
+            <a:spAutoFit/>
+          </a:bodyPr>
+          <a:lstStyle/>
+          <a:p>
+            <a:r>
+              <a:rPr lang="en-US" sz="1600" dirty="0">
+                <a:latin typeface="Nunito" pitchFamily="2" charset="0"/>
+                <a:cs typeface="Times New Roman" panose="02020603050405020304" pitchFamily="18" charset="0"/>
+              </a:rPr>
+              <a:t>Query : with </a:t>
+            </a:r>
+            <a:r>
+              <a:rPr lang="en-US" sz="1600" dirty="0" err="1">
+                <a:latin typeface="Nunito" pitchFamily="2" charset="0"/>
+                <a:cs typeface="Times New Roman" panose="02020603050405020304" pitchFamily="18" charset="0"/>
+              </a:rPr>
+              <a:t>BigQuery</a:t>
+            </a:r>
+            <a:r>
+              <a:rPr lang="en-US" sz="1600" dirty="0">
+                <a:latin typeface="Nunito" pitchFamily="2" charset="0"/>
+                <a:cs typeface="Times New Roman" panose="02020603050405020304" pitchFamily="18" charset="0"/>
+              </a:rPr>
+              <a:t> – Google cloud</a:t>
+            </a:r>
+            <a:endParaRPr lang="en-ID" sz="1600" dirty="0">
+              <a:latin typeface="Nunito" pitchFamily="2" charset="0"/>
+              <a:cs typeface="Times New Roman" panose="02020603050405020304" pitchFamily="18" charset="0"/>
+            </a:endParaRPr>
+          </a:p>
+        </p:txBody>
+      </p:sp>
+      <p:pic>
+        <p:nvPicPr>
+          <p:cNvPr id="4" name="Picture 3">
+            <a:extLst>
+              <a:ext uri="{FF2B5EF4-FFF2-40B4-BE49-F238E27FC236}">
+                <a16:creationId xmlns:a16="http://schemas.microsoft.com/office/drawing/2014/main" id="{22FAA084-308D-0464-C91C-3F11891C756D}"/>
+              </a:ext>
+            </a:extLst>
+          </p:cNvPr>
+          <p:cNvPicPr>
+            <a:picLocks noChangeAspect="1"/>
+          </p:cNvPicPr>
+          <p:nvPr/>
+        </p:nvPicPr>
+        <p:blipFill>
+          <a:blip r:embed="rId2"/>
+          <a:stretch>
+            <a:fillRect/>
+          </a:stretch>
+        </p:blipFill>
+        <p:spPr>
+          <a:xfrm>
+            <a:off x="441649" y="2063844"/>
+            <a:ext cx="4567398" cy="1225196"/>
+          </a:xfrm>
+          <a:prstGeom prst="rect">
+            <a:avLst/>
+          </a:prstGeom>
+        </p:spPr>
+      </p:pic>
+      <p:pic>
+        <p:nvPicPr>
+          <p:cNvPr id="7" name="Picture 6">
+            <a:extLst>
+              <a:ext uri="{FF2B5EF4-FFF2-40B4-BE49-F238E27FC236}">
+                <a16:creationId xmlns:a16="http://schemas.microsoft.com/office/drawing/2014/main" id="{0317AF98-F71D-0B65-BD60-C68077561BBF}"/>
+              </a:ext>
+            </a:extLst>
+          </p:cNvPr>
+          <p:cNvPicPr>
+            <a:picLocks noChangeAspect="1"/>
+          </p:cNvPicPr>
+          <p:nvPr/>
+        </p:nvPicPr>
+        <p:blipFill>
+          <a:blip r:embed="rId3"/>
+          <a:stretch>
+            <a:fillRect/>
+          </a:stretch>
+        </p:blipFill>
+        <p:spPr>
+          <a:xfrm>
+            <a:off x="441649" y="3429001"/>
+            <a:ext cx="6127102" cy="1996100"/>
+          </a:xfrm>
+          <a:prstGeom prst="rect">
+            <a:avLst/>
+          </a:prstGeom>
+        </p:spPr>
+      </p:pic>
+      <p:sp>
+        <p:nvSpPr>
+          <p:cNvPr id="12" name="TextBox 11">
+            <a:extLst>
+              <a:ext uri="{FF2B5EF4-FFF2-40B4-BE49-F238E27FC236}">
+                <a16:creationId xmlns:a16="http://schemas.microsoft.com/office/drawing/2014/main" id="{5F244DCE-6BDF-B7A1-7FF2-4B00A87DF729}"/>
+              </a:ext>
+            </a:extLst>
+          </p:cNvPr>
+          <p:cNvSpPr txBox="1"/>
+          <p:nvPr/>
+        </p:nvSpPr>
+        <p:spPr>
+          <a:xfrm>
+            <a:off x="7536026" y="375282"/>
+            <a:ext cx="4198775" cy="338554"/>
+          </a:xfrm>
+          <a:prstGeom prst="rect">
+            <a:avLst/>
+          </a:prstGeom>
+          <a:noFill/>
+        </p:spPr>
+        <p:txBody>
+          <a:bodyPr wrap="square" rtlCol="0">
+            <a:spAutoFit/>
+          </a:bodyPr>
+          <a:lstStyle/>
+          <a:p>
+            <a:r>
+              <a:rPr lang="en-US" sz="1600" dirty="0">
+                <a:latin typeface="Nunito" pitchFamily="2" charset="0"/>
+                <a:cs typeface="Times New Roman" panose="02020603050405020304" pitchFamily="18" charset="0"/>
+              </a:rPr>
+              <a:t>Visualization : Google Data Studio</a:t>
+            </a:r>
+            <a:endParaRPr lang="en-ID" sz="1600" dirty="0">
+              <a:latin typeface="Nunito" pitchFamily="2" charset="0"/>
+              <a:cs typeface="Times New Roman" panose="02020603050405020304" pitchFamily="18" charset="0"/>
+            </a:endParaRPr>
+          </a:p>
+        </p:txBody>
+      </p:sp>
+      <p:pic>
+        <p:nvPicPr>
+          <p:cNvPr id="9" name="Picture 8">
+            <a:extLst>
+              <a:ext uri="{FF2B5EF4-FFF2-40B4-BE49-F238E27FC236}">
+                <a16:creationId xmlns:a16="http://schemas.microsoft.com/office/drawing/2014/main" id="{7A790CA5-52E3-9AE1-BDA4-F22D35D89DF8}"/>
+              </a:ext>
+            </a:extLst>
+          </p:cNvPr>
+          <p:cNvPicPr>
+            <a:picLocks noChangeAspect="1"/>
+          </p:cNvPicPr>
+          <p:nvPr/>
+        </p:nvPicPr>
+        <p:blipFill rotWithShape="1">
+          <a:blip r:embed="rId4"/>
+          <a:srcRect b="11435"/>
+          <a:stretch/>
+        </p:blipFill>
+        <p:spPr>
+          <a:xfrm>
+            <a:off x="6882234" y="852230"/>
+            <a:ext cx="2461473" cy="5250859"/>
+          </a:xfrm>
+          <a:prstGeom prst="rect">
+            <a:avLst/>
+          </a:prstGeom>
+        </p:spPr>
+      </p:pic>
+      <p:pic>
+        <p:nvPicPr>
+          <p:cNvPr id="15" name="Picture 14">
+            <a:extLst>
+              <a:ext uri="{FF2B5EF4-FFF2-40B4-BE49-F238E27FC236}">
+                <a16:creationId xmlns:a16="http://schemas.microsoft.com/office/drawing/2014/main" id="{0E74F8A5-4996-734A-44CE-205BD0A1409B}"/>
+              </a:ext>
+            </a:extLst>
+          </p:cNvPr>
+          <p:cNvPicPr>
+            <a:picLocks noChangeAspect="1"/>
+          </p:cNvPicPr>
+          <p:nvPr/>
+        </p:nvPicPr>
+        <p:blipFill>
+          <a:blip r:embed="rId5"/>
+          <a:stretch>
+            <a:fillRect/>
+          </a:stretch>
+        </p:blipFill>
+        <p:spPr>
+          <a:xfrm>
+            <a:off x="9418352" y="1590320"/>
+            <a:ext cx="2461473" cy="4511431"/>
+          </a:xfrm>
+          <a:prstGeom prst="rect">
+            <a:avLst/>
+          </a:prstGeom>
+        </p:spPr>
+      </p:pic>
+    </p:spTree>
+    <p:extLst>
+      <p:ext uri="{BB962C8B-B14F-4D97-AF65-F5344CB8AC3E}">
+        <p14:creationId xmlns:p14="http://schemas.microsoft.com/office/powerpoint/2010/main" val="3987288484"/>
+      </p:ext>
+    </p:extLst>
+  </p:cSld>
+  <p:clrMapOvr>
+    <a:masterClrMapping/>
+  </p:clrMapOvr>
+</p:sld>
+</file>
+
+<file path=ppt/slides/slide13.xml><?xml version="1.0" encoding="utf-8"?>
+<p:sld xmlns:a="http://schemas.openxmlformats.org/drawingml/2006/main" xmlns:r="http://schemas.openxmlformats.org/officeDocument/2006/relationships" xmlns:p="http://schemas.openxmlformats.org/presentationml/2006/main" show="0">
+  <p:cSld>
+    <p:spTree>
+      <p:nvGrpSpPr>
+        <p:cNvPr id="1" name=""/>
+        <p:cNvGrpSpPr/>
+        <p:nvPr/>
+      </p:nvGrpSpPr>
+      <p:grpSpPr>
+        <a:xfrm>
+          <a:off x="0" y="0"/>
+          <a:ext cx="0" cy="0"/>
+          <a:chOff x="0" y="0"/>
+          <a:chExt cx="0" cy="0"/>
+        </a:xfrm>
+      </p:grpSpPr>
+      <p:sp>
+        <p:nvSpPr>
+          <p:cNvPr id="10" name="Title 1">
+            <a:extLst>
+              <a:ext uri="{FF2B5EF4-FFF2-40B4-BE49-F238E27FC236}">
+                <a16:creationId xmlns:a16="http://schemas.microsoft.com/office/drawing/2014/main" id="{12EE7128-FC01-4709-6F16-E8F70D23158E}"/>
+              </a:ext>
+            </a:extLst>
+          </p:cNvPr>
+          <p:cNvSpPr>
+            <a:spLocks noGrp="1"/>
+          </p:cNvSpPr>
+          <p:nvPr>
+            <p:ph type="title"/>
+          </p:nvPr>
+        </p:nvSpPr>
+        <p:spPr>
+          <a:xfrm>
+            <a:off x="1066800" y="336134"/>
+            <a:ext cx="10058400" cy="760078"/>
+          </a:xfrm>
+        </p:spPr>
+        <p:txBody>
+          <a:bodyPr>
+            <a:normAutofit/>
+          </a:bodyPr>
+          <a:lstStyle/>
+          <a:p>
+            <a:pPr rtl="0">
+              <a:spcBef>
+                <a:spcPts val="0"/>
+              </a:spcBef>
+              <a:spcAft>
+                <a:spcPts val="0"/>
+              </a:spcAft>
+            </a:pPr>
+            <a:r>
+              <a:rPr lang="en-ID" sz="3200" b="0" i="0" u="none" strike="noStrike" dirty="0">
+                <a:solidFill>
+                  <a:schemeClr val="tx1"/>
+                </a:solidFill>
+                <a:effectLst/>
+                <a:latin typeface="Nunito" panose="020B0604020202020204" pitchFamily="2" charset="0"/>
+              </a:rPr>
+              <a:t>Case Study</a:t>
+            </a:r>
+            <a:endParaRPr lang="en-ID" sz="7200" dirty="0">
+              <a:solidFill>
+                <a:schemeClr val="tx1"/>
+              </a:solidFill>
+            </a:endParaRPr>
+          </a:p>
+        </p:txBody>
+      </p:sp>
+      <p:sp>
+        <p:nvSpPr>
+          <p:cNvPr id="13" name="Title 1">
+            <a:extLst>
+              <a:ext uri="{FF2B5EF4-FFF2-40B4-BE49-F238E27FC236}">
+                <a16:creationId xmlns:a16="http://schemas.microsoft.com/office/drawing/2014/main" id="{114194E1-6887-C4BB-C88A-3D2A2A9BF1AC}"/>
+              </a:ext>
+            </a:extLst>
+          </p:cNvPr>
+          <p:cNvSpPr txBox="1">
+            <a:spLocks/>
+          </p:cNvSpPr>
+          <p:nvPr/>
+        </p:nvSpPr>
+        <p:spPr>
+          <a:xfrm>
+            <a:off x="1066800" y="852230"/>
+            <a:ext cx="10058400" cy="760078"/>
+          </a:xfrm>
+          <a:prstGeom prst="rect">
+            <a:avLst/>
+          </a:prstGeom>
+        </p:spPr>
+        <p:txBody>
+          <a:bodyPr vert="horz" lIns="91440" tIns="45720" rIns="91440" bIns="45720" rtlCol="0" anchor="ctr">
+            <a:normAutofit/>
+          </a:bodyPr>
+          <a:lstStyle>
+            <a:lvl1pPr algn="l" defTabSz="914400" rtl="0" eaLnBrk="1" latinLnBrk="0" hangingPunct="1">
+              <a:lnSpc>
+                <a:spcPct val="90000"/>
+              </a:lnSpc>
+              <a:spcBef>
+                <a:spcPct val="0"/>
+              </a:spcBef>
+              <a:buNone/>
+              <a:defRPr lang="en-US" sz="4800" kern="1200" cap="none" spc="0" baseline="0" dirty="0">
+                <a:solidFill>
+                  <a:schemeClr val="tx1">
+                    <a:lumMod val="85000"/>
+                    <a:lumOff val="15000"/>
+                  </a:schemeClr>
+                </a:solidFill>
+                <a:effectLst/>
+                <a:latin typeface="+mj-lt"/>
+                <a:ea typeface="+mn-ea"/>
+                <a:cs typeface="+mn-cs"/>
+              </a:defRPr>
+            </a:lvl1pPr>
+          </a:lstStyle>
+          <a:p>
+            <a:pPr rtl="0">
+              <a:spcBef>
+                <a:spcPts val="0"/>
+              </a:spcBef>
+              <a:spcAft>
+                <a:spcPts val="0"/>
+              </a:spcAft>
+            </a:pPr>
+            <a:r>
+              <a:rPr lang="en-ID" sz="2400" b="0" i="0" u="none" strike="noStrike" dirty="0">
+                <a:solidFill>
+                  <a:schemeClr val="tx1"/>
+                </a:solidFill>
+                <a:effectLst/>
+                <a:latin typeface="Nunito" pitchFamily="2" charset="0"/>
+              </a:rPr>
+              <a:t>SQL &amp; DATA VISUALIZATION</a:t>
+            </a:r>
+            <a:endParaRPr lang="en-ID" sz="1400" b="0" dirty="0">
+              <a:solidFill>
+                <a:schemeClr val="tx1"/>
+              </a:solidFill>
+              <a:effectLst/>
+            </a:endParaRPr>
+          </a:p>
+        </p:txBody>
+      </p:sp>
+      <p:sp>
+        <p:nvSpPr>
+          <p:cNvPr id="12" name="TextBox 11">
+            <a:extLst>
+              <a:ext uri="{FF2B5EF4-FFF2-40B4-BE49-F238E27FC236}">
+                <a16:creationId xmlns:a16="http://schemas.microsoft.com/office/drawing/2014/main" id="{5F244DCE-6BDF-B7A1-7FF2-4B00A87DF729}"/>
+              </a:ext>
+            </a:extLst>
+          </p:cNvPr>
+          <p:cNvSpPr txBox="1"/>
+          <p:nvPr/>
+        </p:nvSpPr>
+        <p:spPr>
+          <a:xfrm>
+            <a:off x="7419696" y="424905"/>
+            <a:ext cx="4198775" cy="338554"/>
+          </a:xfrm>
+          <a:prstGeom prst="rect">
+            <a:avLst/>
+          </a:prstGeom>
+          <a:noFill/>
+        </p:spPr>
+        <p:txBody>
+          <a:bodyPr wrap="square" rtlCol="0">
+            <a:spAutoFit/>
+          </a:bodyPr>
+          <a:lstStyle/>
+          <a:p>
+            <a:r>
+              <a:rPr lang="en-US" sz="1600" dirty="0">
+                <a:latin typeface="Nunito" pitchFamily="2" charset="0"/>
+                <a:cs typeface="Times New Roman" panose="02020603050405020304" pitchFamily="18" charset="0"/>
+              </a:rPr>
+              <a:t>Visualization : Google Data Studio</a:t>
+            </a:r>
+            <a:endParaRPr lang="en-ID" sz="1600" dirty="0">
+              <a:latin typeface="Nunito" pitchFamily="2" charset="0"/>
+              <a:cs typeface="Times New Roman" panose="02020603050405020304" pitchFamily="18" charset="0"/>
+            </a:endParaRPr>
+          </a:p>
+        </p:txBody>
+      </p:sp>
+      <p:pic>
+        <p:nvPicPr>
+          <p:cNvPr id="3" name="Picture 2">
+            <a:extLst>
+              <a:ext uri="{FF2B5EF4-FFF2-40B4-BE49-F238E27FC236}">
+                <a16:creationId xmlns:a16="http://schemas.microsoft.com/office/drawing/2014/main" id="{9A7FA3D3-22F4-AE6F-B27F-23E36426F9CF}"/>
+              </a:ext>
+            </a:extLst>
+          </p:cNvPr>
+          <p:cNvPicPr>
+            <a:picLocks noChangeAspect="1"/>
+          </p:cNvPicPr>
+          <p:nvPr/>
+        </p:nvPicPr>
+        <p:blipFill>
+          <a:blip r:embed="rId2"/>
+          <a:stretch>
+            <a:fillRect/>
+          </a:stretch>
+        </p:blipFill>
+        <p:spPr>
+          <a:xfrm>
+            <a:off x="1147665" y="1416897"/>
+            <a:ext cx="2222891" cy="5133985"/>
+          </a:xfrm>
+          <a:prstGeom prst="rect">
+            <a:avLst/>
+          </a:prstGeom>
+        </p:spPr>
+      </p:pic>
+      <p:pic>
+        <p:nvPicPr>
+          <p:cNvPr id="8" name="Picture 7">
+            <a:extLst>
+              <a:ext uri="{FF2B5EF4-FFF2-40B4-BE49-F238E27FC236}">
+                <a16:creationId xmlns:a16="http://schemas.microsoft.com/office/drawing/2014/main" id="{3EA3ABD4-55D7-0913-C5AD-C3C977F8DB6B}"/>
+              </a:ext>
+            </a:extLst>
+          </p:cNvPr>
+          <p:cNvPicPr>
+            <a:picLocks noChangeAspect="1"/>
+          </p:cNvPicPr>
+          <p:nvPr/>
+        </p:nvPicPr>
+        <p:blipFill>
+          <a:blip r:embed="rId3"/>
+          <a:stretch>
+            <a:fillRect/>
+          </a:stretch>
+        </p:blipFill>
+        <p:spPr>
+          <a:xfrm>
+            <a:off x="3566733" y="1417921"/>
+            <a:ext cx="1134026" cy="5132961"/>
+          </a:xfrm>
+          <a:prstGeom prst="rect">
+            <a:avLst/>
+          </a:prstGeom>
+        </p:spPr>
+      </p:pic>
+      <p:pic>
+        <p:nvPicPr>
+          <p:cNvPr id="14" name="Picture 13">
+            <a:extLst>
+              <a:ext uri="{FF2B5EF4-FFF2-40B4-BE49-F238E27FC236}">
+                <a16:creationId xmlns:a16="http://schemas.microsoft.com/office/drawing/2014/main" id="{7B724CB5-7540-7588-B50D-1A1342956928}"/>
+              </a:ext>
+            </a:extLst>
+          </p:cNvPr>
+          <p:cNvPicPr>
+            <a:picLocks noChangeAspect="1"/>
+          </p:cNvPicPr>
+          <p:nvPr/>
+        </p:nvPicPr>
+        <p:blipFill>
+          <a:blip r:embed="rId4"/>
+          <a:stretch>
+            <a:fillRect/>
+          </a:stretch>
+        </p:blipFill>
+        <p:spPr>
+          <a:xfrm>
+            <a:off x="4891936" y="1416897"/>
+            <a:ext cx="1230664" cy="5132961"/>
+          </a:xfrm>
+          <a:prstGeom prst="rect">
+            <a:avLst/>
+          </a:prstGeom>
+        </p:spPr>
+      </p:pic>
+      <p:pic>
+        <p:nvPicPr>
+          <p:cNvPr id="17" name="Picture 16">
+            <a:extLst>
+              <a:ext uri="{FF2B5EF4-FFF2-40B4-BE49-F238E27FC236}">
+                <a16:creationId xmlns:a16="http://schemas.microsoft.com/office/drawing/2014/main" id="{B21EF1AA-9640-AFFA-31FE-D34CEAB3A27C}"/>
+              </a:ext>
+            </a:extLst>
+          </p:cNvPr>
+          <p:cNvPicPr>
+            <a:picLocks noChangeAspect="1"/>
+          </p:cNvPicPr>
+          <p:nvPr/>
+        </p:nvPicPr>
+        <p:blipFill>
+          <a:blip r:embed="rId5"/>
+          <a:stretch>
+            <a:fillRect/>
+          </a:stretch>
+        </p:blipFill>
+        <p:spPr>
+          <a:xfrm>
+            <a:off x="6222139" y="1416897"/>
+            <a:ext cx="1197557" cy="5104969"/>
+          </a:xfrm>
+          <a:prstGeom prst="rect">
+            <a:avLst/>
+          </a:prstGeom>
+        </p:spPr>
+      </p:pic>
+    </p:spTree>
+    <p:extLst>
+      <p:ext uri="{BB962C8B-B14F-4D97-AF65-F5344CB8AC3E}">
+        <p14:creationId xmlns:p14="http://schemas.microsoft.com/office/powerpoint/2010/main" val="1320934380"/>
+      </p:ext>
+    </p:extLst>
+  </p:cSld>
+  <p:clrMapOvr>
+    <a:masterClrMapping/>
+  </p:clrMapOvr>
+</p:sld>
+</file>
+
+<file path=ppt/slides/slide14.xml><?xml version="1.0" encoding="utf-8"?>
+<p:sld xmlns:a="http://schemas.openxmlformats.org/drawingml/2006/main" xmlns:r="http://schemas.openxmlformats.org/officeDocument/2006/relationships" xmlns:p="http://schemas.openxmlformats.org/presentationml/2006/main">
+  <p:cSld>
+    <p:spTree>
+      <p:nvGrpSpPr>
+        <p:cNvPr id="1" name=""/>
+        <p:cNvGrpSpPr/>
+        <p:nvPr/>
+      </p:nvGrpSpPr>
+      <p:grpSpPr>
+        <a:xfrm>
+          <a:off x="0" y="0"/>
+          <a:ext cx="0" cy="0"/>
+          <a:chOff x="0" y="0"/>
+          <a:chExt cx="0" cy="0"/>
+        </a:xfrm>
+      </p:grpSpPr>
+      <p:sp>
+        <p:nvSpPr>
+          <p:cNvPr id="10" name="Title 1">
+            <a:extLst>
+              <a:ext uri="{FF2B5EF4-FFF2-40B4-BE49-F238E27FC236}">
+                <a16:creationId xmlns:a16="http://schemas.microsoft.com/office/drawing/2014/main" id="{12EE7128-FC01-4709-6F16-E8F70D23158E}"/>
+              </a:ext>
+            </a:extLst>
+          </p:cNvPr>
+          <p:cNvSpPr>
+            <a:spLocks noGrp="1"/>
+          </p:cNvSpPr>
+          <p:nvPr>
+            <p:ph type="title"/>
+          </p:nvPr>
+        </p:nvSpPr>
+        <p:spPr>
+          <a:xfrm>
+            <a:off x="1066800" y="336134"/>
+            <a:ext cx="10058400" cy="760078"/>
+          </a:xfrm>
+        </p:spPr>
+        <p:txBody>
+          <a:bodyPr>
+            <a:normAutofit/>
+          </a:bodyPr>
+          <a:lstStyle/>
+          <a:p>
+            <a:pPr rtl="0">
+              <a:spcBef>
+                <a:spcPts val="0"/>
+              </a:spcBef>
+              <a:spcAft>
+                <a:spcPts val="0"/>
+              </a:spcAft>
+            </a:pPr>
+            <a:r>
+              <a:rPr lang="en-ID" sz="3200" b="0" i="0" u="none" strike="noStrike" dirty="0">
+                <a:solidFill>
+                  <a:schemeClr val="tx1"/>
+                </a:solidFill>
+                <a:effectLst/>
+                <a:latin typeface="Nunito" panose="020B0604020202020204" pitchFamily="2" charset="0"/>
+              </a:rPr>
+              <a:t>Case Study</a:t>
+            </a:r>
+            <a:endParaRPr lang="en-ID" sz="7200" dirty="0">
+              <a:solidFill>
+                <a:schemeClr val="tx1"/>
+              </a:solidFill>
+            </a:endParaRPr>
+          </a:p>
+        </p:txBody>
+      </p:sp>
+      <p:sp>
+        <p:nvSpPr>
+          <p:cNvPr id="13" name="Title 1">
+            <a:extLst>
+              <a:ext uri="{FF2B5EF4-FFF2-40B4-BE49-F238E27FC236}">
+                <a16:creationId xmlns:a16="http://schemas.microsoft.com/office/drawing/2014/main" id="{114194E1-6887-C4BB-C88A-3D2A2A9BF1AC}"/>
+              </a:ext>
+            </a:extLst>
+          </p:cNvPr>
+          <p:cNvSpPr txBox="1">
+            <a:spLocks/>
+          </p:cNvSpPr>
+          <p:nvPr/>
+        </p:nvSpPr>
+        <p:spPr>
+          <a:xfrm>
+            <a:off x="1066800" y="852230"/>
+            <a:ext cx="10058400" cy="760078"/>
+          </a:xfrm>
+          <a:prstGeom prst="rect">
+            <a:avLst/>
+          </a:prstGeom>
+        </p:spPr>
+        <p:txBody>
+          <a:bodyPr vert="horz" lIns="91440" tIns="45720" rIns="91440" bIns="45720" rtlCol="0" anchor="ctr">
+            <a:normAutofit/>
+          </a:bodyPr>
+          <a:lstStyle>
+            <a:lvl1pPr algn="l" defTabSz="914400" rtl="0" eaLnBrk="1" latinLnBrk="0" hangingPunct="1">
+              <a:lnSpc>
+                <a:spcPct val="90000"/>
+              </a:lnSpc>
+              <a:spcBef>
+                <a:spcPct val="0"/>
+              </a:spcBef>
+              <a:buNone/>
+              <a:defRPr lang="en-US" sz="4800" kern="1200" cap="none" spc="0" baseline="0" dirty="0">
+                <a:solidFill>
+                  <a:schemeClr val="tx1">
+                    <a:lumMod val="85000"/>
+                    <a:lumOff val="15000"/>
+                  </a:schemeClr>
+                </a:solidFill>
+                <a:effectLst/>
+                <a:latin typeface="+mj-lt"/>
+                <a:ea typeface="+mn-ea"/>
+                <a:cs typeface="+mn-cs"/>
+              </a:defRPr>
+            </a:lvl1pPr>
+          </a:lstStyle>
+          <a:p>
+            <a:pPr rtl="0">
+              <a:spcBef>
+                <a:spcPts val="0"/>
+              </a:spcBef>
+              <a:spcAft>
+                <a:spcPts val="0"/>
+              </a:spcAft>
+            </a:pPr>
+            <a:r>
+              <a:rPr lang="en-ID" sz="2400" b="0" i="0" u="none" strike="noStrike" dirty="0">
+                <a:solidFill>
+                  <a:schemeClr val="tx1"/>
+                </a:solidFill>
+                <a:effectLst/>
+                <a:latin typeface="Nunito" pitchFamily="2" charset="0"/>
+              </a:rPr>
+              <a:t>SQL &amp; DATA VISUALIZATION</a:t>
+            </a:r>
+            <a:endParaRPr lang="en-ID" sz="1400" b="0" dirty="0">
+              <a:solidFill>
+                <a:schemeClr val="tx1"/>
+              </a:solidFill>
+              <a:effectLst/>
+            </a:endParaRPr>
+          </a:p>
+        </p:txBody>
+      </p:sp>
+      <p:sp>
+        <p:nvSpPr>
+          <p:cNvPr id="14" name="TextBox 13">
+            <a:extLst>
+              <a:ext uri="{FF2B5EF4-FFF2-40B4-BE49-F238E27FC236}">
+                <a16:creationId xmlns:a16="http://schemas.microsoft.com/office/drawing/2014/main" id="{4BDECECA-E7DD-54DB-5824-0C89AD2313C3}"/>
+              </a:ext>
+            </a:extLst>
+          </p:cNvPr>
+          <p:cNvSpPr txBox="1"/>
+          <p:nvPr/>
+        </p:nvSpPr>
+        <p:spPr>
+          <a:xfrm>
+            <a:off x="506963" y="1522651"/>
+            <a:ext cx="8784777" cy="473206"/>
+          </a:xfrm>
+          <a:prstGeom prst="rect">
+            <a:avLst/>
+          </a:prstGeom>
+          <a:noFill/>
+        </p:spPr>
+        <p:txBody>
+          <a:bodyPr wrap="none" rtlCol="0">
+            <a:spAutoFit/>
+          </a:bodyPr>
+          <a:lstStyle/>
+          <a:p>
+            <a:pPr>
+              <a:lnSpc>
+                <a:spcPct val="150000"/>
+              </a:lnSpc>
+            </a:pPr>
+            <a:r>
+              <a:rPr lang="en-US" dirty="0">
+                <a:latin typeface="Nunito" pitchFamily="2" charset="0"/>
+                <a:cs typeface="Times New Roman" panose="02020603050405020304" pitchFamily="18" charset="0"/>
+              </a:rPr>
+              <a:t>3. 	From which customers do we get more revenue? (from subscriber or customer)</a:t>
+            </a:r>
+            <a:endParaRPr lang="en-ID" dirty="0">
+              <a:latin typeface="Nunito" pitchFamily="2" charset="0"/>
+              <a:cs typeface="Times New Roman" panose="02020603050405020304" pitchFamily="18" charset="0"/>
+            </a:endParaRPr>
+          </a:p>
+        </p:txBody>
+      </p:sp>
+      <p:sp>
+        <p:nvSpPr>
+          <p:cNvPr id="11" name="TextBox 10">
+            <a:extLst>
+              <a:ext uri="{FF2B5EF4-FFF2-40B4-BE49-F238E27FC236}">
+                <a16:creationId xmlns:a16="http://schemas.microsoft.com/office/drawing/2014/main" id="{1EB309BE-2220-0C60-A1F5-369624B55D82}"/>
+              </a:ext>
+            </a:extLst>
+          </p:cNvPr>
+          <p:cNvSpPr txBox="1"/>
+          <p:nvPr/>
+        </p:nvSpPr>
+        <p:spPr>
+          <a:xfrm>
+            <a:off x="877077" y="2038747"/>
+            <a:ext cx="10804849" cy="1077218"/>
+          </a:xfrm>
+          <a:prstGeom prst="rect">
+            <a:avLst/>
+          </a:prstGeom>
+          <a:noFill/>
+        </p:spPr>
+        <p:txBody>
+          <a:bodyPr wrap="square" rtlCol="0">
+            <a:spAutoFit/>
+          </a:bodyPr>
+          <a:lstStyle/>
+          <a:p>
+            <a:pPr marL="285750" indent="-285750">
+              <a:buFont typeface="Arial" panose="020B0604020202020204" pitchFamily="34" charset="0"/>
+              <a:buChar char="•"/>
+            </a:pPr>
+            <a:r>
+              <a:rPr lang="en-US" sz="1600" dirty="0">
+                <a:latin typeface="Nunito" pitchFamily="2" charset="0"/>
+                <a:cs typeface="Times New Roman" panose="02020603050405020304" pitchFamily="18" charset="0"/>
+              </a:rPr>
+              <a:t>In this section we can focus on the data starting in 2017, because in this data there is already a gender distinction between male and female and we can find more detailed insight.</a:t>
+            </a:r>
+          </a:p>
+          <a:p>
+            <a:pPr marL="285750" indent="-285750">
+              <a:buFont typeface="Arial" panose="020B0604020202020204" pitchFamily="34" charset="0"/>
+              <a:buChar char="•"/>
+            </a:pPr>
+            <a:r>
+              <a:rPr lang="en-US" sz="1600" dirty="0">
+                <a:latin typeface="Nunito" pitchFamily="2" charset="0"/>
+                <a:cs typeface="Times New Roman" panose="02020603050405020304" pitchFamily="18" charset="0"/>
+              </a:rPr>
+              <a:t>From the diagram below, it can be seen that the most users of bikeshare are subscribers and if based on gender, the ones who use bikeshare services the most are male. And we get more revenue from subscriber.</a:t>
+            </a:r>
+            <a:endParaRPr lang="en-ID" sz="1600" dirty="0">
+              <a:latin typeface="Nunito" pitchFamily="2" charset="0"/>
+              <a:cs typeface="Times New Roman" panose="02020603050405020304" pitchFamily="18" charset="0"/>
+            </a:endParaRPr>
+          </a:p>
+        </p:txBody>
+      </p:sp>
+      <p:pic>
+        <p:nvPicPr>
+          <p:cNvPr id="3" name="Picture 2">
+            <a:extLst>
+              <a:ext uri="{FF2B5EF4-FFF2-40B4-BE49-F238E27FC236}">
+                <a16:creationId xmlns:a16="http://schemas.microsoft.com/office/drawing/2014/main" id="{E8CFBBE0-0724-F0E7-1C19-976F76255332}"/>
+              </a:ext>
+            </a:extLst>
+          </p:cNvPr>
+          <p:cNvPicPr>
+            <a:picLocks noChangeAspect="1"/>
+          </p:cNvPicPr>
+          <p:nvPr/>
+        </p:nvPicPr>
+        <p:blipFill>
+          <a:blip r:embed="rId2"/>
+          <a:stretch>
+            <a:fillRect/>
+          </a:stretch>
+        </p:blipFill>
+        <p:spPr>
+          <a:xfrm>
+            <a:off x="1455576" y="3314206"/>
+            <a:ext cx="4646644" cy="3173781"/>
+          </a:xfrm>
+          <a:prstGeom prst="rect">
+            <a:avLst/>
+          </a:prstGeom>
+        </p:spPr>
+      </p:pic>
+      <p:pic>
+        <p:nvPicPr>
+          <p:cNvPr id="7" name="Picture 6">
+            <a:extLst>
+              <a:ext uri="{FF2B5EF4-FFF2-40B4-BE49-F238E27FC236}">
+                <a16:creationId xmlns:a16="http://schemas.microsoft.com/office/drawing/2014/main" id="{F820CD4D-A5B9-0359-BD66-9C017336CAE7}"/>
+              </a:ext>
+            </a:extLst>
+          </p:cNvPr>
+          <p:cNvPicPr>
+            <a:picLocks noChangeAspect="1"/>
+          </p:cNvPicPr>
+          <p:nvPr/>
+        </p:nvPicPr>
+        <p:blipFill>
+          <a:blip r:embed="rId3"/>
+          <a:stretch>
+            <a:fillRect/>
+          </a:stretch>
+        </p:blipFill>
+        <p:spPr>
+          <a:xfrm>
+            <a:off x="6170504" y="3314205"/>
+            <a:ext cx="4691677" cy="3173781"/>
+          </a:xfrm>
+          <a:prstGeom prst="rect">
+            <a:avLst/>
+          </a:prstGeom>
+        </p:spPr>
+      </p:pic>
+    </p:spTree>
+    <p:extLst>
+      <p:ext uri="{BB962C8B-B14F-4D97-AF65-F5344CB8AC3E}">
+        <p14:creationId xmlns:p14="http://schemas.microsoft.com/office/powerpoint/2010/main" val="895234416"/>
+      </p:ext>
+    </p:extLst>
+  </p:cSld>
+  <p:clrMapOvr>
+    <a:masterClrMapping/>
+  </p:clrMapOvr>
+</p:sld>
+</file>
+
+<file path=ppt/slides/slide15.xml><?xml version="1.0" encoding="utf-8"?>
+<p:sld xmlns:a="http://schemas.openxmlformats.org/drawingml/2006/main" xmlns:r="http://schemas.openxmlformats.org/officeDocument/2006/relationships" xmlns:p="http://schemas.openxmlformats.org/presentationml/2006/main" show="0">
   <p:cSld>
     <p:spTree>
       <p:nvGrpSpPr>
@@ -6507,7 +7838,7 @@
 </file>
 
 <file path=ppt/slides/slide7.xml><?xml version="1.0" encoding="utf-8"?>
-<p:sld xmlns:a="http://schemas.openxmlformats.org/drawingml/2006/main" xmlns:r="http://schemas.openxmlformats.org/officeDocument/2006/relationships" xmlns:p="http://schemas.openxmlformats.org/presentationml/2006/main">
+<p:sld xmlns:a="http://schemas.openxmlformats.org/drawingml/2006/main" xmlns:r="http://schemas.openxmlformats.org/officeDocument/2006/relationships" xmlns:p="http://schemas.openxmlformats.org/presentationml/2006/main" show="0">
   <p:cSld>
     <p:spTree>
       <p:nvGrpSpPr>
@@ -6669,8 +8000,8 @@
         </p:nvSpPr>
         <p:spPr>
           <a:xfrm>
-            <a:off x="506963" y="1522651"/>
-            <a:ext cx="4750018" cy="888705"/>
+            <a:off x="600269" y="1508968"/>
+            <a:ext cx="3284874" cy="473206"/>
           </a:xfrm>
           <a:prstGeom prst="rect">
             <a:avLst/>
@@ -6678,30 +8009,24 @@
           <a:noFill/>
         </p:spPr>
         <p:txBody>
-          <a:bodyPr wrap="square" rtlCol="0">
+          <a:bodyPr wrap="none" rtlCol="0">
             <a:spAutoFit/>
           </a:bodyPr>
           <a:lstStyle/>
           <a:p>
-            <a:pPr>
+            <a:pPr marL="342900" indent="-342900">
               <a:lnSpc>
                 <a:spcPct val="150000"/>
               </a:lnSpc>
+              <a:buAutoNum type="arabicPeriod"/>
             </a:pPr>
             <a:r>
               <a:rPr lang="en-US" dirty="0">
                 <a:latin typeface="Nunito" pitchFamily="2" charset="0"/>
                 <a:cs typeface="Times New Roman" panose="02020603050405020304" pitchFamily="18" charset="0"/>
               </a:rPr>
-              <a:t>2. 	Average duration of the trips per month</a:t>
-            </a:r>
-          </a:p>
-          <a:p>
-            <a:pPr>
-              <a:lnSpc>
-                <a:spcPct val="150000"/>
-              </a:lnSpc>
-            </a:pPr>
+              <a:t>Number of trips per month</a:t>
+            </a:r>
             <a:endParaRPr lang="en-ID" dirty="0">
               <a:latin typeface="Nunito" pitchFamily="2" charset="0"/>
               <a:cs typeface="Times New Roman" panose="02020603050405020304" pitchFamily="18" charset="0"/>
@@ -6709,110 +8034,12 @@
           </a:p>
         </p:txBody>
       </p:sp>
-      <p:sp>
-        <p:nvSpPr>
-          <p:cNvPr id="11" name="TextBox 10">
+      <p:pic>
+        <p:nvPicPr>
+          <p:cNvPr id="4" name="Picture 3">
             <a:extLst>
               <a:ext uri="{FF2B5EF4-FFF2-40B4-BE49-F238E27FC236}">
-                <a16:creationId xmlns:a16="http://schemas.microsoft.com/office/drawing/2014/main" id="{1EB309BE-2220-0C60-A1F5-369624B55D82}"/>
-              </a:ext>
-            </a:extLst>
-          </p:cNvPr>
-          <p:cNvSpPr txBox="1"/>
-          <p:nvPr/>
-        </p:nvSpPr>
-        <p:spPr>
-          <a:xfrm>
-            <a:off x="603379" y="2038747"/>
-            <a:ext cx="3399452" cy="3293209"/>
-          </a:xfrm>
-          <a:prstGeom prst="rect">
-            <a:avLst/>
-          </a:prstGeom>
-          <a:noFill/>
-        </p:spPr>
-        <p:txBody>
-          <a:bodyPr wrap="square" rtlCol="0">
-            <a:spAutoFit/>
-          </a:bodyPr>
-          <a:lstStyle/>
-          <a:p>
-            <a:pPr marL="285750" indent="-285750">
-              <a:buFont typeface="Arial" panose="020B0604020202020204" pitchFamily="34" charset="0"/>
-              <a:buChar char="•"/>
-            </a:pPr>
-            <a:r>
-              <a:rPr lang="en-US" sz="1600" dirty="0">
-                <a:latin typeface="Nunito" pitchFamily="2" charset="0"/>
-                <a:cs typeface="Times New Roman" panose="02020603050405020304" pitchFamily="18" charset="0"/>
-              </a:rPr>
-              <a:t>This chart shows the average duration of bikeshare usage/borrowing (grouped by gender).</a:t>
-            </a:r>
-          </a:p>
-          <a:p>
-            <a:pPr marL="285750" indent="-285750">
-              <a:buFont typeface="Arial" panose="020B0604020202020204" pitchFamily="34" charset="0"/>
-              <a:buChar char="•"/>
-            </a:pPr>
-            <a:r>
-              <a:rPr lang="en-US" sz="1600" dirty="0">
-                <a:latin typeface="Nunito" pitchFamily="2" charset="0"/>
-                <a:cs typeface="Times New Roman" panose="02020603050405020304" pitchFamily="18" charset="0"/>
-              </a:rPr>
-              <a:t>However, it can be seen that:</a:t>
-            </a:r>
-          </a:p>
-          <a:p>
-            <a:pPr marL="285750" indent="-285750">
-              <a:buFont typeface="Arial" panose="020B0604020202020204" pitchFamily="34" charset="0"/>
-              <a:buChar char="•"/>
-            </a:pPr>
-            <a:r>
-              <a:rPr lang="en-US" sz="1600" dirty="0">
-                <a:latin typeface="Nunito" pitchFamily="2" charset="0"/>
-                <a:cs typeface="Times New Roman" panose="02020603050405020304" pitchFamily="18" charset="0"/>
-              </a:rPr>
-              <a:t>The implementation of this gender grouping started in June 2017.</a:t>
-            </a:r>
-          </a:p>
-          <a:p>
-            <a:pPr marL="285750" indent="-285750">
-              <a:buFont typeface="Arial" panose="020B0604020202020204" pitchFamily="34" charset="0"/>
-              <a:buChar char="•"/>
-            </a:pPr>
-            <a:r>
-              <a:rPr lang="en-US" sz="1600" dirty="0">
-                <a:latin typeface="Nunito" pitchFamily="2" charset="0"/>
-                <a:cs typeface="Times New Roman" panose="02020603050405020304" pitchFamily="18" charset="0"/>
-              </a:rPr>
-              <a:t>From Sept 2016 to May 2017 no data was recorded.</a:t>
-            </a:r>
-          </a:p>
-          <a:p>
-            <a:pPr marL="285750" indent="-285750">
-              <a:buFont typeface="Arial" panose="020B0604020202020204" pitchFamily="34" charset="0"/>
-              <a:buChar char="•"/>
-            </a:pPr>
-            <a:r>
-              <a:rPr lang="en-US" sz="1600" dirty="0">
-                <a:latin typeface="Nunito" pitchFamily="2" charset="0"/>
-                <a:cs typeface="Times New Roman" panose="02020603050405020304" pitchFamily="18" charset="0"/>
-              </a:rPr>
-              <a:t>And the highest average duration of the trips per month occurred in July 2017</a:t>
-            </a:r>
-            <a:endParaRPr lang="en-ID" sz="1600" dirty="0">
-              <a:latin typeface="Nunito" pitchFamily="2" charset="0"/>
-              <a:cs typeface="Times New Roman" panose="02020603050405020304" pitchFamily="18" charset="0"/>
-            </a:endParaRPr>
-          </a:p>
-        </p:txBody>
-      </p:sp>
-      <p:pic>
-        <p:nvPicPr>
-          <p:cNvPr id="5" name="Picture 4">
-            <a:extLst>
-              <a:ext uri="{FF2B5EF4-FFF2-40B4-BE49-F238E27FC236}">
-                <a16:creationId xmlns:a16="http://schemas.microsoft.com/office/drawing/2014/main" id="{1C46BC66-9F20-22CD-EADC-8A1EBB1D577E}"/>
+                <a16:creationId xmlns:a16="http://schemas.microsoft.com/office/drawing/2014/main" id="{ABBDE091-3941-08A0-9650-D073603A424F}"/>
               </a:ext>
             </a:extLst>
           </p:cNvPr>
@@ -6829,18 +8056,149 @@
         </p:blipFill>
         <p:spPr>
           <a:xfrm>
-            <a:off x="4002831" y="2038747"/>
-            <a:ext cx="7874613" cy="4377996"/>
+            <a:off x="989044" y="2422473"/>
+            <a:ext cx="4960776" cy="1285422"/>
           </a:xfrm>
           <a:prstGeom prst="rect">
             <a:avLst/>
           </a:prstGeom>
         </p:spPr>
       </p:pic>
+      <p:sp>
+        <p:nvSpPr>
+          <p:cNvPr id="8" name="TextBox 7">
+            <a:extLst>
+              <a:ext uri="{FF2B5EF4-FFF2-40B4-BE49-F238E27FC236}">
+                <a16:creationId xmlns:a16="http://schemas.microsoft.com/office/drawing/2014/main" id="{4933D6BD-2E35-7377-4016-88306D6CB04C}"/>
+              </a:ext>
+            </a:extLst>
+          </p:cNvPr>
+          <p:cNvSpPr txBox="1"/>
+          <p:nvPr/>
+        </p:nvSpPr>
+        <p:spPr>
+          <a:xfrm>
+            <a:off x="989044" y="2052607"/>
+            <a:ext cx="4198775" cy="338554"/>
+          </a:xfrm>
+          <a:prstGeom prst="rect">
+            <a:avLst/>
+          </a:prstGeom>
+          <a:noFill/>
+        </p:spPr>
+        <p:txBody>
+          <a:bodyPr wrap="square" rtlCol="0">
+            <a:spAutoFit/>
+          </a:bodyPr>
+          <a:lstStyle/>
+          <a:p>
+            <a:r>
+              <a:rPr lang="en-US" sz="1600" dirty="0">
+                <a:latin typeface="Nunito" pitchFamily="2" charset="0"/>
+                <a:cs typeface="Times New Roman" panose="02020603050405020304" pitchFamily="18" charset="0"/>
+              </a:rPr>
+              <a:t>Query : with </a:t>
+            </a:r>
+            <a:r>
+              <a:rPr lang="en-US" sz="1600" dirty="0" err="1">
+                <a:latin typeface="Nunito" pitchFamily="2" charset="0"/>
+                <a:cs typeface="Times New Roman" panose="02020603050405020304" pitchFamily="18" charset="0"/>
+              </a:rPr>
+              <a:t>BigQuery</a:t>
+            </a:r>
+            <a:r>
+              <a:rPr lang="en-US" sz="1600" dirty="0">
+                <a:latin typeface="Nunito" pitchFamily="2" charset="0"/>
+                <a:cs typeface="Times New Roman" panose="02020603050405020304" pitchFamily="18" charset="0"/>
+              </a:rPr>
+              <a:t> – Google cloud</a:t>
+            </a:r>
+            <a:endParaRPr lang="en-ID" sz="1600" dirty="0">
+              <a:latin typeface="Nunito" pitchFamily="2" charset="0"/>
+              <a:cs typeface="Times New Roman" panose="02020603050405020304" pitchFamily="18" charset="0"/>
+            </a:endParaRPr>
+          </a:p>
+        </p:txBody>
+      </p:sp>
+      <p:pic>
+        <p:nvPicPr>
+          <p:cNvPr id="6" name="Picture 5">
+            <a:extLst>
+              <a:ext uri="{FF2B5EF4-FFF2-40B4-BE49-F238E27FC236}">
+                <a16:creationId xmlns:a16="http://schemas.microsoft.com/office/drawing/2014/main" id="{A27F1934-1B03-DC63-98A0-3199267E2966}"/>
+              </a:ext>
+            </a:extLst>
+          </p:cNvPr>
+          <p:cNvPicPr>
+            <a:picLocks noChangeAspect="1"/>
+          </p:cNvPicPr>
+          <p:nvPr/>
+        </p:nvPicPr>
+        <p:blipFill>
+          <a:blip r:embed="rId3"/>
+          <a:stretch>
+            <a:fillRect/>
+          </a:stretch>
+        </p:blipFill>
+        <p:spPr>
+          <a:xfrm>
+            <a:off x="989044" y="3839394"/>
+            <a:ext cx="7651143" cy="2682472"/>
+          </a:xfrm>
+          <a:prstGeom prst="rect">
+            <a:avLst/>
+          </a:prstGeom>
+        </p:spPr>
+      </p:pic>
+      <p:sp>
+        <p:nvSpPr>
+          <p:cNvPr id="9" name="TextBox 8">
+            <a:extLst>
+              <a:ext uri="{FF2B5EF4-FFF2-40B4-BE49-F238E27FC236}">
+                <a16:creationId xmlns:a16="http://schemas.microsoft.com/office/drawing/2014/main" id="{B08150DF-A672-D93B-72D5-0EF3FF46286F}"/>
+              </a:ext>
+            </a:extLst>
+          </p:cNvPr>
+          <p:cNvSpPr txBox="1"/>
+          <p:nvPr/>
+        </p:nvSpPr>
+        <p:spPr>
+          <a:xfrm>
+            <a:off x="6767803" y="2052607"/>
+            <a:ext cx="4198775" cy="338554"/>
+          </a:xfrm>
+          <a:prstGeom prst="rect">
+            <a:avLst/>
+          </a:prstGeom>
+          <a:noFill/>
+        </p:spPr>
+        <p:txBody>
+          <a:bodyPr wrap="square" rtlCol="0">
+            <a:spAutoFit/>
+          </a:bodyPr>
+          <a:lstStyle/>
+          <a:p>
+            <a:r>
+              <a:rPr lang="en-US" sz="1600" dirty="0" err="1">
+                <a:latin typeface="Nunito" pitchFamily="2" charset="0"/>
+                <a:cs typeface="Times New Roman" panose="02020603050405020304" pitchFamily="18" charset="0"/>
+              </a:rPr>
+              <a:t>BigQuery</a:t>
+            </a:r>
+            <a:r>
+              <a:rPr lang="en-US" sz="1600" dirty="0">
+                <a:latin typeface="Nunito" pitchFamily="2" charset="0"/>
+                <a:cs typeface="Times New Roman" panose="02020603050405020304" pitchFamily="18" charset="0"/>
+              </a:rPr>
+              <a:t> Documentation – Query Syntax</a:t>
+            </a:r>
+          </a:p>
+        </p:txBody>
+      </p:sp>
     </p:spTree>
     <p:extLst>
       <p:ext uri="{BB962C8B-B14F-4D97-AF65-F5344CB8AC3E}">
-        <p14:creationId xmlns:p14="http://schemas.microsoft.com/office/powerpoint/2010/main" val="1237556320"/>
+        <p14:creationId xmlns:p14="http://schemas.microsoft.com/office/powerpoint/2010/main" val="2901880499"/>
       </p:ext>
     </p:extLst>
   </p:cSld>
@@ -6851,7 +8209,7 @@
 </file>
 
 <file path=ppt/slides/slide8.xml><?xml version="1.0" encoding="utf-8"?>
-<p:sld xmlns:a="http://schemas.openxmlformats.org/drawingml/2006/main" xmlns:r="http://schemas.openxmlformats.org/officeDocument/2006/relationships" xmlns:p="http://schemas.openxmlformats.org/presentationml/2006/main">
+<p:sld xmlns:a="http://schemas.openxmlformats.org/drawingml/2006/main" xmlns:r="http://schemas.openxmlformats.org/officeDocument/2006/relationships" xmlns:p="http://schemas.openxmlformats.org/presentationml/2006/main" show="0">
   <p:cSld>
     <p:spTree>
       <p:nvGrpSpPr>
@@ -7001,10 +8359,10 @@
       </p:sp>
       <p:sp>
         <p:nvSpPr>
-          <p:cNvPr id="11" name="TextBox 10">
+          <p:cNvPr id="14" name="TextBox 13">
             <a:extLst>
               <a:ext uri="{FF2B5EF4-FFF2-40B4-BE49-F238E27FC236}">
-                <a16:creationId xmlns:a16="http://schemas.microsoft.com/office/drawing/2014/main" id="{1EB309BE-2220-0C60-A1F5-369624B55D82}"/>
+                <a16:creationId xmlns:a16="http://schemas.microsoft.com/office/drawing/2014/main" id="{4BDECECA-E7DD-54DB-5824-0C89AD2313C3}"/>
               </a:ext>
             </a:extLst>
           </p:cNvPr>
@@ -7013,8 +8371,8 @@
         </p:nvSpPr>
         <p:spPr>
           <a:xfrm>
-            <a:off x="561391" y="1537664"/>
-            <a:ext cx="11069217" cy="1569660"/>
+            <a:off x="600269" y="1508968"/>
+            <a:ext cx="3284874" cy="473206"/>
           </a:xfrm>
           <a:prstGeom prst="rect">
             <a:avLst/>
@@ -7022,49 +8380,25 @@
           <a:noFill/>
         </p:spPr>
         <p:txBody>
-          <a:bodyPr wrap="square" rtlCol="0">
+          <a:bodyPr wrap="none" rtlCol="0">
             <a:spAutoFit/>
           </a:bodyPr>
           <a:lstStyle/>
           <a:p>
-            <a:pPr marL="285750" indent="-285750">
-              <a:buFont typeface="Arial" panose="020B0604020202020204" pitchFamily="34" charset="0"/>
-              <a:buChar char="•"/>
+            <a:pPr marL="342900" indent="-342900">
+              <a:lnSpc>
+                <a:spcPct val="150000"/>
+              </a:lnSpc>
+              <a:buAutoNum type="arabicPeriod"/>
             </a:pPr>
             <a:r>
-              <a:rPr lang="en-US" sz="1600" dirty="0">
+              <a:rPr lang="en-US" dirty="0">
                 <a:latin typeface="Nunito" pitchFamily="2" charset="0"/>
                 <a:cs typeface="Times New Roman" panose="02020603050405020304" pitchFamily="18" charset="0"/>
               </a:rPr>
-              <a:t>This is a diagram if we put together the number of trips and the average duration of time taken each month starting in 2017.</a:t>
-            </a:r>
-          </a:p>
-          <a:p>
-            <a:pPr marL="285750" indent="-285750">
-              <a:buFont typeface="Arial" panose="020B0604020202020204" pitchFamily="34" charset="0"/>
-              <a:buChar char="•"/>
-            </a:pPr>
-            <a:r>
-              <a:rPr lang="en-US" sz="1600" dirty="0">
-                <a:latin typeface="Nunito" pitchFamily="2" charset="0"/>
-                <a:cs typeface="Times New Roman" panose="02020603050405020304" pitchFamily="18" charset="0"/>
-              </a:rPr>
-              <a:t>Means that for a large number of trips, it is not necessarily a lot of time spent on bikeshare for each trip.</a:t>
-            </a:r>
-          </a:p>
-          <a:p>
-            <a:pPr marL="285750" indent="-285750">
-              <a:buFont typeface="Arial" panose="020B0604020202020204" pitchFamily="34" charset="0"/>
-              <a:buChar char="•"/>
-            </a:pPr>
-            <a:r>
-              <a:rPr lang="en-US" sz="1600" dirty="0">
-                <a:latin typeface="Nunito" pitchFamily="2" charset="0"/>
-                <a:cs typeface="Times New Roman" panose="02020603050405020304" pitchFamily="18" charset="0"/>
-              </a:rPr>
-              <a:t>Where in the diagram it can be seen that the trend in the number of trips from the beginning of the bikeshare reopening until April 2018 tends to increase but for the average duration of use of this bikeshare, it tends to decrease. Which means the number of trips is a lot but the use is only for a short time.</a:t>
-            </a:r>
-            <a:endParaRPr lang="en-ID" sz="1600" dirty="0">
+              <a:t>Number of trips per month</a:t>
+            </a:r>
+            <a:endParaRPr lang="en-ID" dirty="0">
               <a:latin typeface="Nunito" pitchFamily="2" charset="0"/>
               <a:cs typeface="Times New Roman" panose="02020603050405020304" pitchFamily="18" charset="0"/>
             </a:endParaRPr>
@@ -7076,7 +8410,7 @@
           <p:cNvPr id="3" name="Picture 2">
             <a:extLst>
               <a:ext uri="{FF2B5EF4-FFF2-40B4-BE49-F238E27FC236}">
-                <a16:creationId xmlns:a16="http://schemas.microsoft.com/office/drawing/2014/main" id="{564044D2-8917-3456-46C5-4240B46E2785}"/>
+                <a16:creationId xmlns:a16="http://schemas.microsoft.com/office/drawing/2014/main" id="{71D53EDD-9EDF-24FE-32CA-933326A613F7}"/>
               </a:ext>
             </a:extLst>
           </p:cNvPr>
@@ -7093,18 +8427,205 @@
         </p:blipFill>
         <p:spPr>
           <a:xfrm>
-            <a:off x="1836961" y="3118542"/>
-            <a:ext cx="8518076" cy="3414542"/>
+            <a:off x="7588830" y="336134"/>
+            <a:ext cx="4198776" cy="2089623"/>
           </a:xfrm>
           <a:prstGeom prst="rect">
             <a:avLst/>
           </a:prstGeom>
         </p:spPr>
       </p:pic>
+      <p:sp>
+        <p:nvSpPr>
+          <p:cNvPr id="8" name="TextBox 7">
+            <a:extLst>
+              <a:ext uri="{FF2B5EF4-FFF2-40B4-BE49-F238E27FC236}">
+                <a16:creationId xmlns:a16="http://schemas.microsoft.com/office/drawing/2014/main" id="{4933D6BD-2E35-7377-4016-88306D6CB04C}"/>
+              </a:ext>
+            </a:extLst>
+          </p:cNvPr>
+          <p:cNvSpPr txBox="1"/>
+          <p:nvPr/>
+        </p:nvSpPr>
+        <p:spPr>
+          <a:xfrm>
+            <a:off x="989044" y="2052607"/>
+            <a:ext cx="4198775" cy="338554"/>
+          </a:xfrm>
+          <a:prstGeom prst="rect">
+            <a:avLst/>
+          </a:prstGeom>
+          <a:noFill/>
+        </p:spPr>
+        <p:txBody>
+          <a:bodyPr wrap="square" rtlCol="0">
+            <a:spAutoFit/>
+          </a:bodyPr>
+          <a:lstStyle/>
+          <a:p>
+            <a:r>
+              <a:rPr lang="en-US" sz="1600" dirty="0">
+                <a:latin typeface="Nunito" pitchFamily="2" charset="0"/>
+                <a:cs typeface="Times New Roman" panose="02020603050405020304" pitchFamily="18" charset="0"/>
+              </a:rPr>
+              <a:t>Visualization : Google Data Studio</a:t>
+            </a:r>
+            <a:endParaRPr lang="en-ID" sz="1600" dirty="0">
+              <a:latin typeface="Nunito" pitchFamily="2" charset="0"/>
+              <a:cs typeface="Times New Roman" panose="02020603050405020304" pitchFamily="18" charset="0"/>
+            </a:endParaRPr>
+          </a:p>
+        </p:txBody>
+      </p:sp>
+      <p:pic>
+        <p:nvPicPr>
+          <p:cNvPr id="9" name="Picture 8">
+            <a:extLst>
+              <a:ext uri="{FF2B5EF4-FFF2-40B4-BE49-F238E27FC236}">
+                <a16:creationId xmlns:a16="http://schemas.microsoft.com/office/drawing/2014/main" id="{971530A9-623C-0CCA-2F99-08D7B752817A}"/>
+              </a:ext>
+            </a:extLst>
+          </p:cNvPr>
+          <p:cNvPicPr>
+            <a:picLocks noChangeAspect="1"/>
+          </p:cNvPicPr>
+          <p:nvPr/>
+        </p:nvPicPr>
+        <p:blipFill>
+          <a:blip r:embed="rId3"/>
+          <a:stretch>
+            <a:fillRect/>
+          </a:stretch>
+        </p:blipFill>
+        <p:spPr>
+          <a:xfrm>
+            <a:off x="1066800" y="2391161"/>
+            <a:ext cx="6312912" cy="3941999"/>
+          </a:xfrm>
+          <a:prstGeom prst="rect">
+            <a:avLst/>
+          </a:prstGeom>
+        </p:spPr>
+      </p:pic>
+      <p:pic>
+        <p:nvPicPr>
+          <p:cNvPr id="5" name="Picture 4">
+            <a:extLst>
+              <a:ext uri="{FF2B5EF4-FFF2-40B4-BE49-F238E27FC236}">
+                <a16:creationId xmlns:a16="http://schemas.microsoft.com/office/drawing/2014/main" id="{3027D0D6-DF94-9197-20FF-FC4372C3641B}"/>
+              </a:ext>
+            </a:extLst>
+          </p:cNvPr>
+          <p:cNvPicPr>
+            <a:picLocks noChangeAspect="1"/>
+          </p:cNvPicPr>
+          <p:nvPr/>
+        </p:nvPicPr>
+        <p:blipFill>
+          <a:blip r:embed="rId4"/>
+          <a:stretch>
+            <a:fillRect/>
+          </a:stretch>
+        </p:blipFill>
+        <p:spPr>
+          <a:xfrm>
+            <a:off x="8103468" y="2579866"/>
+            <a:ext cx="1689429" cy="3942000"/>
+          </a:xfrm>
+          <a:prstGeom prst="rect">
+            <a:avLst/>
+          </a:prstGeom>
+        </p:spPr>
+      </p:pic>
+      <p:pic>
+        <p:nvPicPr>
+          <p:cNvPr id="11" name="Picture 10">
+            <a:extLst>
+              <a:ext uri="{FF2B5EF4-FFF2-40B4-BE49-F238E27FC236}">
+                <a16:creationId xmlns:a16="http://schemas.microsoft.com/office/drawing/2014/main" id="{DB32C639-0870-620D-681B-07655B98155B}"/>
+              </a:ext>
+            </a:extLst>
+          </p:cNvPr>
+          <p:cNvPicPr>
+            <a:picLocks noChangeAspect="1"/>
+          </p:cNvPicPr>
+          <p:nvPr/>
+        </p:nvPicPr>
+        <p:blipFill>
+          <a:blip r:embed="rId5"/>
+          <a:stretch>
+            <a:fillRect/>
+          </a:stretch>
+        </p:blipFill>
+        <p:spPr>
+          <a:xfrm>
+            <a:off x="9881030" y="2579866"/>
+            <a:ext cx="1689428" cy="3957357"/>
+          </a:xfrm>
+          <a:prstGeom prst="rect">
+            <a:avLst/>
+          </a:prstGeom>
+        </p:spPr>
+      </p:pic>
+      <p:sp>
+        <p:nvSpPr>
+          <p:cNvPr id="15" name="TextBox 14">
+            <a:extLst>
+              <a:ext uri="{FF2B5EF4-FFF2-40B4-BE49-F238E27FC236}">
+                <a16:creationId xmlns:a16="http://schemas.microsoft.com/office/drawing/2014/main" id="{57AA7C2B-2C04-CE48-26E7-0BF61FD5ECA3}"/>
+              </a:ext>
+            </a:extLst>
+          </p:cNvPr>
+          <p:cNvSpPr txBox="1"/>
+          <p:nvPr/>
+        </p:nvSpPr>
+        <p:spPr>
+          <a:xfrm>
+            <a:off x="10566429" y="1789850"/>
+            <a:ext cx="1004029" cy="338554"/>
+          </a:xfrm>
+          <a:prstGeom prst="rect">
+            <a:avLst/>
+          </a:prstGeom>
+        </p:spPr>
+        <p:style>
+          <a:lnRef idx="2">
+            <a:schemeClr val="accent6"/>
+          </a:lnRef>
+          <a:fillRef idx="1">
+            <a:schemeClr val="lt1"/>
+          </a:fillRef>
+          <a:effectRef idx="0">
+            <a:schemeClr val="accent6"/>
+          </a:effectRef>
+          <a:fontRef idx="minor">
+            <a:schemeClr val="dk1"/>
+          </a:fontRef>
+        </p:style>
+        <p:txBody>
+          <a:bodyPr wrap="square" rtlCol="0">
+            <a:spAutoFit/>
+          </a:bodyPr>
+          <a:lstStyle/>
+          <a:p>
+            <a:r>
+              <a:rPr lang="en-US" sz="1600" dirty="0">
+                <a:latin typeface="Nunito" pitchFamily="2" charset="0"/>
+                <a:cs typeface="Times New Roman" panose="02020603050405020304" pitchFamily="18" charset="0"/>
+              </a:rPr>
+              <a:t>Per year</a:t>
+            </a:r>
+            <a:endParaRPr lang="en-ID" sz="1600" dirty="0">
+              <a:latin typeface="Nunito" pitchFamily="2" charset="0"/>
+              <a:cs typeface="Times New Roman" panose="02020603050405020304" pitchFamily="18" charset="0"/>
+            </a:endParaRPr>
+          </a:p>
+        </p:txBody>
+      </p:sp>
     </p:spTree>
     <p:extLst>
       <p:ext uri="{BB962C8B-B14F-4D97-AF65-F5344CB8AC3E}">
-        <p14:creationId xmlns:p14="http://schemas.microsoft.com/office/powerpoint/2010/main" val="2200505213"/>
+        <p14:creationId xmlns:p14="http://schemas.microsoft.com/office/powerpoint/2010/main" val="453034989"/>
       </p:ext>
     </p:extLst>
   </p:cSld>
@@ -7278,7 +8799,7 @@
         <p:spPr>
           <a:xfrm>
             <a:off x="506963" y="1522651"/>
-            <a:ext cx="8784777" cy="473206"/>
+            <a:ext cx="4750018" cy="888705"/>
           </a:xfrm>
           <a:prstGeom prst="rect">
             <a:avLst/>
@@ -7286,7 +8807,7 @@
           <a:noFill/>
         </p:spPr>
         <p:txBody>
-          <a:bodyPr wrap="none" rtlCol="0">
+          <a:bodyPr wrap="square" rtlCol="0">
             <a:spAutoFit/>
           </a:bodyPr>
           <a:lstStyle/>
@@ -7301,8 +8822,15 @@
                 <a:latin typeface="Nunito" pitchFamily="2" charset="0"/>
                 <a:cs typeface="Times New Roman" panose="02020603050405020304" pitchFamily="18" charset="0"/>
               </a:rPr>
-              <a:t>3. 	From which customers do we get more revenue? (from subscriber or customer)</a:t>
-            </a:r>
+              <a:t>2. 	Average duration of the trips per month</a:t>
+            </a:r>
+          </a:p>
+          <a:p>
+            <a:pPr>
+              <a:lnSpc>
+                <a:spcPct val="150000"/>
+              </a:lnSpc>
+            </a:pPr>
             <a:endParaRPr lang="en-ID" dirty="0">
               <a:latin typeface="Nunito" pitchFamily="2" charset="0"/>
               <a:cs typeface="Times New Roman" panose="02020603050405020304" pitchFamily="18" charset="0"/>
@@ -7324,8 +8852,8 @@
         </p:nvSpPr>
         <p:spPr>
           <a:xfrm>
-            <a:off x="877077" y="2038747"/>
-            <a:ext cx="10804849" cy="1077218"/>
+            <a:off x="603379" y="2038747"/>
+            <a:ext cx="3399452" cy="3293209"/>
           </a:xfrm>
           <a:prstGeom prst="rect">
             <a:avLst/>
@@ -7347,7 +8875,7 @@
                 <a:latin typeface="Nunito" pitchFamily="2" charset="0"/>
                 <a:cs typeface="Times New Roman" panose="02020603050405020304" pitchFamily="18" charset="0"/>
               </a:rPr>
-              <a:t>In this section we can focus on the data starting in 2017, because in this data there is already a gender distinction between male and female and we can find more detailed insight.</a:t>
+              <a:t>This chart shows the average duration of bikeshare usage/borrowing (grouped by gender).</a:t>
             </a:r>
           </a:p>
           <a:p>
@@ -7360,7 +8888,46 @@
                 <a:latin typeface="Nunito" pitchFamily="2" charset="0"/>
                 <a:cs typeface="Times New Roman" panose="02020603050405020304" pitchFamily="18" charset="0"/>
               </a:rPr>
-              <a:t>From the diagram below, it can be seen that the most users of bikeshare are subscribers and if based on gender, the ones who use bikeshare services the most are male. And we get more revenue from subscriber.</a:t>
+              <a:t>However, it can be seen that:</a:t>
+            </a:r>
+          </a:p>
+          <a:p>
+            <a:pPr marL="285750" indent="-285750">
+              <a:buFont typeface="Arial" panose="020B0604020202020204" pitchFamily="34" charset="0"/>
+              <a:buChar char="•"/>
+            </a:pPr>
+            <a:r>
+              <a:rPr lang="en-US" sz="1600" dirty="0">
+                <a:latin typeface="Nunito" pitchFamily="2" charset="0"/>
+                <a:cs typeface="Times New Roman" panose="02020603050405020304" pitchFamily="18" charset="0"/>
+              </a:rPr>
+              <a:t>The implementation of this gender grouping started in June 2017.</a:t>
+            </a:r>
+          </a:p>
+          <a:p>
+            <a:pPr marL="285750" indent="-285750">
+              <a:buFont typeface="Arial" panose="020B0604020202020204" pitchFamily="34" charset="0"/>
+              <a:buChar char="•"/>
+            </a:pPr>
+            <a:r>
+              <a:rPr lang="en-US" sz="1600" dirty="0">
+                <a:latin typeface="Nunito" pitchFamily="2" charset="0"/>
+                <a:cs typeface="Times New Roman" panose="02020603050405020304" pitchFamily="18" charset="0"/>
+              </a:rPr>
+              <a:t>From Sept 2016 to May 2017 no data was recorded.</a:t>
+            </a:r>
+          </a:p>
+          <a:p>
+            <a:pPr marL="285750" indent="-285750">
+              <a:buFont typeface="Arial" panose="020B0604020202020204" pitchFamily="34" charset="0"/>
+              <a:buChar char="•"/>
+            </a:pPr>
+            <a:r>
+              <a:rPr lang="en-US" sz="1600" dirty="0">
+                <a:latin typeface="Nunito" pitchFamily="2" charset="0"/>
+                <a:cs typeface="Times New Roman" panose="02020603050405020304" pitchFamily="18" charset="0"/>
+              </a:rPr>
+              <a:t>And the highest average duration of the trips per month occurred in July 2017</a:t>
             </a:r>
             <a:endParaRPr lang="en-ID" sz="1600" dirty="0">
               <a:latin typeface="Nunito" pitchFamily="2" charset="0"/>
@@ -7371,10 +8938,10 @@
       </p:sp>
       <p:pic>
         <p:nvPicPr>
-          <p:cNvPr id="3" name="Picture 2">
+          <p:cNvPr id="5" name="Picture 4">
             <a:extLst>
               <a:ext uri="{FF2B5EF4-FFF2-40B4-BE49-F238E27FC236}">
-                <a16:creationId xmlns:a16="http://schemas.microsoft.com/office/drawing/2014/main" id="{E8CFBBE0-0724-F0E7-1C19-976F76255332}"/>
+                <a16:creationId xmlns:a16="http://schemas.microsoft.com/office/drawing/2014/main" id="{1C46BC66-9F20-22CD-EADC-8A1EBB1D577E}"/>
               </a:ext>
             </a:extLst>
           </p:cNvPr>
@@ -7391,38 +8958,8 @@
         </p:blipFill>
         <p:spPr>
           <a:xfrm>
-            <a:off x="1455576" y="3314206"/>
-            <a:ext cx="4646644" cy="3173781"/>
-          </a:xfrm>
-          <a:prstGeom prst="rect">
-            <a:avLst/>
-          </a:prstGeom>
-        </p:spPr>
-      </p:pic>
-      <p:pic>
-        <p:nvPicPr>
-          <p:cNvPr id="7" name="Picture 6">
-            <a:extLst>
-              <a:ext uri="{FF2B5EF4-FFF2-40B4-BE49-F238E27FC236}">
-                <a16:creationId xmlns:a16="http://schemas.microsoft.com/office/drawing/2014/main" id="{F820CD4D-A5B9-0359-BD66-9C017336CAE7}"/>
-              </a:ext>
-            </a:extLst>
-          </p:cNvPr>
-          <p:cNvPicPr>
-            <a:picLocks noChangeAspect="1"/>
-          </p:cNvPicPr>
-          <p:nvPr/>
-        </p:nvPicPr>
-        <p:blipFill>
-          <a:blip r:embed="rId3"/>
-          <a:stretch>
-            <a:fillRect/>
-          </a:stretch>
-        </p:blipFill>
-        <p:spPr>
-          <a:xfrm>
-            <a:off x="6170504" y="3314205"/>
-            <a:ext cx="4691677" cy="3173781"/>
+            <a:off x="4002831" y="2038747"/>
+            <a:ext cx="7874613" cy="4377996"/>
           </a:xfrm>
           <a:prstGeom prst="rect">
             <a:avLst/>
@@ -7432,7 +8969,7 @@
     </p:spTree>
     <p:extLst>
       <p:ext uri="{BB962C8B-B14F-4D97-AF65-F5344CB8AC3E}">
-        <p14:creationId xmlns:p14="http://schemas.microsoft.com/office/powerpoint/2010/main" val="895234416"/>
+        <p14:creationId xmlns:p14="http://schemas.microsoft.com/office/powerpoint/2010/main" val="1237556320"/>
       </p:ext>
     </p:extLst>
   </p:cSld>

--- a/ASSIGNMENT1.pptx
+++ b/ASSIGNMENT1.pptx
@@ -2,23 +2,23 @@
 <file path=ppt/presentation.xml><?xml version="1.0" encoding="utf-8"?>
 <p:presentation xmlns:a="http://schemas.openxmlformats.org/drawingml/2006/main" xmlns:r="http://schemas.openxmlformats.org/officeDocument/2006/relationships" xmlns:p="http://schemas.openxmlformats.org/presentationml/2006/main" saveSubsetFonts="1">
   <p:sldMasterIdLst>
-    <p:sldMasterId id="2147483660" r:id="rId1"/>
+    <p:sldMasterId id="2147483708" r:id="rId1"/>
   </p:sldMasterIdLst>
   <p:sldIdLst>
     <p:sldId id="256" r:id="rId2"/>
     <p:sldId id="257" r:id="rId3"/>
     <p:sldId id="258" r:id="rId4"/>
-    <p:sldId id="260" r:id="rId5"/>
-    <p:sldId id="259" r:id="rId6"/>
-    <p:sldId id="261" r:id="rId7"/>
-    <p:sldId id="262" r:id="rId8"/>
-    <p:sldId id="263" r:id="rId9"/>
-    <p:sldId id="264" r:id="rId10"/>
-    <p:sldId id="265" r:id="rId11"/>
-    <p:sldId id="267" r:id="rId12"/>
-    <p:sldId id="268" r:id="rId13"/>
-    <p:sldId id="269" r:id="rId14"/>
-    <p:sldId id="266" r:id="rId15"/>
+    <p:sldId id="280" r:id="rId5"/>
+    <p:sldId id="260" r:id="rId6"/>
+    <p:sldId id="278" r:id="rId7"/>
+    <p:sldId id="276" r:id="rId8"/>
+    <p:sldId id="295" r:id="rId9"/>
+    <p:sldId id="296" r:id="rId10"/>
+    <p:sldId id="288" r:id="rId11"/>
+    <p:sldId id="291" r:id="rId12"/>
+    <p:sldId id="292" r:id="rId13"/>
+    <p:sldId id="293" r:id="rId14"/>
+    <p:sldId id="294" r:id="rId15"/>
     <p:sldId id="271" r:id="rId16"/>
   </p:sldIdLst>
   <p:sldSz cx="12192000" cy="6858000"/>
@@ -129,11 +129,6 @@
 <file path=ppt/slideLayouts/slideLayout1.xml><?xml version="1.0" encoding="utf-8"?>
 <p:sldLayout xmlns:a="http://schemas.openxmlformats.org/drawingml/2006/main" xmlns:r="http://schemas.openxmlformats.org/officeDocument/2006/relationships" xmlns:p="http://schemas.openxmlformats.org/presentationml/2006/main" showMasterSp="0" type="title" preserve="1">
   <p:cSld name="Title Slide">
-    <p:bg>
-      <p:bgRef idx="1002">
-        <a:schemeClr val="bg2"/>
-      </p:bgRef>
-    </p:bg>
     <p:spTree>
       <p:nvGrpSpPr>
         <p:cNvPr id="1" name=""/>
@@ -150,32 +145,21 @@
       </p:grpSpPr>
       <p:sp>
         <p:nvSpPr>
-          <p:cNvPr id="16" name="Rectangle 15"/>
+          <p:cNvPr id="7" name="Rectangle 6"/>
           <p:cNvSpPr/>
           <p:nvPr/>
         </p:nvSpPr>
         <p:spPr>
           <a:xfrm>
-            <a:off x="0" y="0"/>
-            <a:ext cx="12192000" cy="6858000"/>
+            <a:off x="3175" y="6400800"/>
+            <a:ext cx="12188825" cy="457200"/>
           </a:xfrm>
           <a:prstGeom prst="rect">
             <a:avLst/>
           </a:prstGeom>
-          <a:blipFill dpi="0" rotWithShape="1">
-            <a:blip r:embed="rId2">
-              <a:alphaModFix amt="45000"/>
-              <a:duotone>
-                <a:schemeClr val="accent1">
-                  <a:shade val="45000"/>
-                  <a:satMod val="135000"/>
-                </a:schemeClr>
-                <a:prstClr val="white"/>
-              </a:duotone>
-            </a:blip>
-            <a:srcRect/>
-            <a:tile tx="-44450" ty="38100" sx="85000" sy="85000" flip="none" algn="tl"/>
-          </a:blipFill>
+          <a:solidFill>
+            <a:schemeClr val="accent2"/>
+          </a:solidFill>
           <a:ln>
             <a:noFill/>
           </a:ln>
@@ -199,79 +183,20 @@
       </p:sp>
       <p:sp>
         <p:nvSpPr>
-          <p:cNvPr id="10" name="Rectangle 9"/>
+          <p:cNvPr id="8" name="Rectangle 7"/>
           <p:cNvSpPr/>
           <p:nvPr/>
         </p:nvSpPr>
         <p:spPr>
           <a:xfrm>
-            <a:off x="1307870" y="1267730"/>
-            <a:ext cx="9576262" cy="4307950"/>
+            <a:off x="15" y="6334316"/>
+            <a:ext cx="12188825" cy="64008"/>
           </a:xfrm>
           <a:prstGeom prst="rect">
             <a:avLst/>
           </a:prstGeom>
           <a:solidFill>
-            <a:schemeClr val="bg1"/>
-          </a:solidFill>
-          <a:ln w="6350" cap="flat" cmpd="sng" algn="ctr">
-            <a:noFill/>
-            <a:prstDash val="solid"/>
-          </a:ln>
-          <a:effectLst>
-            <a:outerShdw blurRad="50800" algn="ctr" rotWithShape="0">
-              <a:prstClr val="black">
-                <a:alpha val="66000"/>
-              </a:prstClr>
-            </a:outerShdw>
-            <a:softEdge rad="0"/>
-          </a:effectLst>
-        </p:spPr>
-      </p:sp>
-      <p:sp>
-        <p:nvSpPr>
-          <p:cNvPr id="11" name="Rectangle 10"/>
-          <p:cNvSpPr/>
-          <p:nvPr/>
-        </p:nvSpPr>
-        <p:spPr>
-          <a:xfrm>
-            <a:off x="1447801" y="1411615"/>
-            <a:ext cx="9296400" cy="4034770"/>
-          </a:xfrm>
-          <a:prstGeom prst="rect">
-            <a:avLst/>
-          </a:prstGeom>
-          <a:noFill/>
-          <a:ln w="6350" cap="sq" cmpd="sng" algn="ctr">
-            <a:solidFill>
-              <a:schemeClr val="tx1">
-                <a:lumMod val="75000"/>
-                <a:lumOff val="25000"/>
-              </a:schemeClr>
-            </a:solidFill>
-            <a:prstDash val="solid"/>
-            <a:miter lim="800000"/>
-          </a:ln>
-          <a:effectLst/>
-        </p:spPr>
-      </p:sp>
-      <p:sp>
-        <p:nvSpPr>
-          <p:cNvPr id="15" name="Rectangle 14"/>
-          <p:cNvSpPr/>
-          <p:nvPr/>
-        </p:nvSpPr>
-        <p:spPr>
-          <a:xfrm>
-            <a:off x="5135880" y="1267730"/>
-            <a:ext cx="1920240" cy="731520"/>
-          </a:xfrm>
-          <a:prstGeom prst="rect">
-            <a:avLst/>
-          </a:prstGeom>
-          <a:solidFill>
-            <a:schemeClr val="bg2"/>
+            <a:schemeClr val="accent1"/>
           </a:solidFill>
           <a:ln>
             <a:noFill/>
@@ -294,147 +219,6 @@
           </a:fontRef>
         </p:style>
       </p:sp>
-      <p:grpSp>
-        <p:nvGrpSpPr>
-          <p:cNvPr id="4" name="Group 3"/>
-          <p:cNvGrpSpPr/>
-          <p:nvPr/>
-        </p:nvGrpSpPr>
-        <p:grpSpPr>
-          <a:xfrm>
-            <a:off x="5250180" y="1267730"/>
-            <a:ext cx="1691640" cy="645295"/>
-            <a:chOff x="5318306" y="1386268"/>
-            <a:chExt cx="1567331" cy="645295"/>
-          </a:xfrm>
-        </p:grpSpPr>
-        <p:cxnSp>
-          <p:nvCxnSpPr>
-            <p:cNvPr id="17" name="Straight Connector 16"/>
-            <p:cNvCxnSpPr/>
-            <p:nvPr/>
-          </p:nvCxnSpPr>
-          <p:spPr>
-            <a:xfrm>
-              <a:off x="5318306" y="1386268"/>
-              <a:ext cx="0" cy="640080"/>
-            </a:xfrm>
-            <a:prstGeom prst="line">
-              <a:avLst/>
-            </a:prstGeom>
-            <a:solidFill>
-              <a:schemeClr val="tx1">
-                <a:lumMod val="85000"/>
-                <a:lumOff val="15000"/>
-              </a:schemeClr>
-            </a:solidFill>
-            <a:ln>
-              <a:solidFill>
-                <a:schemeClr val="tx1"/>
-              </a:solidFill>
-              <a:miter lim="800000"/>
-            </a:ln>
-          </p:spPr>
-          <p:style>
-            <a:lnRef idx="1">
-              <a:schemeClr val="accent1"/>
-            </a:lnRef>
-            <a:fillRef idx="0">
-              <a:schemeClr val="accent1"/>
-            </a:fillRef>
-            <a:effectRef idx="0">
-              <a:schemeClr val="accent1"/>
-            </a:effectRef>
-            <a:fontRef idx="minor">
-              <a:schemeClr val="tx1"/>
-            </a:fontRef>
-          </p:style>
-        </p:cxnSp>
-        <p:cxnSp>
-          <p:nvCxnSpPr>
-            <p:cNvPr id="18" name="Straight Connector 17"/>
-            <p:cNvCxnSpPr/>
-            <p:nvPr/>
-          </p:nvCxnSpPr>
-          <p:spPr>
-            <a:xfrm>
-              <a:off x="6885637" y="1386268"/>
-              <a:ext cx="0" cy="640080"/>
-            </a:xfrm>
-            <a:prstGeom prst="line">
-              <a:avLst/>
-            </a:prstGeom>
-            <a:solidFill>
-              <a:schemeClr val="tx1">
-                <a:lumMod val="85000"/>
-                <a:lumOff val="15000"/>
-              </a:schemeClr>
-            </a:solidFill>
-            <a:ln>
-              <a:solidFill>
-                <a:schemeClr val="tx1"/>
-              </a:solidFill>
-              <a:miter lim="800000"/>
-            </a:ln>
-          </p:spPr>
-          <p:style>
-            <a:lnRef idx="1">
-              <a:schemeClr val="accent1"/>
-            </a:lnRef>
-            <a:fillRef idx="0">
-              <a:schemeClr val="accent1"/>
-            </a:fillRef>
-            <a:effectRef idx="0">
-              <a:schemeClr val="accent1"/>
-            </a:effectRef>
-            <a:fontRef idx="minor">
-              <a:schemeClr val="tx1"/>
-            </a:fontRef>
-          </p:style>
-        </p:cxnSp>
-        <p:cxnSp>
-          <p:nvCxnSpPr>
-            <p:cNvPr id="19" name="Straight Connector 18"/>
-            <p:cNvCxnSpPr/>
-            <p:nvPr/>
-          </p:nvCxnSpPr>
-          <p:spPr>
-            <a:xfrm>
-              <a:off x="5318306" y="2031563"/>
-              <a:ext cx="1567331" cy="0"/>
-            </a:xfrm>
-            <a:prstGeom prst="line">
-              <a:avLst/>
-            </a:prstGeom>
-            <a:solidFill>
-              <a:schemeClr val="tx1">
-                <a:lumMod val="85000"/>
-                <a:lumOff val="15000"/>
-              </a:schemeClr>
-            </a:solidFill>
-            <a:ln>
-              <a:solidFill>
-                <a:schemeClr val="tx1"/>
-              </a:solidFill>
-              <a:miter lim="800000"/>
-            </a:ln>
-          </p:spPr>
-          <p:style>
-            <a:lnRef idx="1">
-              <a:schemeClr val="accent1"/>
-            </a:lnRef>
-            <a:fillRef idx="0">
-              <a:schemeClr val="accent1"/>
-            </a:fillRef>
-            <a:effectRef idx="0">
-              <a:schemeClr val="accent1"/>
-            </a:effectRef>
-            <a:fontRef idx="minor">
-              <a:schemeClr val="tx1"/>
-            </a:fontRef>
-          </p:style>
-        </p:cxnSp>
-      </p:grpSp>
       <p:sp>
         <p:nvSpPr>
           <p:cNvPr id="2" name="Title 1"/>
@@ -447,30 +231,26 @@
         </p:nvSpPr>
         <p:spPr>
           <a:xfrm>
-            <a:off x="1561708" y="2091263"/>
-            <a:ext cx="9068586" cy="2590800"/>
-          </a:xfrm>
-        </p:spPr>
-        <p:txBody>
-          <a:bodyPr tIns="45720" bIns="45720" anchor="ctr">
-            <a:noAutofit/>
+            <a:off x="1097280" y="758952"/>
+            <a:ext cx="10058400" cy="3566160"/>
+          </a:xfrm>
+        </p:spPr>
+        <p:txBody>
+          <a:bodyPr anchor="b">
+            <a:normAutofit/>
           </a:bodyPr>
           <a:lstStyle>
-            <a:lvl1pPr algn="ctr">
+            <a:lvl1pPr algn="l">
               <a:lnSpc>
-                <a:spcPct val="83000"/>
+                <a:spcPct val="85000"/>
               </a:lnSpc>
-              <a:defRPr lang="en-US" sz="7200" b="0" kern="1200" cap="all" spc="-100" baseline="0" dirty="0">
+              <a:defRPr sz="8000" spc="-50" baseline="0">
                 <a:solidFill>
                   <a:schemeClr val="tx1">
                     <a:lumMod val="85000"/>
                     <a:lumOff val="15000"/>
                   </a:schemeClr>
                 </a:solidFill>
-                <a:effectLst/>
-                <a:latin typeface="+mj-lt"/>
-                <a:ea typeface="+mn-ea"/>
-                <a:cs typeface="+mn-cs"/>
               </a:defRPr>
             </a:lvl1pPr>
           </a:lstStyle>
@@ -495,57 +275,55 @@
         </p:nvSpPr>
         <p:spPr>
           <a:xfrm>
-            <a:off x="1562100" y="4682062"/>
-            <a:ext cx="9070848" cy="457201"/>
-          </a:xfrm>
-        </p:spPr>
-        <p:txBody>
-          <a:bodyPr>
+            <a:off x="1100051" y="4455621"/>
+            <a:ext cx="10058400" cy="1143000"/>
+          </a:xfrm>
+        </p:spPr>
+        <p:txBody>
+          <a:bodyPr lIns="91440" rIns="91440">
             <a:normAutofit/>
           </a:bodyPr>
           <a:lstStyle>
-            <a:lvl1pPr marL="0" indent="0" algn="ctr">
-              <a:spcBef>
-                <a:spcPts val="0"/>
-              </a:spcBef>
+            <a:lvl1pPr marL="0" indent="0" algn="l">
               <a:buNone/>
-              <a:defRPr sz="1600" spc="80" baseline="0">
+              <a:defRPr sz="2400" cap="all" spc="200" baseline="0">
                 <a:solidFill>
-                  <a:schemeClr val="tx1"/>
+                  <a:schemeClr val="tx2"/>
                 </a:solidFill>
+                <a:latin typeface="+mj-lt"/>
               </a:defRPr>
             </a:lvl1pPr>
             <a:lvl2pPr marL="457200" indent="0" algn="ctr">
               <a:buNone/>
-              <a:defRPr sz="1600"/>
+              <a:defRPr sz="2400"/>
             </a:lvl2pPr>
             <a:lvl3pPr marL="914400" indent="0" algn="ctr">
               <a:buNone/>
-              <a:defRPr sz="1600"/>
+              <a:defRPr sz="2400"/>
             </a:lvl3pPr>
             <a:lvl4pPr marL="1371600" indent="0" algn="ctr">
               <a:buNone/>
-              <a:defRPr sz="1600"/>
+              <a:defRPr sz="2000"/>
             </a:lvl4pPr>
             <a:lvl5pPr marL="1828800" indent="0" algn="ctr">
               <a:buNone/>
-              <a:defRPr sz="1600"/>
+              <a:defRPr sz="2000"/>
             </a:lvl5pPr>
             <a:lvl6pPr marL="2286000" indent="0" algn="ctr">
               <a:buNone/>
-              <a:defRPr sz="1600"/>
+              <a:defRPr sz="2000"/>
             </a:lvl6pPr>
             <a:lvl7pPr marL="2743200" indent="0" algn="ctr">
               <a:buNone/>
-              <a:defRPr sz="1600"/>
+              <a:defRPr sz="2000"/>
             </a:lvl7pPr>
             <a:lvl8pPr marL="3200400" indent="0" algn="ctr">
               <a:buNone/>
-              <a:defRPr sz="1600"/>
+              <a:defRPr sz="2000"/>
             </a:lvl8pPr>
             <a:lvl9pPr marL="3657600" indent="0" algn="ctr">
               <a:buNone/>
-              <a:defRPr sz="1600"/>
+              <a:defRPr sz="2000"/>
             </a:lvl9pPr>
           </a:lstStyle>
           <a:p>
@@ -559,7 +337,7 @@
       </p:sp>
       <p:sp>
         <p:nvSpPr>
-          <p:cNvPr id="20" name="Date Placeholder 19"/>
+          <p:cNvPr id="4" name="Date Placeholder 3"/>
           <p:cNvSpPr>
             <a:spLocks noGrp="1"/>
           </p:cNvSpPr>
@@ -567,28 +345,14 @@
             <p:ph type="dt" sz="half" idx="10"/>
           </p:nvPr>
         </p:nvSpPr>
-        <p:spPr>
-          <a:xfrm>
-            <a:off x="5318760" y="1341255"/>
-            <a:ext cx="1554480" cy="527213"/>
-          </a:xfrm>
-        </p:spPr>
+        <p:spPr/>
         <p:txBody>
           <a:bodyPr/>
-          <a:lstStyle>
-            <a:lvl1pPr algn="ctr">
-              <a:defRPr sz="1300" spc="0" baseline="0">
-                <a:solidFill>
-                  <a:schemeClr val="tx1"/>
-                </a:solidFill>
-                <a:latin typeface="+mn-lt"/>
-              </a:defRPr>
-            </a:lvl1pPr>
-          </a:lstStyle>
+          <a:lstStyle/>
           <a:p>
             <a:fld id="{3064EE62-ECEF-41AE-9F67-44CA13249033}" type="datetimeFigureOut">
               <a:rPr lang="en-ID" smtClean="0"/>
-              <a:t>13/07/2022</a:t>
+              <a:t>19/07/2022</a:t>
             </a:fld>
             <a:endParaRPr lang="en-ID"/>
           </a:p>
@@ -596,7 +360,7 @@
       </p:sp>
       <p:sp>
         <p:nvSpPr>
-          <p:cNvPr id="21" name="Footer Placeholder 20"/>
+          <p:cNvPr id="5" name="Footer Placeholder 4"/>
           <p:cNvSpPr>
             <a:spLocks noGrp="1"/>
           </p:cNvSpPr>
@@ -604,26 +368,10 @@
             <p:ph type="ftr" sz="quarter" idx="11"/>
           </p:nvPr>
         </p:nvSpPr>
-        <p:spPr>
-          <a:xfrm>
-            <a:off x="1453896" y="5211060"/>
-            <a:ext cx="5905500" cy="228600"/>
-          </a:xfrm>
-        </p:spPr>
+        <p:spPr/>
         <p:txBody>
           <a:bodyPr/>
-          <a:lstStyle>
-            <a:lvl1pPr algn="l">
-              <a:defRPr>
-                <a:solidFill>
-                  <a:schemeClr val="tx1">
-                    <a:lumMod val="75000"/>
-                    <a:lumOff val="25000"/>
-                  </a:schemeClr>
-                </a:solidFill>
-              </a:defRPr>
-            </a:lvl1pPr>
-          </a:lstStyle>
+          <a:lstStyle/>
           <a:p>
             <a:endParaRPr lang="en-ID"/>
           </a:p>
@@ -631,7 +379,7 @@
       </p:sp>
       <p:sp>
         <p:nvSpPr>
-          <p:cNvPr id="22" name="Slide Number Placeholder 21"/>
+          <p:cNvPr id="6" name="Slide Number Placeholder 5"/>
           <p:cNvSpPr>
             <a:spLocks noGrp="1"/>
           </p:cNvSpPr>
@@ -639,26 +387,10 @@
             <p:ph type="sldNum" sz="quarter" idx="12"/>
           </p:nvPr>
         </p:nvSpPr>
-        <p:spPr>
-          <a:xfrm>
-            <a:off x="8606919" y="5212080"/>
-            <a:ext cx="2111881" cy="228600"/>
-          </a:xfrm>
-        </p:spPr>
+        <p:spPr/>
         <p:txBody>
           <a:bodyPr/>
-          <a:lstStyle>
-            <a:lvl1pPr>
-              <a:defRPr>
-                <a:solidFill>
-                  <a:schemeClr val="tx1">
-                    <a:lumMod val="75000"/>
-                    <a:lumOff val="25000"/>
-                  </a:schemeClr>
-                </a:solidFill>
-              </a:defRPr>
-            </a:lvl1pPr>
-          </a:lstStyle>
+          <a:lstStyle/>
           <a:p>
             <a:fld id="{97A54D02-C7CA-468E-9A85-2EB3A8EA2248}" type="slidenum">
               <a:rPr lang="en-ID" smtClean="0"/>
@@ -668,15 +400,53 @@
           </a:p>
         </p:txBody>
       </p:sp>
+      <p:cxnSp>
+        <p:nvCxnSpPr>
+          <p:cNvPr id="9" name="Straight Connector 8"/>
+          <p:cNvCxnSpPr/>
+          <p:nvPr/>
+        </p:nvCxnSpPr>
+        <p:spPr>
+          <a:xfrm>
+            <a:off x="1207658" y="4343400"/>
+            <a:ext cx="9875520" cy="0"/>
+          </a:xfrm>
+          <a:prstGeom prst="line">
+            <a:avLst/>
+          </a:prstGeom>
+          <a:ln w="6350">
+            <a:solidFill>
+              <a:schemeClr val="tx1">
+                <a:lumMod val="50000"/>
+                <a:lumOff val="50000"/>
+              </a:schemeClr>
+            </a:solidFill>
+          </a:ln>
+        </p:spPr>
+        <p:style>
+          <a:lnRef idx="1">
+            <a:schemeClr val="accent1"/>
+          </a:lnRef>
+          <a:fillRef idx="0">
+            <a:schemeClr val="accent1"/>
+          </a:fillRef>
+          <a:effectRef idx="0">
+            <a:schemeClr val="accent1"/>
+          </a:effectRef>
+          <a:fontRef idx="minor">
+            <a:schemeClr val="tx1"/>
+          </a:fontRef>
+        </p:style>
+      </p:cxnSp>
     </p:spTree>
     <p:extLst>
       <p:ext uri="{BB962C8B-B14F-4D97-AF65-F5344CB8AC3E}">
-        <p14:creationId xmlns:p14="http://schemas.microsoft.com/office/powerpoint/2010/main" val="514165377"/>
+        <p14:creationId xmlns:p14="http://schemas.microsoft.com/office/powerpoint/2010/main" val="1323447817"/>
       </p:ext>
     </p:extLst>
   </p:cSld>
   <p:clrMapOvr>
-    <a:overrideClrMapping bg1="lt1" tx1="dk1" bg2="lt2" tx2="dk2" accent1="accent1" accent2="accent2" accent3="accent3" accent4="accent4" accent5="accent5" accent6="accent6" hlink="hlink" folHlink="folHlink"/>
+    <a:masterClrMapping/>
   </p:clrMapOvr>
 </p:sldLayout>
 </file>
@@ -733,7 +503,7 @@
         </p:nvSpPr>
         <p:spPr/>
         <p:txBody>
-          <a:bodyPr vert="eaVert"/>
+          <a:bodyPr vert="eaVert" lIns="45720" tIns="0" rIns="45720" bIns="0"/>
           <a:lstStyle/>
           <a:p>
             <a:pPr lvl="0"/>
@@ -790,7 +560,7 @@
           <a:p>
             <a:fld id="{3064EE62-ECEF-41AE-9F67-44CA13249033}" type="datetimeFigureOut">
               <a:rPr lang="en-ID" smtClean="0"/>
-              <a:t>13/07/2022</a:t>
+              <a:t>19/07/2022</a:t>
             </a:fld>
             <a:endParaRPr lang="en-ID"/>
           </a:p>
@@ -841,7 +611,7 @@
     </p:spTree>
     <p:extLst>
       <p:ext uri="{BB962C8B-B14F-4D97-AF65-F5344CB8AC3E}">
-        <p14:creationId xmlns:p14="http://schemas.microsoft.com/office/powerpoint/2010/main" val="1984150124"/>
+        <p14:creationId xmlns:p14="http://schemas.microsoft.com/office/powerpoint/2010/main" val="2026579890"/>
       </p:ext>
     </p:extLst>
   </p:cSld>
@@ -852,7 +622,7 @@
 </file>
 
 <file path=ppt/slideLayouts/slideLayout11.xml><?xml version="1.0" encoding="utf-8"?>
-<p:sldLayout xmlns:a="http://schemas.openxmlformats.org/drawingml/2006/main" xmlns:r="http://schemas.openxmlformats.org/officeDocument/2006/relationships" xmlns:p="http://schemas.openxmlformats.org/presentationml/2006/main" type="vertTitleAndTx" preserve="1">
+<p:sldLayout xmlns:a="http://schemas.openxmlformats.org/drawingml/2006/main" xmlns:r="http://schemas.openxmlformats.org/officeDocument/2006/relationships" xmlns:p="http://schemas.openxmlformats.org/presentationml/2006/main" showMasterSp="0" type="vertTitleAndTx" preserve="1">
   <p:cSld name="Vertical Title and Text">
     <p:spTree>
       <p:nvGrpSpPr>
@@ -870,6 +640,82 @@
       </p:grpSpPr>
       <p:sp>
         <p:nvSpPr>
+          <p:cNvPr id="7" name="Rectangle 6"/>
+          <p:cNvSpPr/>
+          <p:nvPr/>
+        </p:nvSpPr>
+        <p:spPr>
+          <a:xfrm>
+            <a:off x="3175" y="6400800"/>
+            <a:ext cx="12188825" cy="457200"/>
+          </a:xfrm>
+          <a:prstGeom prst="rect">
+            <a:avLst/>
+          </a:prstGeom>
+          <a:solidFill>
+            <a:schemeClr val="accent2"/>
+          </a:solidFill>
+          <a:ln>
+            <a:noFill/>
+          </a:ln>
+        </p:spPr>
+        <p:style>
+          <a:lnRef idx="2">
+            <a:schemeClr val="accent1">
+              <a:shade val="50000"/>
+            </a:schemeClr>
+          </a:lnRef>
+          <a:fillRef idx="1">
+            <a:schemeClr val="accent1"/>
+          </a:fillRef>
+          <a:effectRef idx="0">
+            <a:schemeClr val="accent1"/>
+          </a:effectRef>
+          <a:fontRef idx="minor">
+            <a:schemeClr val="lt1"/>
+          </a:fontRef>
+        </p:style>
+      </p:sp>
+      <p:sp>
+        <p:nvSpPr>
+          <p:cNvPr id="8" name="Rectangle 7"/>
+          <p:cNvSpPr/>
+          <p:nvPr/>
+        </p:nvSpPr>
+        <p:spPr>
+          <a:xfrm>
+            <a:off x="15" y="6334316"/>
+            <a:ext cx="12188825" cy="64008"/>
+          </a:xfrm>
+          <a:prstGeom prst="rect">
+            <a:avLst/>
+          </a:prstGeom>
+          <a:solidFill>
+            <a:schemeClr val="accent1"/>
+          </a:solidFill>
+          <a:ln>
+            <a:noFill/>
+          </a:ln>
+        </p:spPr>
+        <p:style>
+          <a:lnRef idx="2">
+            <a:schemeClr val="accent1">
+              <a:shade val="50000"/>
+            </a:schemeClr>
+          </a:lnRef>
+          <a:fillRef idx="1">
+            <a:schemeClr val="accent1"/>
+          </a:fillRef>
+          <a:effectRef idx="0">
+            <a:schemeClr val="accent1"/>
+          </a:effectRef>
+          <a:fontRef idx="minor">
+            <a:schemeClr val="lt1"/>
+          </a:fontRef>
+        </p:style>
+      </p:sp>
+      <p:sp>
+        <p:nvSpPr>
           <p:cNvPr id="2" name="Vertical Title 1"/>
           <p:cNvSpPr>
             <a:spLocks noGrp="1"/>
@@ -880,8 +726,8 @@
         </p:nvSpPr>
         <p:spPr>
           <a:xfrm>
-            <a:off x="8991600" y="762000"/>
-            <a:ext cx="2362200" cy="5257800"/>
+            <a:off x="8724900" y="412302"/>
+            <a:ext cx="2628900" cy="5759898"/>
           </a:xfrm>
         </p:spPr>
         <p:txBody>
@@ -908,12 +754,12 @@
         </p:nvSpPr>
         <p:spPr>
           <a:xfrm>
-            <a:off x="838200" y="762000"/>
-            <a:ext cx="8077200" cy="5257800"/>
-          </a:xfrm>
-        </p:spPr>
-        <p:txBody>
-          <a:bodyPr vert="eaVert"/>
+            <a:off x="838200" y="412302"/>
+            <a:ext cx="7734300" cy="5759898"/>
+          </a:xfrm>
+        </p:spPr>
+        <p:txBody>
+          <a:bodyPr vert="eaVert" lIns="45720" tIns="0" rIns="45720" bIns="0"/>
           <a:lstStyle/>
           <a:p>
             <a:pPr lvl="0"/>
@@ -970,7 +816,7 @@
           <a:p>
             <a:fld id="{3064EE62-ECEF-41AE-9F67-44CA13249033}" type="datetimeFigureOut">
               <a:rPr lang="en-ID" smtClean="0"/>
-              <a:t>13/07/2022</a:t>
+              <a:t>19/07/2022</a:t>
             </a:fld>
             <a:endParaRPr lang="en-ID"/>
           </a:p>
@@ -1021,7 +867,7 @@
     </p:spTree>
     <p:extLst>
       <p:ext uri="{BB962C8B-B14F-4D97-AF65-F5344CB8AC3E}">
-        <p14:creationId xmlns:p14="http://schemas.microsoft.com/office/powerpoint/2010/main" val="2030675484"/>
+        <p14:creationId xmlns:p14="http://schemas.microsoft.com/office/powerpoint/2010/main" val="875623685"/>
       </p:ext>
     </p:extLst>
   </p:cSld>
@@ -1125,7 +971,7 @@
       </p:sp>
       <p:sp>
         <p:nvSpPr>
-          <p:cNvPr id="7" name="Date Placeholder 6"/>
+          <p:cNvPr id="4" name="Date Placeholder 3"/>
           <p:cNvSpPr>
             <a:spLocks noGrp="1"/>
           </p:cNvSpPr>
@@ -1140,7 +986,7 @@
           <a:p>
             <a:fld id="{3064EE62-ECEF-41AE-9F67-44CA13249033}" type="datetimeFigureOut">
               <a:rPr lang="en-ID" smtClean="0"/>
-              <a:t>13/07/2022</a:t>
+              <a:t>19/07/2022</a:t>
             </a:fld>
             <a:endParaRPr lang="en-ID"/>
           </a:p>
@@ -1148,7 +994,7 @@
       </p:sp>
       <p:sp>
         <p:nvSpPr>
-          <p:cNvPr id="8" name="Footer Placeholder 7"/>
+          <p:cNvPr id="5" name="Footer Placeholder 4"/>
           <p:cNvSpPr>
             <a:spLocks noGrp="1"/>
           </p:cNvSpPr>
@@ -1167,7 +1013,7 @@
       </p:sp>
       <p:sp>
         <p:nvSpPr>
-          <p:cNvPr id="9" name="Slide Number Placeholder 8"/>
+          <p:cNvPr id="6" name="Slide Number Placeholder 5"/>
           <p:cNvSpPr>
             <a:spLocks noGrp="1"/>
           </p:cNvSpPr>
@@ -1191,7 +1037,7 @@
     </p:spTree>
     <p:extLst>
       <p:ext uri="{BB962C8B-B14F-4D97-AF65-F5344CB8AC3E}">
-        <p14:creationId xmlns:p14="http://schemas.microsoft.com/office/powerpoint/2010/main" val="4168618873"/>
+        <p14:creationId xmlns:p14="http://schemas.microsoft.com/office/powerpoint/2010/main" val="3428015380"/>
       </p:ext>
     </p:extLst>
   </p:cSld>
@@ -1205,9 +1051,12 @@
 <p:sldLayout xmlns:a="http://schemas.openxmlformats.org/drawingml/2006/main" xmlns:r="http://schemas.openxmlformats.org/officeDocument/2006/relationships" xmlns:p="http://schemas.openxmlformats.org/presentationml/2006/main" showMasterSp="0" type="secHead" preserve="1">
   <p:cSld name="Section Header">
     <p:bg>
-      <p:bgRef idx="1002">
-        <a:schemeClr val="bg2"/>
-      </p:bgRef>
+      <p:bgPr>
+        <a:solidFill>
+          <a:schemeClr val="bg1"/>
+        </a:solidFill>
+        <a:effectLst/>
+      </p:bgPr>
     </p:bg>
     <p:spTree>
       <p:nvGrpSpPr>
@@ -1225,32 +1074,21 @@
       </p:grpSpPr>
       <p:sp>
         <p:nvSpPr>
-          <p:cNvPr id="22" name="Rectangle 21"/>
+          <p:cNvPr id="7" name="Rectangle 6"/>
           <p:cNvSpPr/>
           <p:nvPr/>
         </p:nvSpPr>
         <p:spPr>
           <a:xfrm>
-            <a:off x="0" y="0"/>
-            <a:ext cx="12192000" cy="6858000"/>
+            <a:off x="3175" y="6400800"/>
+            <a:ext cx="12188825" cy="457200"/>
           </a:xfrm>
           <a:prstGeom prst="rect">
             <a:avLst/>
           </a:prstGeom>
-          <a:blipFill dpi="0" rotWithShape="1">
-            <a:blip r:embed="rId2">
-              <a:alphaModFix amt="45000"/>
-              <a:duotone>
-                <a:schemeClr val="accent2">
-                  <a:shade val="45000"/>
-                  <a:satMod val="135000"/>
-                </a:schemeClr>
-                <a:prstClr val="white"/>
-              </a:duotone>
-            </a:blip>
-            <a:srcRect/>
-            <a:tile tx="-44450" ty="38100" sx="85000" sy="85000" flip="none" algn="tl"/>
-          </a:blipFill>
+          <a:solidFill>
+            <a:schemeClr val="accent2"/>
+          </a:solidFill>
           <a:ln>
             <a:noFill/>
           </a:ln>
@@ -1274,79 +1112,20 @@
       </p:sp>
       <p:sp>
         <p:nvSpPr>
-          <p:cNvPr id="23" name="Rectangle 22"/>
+          <p:cNvPr id="8" name="Rectangle 7"/>
           <p:cNvSpPr/>
           <p:nvPr/>
         </p:nvSpPr>
         <p:spPr>
           <a:xfrm>
-            <a:off x="1307870" y="1267730"/>
-            <a:ext cx="9576262" cy="4307950"/>
+            <a:off x="15" y="6334316"/>
+            <a:ext cx="12188825" cy="64008"/>
           </a:xfrm>
           <a:prstGeom prst="rect">
             <a:avLst/>
           </a:prstGeom>
           <a:solidFill>
-            <a:schemeClr val="bg1"/>
-          </a:solidFill>
-          <a:ln w="6350" cap="flat" cmpd="sng" algn="ctr">
-            <a:noFill/>
-            <a:prstDash val="solid"/>
-          </a:ln>
-          <a:effectLst>
-            <a:outerShdw blurRad="50800" algn="ctr" rotWithShape="0">
-              <a:prstClr val="black">
-                <a:alpha val="66000"/>
-              </a:prstClr>
-            </a:outerShdw>
-            <a:softEdge rad="0"/>
-          </a:effectLst>
-        </p:spPr>
-      </p:sp>
-      <p:sp>
-        <p:nvSpPr>
-          <p:cNvPr id="24" name="Rectangle 23"/>
-          <p:cNvSpPr/>
-          <p:nvPr/>
-        </p:nvSpPr>
-        <p:spPr>
-          <a:xfrm>
-            <a:off x="1447800" y="1411615"/>
-            <a:ext cx="9296400" cy="4034770"/>
-          </a:xfrm>
-          <a:prstGeom prst="rect">
-            <a:avLst/>
-          </a:prstGeom>
-          <a:noFill/>
-          <a:ln w="6350" cap="sq" cmpd="sng" algn="ctr">
-            <a:solidFill>
-              <a:schemeClr val="tx1">
-                <a:lumMod val="75000"/>
-                <a:lumOff val="25000"/>
-              </a:schemeClr>
-            </a:solidFill>
-            <a:prstDash val="solid"/>
-            <a:miter lim="800000"/>
-          </a:ln>
-          <a:effectLst/>
-        </p:spPr>
-      </p:sp>
-      <p:sp>
-        <p:nvSpPr>
-          <p:cNvPr id="30" name="Rectangle 29"/>
-          <p:cNvSpPr/>
-          <p:nvPr/>
-        </p:nvSpPr>
-        <p:spPr>
-          <a:xfrm>
-            <a:off x="5135880" y="1267730"/>
-            <a:ext cx="1920240" cy="731520"/>
-          </a:xfrm>
-          <a:prstGeom prst="rect">
-            <a:avLst/>
-          </a:prstGeom>
-          <a:solidFill>
-            <a:schemeClr val="bg2"/>
+            <a:schemeClr val="accent1"/>
           </a:solidFill>
           <a:ln>
             <a:noFill/>
@@ -1369,147 +1148,6 @@
           </a:fontRef>
         </p:style>
       </p:sp>
-      <p:grpSp>
-        <p:nvGrpSpPr>
-          <p:cNvPr id="31" name="Group 30"/>
-          <p:cNvGrpSpPr/>
-          <p:nvPr/>
-        </p:nvGrpSpPr>
-        <p:grpSpPr>
-          <a:xfrm>
-            <a:off x="5250180" y="1267730"/>
-            <a:ext cx="1691640" cy="645295"/>
-            <a:chOff x="5318306" y="1386268"/>
-            <a:chExt cx="1567331" cy="645295"/>
-          </a:xfrm>
-        </p:grpSpPr>
-        <p:cxnSp>
-          <p:nvCxnSpPr>
-            <p:cNvPr id="32" name="Straight Connector 31"/>
-            <p:cNvCxnSpPr/>
-            <p:nvPr/>
-          </p:nvCxnSpPr>
-          <p:spPr>
-            <a:xfrm>
-              <a:off x="5318306" y="1386268"/>
-              <a:ext cx="0" cy="640080"/>
-            </a:xfrm>
-            <a:prstGeom prst="line">
-              <a:avLst/>
-            </a:prstGeom>
-            <a:solidFill>
-              <a:schemeClr val="tx1">
-                <a:lumMod val="85000"/>
-                <a:lumOff val="15000"/>
-              </a:schemeClr>
-            </a:solidFill>
-            <a:ln>
-              <a:solidFill>
-                <a:schemeClr val="tx1"/>
-              </a:solidFill>
-              <a:miter lim="800000"/>
-            </a:ln>
-          </p:spPr>
-          <p:style>
-            <a:lnRef idx="1">
-              <a:schemeClr val="accent1"/>
-            </a:lnRef>
-            <a:fillRef idx="0">
-              <a:schemeClr val="accent1"/>
-            </a:fillRef>
-            <a:effectRef idx="0">
-              <a:schemeClr val="accent1"/>
-            </a:effectRef>
-            <a:fontRef idx="minor">
-              <a:schemeClr val="tx1"/>
-            </a:fontRef>
-          </p:style>
-        </p:cxnSp>
-        <p:cxnSp>
-          <p:nvCxnSpPr>
-            <p:cNvPr id="33" name="Straight Connector 32"/>
-            <p:cNvCxnSpPr/>
-            <p:nvPr/>
-          </p:nvCxnSpPr>
-          <p:spPr>
-            <a:xfrm>
-              <a:off x="6885637" y="1386268"/>
-              <a:ext cx="0" cy="640080"/>
-            </a:xfrm>
-            <a:prstGeom prst="line">
-              <a:avLst/>
-            </a:prstGeom>
-            <a:solidFill>
-              <a:schemeClr val="tx1">
-                <a:lumMod val="85000"/>
-                <a:lumOff val="15000"/>
-              </a:schemeClr>
-            </a:solidFill>
-            <a:ln>
-              <a:solidFill>
-                <a:schemeClr val="tx1"/>
-              </a:solidFill>
-              <a:miter lim="800000"/>
-            </a:ln>
-          </p:spPr>
-          <p:style>
-            <a:lnRef idx="1">
-              <a:schemeClr val="accent1"/>
-            </a:lnRef>
-            <a:fillRef idx="0">
-              <a:schemeClr val="accent1"/>
-            </a:fillRef>
-            <a:effectRef idx="0">
-              <a:schemeClr val="accent1"/>
-            </a:effectRef>
-            <a:fontRef idx="minor">
-              <a:schemeClr val="tx1"/>
-            </a:fontRef>
-          </p:style>
-        </p:cxnSp>
-        <p:cxnSp>
-          <p:nvCxnSpPr>
-            <p:cNvPr id="34" name="Straight Connector 33"/>
-            <p:cNvCxnSpPr/>
-            <p:nvPr/>
-          </p:nvCxnSpPr>
-          <p:spPr>
-            <a:xfrm>
-              <a:off x="5318306" y="2031563"/>
-              <a:ext cx="1567331" cy="0"/>
-            </a:xfrm>
-            <a:prstGeom prst="line">
-              <a:avLst/>
-            </a:prstGeom>
-            <a:solidFill>
-              <a:schemeClr val="tx1">
-                <a:lumMod val="85000"/>
-                <a:lumOff val="15000"/>
-              </a:schemeClr>
-            </a:solidFill>
-            <a:ln>
-              <a:solidFill>
-                <a:schemeClr val="tx1"/>
-              </a:solidFill>
-              <a:miter lim="800000"/>
-            </a:ln>
-          </p:spPr>
-          <p:style>
-            <a:lnRef idx="1">
-              <a:schemeClr val="accent1"/>
-            </a:lnRef>
-            <a:fillRef idx="0">
-              <a:schemeClr val="accent1"/>
-            </a:fillRef>
-            <a:effectRef idx="0">
-              <a:schemeClr val="accent1"/>
-            </a:effectRef>
-            <a:fontRef idx="minor">
-              <a:schemeClr val="tx1"/>
-            </a:fontRef>
-          </p:style>
-        </p:cxnSp>
-      </p:grpSp>
       <p:sp>
         <p:nvSpPr>
           <p:cNvPr id="2" name="Title 1"/>
@@ -1522,30 +1160,26 @@
         </p:nvSpPr>
         <p:spPr>
           <a:xfrm>
-            <a:off x="1563623" y="2094309"/>
-            <a:ext cx="9070848" cy="2587752"/>
-          </a:xfrm>
-        </p:spPr>
-        <p:txBody>
-          <a:bodyPr anchor="ctr">
-            <a:noAutofit/>
+            <a:off x="1097280" y="758952"/>
+            <a:ext cx="10058400" cy="3566160"/>
+          </a:xfrm>
+        </p:spPr>
+        <p:txBody>
+          <a:bodyPr anchor="b" anchorCtr="0">
+            <a:normAutofit/>
           </a:bodyPr>
           <a:lstStyle>
-            <a:lvl1pPr algn="ctr">
+            <a:lvl1pPr>
               <a:lnSpc>
-                <a:spcPct val="83000"/>
+                <a:spcPct val="85000"/>
               </a:lnSpc>
-              <a:defRPr lang="en-US" sz="7200" kern="1200" cap="all" spc="-100" baseline="0" dirty="0">
+              <a:defRPr sz="8000" b="0">
                 <a:solidFill>
                   <a:schemeClr val="tx1">
                     <a:lumMod val="85000"/>
                     <a:lumOff val="15000"/>
                   </a:schemeClr>
                 </a:solidFill>
-                <a:effectLst/>
-                <a:latin typeface="+mj-lt"/>
-                <a:ea typeface="+mn-ea"/>
-                <a:cs typeface="+mn-cs"/>
               </a:defRPr>
             </a:lvl1pPr>
           </a:lstStyle>
@@ -1570,27 +1204,27 @@
         </p:nvSpPr>
         <p:spPr>
           <a:xfrm>
-            <a:off x="1563624" y="4682062"/>
-            <a:ext cx="9070848" cy="457200"/>
-          </a:xfrm>
-        </p:spPr>
-        <p:txBody>
-          <a:bodyPr anchor="t">
+            <a:off x="1097280" y="4453128"/>
+            <a:ext cx="10058400" cy="1143000"/>
+          </a:xfrm>
+        </p:spPr>
+        <p:txBody>
+          <a:bodyPr lIns="91440" rIns="91440" anchor="t" anchorCtr="0">
             <a:normAutofit/>
           </a:bodyPr>
           <a:lstStyle>
-            <a:lvl1pPr marL="0" indent="0" algn="ctr">
+            <a:lvl1pPr marL="0" indent="0">
               <a:buNone/>
-              <a:defRPr sz="1600">
+              <a:defRPr sz="2400" cap="all" spc="200" baseline="0">
                 <a:solidFill>
-                  <a:schemeClr val="tx1"/>
+                  <a:schemeClr val="tx2"/>
                 </a:solidFill>
-                <a:effectLst/>
+                <a:latin typeface="+mj-lt"/>
               </a:defRPr>
             </a:lvl1pPr>
             <a:lvl2pPr marL="457200" indent="0">
               <a:buNone/>
-              <a:defRPr sz="1600">
+              <a:defRPr sz="1800">
                 <a:solidFill>
                   <a:schemeClr val="tx1">
                     <a:tint val="75000"/>
@@ -1688,30 +1322,14 @@
             <p:ph type="dt" sz="half" idx="10"/>
           </p:nvPr>
         </p:nvSpPr>
-        <p:spPr>
-          <a:xfrm>
-            <a:off x="5321808" y="1344502"/>
-            <a:ext cx="1554480" cy="530352"/>
-          </a:xfrm>
-        </p:spPr>
+        <p:spPr/>
         <p:txBody>
           <a:bodyPr/>
-          <a:lstStyle>
-            <a:lvl1pPr algn="ctr">
-              <a:defRPr lang="en-US" sz="1300" kern="1200" spc="0" baseline="0">
-                <a:solidFill>
-                  <a:schemeClr val="tx1"/>
-                </a:solidFill>
-                <a:latin typeface="+mn-lt"/>
-                <a:ea typeface="+mn-ea"/>
-                <a:cs typeface="+mn-cs"/>
-              </a:defRPr>
-            </a:lvl1pPr>
-          </a:lstStyle>
+          <a:lstStyle/>
           <a:p>
             <a:fld id="{3064EE62-ECEF-41AE-9F67-44CA13249033}" type="datetimeFigureOut">
               <a:rPr lang="en-ID" smtClean="0"/>
-              <a:t>13/07/2022</a:t>
+              <a:t>19/07/2022</a:t>
             </a:fld>
             <a:endParaRPr lang="en-ID"/>
           </a:p>
@@ -1727,19 +1345,10 @@
             <p:ph type="ftr" sz="quarter" idx="11"/>
           </p:nvPr>
         </p:nvSpPr>
-        <p:spPr>
-          <a:xfrm>
-            <a:off x="1453553" y="5211060"/>
-            <a:ext cx="5907024" cy="228600"/>
-          </a:xfrm>
-        </p:spPr>
+        <p:spPr/>
         <p:txBody>
           <a:bodyPr/>
-          <a:lstStyle>
-            <a:lvl1pPr algn="l">
-              <a:defRPr/>
-            </a:lvl1pPr>
-          </a:lstStyle>
+          <a:lstStyle/>
           <a:p>
             <a:endParaRPr lang="en-ID"/>
           </a:p>
@@ -1755,12 +1364,7 @@
             <p:ph type="sldNum" sz="quarter" idx="12"/>
           </p:nvPr>
         </p:nvSpPr>
-        <p:spPr>
-          <a:xfrm>
-            <a:off x="8604504" y="5211060"/>
-            <a:ext cx="2112264" cy="228600"/>
-          </a:xfrm>
-        </p:spPr>
+        <p:spPr/>
         <p:txBody>
           <a:bodyPr/>
           <a:lstStyle/>
@@ -1773,15 +1377,53 @@
           </a:p>
         </p:txBody>
       </p:sp>
+      <p:cxnSp>
+        <p:nvCxnSpPr>
+          <p:cNvPr id="9" name="Straight Connector 8"/>
+          <p:cNvCxnSpPr/>
+          <p:nvPr/>
+        </p:nvCxnSpPr>
+        <p:spPr>
+          <a:xfrm>
+            <a:off x="1207658" y="4343400"/>
+            <a:ext cx="9875520" cy="0"/>
+          </a:xfrm>
+          <a:prstGeom prst="line">
+            <a:avLst/>
+          </a:prstGeom>
+          <a:ln w="6350">
+            <a:solidFill>
+              <a:schemeClr val="tx1">
+                <a:lumMod val="50000"/>
+                <a:lumOff val="50000"/>
+              </a:schemeClr>
+            </a:solidFill>
+          </a:ln>
+        </p:spPr>
+        <p:style>
+          <a:lnRef idx="1">
+            <a:schemeClr val="accent1"/>
+          </a:lnRef>
+          <a:fillRef idx="0">
+            <a:schemeClr val="accent1"/>
+          </a:fillRef>
+          <a:effectRef idx="0">
+            <a:schemeClr val="accent1"/>
+          </a:effectRef>
+          <a:fontRef idx="minor">
+            <a:schemeClr val="tx1"/>
+          </a:fontRef>
+        </p:style>
+      </p:cxnSp>
     </p:spTree>
     <p:extLst>
       <p:ext uri="{BB962C8B-B14F-4D97-AF65-F5344CB8AC3E}">
-        <p14:creationId xmlns:p14="http://schemas.microsoft.com/office/powerpoint/2010/main" val="1821372954"/>
+        <p14:creationId xmlns:p14="http://schemas.microsoft.com/office/powerpoint/2010/main" val="1275676223"/>
       </p:ext>
     </p:extLst>
   </p:cSld>
   <p:clrMapOvr>
-    <a:overrideClrMapping bg1="lt1" tx1="dk1" bg2="lt2" tx2="dk2" accent1="accent1" accent2="accent2" accent3="accent3" accent4="accent4" accent5="accent5" accent6="accent6" hlink="hlink" folHlink="folHlink"/>
+    <a:masterClrMapping/>
   </p:clrMapOvr>
 </p:sldLayout>
 </file>
@@ -1813,7 +1455,12 @@
             <p:ph type="title"/>
           </p:nvPr>
         </p:nvSpPr>
-        <p:spPr/>
+        <p:spPr>
+          <a:xfrm>
+            <a:off x="1097280" y="286603"/>
+            <a:ext cx="10058400" cy="1450757"/>
+          </a:xfrm>
+        </p:spPr>
         <p:txBody>
           <a:bodyPr/>
           <a:lstStyle/>
@@ -1838,41 +1485,13 @@
         </p:nvSpPr>
         <p:spPr>
           <a:xfrm>
-            <a:off x="1066800" y="2103120"/>
-            <a:ext cx="4754880" cy="3749040"/>
+            <a:off x="1097278" y="1845734"/>
+            <a:ext cx="4937760" cy="4023360"/>
           </a:xfrm>
         </p:spPr>
         <p:txBody>
           <a:bodyPr/>
-          <a:lstStyle>
-            <a:lvl1pPr>
-              <a:defRPr sz="1800"/>
-            </a:lvl1pPr>
-            <a:lvl2pPr>
-              <a:defRPr sz="1600"/>
-            </a:lvl2pPr>
-            <a:lvl3pPr>
-              <a:defRPr sz="1400"/>
-            </a:lvl3pPr>
-            <a:lvl4pPr>
-              <a:defRPr sz="1400"/>
-            </a:lvl4pPr>
-            <a:lvl5pPr>
-              <a:defRPr sz="1400"/>
-            </a:lvl5pPr>
-            <a:lvl6pPr>
-              <a:defRPr sz="1400"/>
-            </a:lvl6pPr>
-            <a:lvl7pPr>
-              <a:defRPr sz="1400"/>
-            </a:lvl7pPr>
-            <a:lvl8pPr>
-              <a:defRPr sz="1400"/>
-            </a:lvl8pPr>
-            <a:lvl9pPr>
-              <a:defRPr sz="1400"/>
-            </a:lvl9pPr>
-          </a:lstStyle>
+          <a:lstStyle/>
           <a:p>
             <a:pPr lvl="0"/>
             <a:r>
@@ -1923,41 +1542,13 @@
         </p:nvSpPr>
         <p:spPr>
           <a:xfrm>
-            <a:off x="6370320" y="2103120"/>
-            <a:ext cx="4754880" cy="3749040"/>
+            <a:off x="6217920" y="1845735"/>
+            <a:ext cx="4937760" cy="4023360"/>
           </a:xfrm>
         </p:spPr>
         <p:txBody>
           <a:bodyPr/>
-          <a:lstStyle>
-            <a:lvl1pPr>
-              <a:defRPr sz="1800"/>
-            </a:lvl1pPr>
-            <a:lvl2pPr>
-              <a:defRPr sz="1600"/>
-            </a:lvl2pPr>
-            <a:lvl3pPr>
-              <a:defRPr sz="1400"/>
-            </a:lvl3pPr>
-            <a:lvl4pPr>
-              <a:defRPr sz="1400"/>
-            </a:lvl4pPr>
-            <a:lvl5pPr>
-              <a:defRPr sz="1400"/>
-            </a:lvl5pPr>
-            <a:lvl6pPr>
-              <a:defRPr sz="1400"/>
-            </a:lvl6pPr>
-            <a:lvl7pPr>
-              <a:defRPr sz="1400"/>
-            </a:lvl7pPr>
-            <a:lvl8pPr>
-              <a:defRPr sz="1400"/>
-            </a:lvl8pPr>
-            <a:lvl9pPr>
-              <a:defRPr sz="1400"/>
-            </a:lvl9pPr>
-          </a:lstStyle>
+          <a:lstStyle/>
           <a:p>
             <a:pPr lvl="0"/>
             <a:r>
@@ -2013,7 +1604,7 @@
           <a:p>
             <a:fld id="{3064EE62-ECEF-41AE-9F67-44CA13249033}" type="datetimeFigureOut">
               <a:rPr lang="en-ID" smtClean="0"/>
-              <a:t>13/07/2022</a:t>
+              <a:t>19/07/2022</a:t>
             </a:fld>
             <a:endParaRPr lang="en-ID"/>
           </a:p>
@@ -2064,7 +1655,7 @@
     </p:spTree>
     <p:extLst>
       <p:ext uri="{BB962C8B-B14F-4D97-AF65-F5344CB8AC3E}">
-        <p14:creationId xmlns:p14="http://schemas.microsoft.com/office/powerpoint/2010/main" val="1648582122"/>
+        <p14:creationId xmlns:p14="http://schemas.microsoft.com/office/powerpoint/2010/main" val="1262655128"/>
       </p:ext>
     </p:extLst>
   </p:cSld>
@@ -2093,7 +1684,7 @@
       </p:grpSpPr>
       <p:sp>
         <p:nvSpPr>
-          <p:cNvPr id="2" name="Title 1"/>
+          <p:cNvPr id="10" name="Title 9"/>
           <p:cNvSpPr>
             <a:spLocks noGrp="1"/>
           </p:cNvSpPr>
@@ -2101,7 +1692,12 @@
             <p:ph type="title"/>
           </p:nvPr>
         </p:nvSpPr>
-        <p:spPr/>
+        <p:spPr>
+          <a:xfrm>
+            <a:off x="1097280" y="286603"/>
+            <a:ext cx="10058400" cy="1450757"/>
+          </a:xfrm>
+        </p:spPr>
         <p:txBody>
           <a:bodyPr/>
           <a:lstStyle/>
@@ -2126,30 +1722,26 @@
         </p:nvSpPr>
         <p:spPr>
           <a:xfrm>
-            <a:off x="1069848" y="2074334"/>
-            <a:ext cx="4754880" cy="640080"/>
-          </a:xfrm>
-        </p:spPr>
-        <p:txBody>
-          <a:bodyPr anchor="ctr">
+            <a:off x="1097280" y="1846052"/>
+            <a:ext cx="4937760" cy="736282"/>
+          </a:xfrm>
+        </p:spPr>
+        <p:txBody>
+          <a:bodyPr lIns="91440" rIns="91440" anchor="ctr">
             <a:normAutofit/>
           </a:bodyPr>
           <a:lstStyle>
-            <a:lvl1pPr marL="0" indent="0" algn="ctr">
-              <a:spcBef>
-                <a:spcPts val="0"/>
-              </a:spcBef>
+            <a:lvl1pPr marL="0" indent="0">
               <a:buNone/>
-              <a:defRPr sz="1900" b="0">
+              <a:defRPr sz="2000" b="0" cap="all" baseline="0">
                 <a:solidFill>
                   <a:schemeClr val="tx2"/>
                 </a:solidFill>
-                <a:latin typeface="+mn-lt"/>
               </a:defRPr>
             </a:lvl1pPr>
             <a:lvl2pPr marL="457200" indent="0">
               <a:buNone/>
-              <a:defRPr sz="1900" b="1"/>
+              <a:defRPr sz="2000" b="1"/>
             </a:lvl2pPr>
             <a:lvl3pPr marL="914400" indent="0">
               <a:buNone/>
@@ -2201,41 +1793,13 @@
         </p:nvSpPr>
         <p:spPr>
           <a:xfrm>
-            <a:off x="1069848" y="2755898"/>
-            <a:ext cx="4754880" cy="3200400"/>
+            <a:off x="1097280" y="2582334"/>
+            <a:ext cx="4937760" cy="3378200"/>
           </a:xfrm>
         </p:spPr>
         <p:txBody>
           <a:bodyPr/>
-          <a:lstStyle>
-            <a:lvl1pPr>
-              <a:defRPr sz="1800"/>
-            </a:lvl1pPr>
-            <a:lvl2pPr>
-              <a:defRPr sz="1600"/>
-            </a:lvl2pPr>
-            <a:lvl3pPr>
-              <a:defRPr sz="1400"/>
-            </a:lvl3pPr>
-            <a:lvl4pPr>
-              <a:defRPr sz="1400"/>
-            </a:lvl4pPr>
-            <a:lvl5pPr>
-              <a:defRPr sz="1400"/>
-            </a:lvl5pPr>
-            <a:lvl6pPr>
-              <a:defRPr sz="1400"/>
-            </a:lvl6pPr>
-            <a:lvl7pPr>
-              <a:defRPr sz="1400"/>
-            </a:lvl7pPr>
-            <a:lvl8pPr>
-              <a:defRPr sz="1400"/>
-            </a:lvl8pPr>
-            <a:lvl9pPr>
-              <a:defRPr sz="1400"/>
-            </a:lvl9pPr>
-          </a:lstStyle>
+          <a:lstStyle/>
           <a:p>
             <a:pPr lvl="0"/>
             <a:r>
@@ -2286,21 +1850,18 @@
         </p:nvSpPr>
         <p:spPr>
           <a:xfrm>
-            <a:off x="6373368" y="2074334"/>
-            <a:ext cx="4754880" cy="640080"/>
-          </a:xfrm>
-        </p:spPr>
-        <p:txBody>
-          <a:bodyPr anchor="ctr">
+            <a:off x="6217920" y="1846052"/>
+            <a:ext cx="4937760" cy="736282"/>
+          </a:xfrm>
+        </p:spPr>
+        <p:txBody>
+          <a:bodyPr lIns="91440" rIns="91440" anchor="ctr">
             <a:normAutofit/>
           </a:bodyPr>
           <a:lstStyle>
-            <a:lvl1pPr marL="0" indent="0" algn="ctr">
-              <a:spcBef>
-                <a:spcPts val="0"/>
-              </a:spcBef>
+            <a:lvl1pPr marL="0" indent="0">
               <a:buNone/>
-              <a:defRPr sz="1900" b="0">
+              <a:defRPr sz="2000" b="0" cap="all" baseline="0">
                 <a:solidFill>
                   <a:schemeClr val="tx2"/>
                 </a:solidFill>
@@ -2308,7 +1869,7 @@
             </a:lvl1pPr>
             <a:lvl2pPr marL="457200" indent="0">
               <a:buNone/>
-              <a:defRPr sz="1900" b="1"/>
+              <a:defRPr sz="2000" b="1"/>
             </a:lvl2pPr>
             <a:lvl3pPr marL="914400" indent="0">
               <a:buNone/>
@@ -2360,41 +1921,13 @@
         </p:nvSpPr>
         <p:spPr>
           <a:xfrm>
-            <a:off x="6373368" y="2756581"/>
-            <a:ext cx="4754880" cy="3200400"/>
+            <a:off x="6217920" y="2582334"/>
+            <a:ext cx="4937760" cy="3378200"/>
           </a:xfrm>
         </p:spPr>
         <p:txBody>
           <a:bodyPr/>
-          <a:lstStyle>
-            <a:lvl1pPr>
-              <a:defRPr sz="1800"/>
-            </a:lvl1pPr>
-            <a:lvl2pPr>
-              <a:defRPr sz="1600"/>
-            </a:lvl2pPr>
-            <a:lvl3pPr>
-              <a:defRPr sz="1400"/>
-            </a:lvl3pPr>
-            <a:lvl4pPr>
-              <a:defRPr sz="1400"/>
-            </a:lvl4pPr>
-            <a:lvl5pPr>
-              <a:defRPr sz="1400"/>
-            </a:lvl5pPr>
-            <a:lvl6pPr>
-              <a:defRPr sz="1400"/>
-            </a:lvl6pPr>
-            <a:lvl7pPr>
-              <a:defRPr sz="1400"/>
-            </a:lvl7pPr>
-            <a:lvl8pPr>
-              <a:defRPr sz="1400"/>
-            </a:lvl8pPr>
-            <a:lvl9pPr>
-              <a:defRPr sz="1400"/>
-            </a:lvl9pPr>
-          </a:lstStyle>
+          <a:lstStyle/>
           <a:p>
             <a:pPr lvl="0"/>
             <a:r>
@@ -2450,7 +1983,7 @@
           <a:p>
             <a:fld id="{3064EE62-ECEF-41AE-9F67-44CA13249033}" type="datetimeFigureOut">
               <a:rPr lang="en-ID" smtClean="0"/>
-              <a:t>13/07/2022</a:t>
+              <a:t>19/07/2022</a:t>
             </a:fld>
             <a:endParaRPr lang="en-ID"/>
           </a:p>
@@ -2501,7 +2034,7 @@
     </p:spTree>
     <p:extLst>
       <p:ext uri="{BB962C8B-B14F-4D97-AF65-F5344CB8AC3E}">
-        <p14:creationId xmlns:p14="http://schemas.microsoft.com/office/powerpoint/2010/main" val="758821223"/>
+        <p14:creationId xmlns:p14="http://schemas.microsoft.com/office/powerpoint/2010/main" val="540491332"/>
       </p:ext>
     </p:extLst>
   </p:cSld>
@@ -2568,7 +2101,7 @@
           <a:p>
             <a:fld id="{3064EE62-ECEF-41AE-9F67-44CA13249033}" type="datetimeFigureOut">
               <a:rPr lang="en-ID" smtClean="0"/>
-              <a:t>13/07/2022</a:t>
+              <a:t>19/07/2022</a:t>
             </a:fld>
             <a:endParaRPr lang="en-ID"/>
           </a:p>
@@ -2619,7 +2152,7 @@
     </p:spTree>
     <p:extLst>
       <p:ext uri="{BB962C8B-B14F-4D97-AF65-F5344CB8AC3E}">
-        <p14:creationId xmlns:p14="http://schemas.microsoft.com/office/powerpoint/2010/main" val="1253054393"/>
+        <p14:creationId xmlns:p14="http://schemas.microsoft.com/office/powerpoint/2010/main" val="151540260"/>
       </p:ext>
     </p:extLst>
   </p:cSld>
@@ -2630,7 +2163,7 @@
 </file>
 
 <file path=ppt/slideLayouts/slideLayout7.xml><?xml version="1.0" encoding="utf-8"?>
-<p:sldLayout xmlns:a="http://schemas.openxmlformats.org/drawingml/2006/main" xmlns:r="http://schemas.openxmlformats.org/officeDocument/2006/relationships" xmlns:p="http://schemas.openxmlformats.org/presentationml/2006/main" type="blank" preserve="1">
+<p:sldLayout xmlns:a="http://schemas.openxmlformats.org/drawingml/2006/main" xmlns:r="http://schemas.openxmlformats.org/officeDocument/2006/relationships" xmlns:p="http://schemas.openxmlformats.org/presentationml/2006/main" showMasterSp="0" type="blank" preserve="1">
   <p:cSld name="Blank">
     <p:spTree>
       <p:nvGrpSpPr>
@@ -2648,7 +2181,83 @@
       </p:grpSpPr>
       <p:sp>
         <p:nvSpPr>
-          <p:cNvPr id="2" name="Date Placeholder 1"/>
+          <p:cNvPr id="5" name="Rectangle 4"/>
+          <p:cNvSpPr/>
+          <p:nvPr/>
+        </p:nvSpPr>
+        <p:spPr>
+          <a:xfrm>
+            <a:off x="3175" y="6400800"/>
+            <a:ext cx="12188825" cy="457200"/>
+          </a:xfrm>
+          <a:prstGeom prst="rect">
+            <a:avLst/>
+          </a:prstGeom>
+          <a:solidFill>
+            <a:schemeClr val="accent2"/>
+          </a:solidFill>
+          <a:ln>
+            <a:noFill/>
+          </a:ln>
+        </p:spPr>
+        <p:style>
+          <a:lnRef idx="2">
+            <a:schemeClr val="accent1">
+              <a:shade val="50000"/>
+            </a:schemeClr>
+          </a:lnRef>
+          <a:fillRef idx="1">
+            <a:schemeClr val="accent1"/>
+          </a:fillRef>
+          <a:effectRef idx="0">
+            <a:schemeClr val="accent1"/>
+          </a:effectRef>
+          <a:fontRef idx="minor">
+            <a:schemeClr val="lt1"/>
+          </a:fontRef>
+        </p:style>
+      </p:sp>
+      <p:sp>
+        <p:nvSpPr>
+          <p:cNvPr id="6" name="Rectangle 5"/>
+          <p:cNvSpPr/>
+          <p:nvPr/>
+        </p:nvSpPr>
+        <p:spPr>
+          <a:xfrm>
+            <a:off x="15" y="6334316"/>
+            <a:ext cx="12188825" cy="64008"/>
+          </a:xfrm>
+          <a:prstGeom prst="rect">
+            <a:avLst/>
+          </a:prstGeom>
+          <a:solidFill>
+            <a:schemeClr val="accent1"/>
+          </a:solidFill>
+          <a:ln>
+            <a:noFill/>
+          </a:ln>
+        </p:spPr>
+        <p:style>
+          <a:lnRef idx="2">
+            <a:schemeClr val="accent1">
+              <a:shade val="50000"/>
+            </a:schemeClr>
+          </a:lnRef>
+          <a:fillRef idx="1">
+            <a:schemeClr val="accent1"/>
+          </a:fillRef>
+          <a:effectRef idx="0">
+            <a:schemeClr val="accent1"/>
+          </a:effectRef>
+          <a:fontRef idx="minor">
+            <a:schemeClr val="lt1"/>
+          </a:fontRef>
+        </p:style>
+      </p:sp>
+      <p:sp>
+        <p:nvSpPr>
+          <p:cNvPr id="7" name="Date Placeholder 6"/>
           <p:cNvSpPr>
             <a:spLocks noGrp="1"/>
           </p:cNvSpPr>
@@ -2663,7 +2272,7 @@
           <a:p>
             <a:fld id="{3064EE62-ECEF-41AE-9F67-44CA13249033}" type="datetimeFigureOut">
               <a:rPr lang="en-ID" smtClean="0"/>
-              <a:t>13/07/2022</a:t>
+              <a:t>19/07/2022</a:t>
             </a:fld>
             <a:endParaRPr lang="en-ID"/>
           </a:p>
@@ -2671,7 +2280,7 @@
       </p:sp>
       <p:sp>
         <p:nvSpPr>
-          <p:cNvPr id="3" name="Footer Placeholder 2"/>
+          <p:cNvPr id="8" name="Footer Placeholder 7"/>
           <p:cNvSpPr>
             <a:spLocks noGrp="1"/>
           </p:cNvSpPr>
@@ -2682,7 +2291,15 @@
         <p:spPr/>
         <p:txBody>
           <a:bodyPr/>
-          <a:lstStyle/>
+          <a:lstStyle>
+            <a:lvl1pPr>
+              <a:defRPr>
+                <a:solidFill>
+                  <a:srgbClr val="FFFFFF"/>
+                </a:solidFill>
+              </a:defRPr>
+            </a:lvl1pPr>
+          </a:lstStyle>
           <a:p>
             <a:endParaRPr lang="en-ID"/>
           </a:p>
@@ -2690,7 +2307,7 @@
       </p:sp>
       <p:sp>
         <p:nvSpPr>
-          <p:cNvPr id="4" name="Slide Number Placeholder 3"/>
+          <p:cNvPr id="9" name="Slide Number Placeholder 8"/>
           <p:cNvSpPr>
             <a:spLocks noGrp="1"/>
           </p:cNvSpPr>
@@ -2714,7 +2331,7 @@
     </p:spTree>
     <p:extLst>
       <p:ext uri="{BB962C8B-B14F-4D97-AF65-F5344CB8AC3E}">
-        <p14:creationId xmlns:p14="http://schemas.microsoft.com/office/powerpoint/2010/main" val="2195222725"/>
+        <p14:creationId xmlns:p14="http://schemas.microsoft.com/office/powerpoint/2010/main" val="1497680756"/>
       </p:ext>
     </p:extLst>
   </p:cSld>
@@ -2743,20 +2360,20 @@
       </p:grpSpPr>
       <p:sp>
         <p:nvSpPr>
-          <p:cNvPr id="16" name="Rectangle 15"/>
+          <p:cNvPr id="8" name="Rectangle 7"/>
           <p:cNvSpPr/>
           <p:nvPr/>
         </p:nvSpPr>
         <p:spPr>
           <a:xfrm>
-            <a:off x="245529" y="237744"/>
-            <a:ext cx="8531352" cy="6382512"/>
+            <a:off x="16" y="0"/>
+            <a:ext cx="4050791" cy="6858000"/>
           </a:xfrm>
           <a:prstGeom prst="rect">
             <a:avLst/>
           </a:prstGeom>
           <a:solidFill>
-            <a:schemeClr val="bg2"/>
+            <a:schemeClr val="accent2"/>
           </a:solidFill>
           <a:ln>
             <a:noFill/>
@@ -2781,14 +2398,14 @@
       </p:sp>
       <p:sp>
         <p:nvSpPr>
-          <p:cNvPr id="15" name="Rectangle 14"/>
+          <p:cNvPr id="9" name="Rectangle 8"/>
           <p:cNvSpPr/>
           <p:nvPr/>
         </p:nvSpPr>
         <p:spPr>
           <a:xfrm>
-            <a:off x="9020386" y="237744"/>
-            <a:ext cx="2926080" cy="6382512"/>
+            <a:off x="4040071" y="0"/>
+            <a:ext cx="64008" cy="6858000"/>
           </a:xfrm>
           <a:prstGeom prst="rect">
             <a:avLst/>
@@ -2829,8 +2446,8 @@
         </p:nvSpPr>
         <p:spPr>
           <a:xfrm>
-            <a:off x="9296400" y="607392"/>
-            <a:ext cx="2430780" cy="1645920"/>
+            <a:off x="457200" y="594359"/>
+            <a:ext cx="3200400" cy="2286000"/>
           </a:xfrm>
         </p:spPr>
         <p:txBody>
@@ -2838,22 +2455,11 @@
             <a:normAutofit/>
           </a:bodyPr>
           <a:lstStyle>
-            <a:lvl1pPr algn="l" defTabSz="914400" rtl="0" eaLnBrk="1" latinLnBrk="0" hangingPunct="1">
-              <a:lnSpc>
-                <a:spcPct val="90000"/>
-              </a:lnSpc>
-              <a:spcBef>
-                <a:spcPct val="0"/>
-              </a:spcBef>
-              <a:buNone/>
-              <a:defRPr lang="en-US" sz="2800" b="0" kern="1200" cap="none" spc="0" baseline="0" dirty="0">
+            <a:lvl1pPr>
+              <a:defRPr sz="3600" b="0">
                 <a:solidFill>
                   <a:srgbClr val="FFFFFF"/>
                 </a:solidFill>
-                <a:effectLst/>
-                <a:latin typeface="+mj-lt"/>
-                <a:ea typeface="+mn-ea"/>
-                <a:cs typeface="+mn-cs"/>
               </a:defRPr>
             </a:lvl1pPr>
           </a:lstStyle>
@@ -2878,41 +2484,13 @@
         </p:nvSpPr>
         <p:spPr>
           <a:xfrm>
-            <a:off x="685800" y="609600"/>
-            <a:ext cx="7772400" cy="5334000"/>
+            <a:off x="4800600" y="731520"/>
+            <a:ext cx="6492240" cy="5257800"/>
           </a:xfrm>
         </p:spPr>
         <p:txBody>
           <a:bodyPr/>
-          <a:lstStyle>
-            <a:lvl1pPr>
-              <a:defRPr sz="1800"/>
-            </a:lvl1pPr>
-            <a:lvl2pPr>
-              <a:defRPr sz="1600"/>
-            </a:lvl2pPr>
-            <a:lvl3pPr>
-              <a:defRPr sz="1400"/>
-            </a:lvl3pPr>
-            <a:lvl4pPr>
-              <a:defRPr sz="1400"/>
-            </a:lvl4pPr>
-            <a:lvl5pPr>
-              <a:defRPr sz="1400"/>
-            </a:lvl5pPr>
-            <a:lvl6pPr>
-              <a:defRPr sz="1400"/>
-            </a:lvl6pPr>
-            <a:lvl7pPr>
-              <a:defRPr sz="1400"/>
-            </a:lvl7pPr>
-            <a:lvl8pPr>
-              <a:defRPr sz="1400"/>
-            </a:lvl8pPr>
-            <a:lvl9pPr>
-              <a:defRPr sz="1400"/>
-            </a:lvl9pPr>
-          </a:lstStyle>
+          <a:lstStyle/>
           <a:p>
             <a:pPr lvl="0"/>
             <a:r>
@@ -2963,24 +2541,18 @@
         </p:nvSpPr>
         <p:spPr>
           <a:xfrm>
-            <a:off x="9296400" y="2286000"/>
-            <a:ext cx="2430780" cy="3505200"/>
-          </a:xfrm>
-        </p:spPr>
-        <p:txBody>
-          <a:bodyPr>
+            <a:off x="457200" y="2926080"/>
+            <a:ext cx="3200400" cy="3379124"/>
+          </a:xfrm>
+        </p:spPr>
+        <p:txBody>
+          <a:bodyPr lIns="91440" rIns="91440">
             <a:normAutofit/>
           </a:bodyPr>
           <a:lstStyle>
             <a:lvl1pPr marL="0" indent="0">
-              <a:lnSpc>
-                <a:spcPct val="110000"/>
-              </a:lnSpc>
-              <a:spcBef>
-                <a:spcPts val="800"/>
-              </a:spcBef>
               <a:buNone/>
-              <a:defRPr sz="1400">
+              <a:defRPr sz="1500">
                 <a:solidFill>
                   <a:srgbClr val="FFFFFF"/>
                 </a:solidFill>
@@ -3030,7 +2602,7 @@
       </p:sp>
       <p:sp>
         <p:nvSpPr>
-          <p:cNvPr id="8" name="Date Placeholder 7"/>
+          <p:cNvPr id="5" name="Date Placeholder 4"/>
           <p:cNvSpPr>
             <a:spLocks noGrp="1"/>
           </p:cNvSpPr>
@@ -3038,45 +2610,63 @@
             <p:ph type="dt" sz="half" idx="10"/>
           </p:nvPr>
         </p:nvSpPr>
-        <p:spPr/>
-        <p:txBody>
-          <a:bodyPr/>
-          <a:lstStyle/>
-          <a:p>
-            <a:fld id="{3064EE62-ECEF-41AE-9F67-44CA13249033}" type="datetimeFigureOut">
-              <a:rPr lang="en-ID" smtClean="0"/>
-              <a:t>13/07/2022</a:t>
-            </a:fld>
-            <a:endParaRPr lang="en-ID"/>
-          </a:p>
-        </p:txBody>
-      </p:sp>
-      <p:sp>
-        <p:nvSpPr>
-          <p:cNvPr id="9" name="Footer Placeholder 8"/>
-          <p:cNvSpPr>
-            <a:spLocks noGrp="1"/>
-          </p:cNvSpPr>
-          <p:nvPr>
-            <p:ph type="ftr" sz="quarter" idx="11"/>
-          </p:nvPr>
-        </p:nvSpPr>
-        <p:spPr/>
+        <p:spPr>
+          <a:xfrm>
+            <a:off x="465512" y="6459785"/>
+            <a:ext cx="2618510" cy="365125"/>
+          </a:xfrm>
+        </p:spPr>
         <p:txBody>
           <a:bodyPr/>
           <a:lstStyle>
-            <a:lvl1pPr algn="r">
+            <a:lvl1pPr algn="l">
               <a:defRPr/>
             </a:lvl1pPr>
           </a:lstStyle>
           <a:p>
+            <a:fld id="{3064EE62-ECEF-41AE-9F67-44CA13249033}" type="datetimeFigureOut">
+              <a:rPr lang="en-ID" smtClean="0"/>
+              <a:t>19/07/2022</a:t>
+            </a:fld>
             <a:endParaRPr lang="en-ID"/>
           </a:p>
         </p:txBody>
       </p:sp>
       <p:sp>
         <p:nvSpPr>
-          <p:cNvPr id="11" name="Slide Number Placeholder 10"/>
+          <p:cNvPr id="6" name="Footer Placeholder 5"/>
+          <p:cNvSpPr>
+            <a:spLocks noGrp="1"/>
+          </p:cNvSpPr>
+          <p:nvPr>
+            <p:ph type="ftr" sz="quarter" idx="11"/>
+          </p:nvPr>
+        </p:nvSpPr>
+        <p:spPr>
+          <a:xfrm>
+            <a:off x="4800600" y="6459785"/>
+            <a:ext cx="4648200" cy="365125"/>
+          </a:xfrm>
+        </p:spPr>
+        <p:txBody>
+          <a:bodyPr/>
+          <a:lstStyle>
+            <a:lvl1pPr algn="l">
+              <a:defRPr>
+                <a:solidFill>
+                  <a:schemeClr val="tx2"/>
+                </a:solidFill>
+              </a:defRPr>
+            </a:lvl1pPr>
+          </a:lstStyle>
+          <a:p>
+            <a:endParaRPr lang="en-ID"/>
+          </a:p>
+        </p:txBody>
+      </p:sp>
+      <p:sp>
+        <p:nvSpPr>
+          <p:cNvPr id="7" name="Slide Number Placeholder 6"/>
           <p:cNvSpPr>
             <a:spLocks noGrp="1"/>
           </p:cNvSpPr>
@@ -3084,19 +2674,14 @@
             <p:ph type="sldNum" sz="quarter" idx="12"/>
           </p:nvPr>
         </p:nvSpPr>
-        <p:spPr>
-          <a:xfrm>
-            <a:off x="10393677" y="6223002"/>
-            <a:ext cx="1463040" cy="274320"/>
-          </a:xfrm>
-        </p:spPr>
+        <p:spPr/>
         <p:txBody>
           <a:bodyPr/>
           <a:lstStyle>
             <a:lvl1pPr>
               <a:defRPr>
                 <a:solidFill>
-                  <a:srgbClr val="FFFFFF"/>
+                  <a:schemeClr val="tx2"/>
                 </a:solidFill>
               </a:defRPr>
             </a:lvl1pPr>
@@ -3110,49 +2695,10 @@
           </a:p>
         </p:txBody>
       </p:sp>
-      <p:sp>
-        <p:nvSpPr>
-          <p:cNvPr id="12" name="Rectangle 11"/>
-          <p:cNvSpPr/>
-          <p:nvPr/>
-        </p:nvSpPr>
-        <p:spPr>
-          <a:xfrm>
-            <a:off x="9157546" y="374904"/>
-            <a:ext cx="2651760" cy="6108192"/>
-          </a:xfrm>
-          <a:prstGeom prst="rect">
-            <a:avLst/>
-          </a:prstGeom>
-          <a:noFill/>
-          <a:ln w="6350" cap="sq">
-            <a:solidFill>
-              <a:srgbClr val="FFFFFF"/>
-            </a:solidFill>
-            <a:miter lim="800000"/>
-          </a:ln>
-        </p:spPr>
-        <p:style>
-          <a:lnRef idx="2">
-            <a:schemeClr val="accent1">
-              <a:shade val="50000"/>
-            </a:schemeClr>
-          </a:lnRef>
-          <a:fillRef idx="1">
-            <a:schemeClr val="accent1"/>
-          </a:fillRef>
-          <a:effectRef idx="0">
-            <a:schemeClr val="accent1"/>
-          </a:effectRef>
-          <a:fontRef idx="minor">
-            <a:schemeClr val="lt1"/>
-          </a:fontRef>
-        </p:style>
-      </p:sp>
     </p:spTree>
     <p:extLst>
       <p:ext uri="{BB962C8B-B14F-4D97-AF65-F5344CB8AC3E}">
-        <p14:creationId xmlns:p14="http://schemas.microsoft.com/office/powerpoint/2010/main" val="175593193"/>
+        <p14:creationId xmlns:p14="http://schemas.microsoft.com/office/powerpoint/2010/main" val="289443962"/>
       </p:ext>
     </p:extLst>
   </p:cSld>
@@ -3181,20 +2727,20 @@
       </p:grpSpPr>
       <p:sp>
         <p:nvSpPr>
-          <p:cNvPr id="14" name="Rectangle 13"/>
+          <p:cNvPr id="8" name="Rectangle 7"/>
           <p:cNvSpPr/>
           <p:nvPr/>
         </p:nvSpPr>
         <p:spPr>
           <a:xfrm>
-            <a:off x="9020386" y="237744"/>
-            <a:ext cx="2926080" cy="6382512"/>
+            <a:off x="0" y="4953000"/>
+            <a:ext cx="12188825" cy="1905000"/>
           </a:xfrm>
           <a:prstGeom prst="rect">
             <a:avLst/>
           </a:prstGeom>
           <a:solidFill>
-            <a:schemeClr val="accent1"/>
+            <a:schemeClr val="accent2"/>
           </a:solidFill>
           <a:ln>
             <a:noFill/>
@@ -3219,70 +2765,103 @@
       </p:sp>
       <p:sp>
         <p:nvSpPr>
-          <p:cNvPr id="2" name="Title 1"/>
-          <p:cNvSpPr>
-            <a:spLocks noGrp="1"/>
-          </p:cNvSpPr>
-          <p:nvPr>
-            <p:ph type="title"/>
-          </p:nvPr>
-        </p:nvSpPr>
-        <p:spPr>
-          <a:xfrm>
-            <a:off x="9296400" y="603504"/>
-            <a:ext cx="2432304" cy="1645920"/>
-          </a:xfrm>
-        </p:spPr>
-        <p:txBody>
-          <a:bodyPr anchor="b">
-            <a:noAutofit/>
-          </a:bodyPr>
-          <a:lstStyle>
-            <a:lvl1pPr algn="l">
-              <a:defRPr sz="2800" b="0">
-                <a:solidFill>
-                  <a:srgbClr val="FFFFFF"/>
-                </a:solidFill>
-                <a:latin typeface="+mj-lt"/>
-              </a:defRPr>
-            </a:lvl1pPr>
-          </a:lstStyle>
-          <a:p>
-            <a:r>
-              <a:rPr lang="en-US"/>
-              <a:t>Click to edit Master title style</a:t>
-            </a:r>
-            <a:endParaRPr lang="en-US" dirty="0"/>
-          </a:p>
-        </p:txBody>
-      </p:sp>
-      <p:sp>
-        <p:nvSpPr>
-          <p:cNvPr id="3" name="Picture Placeholder 2"/>
-          <p:cNvSpPr>
-            <a:spLocks noGrp="1" noChangeAspect="1"/>
-          </p:cNvSpPr>
-          <p:nvPr>
-            <p:ph type="pic" idx="1"/>
-          </p:nvPr>
-        </p:nvSpPr>
-        <p:spPr>
-          <a:xfrm>
-            <a:off x="228599" y="237744"/>
-            <a:ext cx="8531352" cy="6382512"/>
-          </a:xfrm>
+          <p:cNvPr id="9" name="Rectangle 8"/>
+          <p:cNvSpPr/>
+          <p:nvPr/>
+        </p:nvSpPr>
+        <p:spPr>
+          <a:xfrm>
+            <a:off x="15" y="4915076"/>
+            <a:ext cx="12188825" cy="64008"/>
+          </a:xfrm>
+          <a:prstGeom prst="rect">
+            <a:avLst/>
+          </a:prstGeom>
           <a:solidFill>
-            <a:schemeClr val="accent1">
-              <a:lumMod val="60000"/>
-              <a:lumOff val="40000"/>
-            </a:schemeClr>
+            <a:schemeClr val="accent1"/>
           </a:solidFill>
           <a:ln>
             <a:noFill/>
           </a:ln>
         </p:spPr>
-        <p:txBody>
-          <a:bodyPr anchor="t"/>
+        <p:style>
+          <a:lnRef idx="2">
+            <a:schemeClr val="accent1">
+              <a:shade val="50000"/>
+            </a:schemeClr>
+          </a:lnRef>
+          <a:fillRef idx="1">
+            <a:schemeClr val="accent1"/>
+          </a:fillRef>
+          <a:effectRef idx="0">
+            <a:schemeClr val="accent1"/>
+          </a:effectRef>
+          <a:fontRef idx="minor">
+            <a:schemeClr val="lt1"/>
+          </a:fontRef>
+        </p:style>
+      </p:sp>
+      <p:sp>
+        <p:nvSpPr>
+          <p:cNvPr id="2" name="Title 1"/>
+          <p:cNvSpPr>
+            <a:spLocks noGrp="1"/>
+          </p:cNvSpPr>
+          <p:nvPr>
+            <p:ph type="title"/>
+          </p:nvPr>
+        </p:nvSpPr>
+        <p:spPr>
+          <a:xfrm>
+            <a:off x="1097280" y="5074920"/>
+            <a:ext cx="10113645" cy="822960"/>
+          </a:xfrm>
+        </p:spPr>
+        <p:txBody>
+          <a:bodyPr lIns="91440" tIns="0" rIns="91440" bIns="0" anchor="b">
+            <a:noAutofit/>
+          </a:bodyPr>
+          <a:lstStyle>
+            <a:lvl1pPr>
+              <a:defRPr sz="3600" b="0">
+                <a:solidFill>
+                  <a:srgbClr val="FFFFFF"/>
+                </a:solidFill>
+              </a:defRPr>
+            </a:lvl1pPr>
+          </a:lstStyle>
+          <a:p>
+            <a:r>
+              <a:rPr lang="en-US"/>
+              <a:t>Click to edit Master title style</a:t>
+            </a:r>
+            <a:endParaRPr lang="en-US" dirty="0"/>
+          </a:p>
+        </p:txBody>
+      </p:sp>
+      <p:sp>
+        <p:nvSpPr>
+          <p:cNvPr id="3" name="Picture Placeholder 2"/>
+          <p:cNvSpPr>
+            <a:spLocks noGrp="1" noChangeAspect="1"/>
+          </p:cNvSpPr>
+          <p:nvPr>
+            <p:ph type="pic" idx="1"/>
+          </p:nvPr>
+        </p:nvSpPr>
+        <p:spPr>
+          <a:xfrm>
+            <a:off x="15" y="0"/>
+            <a:ext cx="12191985" cy="4915076"/>
+          </a:xfrm>
+          <a:solidFill>
+            <a:schemeClr val="bg2">
+              <a:lumMod val="90000"/>
+            </a:schemeClr>
+          </a:solidFill>
+        </p:spPr>
+        <p:txBody>
+          <a:bodyPr lIns="457200" tIns="457200" anchor="t"/>
           <a:lstStyle>
             <a:lvl1pPr marL="0" indent="0">
               <a:buNone/>
@@ -3342,24 +2921,24 @@
         </p:nvSpPr>
         <p:spPr>
           <a:xfrm>
-            <a:off x="9296400" y="2286000"/>
-            <a:ext cx="2432304" cy="3502152"/>
-          </a:xfrm>
-        </p:spPr>
-        <p:txBody>
-          <a:bodyPr>
+            <a:off x="1097280" y="5907024"/>
+            <a:ext cx="10113264" cy="594360"/>
+          </a:xfrm>
+        </p:spPr>
+        <p:txBody>
+          <a:bodyPr lIns="91440" tIns="0" rIns="91440" bIns="0">
             <a:normAutofit/>
           </a:bodyPr>
           <a:lstStyle>
-            <a:lvl1pPr marL="0" indent="0" algn="l">
-              <a:lnSpc>
-                <a:spcPct val="110000"/>
-              </a:lnSpc>
+            <a:lvl1pPr marL="0" indent="0">
               <a:spcBef>
-                <a:spcPts val="800"/>
+                <a:spcPts val="0"/>
               </a:spcBef>
+              <a:spcAft>
+                <a:spcPts val="600"/>
+              </a:spcAft>
               <a:buNone/>
-              <a:defRPr sz="1400">
+              <a:defRPr sz="1500">
                 <a:solidFill>
                   <a:srgbClr val="FFFFFF"/>
                 </a:solidFill>
@@ -3420,26 +2999,11 @@
         <p:spPr/>
         <p:txBody>
           <a:bodyPr/>
-          <a:lstStyle>
-            <a:lvl1pPr>
-              <a:defRPr>
-                <a:solidFill>
-                  <a:srgbClr val="FFFFFF"/>
-                </a:solidFill>
-                <a:effectLst>
-                  <a:outerShdw blurRad="12700" dist="6350" dir="2700000" algn="tl" rotWithShape="0">
-                    <a:prstClr val="black">
-                      <a:alpha val="40000"/>
-                    </a:prstClr>
-                  </a:outerShdw>
-                </a:effectLst>
-              </a:defRPr>
-            </a:lvl1pPr>
-          </a:lstStyle>
+          <a:lstStyle/>
           <a:p>
             <a:fld id="{3064EE62-ECEF-41AE-9F67-44CA13249033}" type="datetimeFigureOut">
               <a:rPr lang="en-ID" smtClean="0"/>
-              <a:t>13/07/2022</a:t>
+              <a:t>19/07/2022</a:t>
             </a:fld>
             <a:endParaRPr lang="en-ID"/>
           </a:p>
@@ -3458,25 +3022,7 @@
         <p:spPr/>
         <p:txBody>
           <a:bodyPr/>
-          <a:lstStyle>
-            <a:lvl1pPr marL="0" algn="r" defTabSz="914400" rtl="0" eaLnBrk="1" latinLnBrk="0" hangingPunct="1">
-              <a:defRPr lang="en-US" sz="1000" kern="1200" dirty="0">
-                <a:solidFill>
-                  <a:srgbClr val="FFFFFF"/>
-                </a:solidFill>
-                <a:effectLst>
-                  <a:outerShdw blurRad="12700" dist="6350" dir="2700000" algn="tl" rotWithShape="0">
-                    <a:prstClr val="black">
-                      <a:alpha val="40000"/>
-                    </a:prstClr>
-                  </a:outerShdw>
-                </a:effectLst>
-                <a:latin typeface="+mn-lt"/>
-                <a:ea typeface="+mn-ea"/>
-                <a:cs typeface="+mn-cs"/>
-              </a:defRPr>
-            </a:lvl1pPr>
-          </a:lstStyle>
+          <a:lstStyle/>
           <a:p>
             <a:endParaRPr lang="en-ID"/>
           </a:p>
@@ -3492,23 +3038,10 @@
             <p:ph type="sldNum" sz="quarter" idx="12"/>
           </p:nvPr>
         </p:nvSpPr>
-        <p:spPr>
-          <a:xfrm>
-            <a:off x="10396728" y="6227064"/>
-            <a:ext cx="1463040" cy="274320"/>
-          </a:xfrm>
-        </p:spPr>
+        <p:spPr/>
         <p:txBody>
           <a:bodyPr/>
-          <a:lstStyle>
-            <a:lvl1pPr>
-              <a:defRPr>
-                <a:solidFill>
-                  <a:srgbClr val="FFFFFF"/>
-                </a:solidFill>
-              </a:defRPr>
-            </a:lvl1pPr>
-          </a:lstStyle>
+          <a:lstStyle/>
           <a:p>
             <a:fld id="{97A54D02-C7CA-468E-9A85-2EB3A8EA2248}" type="slidenum">
               <a:rPr lang="en-ID" smtClean="0"/>
@@ -3518,26 +3051,60 @@
           </a:p>
         </p:txBody>
       </p:sp>
-      <p:sp>
-        <p:nvSpPr>
-          <p:cNvPr id="10" name="Rectangle 9"/>
+    </p:spTree>
+    <p:extLst>
+      <p:ext uri="{BB962C8B-B14F-4D97-AF65-F5344CB8AC3E}">
+        <p14:creationId xmlns:p14="http://schemas.microsoft.com/office/powerpoint/2010/main" val="1132435282"/>
+      </p:ext>
+    </p:extLst>
+  </p:cSld>
+  <p:clrMapOvr>
+    <a:masterClrMapping/>
+  </p:clrMapOvr>
+</p:sldLayout>
+</file>
+
+<file path=ppt/slideMasters/slideMaster1.xml><?xml version="1.0" encoding="utf-8"?>
+<p:sldMaster xmlns:a="http://schemas.openxmlformats.org/drawingml/2006/main" xmlns:r="http://schemas.openxmlformats.org/officeDocument/2006/relationships" xmlns:p="http://schemas.openxmlformats.org/presentationml/2006/main">
+  <p:cSld>
+    <p:bg>
+      <p:bgRef idx="1001">
+        <a:schemeClr val="bg1"/>
+      </p:bgRef>
+    </p:bg>
+    <p:spTree>
+      <p:nvGrpSpPr>
+        <p:cNvPr id="1" name=""/>
+        <p:cNvGrpSpPr/>
+        <p:nvPr/>
+      </p:nvGrpSpPr>
+      <p:grpSpPr>
+        <a:xfrm>
+          <a:off x="0" y="0"/>
+          <a:ext cx="0" cy="0"/>
+          <a:chOff x="0" y="0"/>
+          <a:chExt cx="0" cy="0"/>
+        </a:xfrm>
+      </p:grpSpPr>
+      <p:sp>
+        <p:nvSpPr>
+          <p:cNvPr id="7" name="Rectangle 6"/>
           <p:cNvSpPr/>
           <p:nvPr/>
         </p:nvSpPr>
         <p:spPr>
           <a:xfrm>
-            <a:off x="9157546" y="374904"/>
-            <a:ext cx="2651760" cy="6108192"/>
+            <a:off x="1" y="6400800"/>
+            <a:ext cx="12192000" cy="457200"/>
           </a:xfrm>
           <a:prstGeom prst="rect">
             <a:avLst/>
           </a:prstGeom>
-          <a:noFill/>
-          <a:ln w="6350" cap="sq">
-            <a:solidFill>
-              <a:srgbClr val="FFFFFF"/>
-            </a:solidFill>
-            <a:miter lim="800000"/>
+          <a:solidFill>
+            <a:schemeClr val="accent2"/>
+          </a:solidFill>
+          <a:ln>
+            <a:noFill/>
           </a:ln>
         </p:spPr>
         <p:style>
@@ -3557,69 +3124,43 @@
           </a:fontRef>
         </p:style>
       </p:sp>
-    </p:spTree>
-    <p:extLst>
-      <p:ext uri="{BB962C8B-B14F-4D97-AF65-F5344CB8AC3E}">
-        <p14:creationId xmlns:p14="http://schemas.microsoft.com/office/powerpoint/2010/main" val="4217345247"/>
-      </p:ext>
-    </p:extLst>
-  </p:cSld>
-  <p:clrMapOvr>
-    <a:masterClrMapping/>
-  </p:clrMapOvr>
-</p:sldLayout>
-</file>
-
-<file path=ppt/slideMasters/slideMaster1.xml><?xml version="1.0" encoding="utf-8"?>
-<p:sldMaster xmlns:a="http://schemas.openxmlformats.org/drawingml/2006/main" xmlns:r="http://schemas.openxmlformats.org/officeDocument/2006/relationships" xmlns:p="http://schemas.openxmlformats.org/presentationml/2006/main">
-  <p:cSld>
-    <p:bg>
-      <p:bgPr>
-        <a:solidFill>
-          <a:schemeClr val="bg1"/>
-        </a:solidFill>
-        <a:effectLst/>
-      </p:bgPr>
-    </p:bg>
-    <p:spTree>
-      <p:nvGrpSpPr>
-        <p:cNvPr id="1" name=""/>
-        <p:cNvGrpSpPr/>
-        <p:nvPr/>
-      </p:nvGrpSpPr>
-      <p:grpSpPr>
-        <a:xfrm>
-          <a:off x="0" y="0"/>
-          <a:ext cx="0" cy="0"/>
-          <a:chOff x="0" y="0"/>
-          <a:chExt cx="0" cy="0"/>
-        </a:xfrm>
-      </p:grpSpPr>
-      <p:sp>
-        <p:nvSpPr>
-          <p:cNvPr id="7" name="Rectangle 6"/>
+      <p:sp>
+        <p:nvSpPr>
+          <p:cNvPr id="9" name="Rectangle 8"/>
           <p:cNvSpPr/>
           <p:nvPr/>
         </p:nvSpPr>
         <p:spPr>
           <a:xfrm>
-            <a:off x="234696" y="237744"/>
-            <a:ext cx="11722608" cy="6382512"/>
+            <a:off x="15" y="6334316"/>
+            <a:ext cx="12191985" cy="66484"/>
           </a:xfrm>
           <a:prstGeom prst="rect">
             <a:avLst/>
           </a:prstGeom>
           <a:solidFill>
-            <a:schemeClr val="bg2"/>
+            <a:schemeClr val="accent1"/>
           </a:solidFill>
-          <a:ln w="6350" cap="flat" cmpd="sng" algn="ctr">
+          <a:ln>
             <a:noFill/>
-            <a:prstDash val="solid"/>
           </a:ln>
-          <a:effectLst>
-            <a:softEdge rad="0"/>
-          </a:effectLst>
-        </p:spPr>
+        </p:spPr>
+        <p:style>
+          <a:lnRef idx="2">
+            <a:schemeClr val="accent1">
+              <a:shade val="50000"/>
+            </a:schemeClr>
+          </a:lnRef>
+          <a:fillRef idx="1">
+            <a:schemeClr val="accent1"/>
+          </a:fillRef>
+          <a:effectRef idx="0">
+            <a:schemeClr val="accent1"/>
+          </a:effectRef>
+          <a:fontRef idx="minor">
+            <a:schemeClr val="lt1"/>
+          </a:fontRef>
+        </p:style>
       </p:sp>
       <p:sp>
         <p:nvSpPr>
@@ -3633,15 +3174,15 @@
         </p:nvSpPr>
         <p:spPr>
           <a:xfrm>
-            <a:off x="1066800" y="642594"/>
-            <a:ext cx="10058400" cy="1371600"/>
+            <a:off x="1097280" y="286603"/>
+            <a:ext cx="10058400" cy="1450757"/>
           </a:xfrm>
           <a:prstGeom prst="rect">
             <a:avLst/>
           </a:prstGeom>
         </p:spPr>
         <p:txBody>
-          <a:bodyPr vert="horz" lIns="91440" tIns="45720" rIns="91440" bIns="45720" rtlCol="0" anchor="ctr">
+          <a:bodyPr vert="horz" lIns="91440" tIns="45720" rIns="91440" bIns="45720" rtlCol="0" anchor="b">
             <a:normAutofit/>
           </a:bodyPr>
           <a:lstStyle/>
@@ -3666,15 +3207,15 @@
         </p:nvSpPr>
         <p:spPr>
           <a:xfrm>
-            <a:off x="1066800" y="2103120"/>
-            <a:ext cx="10058400" cy="3931920"/>
+            <a:off x="1097280" y="1845734"/>
+            <a:ext cx="10058400" cy="4023360"/>
           </a:xfrm>
           <a:prstGeom prst="rect">
             <a:avLst/>
           </a:prstGeom>
         </p:spPr>
         <p:txBody>
-          <a:bodyPr vert="horz" lIns="91440" tIns="45720" rIns="91440" bIns="45720" rtlCol="0">
+          <a:bodyPr vert="horz" lIns="0" tIns="45720" rIns="0" bIns="45720" rtlCol="0">
             <a:normAutofit/>
           </a:bodyPr>
           <a:lstStyle/>
@@ -3728,23 +3269,20 @@
         </p:nvSpPr>
         <p:spPr>
           <a:xfrm>
-            <a:off x="274320" y="6307672"/>
-            <a:ext cx="2743200" cy="274320"/>
+            <a:off x="1097280" y="6459785"/>
+            <a:ext cx="2472271" cy="365125"/>
           </a:xfrm>
           <a:prstGeom prst="rect">
             <a:avLst/>
           </a:prstGeom>
         </p:spPr>
         <p:txBody>
-          <a:bodyPr vert="horz" lIns="91440" tIns="45720" rIns="91440" bIns="45720" rtlCol="0" anchor="b"/>
+          <a:bodyPr vert="horz" lIns="91440" tIns="45720" rIns="91440" bIns="45720" rtlCol="0" anchor="ctr"/>
           <a:lstStyle>
             <a:lvl1pPr algn="l">
-              <a:defRPr sz="1000">
+              <a:defRPr sz="900">
                 <a:solidFill>
-                  <a:schemeClr val="tx1">
-                    <a:lumMod val="75000"/>
-                    <a:lumOff val="25000"/>
-                  </a:schemeClr>
+                  <a:srgbClr val="FFFFFF"/>
                 </a:solidFill>
               </a:defRPr>
             </a:lvl1pPr>
@@ -3752,7 +3290,7 @@
           <a:p>
             <a:fld id="{3064EE62-ECEF-41AE-9F67-44CA13249033}" type="datetimeFigureOut">
               <a:rPr lang="en-ID" smtClean="0"/>
-              <a:t>13/07/2022</a:t>
+              <a:t>19/07/2022</a:t>
             </a:fld>
             <a:endParaRPr lang="en-ID"/>
           </a:p>
@@ -3770,23 +3308,20 @@
         </p:nvSpPr>
         <p:spPr>
           <a:xfrm>
-            <a:off x="3489960" y="6307672"/>
-            <a:ext cx="5212080" cy="274320"/>
+            <a:off x="3686185" y="6459785"/>
+            <a:ext cx="4822804" cy="365125"/>
           </a:xfrm>
           <a:prstGeom prst="rect">
             <a:avLst/>
           </a:prstGeom>
         </p:spPr>
         <p:txBody>
-          <a:bodyPr vert="horz" lIns="91440" tIns="45720" rIns="91440" bIns="45720" rtlCol="0" anchor="b"/>
+          <a:bodyPr vert="horz" lIns="91440" tIns="45720" rIns="91440" bIns="45720" rtlCol="0" anchor="ctr"/>
           <a:lstStyle>
             <a:lvl1pPr algn="ctr">
-              <a:defRPr sz="1000">
+              <a:defRPr sz="900" cap="all" baseline="0">
                 <a:solidFill>
-                  <a:schemeClr val="tx1">
-                    <a:lumMod val="75000"/>
-                    <a:lumOff val="25000"/>
-                  </a:schemeClr>
+                  <a:srgbClr val="FFFFFF"/>
                 </a:solidFill>
               </a:defRPr>
             </a:lvl1pPr>
@@ -3808,23 +3343,20 @@
         </p:nvSpPr>
         <p:spPr>
           <a:xfrm>
-            <a:off x="10469880" y="6307672"/>
-            <a:ext cx="1463040" cy="274320"/>
+            <a:off x="9900458" y="6459785"/>
+            <a:ext cx="1312025" cy="365125"/>
           </a:xfrm>
           <a:prstGeom prst="rect">
             <a:avLst/>
           </a:prstGeom>
         </p:spPr>
         <p:txBody>
-          <a:bodyPr vert="horz" lIns="91440" tIns="45720" rIns="91440" bIns="45720" rtlCol="0" anchor="b"/>
+          <a:bodyPr vert="horz" lIns="91440" tIns="45720" rIns="91440" bIns="45720" rtlCol="0" anchor="ctr"/>
           <a:lstStyle>
             <a:lvl1pPr algn="r">
-              <a:defRPr sz="1000">
+              <a:defRPr sz="1050">
                 <a:solidFill>
-                  <a:schemeClr val="tx1">
-                    <a:lumMod val="75000"/>
-                    <a:lumOff val="25000"/>
-                  </a:schemeClr>
+                  <a:srgbClr val="FFFFFF"/>
                 </a:solidFill>
               </a:defRPr>
             </a:lvl1pPr>
@@ -3838,265 +3370,327 @@
           </a:p>
         </p:txBody>
       </p:sp>
+      <p:cxnSp>
+        <p:nvCxnSpPr>
+          <p:cNvPr id="10" name="Straight Connector 9"/>
+          <p:cNvCxnSpPr/>
+          <p:nvPr/>
+        </p:nvCxnSpPr>
+        <p:spPr>
+          <a:xfrm>
+            <a:off x="1193532" y="1737845"/>
+            <a:ext cx="9966960" cy="0"/>
+          </a:xfrm>
+          <a:prstGeom prst="line">
+            <a:avLst/>
+          </a:prstGeom>
+          <a:ln w="6350">
+            <a:solidFill>
+              <a:schemeClr val="tx1">
+                <a:lumMod val="50000"/>
+                <a:lumOff val="50000"/>
+              </a:schemeClr>
+            </a:solidFill>
+          </a:ln>
+        </p:spPr>
+        <p:style>
+          <a:lnRef idx="1">
+            <a:schemeClr val="accent1"/>
+          </a:lnRef>
+          <a:fillRef idx="0">
+            <a:schemeClr val="accent1"/>
+          </a:fillRef>
+          <a:effectRef idx="0">
+            <a:schemeClr val="accent1"/>
+          </a:effectRef>
+          <a:fontRef idx="minor">
+            <a:schemeClr val="tx1"/>
+          </a:fontRef>
+        </p:style>
+      </p:cxnSp>
     </p:spTree>
     <p:extLst>
       <p:ext uri="{BB962C8B-B14F-4D97-AF65-F5344CB8AC3E}">
-        <p14:creationId xmlns:p14="http://schemas.microsoft.com/office/powerpoint/2010/main" val="1836988820"/>
+        <p14:creationId xmlns:p14="http://schemas.microsoft.com/office/powerpoint/2010/main" val="3160496012"/>
       </p:ext>
     </p:extLst>
   </p:cSld>
   <p:clrMap bg1="lt1" tx1="dk1" bg2="lt2" tx2="dk2" accent1="accent1" accent2="accent2" accent3="accent3" accent4="accent4" accent5="accent5" accent6="accent6" hlink="hlink" folHlink="folHlink"/>
   <p:sldLayoutIdLst>
-    <p:sldLayoutId id="2147483661" r:id="rId1"/>
-    <p:sldLayoutId id="2147483662" r:id="rId2"/>
-    <p:sldLayoutId id="2147483663" r:id="rId3"/>
-    <p:sldLayoutId id="2147483664" r:id="rId4"/>
-    <p:sldLayoutId id="2147483665" r:id="rId5"/>
-    <p:sldLayoutId id="2147483666" r:id="rId6"/>
-    <p:sldLayoutId id="2147483667" r:id="rId7"/>
-    <p:sldLayoutId id="2147483668" r:id="rId8"/>
-    <p:sldLayoutId id="2147483669" r:id="rId9"/>
-    <p:sldLayoutId id="2147483670" r:id="rId10"/>
-    <p:sldLayoutId id="2147483671" r:id="rId11"/>
+    <p:sldLayoutId id="2147483709" r:id="rId1"/>
+    <p:sldLayoutId id="2147483710" r:id="rId2"/>
+    <p:sldLayoutId id="2147483711" r:id="rId3"/>
+    <p:sldLayoutId id="2147483712" r:id="rId4"/>
+    <p:sldLayoutId id="2147483713" r:id="rId5"/>
+    <p:sldLayoutId id="2147483714" r:id="rId6"/>
+    <p:sldLayoutId id="2147483715" r:id="rId7"/>
+    <p:sldLayoutId id="2147483716" r:id="rId8"/>
+    <p:sldLayoutId id="2147483717" r:id="rId9"/>
+    <p:sldLayoutId id="2147483718" r:id="rId10"/>
+    <p:sldLayoutId id="2147483719" r:id="rId11"/>
   </p:sldLayoutIdLst>
   <p:txStyles>
     <p:titleStyle>
       <a:lvl1pPr algn="l" defTabSz="914400" rtl="0" eaLnBrk="1" latinLnBrk="0" hangingPunct="1">
         <a:lnSpc>
-          <a:spcPct val="90000"/>
+          <a:spcPct val="85000"/>
         </a:lnSpc>
         <a:spcBef>
           <a:spcPct val="0"/>
         </a:spcBef>
         <a:buNone/>
-        <a:defRPr lang="en-US" sz="4800" kern="1200" cap="none" spc="0" baseline="0" dirty="0">
+        <a:defRPr sz="4800" kern="1200" spc="-50" baseline="0">
           <a:solidFill>
             <a:schemeClr val="tx1">
-              <a:lumMod val="85000"/>
-              <a:lumOff val="15000"/>
+              <a:lumMod val="75000"/>
+              <a:lumOff val="25000"/>
             </a:schemeClr>
           </a:solidFill>
-          <a:effectLst/>
           <a:latin typeface="+mj-lt"/>
-          <a:ea typeface="+mn-ea"/>
-          <a:cs typeface="+mn-cs"/>
+          <a:ea typeface="+mj-ea"/>
+          <a:cs typeface="+mj-cs"/>
         </a:defRPr>
       </a:lvl1pPr>
     </p:titleStyle>
     <p:bodyStyle>
-      <a:lvl1pPr marL="182880" indent="-182880" algn="l" defTabSz="914400" rtl="0" eaLnBrk="1" latinLnBrk="0" hangingPunct="1">
+      <a:lvl1pPr marL="91440" indent="-91440" algn="l" defTabSz="914400" rtl="0" eaLnBrk="1" latinLnBrk="0" hangingPunct="1">
         <a:lnSpc>
-          <a:spcPct val="100000"/>
+          <a:spcPct val="90000"/>
         </a:lnSpc>
         <a:spcBef>
-          <a:spcPts val="900"/>
+          <a:spcPts val="1200"/>
         </a:spcBef>
         <a:spcAft>
-          <a:spcPts val="0"/>
+          <a:spcPts val="200"/>
         </a:spcAft>
         <a:buClr>
-          <a:schemeClr val="tx1">
-            <a:lumMod val="85000"/>
-            <a:lumOff val="15000"/>
-          </a:schemeClr>
+          <a:schemeClr val="accent1"/>
         </a:buClr>
-        <a:buFont typeface="Garamond" pitchFamily="18" charset="0"/>
-        <a:buChar char="◦"/>
-        <a:defRPr sz="1800" kern="1200">
+        <a:buSzPct val="100000"/>
+        <a:buFont typeface="Calibri" panose="020F0502020204030204" pitchFamily="34" charset="0"/>
+        <a:buChar char=" "/>
+        <a:defRPr sz="2000" kern="1200">
           <a:solidFill>
-            <a:schemeClr val="tx1"/>
+            <a:schemeClr val="tx1">
+              <a:lumMod val="75000"/>
+              <a:lumOff val="25000"/>
+            </a:schemeClr>
           </a:solidFill>
           <a:latin typeface="+mn-lt"/>
           <a:ea typeface="+mn-ea"/>
           <a:cs typeface="+mn-cs"/>
         </a:defRPr>
       </a:lvl1pPr>
-      <a:lvl2pPr marL="457200" indent="-182880" algn="l" defTabSz="914400" rtl="0" eaLnBrk="1" latinLnBrk="0" hangingPunct="1">
+      <a:lvl2pPr marL="384048" indent="-182880" algn="l" defTabSz="914400" rtl="0" eaLnBrk="1" latinLnBrk="0" hangingPunct="1">
         <a:lnSpc>
-          <a:spcPct val="100000"/>
+          <a:spcPct val="90000"/>
         </a:lnSpc>
         <a:spcBef>
-          <a:spcPts val="500"/>
+          <a:spcPts val="200"/>
         </a:spcBef>
+        <a:spcAft>
+          <a:spcPts val="400"/>
+        </a:spcAft>
         <a:buClr>
-          <a:schemeClr val="tx1">
-            <a:lumMod val="85000"/>
-            <a:lumOff val="15000"/>
-          </a:schemeClr>
+          <a:schemeClr val="accent1"/>
         </a:buClr>
-        <a:buFont typeface="Garamond" pitchFamily="18" charset="0"/>
+        <a:buFont typeface="Calibri" pitchFamily="34" charset="0"/>
         <a:buChar char="◦"/>
-        <a:defRPr sz="1600" kern="1200">
+        <a:defRPr sz="1800" kern="1200">
           <a:solidFill>
-            <a:schemeClr val="tx1"/>
+            <a:schemeClr val="tx1">
+              <a:lumMod val="75000"/>
+              <a:lumOff val="25000"/>
+            </a:schemeClr>
           </a:solidFill>
           <a:latin typeface="+mn-lt"/>
           <a:ea typeface="+mn-ea"/>
           <a:cs typeface="+mn-cs"/>
         </a:defRPr>
       </a:lvl2pPr>
-      <a:lvl3pPr marL="731520" indent="-182880" algn="l" defTabSz="914400" rtl="0" eaLnBrk="1" latinLnBrk="0" hangingPunct="1">
+      <a:lvl3pPr marL="566928" indent="-182880" algn="l" defTabSz="914400" rtl="0" eaLnBrk="1" latinLnBrk="0" hangingPunct="1">
         <a:lnSpc>
-          <a:spcPct val="100000"/>
+          <a:spcPct val="90000"/>
         </a:lnSpc>
         <a:spcBef>
-          <a:spcPts val="500"/>
+          <a:spcPts val="200"/>
         </a:spcBef>
+        <a:spcAft>
+          <a:spcPts val="400"/>
+        </a:spcAft>
         <a:buClr>
-          <a:schemeClr val="tx1">
-            <a:lumMod val="85000"/>
-            <a:lumOff val="15000"/>
-          </a:schemeClr>
+          <a:schemeClr val="accent1"/>
         </a:buClr>
-        <a:buFont typeface="Garamond" pitchFamily="18" charset="0"/>
+        <a:buFont typeface="Calibri" pitchFamily="34" charset="0"/>
         <a:buChar char="◦"/>
         <a:defRPr sz="1400" kern="1200">
           <a:solidFill>
-            <a:schemeClr val="tx1"/>
+            <a:schemeClr val="tx1">
+              <a:lumMod val="75000"/>
+              <a:lumOff val="25000"/>
+            </a:schemeClr>
           </a:solidFill>
           <a:latin typeface="+mn-lt"/>
           <a:ea typeface="+mn-ea"/>
           <a:cs typeface="+mn-cs"/>
         </a:defRPr>
       </a:lvl3pPr>
-      <a:lvl4pPr marL="1005840" indent="-182880" algn="l" defTabSz="914400" rtl="0" eaLnBrk="1" latinLnBrk="0" hangingPunct="1">
+      <a:lvl4pPr marL="749808" indent="-182880" algn="l" defTabSz="914400" rtl="0" eaLnBrk="1" latinLnBrk="0" hangingPunct="1">
         <a:lnSpc>
-          <a:spcPct val="100000"/>
+          <a:spcPct val="90000"/>
         </a:lnSpc>
         <a:spcBef>
-          <a:spcPts val="500"/>
+          <a:spcPts val="200"/>
         </a:spcBef>
+        <a:spcAft>
+          <a:spcPts val="400"/>
+        </a:spcAft>
         <a:buClr>
-          <a:schemeClr val="tx1">
-            <a:lumMod val="85000"/>
-            <a:lumOff val="15000"/>
-          </a:schemeClr>
+          <a:schemeClr val="accent1"/>
         </a:buClr>
-        <a:buFont typeface="Garamond" pitchFamily="18" charset="0"/>
+        <a:buFont typeface="Calibri" pitchFamily="34" charset="0"/>
         <a:buChar char="◦"/>
         <a:defRPr sz="1400" kern="1200">
           <a:solidFill>
-            <a:schemeClr val="tx1"/>
+            <a:schemeClr val="tx1">
+              <a:lumMod val="75000"/>
+              <a:lumOff val="25000"/>
+            </a:schemeClr>
           </a:solidFill>
           <a:latin typeface="+mn-lt"/>
           <a:ea typeface="+mn-ea"/>
           <a:cs typeface="+mn-cs"/>
         </a:defRPr>
       </a:lvl4pPr>
-      <a:lvl5pPr marL="1280160" indent="-182880" algn="l" defTabSz="914400" rtl="0" eaLnBrk="1" latinLnBrk="0" hangingPunct="1">
+      <a:lvl5pPr marL="932688" indent="-182880" algn="l" defTabSz="914400" rtl="0" eaLnBrk="1" latinLnBrk="0" hangingPunct="1">
         <a:lnSpc>
-          <a:spcPct val="100000"/>
+          <a:spcPct val="90000"/>
         </a:lnSpc>
         <a:spcBef>
-          <a:spcPts val="500"/>
+          <a:spcPts val="200"/>
         </a:spcBef>
+        <a:spcAft>
+          <a:spcPts val="400"/>
+        </a:spcAft>
         <a:buClr>
-          <a:schemeClr val="tx1">
-            <a:lumMod val="85000"/>
-            <a:lumOff val="15000"/>
-          </a:schemeClr>
+          <a:schemeClr val="accent1"/>
         </a:buClr>
-        <a:buFont typeface="Garamond" pitchFamily="18" charset="0"/>
+        <a:buFont typeface="Calibri" pitchFamily="34" charset="0"/>
         <a:buChar char="◦"/>
         <a:defRPr sz="1400" kern="1200">
           <a:solidFill>
-            <a:schemeClr val="tx1"/>
+            <a:schemeClr val="tx1">
+              <a:lumMod val="75000"/>
+              <a:lumOff val="25000"/>
+            </a:schemeClr>
           </a:solidFill>
           <a:latin typeface="+mn-lt"/>
           <a:ea typeface="+mn-ea"/>
           <a:cs typeface="+mn-cs"/>
         </a:defRPr>
       </a:lvl5pPr>
-      <a:lvl6pPr marL="1600000" indent="-228600" algn="l" defTabSz="914400" rtl="0" eaLnBrk="1" latinLnBrk="0" hangingPunct="1">
+      <a:lvl6pPr marL="1100000" indent="-228600" algn="l" defTabSz="914400" rtl="0" eaLnBrk="1" latinLnBrk="0" hangingPunct="1">
         <a:lnSpc>
-          <a:spcPct val="100000"/>
+          <a:spcPct val="90000"/>
         </a:lnSpc>
         <a:spcBef>
-          <a:spcPts val="500"/>
+          <a:spcPts val="200"/>
         </a:spcBef>
+        <a:spcAft>
+          <a:spcPts val="400"/>
+        </a:spcAft>
         <a:buClr>
-          <a:schemeClr val="tx1">
-            <a:lumMod val="85000"/>
-            <a:lumOff val="15000"/>
-          </a:schemeClr>
+          <a:schemeClr val="accent1"/>
         </a:buClr>
-        <a:buFont typeface="Garamond" pitchFamily="18" charset="0"/>
+        <a:buFont typeface="Calibri" pitchFamily="34" charset="0"/>
         <a:buChar char="◦"/>
         <a:defRPr sz="1400" kern="1200">
           <a:solidFill>
-            <a:schemeClr val="tx1"/>
+            <a:schemeClr val="tx1">
+              <a:lumMod val="75000"/>
+              <a:lumOff val="25000"/>
+            </a:schemeClr>
           </a:solidFill>
           <a:latin typeface="+mn-lt"/>
           <a:ea typeface="+mn-ea"/>
           <a:cs typeface="+mn-cs"/>
         </a:defRPr>
       </a:lvl6pPr>
-      <a:lvl7pPr marL="1900000" indent="-228600" algn="l" defTabSz="914400" rtl="0" eaLnBrk="1" latinLnBrk="0" hangingPunct="1">
+      <a:lvl7pPr marL="1300000" indent="-228600" algn="l" defTabSz="914400" rtl="0" eaLnBrk="1" latinLnBrk="0" hangingPunct="1">
         <a:lnSpc>
-          <a:spcPct val="100000"/>
+          <a:spcPct val="90000"/>
         </a:lnSpc>
         <a:spcBef>
-          <a:spcPts val="500"/>
+          <a:spcPts val="200"/>
         </a:spcBef>
+        <a:spcAft>
+          <a:spcPts val="400"/>
+        </a:spcAft>
         <a:buClr>
-          <a:schemeClr val="tx1">
-            <a:lumMod val="85000"/>
-            <a:lumOff val="15000"/>
-          </a:schemeClr>
+          <a:schemeClr val="accent1"/>
         </a:buClr>
-        <a:buFont typeface="Garamond" pitchFamily="18" charset="0"/>
+        <a:buFont typeface="Calibri" pitchFamily="34" charset="0"/>
         <a:buChar char="◦"/>
         <a:defRPr sz="1400" kern="1200">
           <a:solidFill>
-            <a:schemeClr val="tx1"/>
+            <a:schemeClr val="tx1">
+              <a:lumMod val="75000"/>
+              <a:lumOff val="25000"/>
+            </a:schemeClr>
           </a:solidFill>
           <a:latin typeface="+mn-lt"/>
           <a:ea typeface="+mn-ea"/>
           <a:cs typeface="+mn-cs"/>
         </a:defRPr>
       </a:lvl7pPr>
-      <a:lvl8pPr marL="2200000" indent="-228600" algn="l" defTabSz="914400" rtl="0" eaLnBrk="1" latinLnBrk="0" hangingPunct="1">
+      <a:lvl8pPr marL="1500000" indent="-228600" algn="l" defTabSz="914400" rtl="0" eaLnBrk="1" latinLnBrk="0" hangingPunct="1">
         <a:lnSpc>
-          <a:spcPct val="100000"/>
+          <a:spcPct val="90000"/>
         </a:lnSpc>
         <a:spcBef>
-          <a:spcPts val="500"/>
+          <a:spcPts val="200"/>
         </a:spcBef>
+        <a:spcAft>
+          <a:spcPts val="400"/>
+        </a:spcAft>
         <a:buClr>
-          <a:schemeClr val="tx1">
-            <a:lumMod val="85000"/>
-            <a:lumOff val="15000"/>
-          </a:schemeClr>
+          <a:schemeClr val="accent1"/>
         </a:buClr>
-        <a:buFont typeface="Garamond" pitchFamily="18" charset="0"/>
+        <a:buFont typeface="Calibri" pitchFamily="34" charset="0"/>
         <a:buChar char="◦"/>
         <a:defRPr sz="1400" kern="1200">
           <a:solidFill>
-            <a:schemeClr val="tx1"/>
+            <a:schemeClr val="tx1">
+              <a:lumMod val="75000"/>
+              <a:lumOff val="25000"/>
+            </a:schemeClr>
           </a:solidFill>
           <a:latin typeface="+mn-lt"/>
           <a:ea typeface="+mn-ea"/>
           <a:cs typeface="+mn-cs"/>
         </a:defRPr>
       </a:lvl8pPr>
-      <a:lvl9pPr marL="2500000" indent="-228600" algn="l" defTabSz="914400" rtl="0" eaLnBrk="1" latinLnBrk="0" hangingPunct="1">
+      <a:lvl9pPr marL="1700000" indent="-228600" algn="l" defTabSz="914400" rtl="0" eaLnBrk="1" latinLnBrk="0" hangingPunct="1">
         <a:lnSpc>
-          <a:spcPct val="100000"/>
+          <a:spcPct val="90000"/>
         </a:lnSpc>
         <a:spcBef>
-          <a:spcPts val="500"/>
+          <a:spcPts val="200"/>
         </a:spcBef>
+        <a:spcAft>
+          <a:spcPts val="400"/>
+        </a:spcAft>
         <a:buClr>
-          <a:schemeClr val="tx1">
-            <a:lumMod val="85000"/>
-            <a:lumOff val="15000"/>
-          </a:schemeClr>
+          <a:schemeClr val="accent1"/>
         </a:buClr>
-        <a:buFont typeface="Garamond" pitchFamily="18" charset="0"/>
+        <a:buFont typeface="Calibri" pitchFamily="34" charset="0"/>
         <a:buChar char="◦"/>
         <a:defRPr sz="1400" kern="1200">
           <a:solidFill>
-            <a:schemeClr val="tx1"/>
+            <a:schemeClr val="tx1">
+              <a:lumMod val="75000"/>
+              <a:lumOff val="25000"/>
+            </a:schemeClr>
           </a:solidFill>
           <a:latin typeface="+mn-lt"/>
           <a:ea typeface="+mn-ea"/>
@@ -4238,12 +3832,14 @@
         </p:nvSpPr>
         <p:spPr>
           <a:xfrm>
-            <a:off x="1561708" y="2463282"/>
+            <a:off x="1594958" y="1478229"/>
             <a:ext cx="9068586" cy="2218781"/>
           </a:xfrm>
         </p:spPr>
         <p:txBody>
-          <a:bodyPr/>
+          <a:bodyPr>
+            <a:normAutofit/>
+          </a:bodyPr>
           <a:lstStyle/>
           <a:p>
             <a:pPr rtl="0">
@@ -4255,84 +3851,84 @@
               </a:spcAft>
             </a:pPr>
             <a:r>
-              <a:rPr lang="en-US" sz="3600" b="1" i="0" u="none" strike="noStrike" dirty="0">
+              <a:rPr lang="en-US" sz="4000" b="1" dirty="0">
+                <a:solidFill>
+                  <a:srgbClr val="233A44"/>
+                </a:solidFill>
+                <a:latin typeface="+mn-lt"/>
+              </a:rPr>
+              <a:t>San Francisco Bikeshare Trip</a:t>
+            </a:r>
+            <a:r>
+              <a:rPr lang="en-US" sz="4000" b="1" i="0" u="none" strike="noStrike" dirty="0">
                 <a:solidFill>
                   <a:srgbClr val="233A44"/>
                 </a:solidFill>
                 <a:effectLst/>
-                <a:latin typeface="Arial" panose="020B0604020202020204" pitchFamily="34" charset="0"/>
-              </a:rPr>
-              <a:t>San Francisco Bikeshare Trip Insight</a:t>
+                <a:latin typeface="+mn-lt"/>
+              </a:rPr>
+              <a:t> Insight</a:t>
             </a:r>
             <a:br>
-              <a:rPr lang="en-ID" sz="3600" b="1" i="0" u="none" strike="noStrike" dirty="0">
+              <a:rPr lang="en-ID" sz="4000" b="1" i="0" u="none" strike="noStrike" dirty="0">
                 <a:solidFill>
                   <a:srgbClr val="233A44"/>
                 </a:solidFill>
                 <a:effectLst/>
-                <a:latin typeface="Arial" panose="020B0604020202020204" pitchFamily="34" charset="0"/>
+                <a:latin typeface="+mn-lt"/>
               </a:rPr>
             </a:br>
             <a:br>
-              <a:rPr lang="en-ID" sz="3600" b="1" i="0" u="none" strike="noStrike" dirty="0">
+              <a:rPr lang="en-ID" sz="4000" b="1" i="0" u="none" strike="noStrike" dirty="0">
                 <a:solidFill>
                   <a:srgbClr val="233A44"/>
                 </a:solidFill>
                 <a:effectLst/>
-                <a:latin typeface="Arial" panose="020B0604020202020204" pitchFamily="34" charset="0"/>
+                <a:latin typeface="+mn-lt"/>
               </a:rPr>
             </a:br>
             <a:r>
-              <a:rPr lang="en-ID" sz="2000" b="1" i="0" u="none" strike="noStrike" dirty="0">
+              <a:rPr lang="en-ID" sz="2400" b="1" i="0" u="none" strike="noStrike" dirty="0">
                 <a:solidFill>
                   <a:srgbClr val="233A44"/>
                 </a:solidFill>
                 <a:effectLst/>
-                <a:latin typeface="Arial" panose="020B0604020202020204" pitchFamily="34" charset="0"/>
-              </a:rPr>
-              <a:t>TAKEN FROM MY ASSIGNMENT</a:t>
+                <a:latin typeface="+mn-lt"/>
+              </a:rPr>
+              <a:t>TAKEN FROM CASE STUDY</a:t>
             </a:r>
             <a:br>
-              <a:rPr lang="en-ID" sz="8000" b="0" dirty="0">
-                <a:effectLst/>
-              </a:rPr>
-            </a:br>
-            <a:r>
-              <a:rPr lang="en-ID" sz="2000" b="1" i="0" u="none" strike="noStrike" dirty="0" err="1">
+              <a:rPr lang="en-ID" sz="2400" b="1" i="0" u="none" strike="noStrike" dirty="0">
                 <a:solidFill>
                   <a:srgbClr val="233A44"/>
                 </a:solidFill>
                 <a:effectLst/>
-                <a:latin typeface="Roboto" panose="02000000000000000000" pitchFamily="2" charset="0"/>
-              </a:rPr>
-              <a:t>RevoU</a:t>
-            </a:r>
-            <a:r>
-              <a:rPr lang="en-ID" sz="2000" b="1" i="0" u="none" strike="noStrike" dirty="0">
+                <a:latin typeface="+mn-lt"/>
+              </a:rPr>
+            </a:br>
+            <a:r>
+              <a:rPr lang="en-ID" sz="2400" b="1" i="0" u="none" strike="noStrike" dirty="0" err="1">
                 <a:solidFill>
                   <a:srgbClr val="233A44"/>
                 </a:solidFill>
                 <a:effectLst/>
-                <a:latin typeface="Roboto" panose="02000000000000000000" pitchFamily="2" charset="0"/>
-              </a:rPr>
-              <a:t> Mini Course</a:t>
-            </a:r>
-            <a:br>
-              <a:rPr lang="en-ID" sz="8000" b="0" dirty="0">
-                <a:effectLst/>
-              </a:rPr>
-            </a:br>
-            <a:r>
-              <a:rPr lang="en-ID" sz="2000" b="1" i="0" u="none" strike="noStrike" dirty="0">
+                <a:latin typeface="+mn-lt"/>
+              </a:rPr>
+              <a:t>RevoU</a:t>
+            </a:r>
+            <a:r>
+              <a:rPr lang="en-ID" sz="2400" b="1" i="0" u="none" strike="noStrike" dirty="0">
                 <a:solidFill>
                   <a:srgbClr val="233A44"/>
                 </a:solidFill>
                 <a:effectLst/>
-                <a:latin typeface="Roboto" panose="02000000000000000000" pitchFamily="2" charset="0"/>
-              </a:rPr>
-              <a:t>Data Analytics</a:t>
-            </a:r>
-            <a:endParaRPr lang="en-ID" sz="13800" dirty="0"/>
+                <a:latin typeface="+mn-lt"/>
+              </a:rPr>
+              <a:t> Mini Course - Data Analytics</a:t>
+            </a:r>
+            <a:endParaRPr lang="en-ID" sz="16600" dirty="0">
+              <a:latin typeface="+mn-lt"/>
+            </a:endParaRPr>
           </a:p>
         </p:txBody>
       </p:sp>
@@ -4355,7 +3951,7 @@
         <p:spPr/>
         <p:txBody>
           <a:bodyPr>
-            <a:normAutofit fontScale="85000" lnSpcReduction="20000"/>
+            <a:normAutofit/>
           </a:bodyPr>
           <a:lstStyle/>
           <a:p>
@@ -4368,12 +3964,12 @@
               </a:spcAft>
             </a:pPr>
             <a:r>
-              <a:rPr lang="en-ID" sz="1800" b="0" i="0" u="none" strike="noStrike" dirty="0">
+              <a:rPr lang="en-ID" b="1" i="0" u="none" strike="noStrike" dirty="0">
                 <a:solidFill>
-                  <a:srgbClr val="AF7B51"/>
+                  <a:schemeClr val="accent2"/>
                 </a:solidFill>
                 <a:effectLst/>
-                <a:latin typeface="Calibri" panose="020F0502020204030204" pitchFamily="34" charset="0"/>
+                <a:latin typeface="+mn-lt"/>
               </a:rPr>
               <a:t>Dhea Amalia Lutfiani</a:t>
             </a:r>
@@ -4390,12 +3986,26 @@
             <a:r>
               <a:rPr lang="en-ID" b="0" dirty="0">
                 <a:effectLst/>
-              </a:rPr>
-              <a:t>( 7 Feb – 18 Feb )</a:t>
-            </a:r>
-          </a:p>
-          <a:p>
-            <a:endParaRPr lang="en-ID" dirty="0"/>
+                <a:latin typeface="+mn-lt"/>
+              </a:rPr>
+              <a:t>( 7 FEB – </a:t>
+            </a:r>
+            <a:r>
+              <a:rPr lang="en-ID" sz="2400" dirty="0"/>
+              <a:t>1</a:t>
+            </a:r>
+            <a:r>
+              <a:rPr lang="en-ID" b="0" dirty="0">
+                <a:effectLst/>
+                <a:latin typeface="+mn-lt"/>
+              </a:rPr>
+              <a:t>8 FEB )</a:t>
+            </a:r>
+          </a:p>
+          <a:p>
+            <a:endParaRPr lang="en-ID" dirty="0">
+              <a:latin typeface="+mn-lt"/>
+            </a:endParaRPr>
           </a:p>
         </p:txBody>
       </p:sp>
@@ -4413,8 +4023,8 @@
         </p:nvSpPr>
         <p:spPr>
           <a:xfrm>
-            <a:off x="1670180" y="1595535"/>
-            <a:ext cx="2844048" cy="400110"/>
+            <a:off x="1561708" y="319509"/>
+            <a:ext cx="3101939" cy="1200329"/>
           </a:xfrm>
           <a:prstGeom prst="rect">
             <a:avLst/>
@@ -4428,57 +4038,23 @@
           <a:lstStyle/>
           <a:p>
             <a:r>
-              <a:rPr lang="en-ID" dirty="0"/>
-              <a:t>Portfolio </a:t>
-            </a:r>
-            <a:r>
-              <a:rPr lang="en-ID" sz="2000" dirty="0"/>
-              <a:t>Data</a:t>
-            </a:r>
-            <a:r>
-              <a:rPr lang="en-ID" dirty="0"/>
-              <a:t> Analytics</a:t>
-            </a:r>
-          </a:p>
-        </p:txBody>
-      </p:sp>
-      <p:sp>
-        <p:nvSpPr>
-          <p:cNvPr id="6" name="TextBox 5">
-            <a:extLst>
-              <a:ext uri="{FF2B5EF4-FFF2-40B4-BE49-F238E27FC236}">
-                <a16:creationId xmlns:a16="http://schemas.microsoft.com/office/drawing/2014/main" id="{C99D4177-90EE-443B-FB0F-A846FC8A591F}"/>
-              </a:ext>
-            </a:extLst>
-          </p:cNvPr>
-          <p:cNvSpPr txBox="1"/>
-          <p:nvPr/>
-        </p:nvSpPr>
-        <p:spPr>
-          <a:xfrm>
-            <a:off x="1667526" y="1991272"/>
-            <a:ext cx="496855" cy="369332"/>
-          </a:xfrm>
-          <a:prstGeom prst="rect">
-            <a:avLst/>
-          </a:prstGeom>
-          <a:noFill/>
-        </p:spPr>
-        <p:txBody>
-          <a:bodyPr wrap="square">
-            <a:spAutoFit/>
-          </a:bodyPr>
-          <a:lstStyle/>
-          <a:p>
-            <a:r>
-              <a:rPr lang="en-ID" dirty="0"/>
+              <a:rPr lang="en-ID" sz="2400" dirty="0"/>
+              <a:t>Portfolio Data Analytics</a:t>
+            </a:r>
+          </a:p>
+          <a:p>
+            <a:r>
+              <a:rPr lang="en-ID" sz="2400" dirty="0"/>
               <a:t>1</a:t>
             </a:r>
             <a:r>
-              <a:rPr lang="en-ID" baseline="30000" dirty="0"/>
+              <a:rPr lang="en-ID" sz="2400" baseline="30000" dirty="0"/>
               <a:t>st</a:t>
             </a:r>
-            <a:endParaRPr lang="en-ID" dirty="0"/>
+            <a:endParaRPr lang="en-ID" sz="2400" dirty="0"/>
+          </a:p>
+          <a:p>
+            <a:endParaRPr lang="en-ID" sz="2400" dirty="0"/>
           </a:p>
         </p:txBody>
       </p:sp>
@@ -4496,7 +4072,7 @@
 </file>
 
 <file path=ppt/slides/slide10.xml><?xml version="1.0" encoding="utf-8"?>
-<p:sld xmlns:a="http://schemas.openxmlformats.org/drawingml/2006/main" xmlns:r="http://schemas.openxmlformats.org/officeDocument/2006/relationships" xmlns:p="http://schemas.openxmlformats.org/presentationml/2006/main" show="0">
+<p:sld xmlns:a="http://schemas.openxmlformats.org/drawingml/2006/main" xmlns:r="http://schemas.openxmlformats.org/officeDocument/2006/relationships" xmlns:p="http://schemas.openxmlformats.org/presentationml/2006/main">
   <p:cSld>
     <p:spTree>
       <p:nvGrpSpPr>
@@ -4554,92 +4130,15 @@
                   <a:schemeClr val="tx1"/>
                 </a:solidFill>
                 <a:effectLst/>
-                <a:latin typeface="Nunito" panose="020B0604020202020204" pitchFamily="2" charset="0"/>
-              </a:rPr>
-              <a:t>Case Study</a:t>
+                <a:latin typeface="+mn-lt"/>
+              </a:rPr>
+              <a:t>Visualization with Insight</a:t>
             </a:r>
             <a:endParaRPr lang="en-ID" sz="7200" dirty="0">
               <a:solidFill>
                 <a:schemeClr val="tx1"/>
               </a:solidFill>
-            </a:endParaRPr>
-          </a:p>
-        </p:txBody>
-      </p:sp>
-      <p:sp>
-        <p:nvSpPr>
-          <p:cNvPr id="13" name="Title 1">
-            <a:extLst>
-              <a:ext uri="{FF2B5EF4-FFF2-40B4-BE49-F238E27FC236}">
-                <a16:creationId xmlns:a16="http://schemas.microsoft.com/office/drawing/2014/main" id="{114194E1-6887-C4BB-C88A-3D2A2A9BF1AC}"/>
-              </a:ext>
-            </a:extLst>
-          </p:cNvPr>
-          <p:cNvSpPr txBox="1">
-            <a:spLocks/>
-          </p:cNvSpPr>
-          <p:nvPr/>
-        </p:nvSpPr>
-        <p:spPr>
-          <a:xfrm>
-            <a:off x="1066800" y="852230"/>
-            <a:ext cx="10058400" cy="760078"/>
-          </a:xfrm>
-          <a:prstGeom prst="rect">
-            <a:avLst/>
-          </a:prstGeom>
-        </p:spPr>
-        <p:txBody>
-          <a:bodyPr vert="horz" lIns="91440" tIns="45720" rIns="91440" bIns="45720" rtlCol="0" anchor="ctr">
-            <a:normAutofit/>
-          </a:bodyPr>
-          <a:lstStyle>
-            <a:lvl1pPr algn="l" defTabSz="914400" rtl="0" eaLnBrk="1" latinLnBrk="0" hangingPunct="1">
-              <a:lnSpc>
-                <a:spcPct val="90000"/>
-              </a:lnSpc>
-              <a:spcBef>
-                <a:spcPct val="0"/>
-              </a:spcBef>
-              <a:buNone/>
-              <a:defRPr lang="en-US" sz="4800" kern="1200" cap="none" spc="0" baseline="0" dirty="0">
-                <a:solidFill>
-                  <a:schemeClr val="tx1">
-                    <a:lumMod val="85000"/>
-                    <a:lumOff val="15000"/>
-                  </a:schemeClr>
-                </a:solidFill>
-                <a:effectLst/>
-                <a:latin typeface="+mj-lt"/>
-                <a:ea typeface="+mn-ea"/>
-                <a:cs typeface="+mn-cs"/>
-              </a:defRPr>
-            </a:lvl1pPr>
-          </a:lstStyle>
-          <a:p>
-            <a:pPr rtl="0">
-              <a:spcBef>
-                <a:spcPts val="0"/>
-              </a:spcBef>
-              <a:spcAft>
-                <a:spcPts val="0"/>
-              </a:spcAft>
-            </a:pPr>
-            <a:r>
-              <a:rPr lang="en-ID" sz="2400" b="0" i="0" u="none" strike="noStrike" dirty="0">
-                <a:solidFill>
-                  <a:schemeClr val="tx1"/>
-                </a:solidFill>
-                <a:effectLst/>
-                <a:latin typeface="Nunito" pitchFamily="2" charset="0"/>
-              </a:rPr>
-              <a:t>SQL &amp; DATA VISUALIZATION</a:t>
-            </a:r>
-            <a:endParaRPr lang="en-ID" sz="1400" b="0" dirty="0">
-              <a:solidFill>
-                <a:schemeClr val="tx1"/>
-              </a:solidFill>
-              <a:effectLst/>
+              <a:latin typeface="+mn-lt"/>
             </a:endParaRPr>
           </a:p>
         </p:txBody>
@@ -4658,8 +4157,8 @@
         </p:nvSpPr>
         <p:spPr>
           <a:xfrm>
-            <a:off x="506963" y="1522651"/>
-            <a:ext cx="4750018" cy="473206"/>
+            <a:off x="712237" y="1096212"/>
+            <a:ext cx="3355342" cy="464871"/>
           </a:xfrm>
           <a:prstGeom prst="rect">
             <a:avLst/>
@@ -4672,27 +4171,28 @@
           </a:bodyPr>
           <a:lstStyle/>
           <a:p>
-            <a:pPr>
+            <a:pPr marL="541338" indent="-541338">
               <a:lnSpc>
                 <a:spcPct val="150000"/>
               </a:lnSpc>
+              <a:buFontTx/>
+              <a:buAutoNum type="arabicPeriod"/>
             </a:pPr>
             <a:r>
               <a:rPr lang="en-US" dirty="0">
-                <a:latin typeface="Nunito" pitchFamily="2" charset="0"/>
                 <a:cs typeface="Times New Roman" panose="02020603050405020304" pitchFamily="18" charset="0"/>
               </a:rPr>
-              <a:t>2. 	Average duration of the trips per month</a:t>
-            </a:r>
-          </a:p>
-        </p:txBody>
-      </p:sp>
-      <p:sp>
-        <p:nvSpPr>
-          <p:cNvPr id="7" name="TextBox 6">
+              <a:t>Number of trips per month</a:t>
+            </a:r>
+          </a:p>
+        </p:txBody>
+      </p:sp>
+      <p:sp>
+        <p:nvSpPr>
+          <p:cNvPr id="11" name="TextBox 10">
             <a:extLst>
               <a:ext uri="{FF2B5EF4-FFF2-40B4-BE49-F238E27FC236}">
-                <a16:creationId xmlns:a16="http://schemas.microsoft.com/office/drawing/2014/main" id="{1E1EF9E7-DE31-A19D-36F7-2E656E9FFC96}"/>
+                <a16:creationId xmlns:a16="http://schemas.microsoft.com/office/drawing/2014/main" id="{45B36BE0-B851-73AF-34DC-84B1C9A8F804}"/>
               </a:ext>
             </a:extLst>
           </p:cNvPr>
@@ -4701,8 +4201,8 @@
         </p:nvSpPr>
         <p:spPr>
           <a:xfrm>
-            <a:off x="989044" y="2052607"/>
-            <a:ext cx="4198775" cy="338554"/>
+            <a:off x="7958503" y="1947983"/>
+            <a:ext cx="3521260" cy="3970318"/>
           </a:xfrm>
           <a:prstGeom prst="rect">
             <a:avLst/>
@@ -4716,81 +4216,64 @@
           <a:lstStyle/>
           <a:p>
             <a:r>
-              <a:rPr lang="en-US" sz="1600" dirty="0">
-                <a:latin typeface="Nunito" pitchFamily="2" charset="0"/>
+              <a:rPr lang="en-US" sz="1800" dirty="0">
                 <a:cs typeface="Times New Roman" panose="02020603050405020304" pitchFamily="18" charset="0"/>
               </a:rPr>
-              <a:t>Query : with </a:t>
-            </a:r>
-            <a:r>
-              <a:rPr lang="en-US" sz="1600" dirty="0" err="1">
-                <a:latin typeface="Nunito" pitchFamily="2" charset="0"/>
-                <a:cs typeface="Times New Roman" panose="02020603050405020304" pitchFamily="18" charset="0"/>
-              </a:rPr>
-              <a:t>BigQuery</a:t>
-            </a:r>
-            <a:r>
-              <a:rPr lang="en-US" sz="1600" dirty="0">
-                <a:latin typeface="Nunito" pitchFamily="2" charset="0"/>
-                <a:cs typeface="Times New Roman" panose="02020603050405020304" pitchFamily="18" charset="0"/>
-              </a:rPr>
-              <a:t> – Google cloud</a:t>
-            </a:r>
-            <a:endParaRPr lang="en-ID" sz="1600" dirty="0">
-              <a:latin typeface="Nunito" pitchFamily="2" charset="0"/>
+              <a:t>This diagram shows the number of trips per month at each station. We can say that :</a:t>
+            </a:r>
+          </a:p>
+          <a:p>
+            <a:endParaRPr lang="en-US" sz="1800" dirty="0">
               <a:cs typeface="Times New Roman" panose="02020603050405020304" pitchFamily="18" charset="0"/>
             </a:endParaRPr>
           </a:p>
-        </p:txBody>
-      </p:sp>
-      <p:sp>
-        <p:nvSpPr>
-          <p:cNvPr id="8" name="TextBox 7">
+          <a:p>
+            <a:pPr marL="285750" indent="-285750">
+              <a:buFont typeface="Arial" panose="020B0604020202020204" pitchFamily="34" charset="0"/>
+              <a:buChar char="•"/>
+            </a:pPr>
+            <a:r>
+              <a:rPr lang="en-US" sz="1800" dirty="0">
+                <a:cs typeface="Times New Roman" panose="02020603050405020304" pitchFamily="18" charset="0"/>
+              </a:rPr>
+              <a:t>Where Market at Sansome station has the highest number of trips per month than any other station.</a:t>
+            </a:r>
+          </a:p>
+          <a:p>
+            <a:pPr marL="285750" indent="-285750">
+              <a:buFont typeface="Arial" panose="020B0604020202020204" pitchFamily="34" charset="0"/>
+              <a:buChar char="•"/>
+            </a:pPr>
+            <a:r>
+              <a:rPr lang="en-US" sz="1800" dirty="0">
+                <a:cs typeface="Times New Roman" panose="02020603050405020304" pitchFamily="18" charset="0"/>
+              </a:rPr>
+              <a:t>Every year in the end of the year, the users of this San Francisco bikeshare service are decreasing.</a:t>
+            </a:r>
+          </a:p>
+          <a:p>
+            <a:pPr marL="285750" indent="-285750">
+              <a:buFont typeface="Arial" panose="020B0604020202020204" pitchFamily="34" charset="0"/>
+              <a:buChar char="•"/>
+            </a:pPr>
+            <a:r>
+              <a:rPr lang="en-US" sz="1800" dirty="0">
+                <a:cs typeface="Times New Roman" panose="02020603050405020304" pitchFamily="18" charset="0"/>
+              </a:rPr>
+              <a:t>And in October 2014, had the most number of trips.</a:t>
+            </a:r>
+            <a:endParaRPr lang="en-ID" sz="1800" dirty="0">
+              <a:cs typeface="Times New Roman" panose="02020603050405020304" pitchFamily="18" charset="0"/>
+            </a:endParaRPr>
+          </a:p>
+        </p:txBody>
+      </p:sp>
+      <p:pic>
+        <p:nvPicPr>
+          <p:cNvPr id="6" name="Picture 5">
             <a:extLst>
               <a:ext uri="{FF2B5EF4-FFF2-40B4-BE49-F238E27FC236}">
-                <a16:creationId xmlns:a16="http://schemas.microsoft.com/office/drawing/2014/main" id="{D2C07F4D-C38F-BD74-61D4-607F2E526088}"/>
-              </a:ext>
-            </a:extLst>
-          </p:cNvPr>
-          <p:cNvSpPr txBox="1"/>
-          <p:nvPr/>
-        </p:nvSpPr>
-        <p:spPr>
-          <a:xfrm>
-            <a:off x="989044" y="2391161"/>
-            <a:ext cx="4198775" cy="338554"/>
-          </a:xfrm>
-          <a:prstGeom prst="rect">
-            <a:avLst/>
-          </a:prstGeom>
-          <a:noFill/>
-        </p:spPr>
-        <p:txBody>
-          <a:bodyPr wrap="square" rtlCol="0">
-            <a:spAutoFit/>
-          </a:bodyPr>
-          <a:lstStyle/>
-          <a:p>
-            <a:r>
-              <a:rPr lang="en-US" sz="1600" dirty="0">
-                <a:latin typeface="Nunito" pitchFamily="2" charset="0"/>
-                <a:cs typeface="Times New Roman" panose="02020603050405020304" pitchFamily="18" charset="0"/>
-              </a:rPr>
-              <a:t>Visualization : Google Data Studio</a:t>
-            </a:r>
-            <a:endParaRPr lang="en-ID" sz="1600" dirty="0">
-              <a:latin typeface="Nunito" pitchFamily="2" charset="0"/>
-              <a:cs typeface="Times New Roman" panose="02020603050405020304" pitchFamily="18" charset="0"/>
-            </a:endParaRPr>
-          </a:p>
-        </p:txBody>
-      </p:sp>
-      <p:pic>
-        <p:nvPicPr>
-          <p:cNvPr id="12" name="Picture 11">
-            <a:extLst>
-              <a:ext uri="{FF2B5EF4-FFF2-40B4-BE49-F238E27FC236}">
-                <a16:creationId xmlns:a16="http://schemas.microsoft.com/office/drawing/2014/main" id="{ED4CC666-17E7-CDC2-F12C-1EDD94E55EE9}"/>
+                <a16:creationId xmlns:a16="http://schemas.microsoft.com/office/drawing/2014/main" id="{23B0293C-F6FF-C9B2-EB62-D1B9CC50435A}"/>
               </a:ext>
             </a:extLst>
           </p:cNvPr>
@@ -4807,48 +4290,23 @@
         </p:blipFill>
         <p:spPr>
           <a:xfrm>
-            <a:off x="6225115" y="437891"/>
-            <a:ext cx="2453853" cy="5982218"/>
+            <a:off x="945502" y="1856290"/>
+            <a:ext cx="6905162" cy="4311821"/>
           </a:xfrm>
           <a:prstGeom prst="rect">
             <a:avLst/>
           </a:prstGeom>
-        </p:spPr>
-      </p:pic>
-      <p:pic>
-        <p:nvPicPr>
-          <p:cNvPr id="16" name="Picture 15">
-            <a:extLst>
-              <a:ext uri="{FF2B5EF4-FFF2-40B4-BE49-F238E27FC236}">
-                <a16:creationId xmlns:a16="http://schemas.microsoft.com/office/drawing/2014/main" id="{144BBDDE-F158-A26D-DF76-703118CA1A43}"/>
-              </a:ext>
-            </a:extLst>
-          </p:cNvPr>
-          <p:cNvPicPr>
-            <a:picLocks noChangeAspect="1"/>
-          </p:cNvPicPr>
-          <p:nvPr/>
-        </p:nvPicPr>
-        <p:blipFill>
-          <a:blip r:embed="rId3"/>
-          <a:stretch>
-            <a:fillRect/>
-          </a:stretch>
-        </p:blipFill>
-        <p:spPr>
-          <a:xfrm>
-            <a:off x="8947870" y="437891"/>
-            <a:ext cx="2519452" cy="6042091"/>
-          </a:xfrm>
-          <a:prstGeom prst="rect">
-            <a:avLst/>
-          </a:prstGeom>
+          <a:ln>
+            <a:solidFill>
+              <a:schemeClr val="tx1"/>
+            </a:solidFill>
+          </a:ln>
         </p:spPr>
       </p:pic>
     </p:spTree>
     <p:extLst>
       <p:ext uri="{BB962C8B-B14F-4D97-AF65-F5344CB8AC3E}">
-        <p14:creationId xmlns:p14="http://schemas.microsoft.com/office/powerpoint/2010/main" val="439180307"/>
+        <p14:creationId xmlns:p14="http://schemas.microsoft.com/office/powerpoint/2010/main" val="2773516894"/>
       </p:ext>
     </p:extLst>
   </p:cSld>
@@ -4917,92 +4375,15 @@
                   <a:schemeClr val="tx1"/>
                 </a:solidFill>
                 <a:effectLst/>
-                <a:latin typeface="Nunito" panose="020B0604020202020204" pitchFamily="2" charset="0"/>
-              </a:rPr>
-              <a:t>Case Study</a:t>
+                <a:latin typeface="+mn-lt"/>
+              </a:rPr>
+              <a:t>Visualization with Insight</a:t>
             </a:r>
             <a:endParaRPr lang="en-ID" sz="7200" dirty="0">
               <a:solidFill>
                 <a:schemeClr val="tx1"/>
               </a:solidFill>
-            </a:endParaRPr>
-          </a:p>
-        </p:txBody>
-      </p:sp>
-      <p:sp>
-        <p:nvSpPr>
-          <p:cNvPr id="13" name="Title 1">
-            <a:extLst>
-              <a:ext uri="{FF2B5EF4-FFF2-40B4-BE49-F238E27FC236}">
-                <a16:creationId xmlns:a16="http://schemas.microsoft.com/office/drawing/2014/main" id="{114194E1-6887-C4BB-C88A-3D2A2A9BF1AC}"/>
-              </a:ext>
-            </a:extLst>
-          </p:cNvPr>
-          <p:cNvSpPr txBox="1">
-            <a:spLocks/>
-          </p:cNvSpPr>
-          <p:nvPr/>
-        </p:nvSpPr>
-        <p:spPr>
-          <a:xfrm>
-            <a:off x="1066800" y="852230"/>
-            <a:ext cx="10058400" cy="760078"/>
-          </a:xfrm>
-          <a:prstGeom prst="rect">
-            <a:avLst/>
-          </a:prstGeom>
-        </p:spPr>
-        <p:txBody>
-          <a:bodyPr vert="horz" lIns="91440" tIns="45720" rIns="91440" bIns="45720" rtlCol="0" anchor="ctr">
-            <a:normAutofit/>
-          </a:bodyPr>
-          <a:lstStyle>
-            <a:lvl1pPr algn="l" defTabSz="914400" rtl="0" eaLnBrk="1" latinLnBrk="0" hangingPunct="1">
-              <a:lnSpc>
-                <a:spcPct val="90000"/>
-              </a:lnSpc>
-              <a:spcBef>
-                <a:spcPct val="0"/>
-              </a:spcBef>
-              <a:buNone/>
-              <a:defRPr lang="en-US" sz="4800" kern="1200" cap="none" spc="0" baseline="0" dirty="0">
-                <a:solidFill>
-                  <a:schemeClr val="tx1">
-                    <a:lumMod val="85000"/>
-                    <a:lumOff val="15000"/>
-                  </a:schemeClr>
-                </a:solidFill>
-                <a:effectLst/>
-                <a:latin typeface="+mj-lt"/>
-                <a:ea typeface="+mn-ea"/>
-                <a:cs typeface="+mn-cs"/>
-              </a:defRPr>
-            </a:lvl1pPr>
-          </a:lstStyle>
-          <a:p>
-            <a:pPr rtl="0">
-              <a:spcBef>
-                <a:spcPts val="0"/>
-              </a:spcBef>
-              <a:spcAft>
-                <a:spcPts val="0"/>
-              </a:spcAft>
-            </a:pPr>
-            <a:r>
-              <a:rPr lang="en-ID" sz="2400" b="0" i="0" u="none" strike="noStrike" dirty="0">
-                <a:solidFill>
-                  <a:schemeClr val="tx1"/>
-                </a:solidFill>
-                <a:effectLst/>
-                <a:latin typeface="Nunito" pitchFamily="2" charset="0"/>
-              </a:rPr>
-              <a:t>SQL &amp; DATA VISUALIZATION</a:t>
-            </a:r>
-            <a:endParaRPr lang="en-ID" sz="1400" b="0" dirty="0">
-              <a:solidFill>
-                <a:schemeClr val="tx1"/>
-              </a:solidFill>
-              <a:effectLst/>
+              <a:latin typeface="+mn-lt"/>
             </a:endParaRPr>
           </a:p>
         </p:txBody>
@@ -5012,7 +4393,7 @@
           <p:cNvPr id="11" name="TextBox 10">
             <a:extLst>
               <a:ext uri="{FF2B5EF4-FFF2-40B4-BE49-F238E27FC236}">
-                <a16:creationId xmlns:a16="http://schemas.microsoft.com/office/drawing/2014/main" id="{1EB309BE-2220-0C60-A1F5-369624B55D82}"/>
+                <a16:creationId xmlns:a16="http://schemas.microsoft.com/office/drawing/2014/main" id="{45B36BE0-B851-73AF-34DC-84B1C9A8F804}"/>
               </a:ext>
             </a:extLst>
           </p:cNvPr>
@@ -5021,8 +4402,8 @@
         </p:nvSpPr>
         <p:spPr>
           <a:xfrm>
-            <a:off x="561391" y="1537664"/>
-            <a:ext cx="11069217" cy="1569660"/>
+            <a:off x="1066801" y="2046375"/>
+            <a:ext cx="3346580" cy="3693319"/>
           </a:xfrm>
           <a:prstGeom prst="rect">
             <a:avLst/>
@@ -5035,16 +4416,36 @@
           </a:bodyPr>
           <a:lstStyle/>
           <a:p>
+            <a:r>
+              <a:rPr lang="en-US" sz="1800" dirty="0">
+                <a:cs typeface="Times New Roman" panose="02020603050405020304" pitchFamily="18" charset="0"/>
+              </a:rPr>
+              <a:t>This chart shows the average duration of bikeshare usage/ borrowing (grouped by gender).</a:t>
+            </a:r>
+          </a:p>
+          <a:p>
+            <a:r>
+              <a:rPr lang="en-US" sz="1800" dirty="0">
+                <a:cs typeface="Times New Roman" panose="02020603050405020304" pitchFamily="18" charset="0"/>
+              </a:rPr>
+              <a:t>However, it can be seen that:</a:t>
+            </a:r>
+          </a:p>
+          <a:p>
+            <a:endParaRPr lang="en-US" sz="1800" dirty="0">
+              <a:cs typeface="Times New Roman" panose="02020603050405020304" pitchFamily="18" charset="0"/>
+            </a:endParaRPr>
+          </a:p>
+          <a:p>
             <a:pPr marL="285750" indent="-285750">
               <a:buFont typeface="Arial" panose="020B0604020202020204" pitchFamily="34" charset="0"/>
               <a:buChar char="•"/>
             </a:pPr>
             <a:r>
-              <a:rPr lang="en-US" sz="1600" dirty="0">
-                <a:latin typeface="Nunito" pitchFamily="2" charset="0"/>
+              <a:rPr lang="en-US" sz="1800" dirty="0">
                 <a:cs typeface="Times New Roman" panose="02020603050405020304" pitchFamily="18" charset="0"/>
               </a:rPr>
-              <a:t>This is a diagram if we put together the number of trips and the average duration of time taken each month starting in 2017.</a:t>
+              <a:t>The implementation of this gender grouping started in June 2017.</a:t>
             </a:r>
           </a:p>
           <a:p>
@@ -5053,11 +4454,10 @@
               <a:buChar char="•"/>
             </a:pPr>
             <a:r>
-              <a:rPr lang="en-US" sz="1600" dirty="0">
-                <a:latin typeface="Nunito" pitchFamily="2" charset="0"/>
+              <a:rPr lang="en-US" sz="1800" dirty="0">
                 <a:cs typeface="Times New Roman" panose="02020603050405020304" pitchFamily="18" charset="0"/>
               </a:rPr>
-              <a:t>Means that for a large number of trips, it is not necessarily a lot of time spent on bikeshare for each trip.</a:t>
+              <a:t>From Sept 2016 to May 2017 no data was recorded.</a:t>
             </a:r>
           </a:p>
           <a:p>
@@ -5066,25 +4466,71 @@
               <a:buChar char="•"/>
             </a:pPr>
             <a:r>
-              <a:rPr lang="en-US" sz="1600" dirty="0">
-                <a:latin typeface="Nunito" pitchFamily="2" charset="0"/>
+              <a:rPr lang="en-US" sz="1800" dirty="0">
                 <a:cs typeface="Times New Roman" panose="02020603050405020304" pitchFamily="18" charset="0"/>
               </a:rPr>
-              <a:t>Where in the diagram it can be seen that the trend in the number of trips from the beginning of the bikeshare reopening until April 2018 tends to increase but for the average duration of use of this bikeshare, it tends to decrease. Which means the number of trips is a lot but the use is only for a short time.</a:t>
-            </a:r>
-            <a:endParaRPr lang="en-ID" sz="1600" dirty="0">
-              <a:latin typeface="Nunito" pitchFamily="2" charset="0"/>
+              <a:t>And the highest average duration of the trips per month occurred in July 2017</a:t>
+            </a:r>
+            <a:endParaRPr lang="en-ID" sz="1800" dirty="0">
               <a:cs typeface="Times New Roman" panose="02020603050405020304" pitchFamily="18" charset="0"/>
             </a:endParaRPr>
           </a:p>
         </p:txBody>
       </p:sp>
+      <p:sp>
+        <p:nvSpPr>
+          <p:cNvPr id="6" name="TextBox 5">
+            <a:extLst>
+              <a:ext uri="{FF2B5EF4-FFF2-40B4-BE49-F238E27FC236}">
+                <a16:creationId xmlns:a16="http://schemas.microsoft.com/office/drawing/2014/main" id="{BB8E1531-CA13-B288-D371-150AE9C36A74}"/>
+              </a:ext>
+            </a:extLst>
+          </p:cNvPr>
+          <p:cNvSpPr txBox="1"/>
+          <p:nvPr/>
+        </p:nvSpPr>
+        <p:spPr>
+          <a:xfrm>
+            <a:off x="712237" y="1096212"/>
+            <a:ext cx="4441344" cy="464871"/>
+          </a:xfrm>
+          <a:prstGeom prst="rect">
+            <a:avLst/>
+          </a:prstGeom>
+          <a:noFill/>
+        </p:spPr>
+        <p:txBody>
+          <a:bodyPr wrap="none" rtlCol="0">
+            <a:spAutoFit/>
+          </a:bodyPr>
+          <a:lstStyle/>
+          <a:p>
+            <a:pPr>
+              <a:lnSpc>
+                <a:spcPct val="150000"/>
+              </a:lnSpc>
+            </a:pPr>
+            <a:r>
+              <a:rPr lang="id-ID" dirty="0">
+                <a:cs typeface="Times New Roman" panose="02020603050405020304" pitchFamily="18" charset="0"/>
+              </a:rPr>
+              <a:t>2.	</a:t>
+            </a:r>
+            <a:r>
+              <a:rPr lang="en-US" dirty="0">
+                <a:cs typeface="Times New Roman" panose="02020603050405020304" pitchFamily="18" charset="0"/>
+              </a:rPr>
+              <a:t> Average duration of the trips per month</a:t>
+            </a:r>
+          </a:p>
+        </p:txBody>
+      </p:sp>
       <p:pic>
         <p:nvPicPr>
-          <p:cNvPr id="3" name="Picture 2">
+          <p:cNvPr id="12" name="Picture 11">
             <a:extLst>
               <a:ext uri="{FF2B5EF4-FFF2-40B4-BE49-F238E27FC236}">
-                <a16:creationId xmlns:a16="http://schemas.microsoft.com/office/drawing/2014/main" id="{564044D2-8917-3456-46C5-4240B46E2785}"/>
+                <a16:creationId xmlns:a16="http://schemas.microsoft.com/office/drawing/2014/main" id="{D92FC2CF-5C17-3D91-55C3-2A102A7A0976}"/>
               </a:ext>
             </a:extLst>
           </p:cNvPr>
@@ -5101,18 +4547,23 @@
         </p:blipFill>
         <p:spPr>
           <a:xfrm>
-            <a:off x="1836961" y="3118542"/>
-            <a:ext cx="8518076" cy="3414542"/>
+            <a:off x="4519127" y="2046375"/>
+            <a:ext cx="6823788" cy="3793776"/>
           </a:xfrm>
           <a:prstGeom prst="rect">
             <a:avLst/>
           </a:prstGeom>
+          <a:ln>
+            <a:solidFill>
+              <a:schemeClr val="tx1"/>
+            </a:solidFill>
+          </a:ln>
         </p:spPr>
       </p:pic>
     </p:spTree>
     <p:extLst>
       <p:ext uri="{BB962C8B-B14F-4D97-AF65-F5344CB8AC3E}">
-        <p14:creationId xmlns:p14="http://schemas.microsoft.com/office/powerpoint/2010/main" val="2200505213"/>
+        <p14:creationId xmlns:p14="http://schemas.microsoft.com/office/powerpoint/2010/main" val="2080735845"/>
       </p:ext>
     </p:extLst>
   </p:cSld>
@@ -5123,7 +4574,7 @@
 </file>
 
 <file path=ppt/slides/slide12.xml><?xml version="1.0" encoding="utf-8"?>
-<p:sld xmlns:a="http://schemas.openxmlformats.org/drawingml/2006/main" xmlns:r="http://schemas.openxmlformats.org/officeDocument/2006/relationships" xmlns:p="http://schemas.openxmlformats.org/presentationml/2006/main" show="0">
+<p:sld xmlns:a="http://schemas.openxmlformats.org/drawingml/2006/main" xmlns:r="http://schemas.openxmlformats.org/officeDocument/2006/relationships" xmlns:p="http://schemas.openxmlformats.org/presentationml/2006/main">
   <p:cSld>
     <p:spTree>
       <p:nvGrpSpPr>
@@ -5181,102 +4632,25 @@
                   <a:schemeClr val="tx1"/>
                 </a:solidFill>
                 <a:effectLst/>
-                <a:latin typeface="Nunito" panose="020B0604020202020204" pitchFamily="2" charset="0"/>
-              </a:rPr>
-              <a:t>Case Study</a:t>
+                <a:latin typeface="+mn-lt"/>
+              </a:rPr>
+              <a:t>Visualization with Insight</a:t>
             </a:r>
             <a:endParaRPr lang="en-ID" sz="7200" dirty="0">
               <a:solidFill>
                 <a:schemeClr val="tx1"/>
               </a:solidFill>
+              <a:latin typeface="+mn-lt"/>
             </a:endParaRPr>
           </a:p>
         </p:txBody>
       </p:sp>
       <p:sp>
         <p:nvSpPr>
-          <p:cNvPr id="13" name="Title 1">
+          <p:cNvPr id="11" name="TextBox 10">
             <a:extLst>
               <a:ext uri="{FF2B5EF4-FFF2-40B4-BE49-F238E27FC236}">
-                <a16:creationId xmlns:a16="http://schemas.microsoft.com/office/drawing/2014/main" id="{114194E1-6887-C4BB-C88A-3D2A2A9BF1AC}"/>
-              </a:ext>
-            </a:extLst>
-          </p:cNvPr>
-          <p:cNvSpPr txBox="1">
-            <a:spLocks/>
-          </p:cNvSpPr>
-          <p:nvPr/>
-        </p:nvSpPr>
-        <p:spPr>
-          <a:xfrm>
-            <a:off x="1066800" y="852230"/>
-            <a:ext cx="10058400" cy="760078"/>
-          </a:xfrm>
-          <a:prstGeom prst="rect">
-            <a:avLst/>
-          </a:prstGeom>
-        </p:spPr>
-        <p:txBody>
-          <a:bodyPr vert="horz" lIns="91440" tIns="45720" rIns="91440" bIns="45720" rtlCol="0" anchor="ctr">
-            <a:normAutofit/>
-          </a:bodyPr>
-          <a:lstStyle>
-            <a:lvl1pPr algn="l" defTabSz="914400" rtl="0" eaLnBrk="1" latinLnBrk="0" hangingPunct="1">
-              <a:lnSpc>
-                <a:spcPct val="90000"/>
-              </a:lnSpc>
-              <a:spcBef>
-                <a:spcPct val="0"/>
-              </a:spcBef>
-              <a:buNone/>
-              <a:defRPr lang="en-US" sz="4800" kern="1200" cap="none" spc="0" baseline="0" dirty="0">
-                <a:solidFill>
-                  <a:schemeClr val="tx1">
-                    <a:lumMod val="85000"/>
-                    <a:lumOff val="15000"/>
-                  </a:schemeClr>
-                </a:solidFill>
-                <a:effectLst/>
-                <a:latin typeface="+mj-lt"/>
-                <a:ea typeface="+mn-ea"/>
-                <a:cs typeface="+mn-cs"/>
-              </a:defRPr>
-            </a:lvl1pPr>
-          </a:lstStyle>
-          <a:p>
-            <a:pPr rtl="0">
-              <a:spcBef>
-                <a:spcPts val="0"/>
-              </a:spcBef>
-              <a:spcAft>
-                <a:spcPts val="0"/>
-              </a:spcAft>
-            </a:pPr>
-            <a:r>
-              <a:rPr lang="en-ID" sz="2400" b="0" i="0" u="none" strike="noStrike" dirty="0">
-                <a:solidFill>
-                  <a:schemeClr val="tx1"/>
-                </a:solidFill>
-                <a:effectLst/>
-                <a:latin typeface="Nunito" pitchFamily="2" charset="0"/>
-              </a:rPr>
-              <a:t>SQL &amp; DATA VISUALIZATION</a:t>
-            </a:r>
-            <a:endParaRPr lang="en-ID" sz="1400" b="0" dirty="0">
-              <a:solidFill>
-                <a:schemeClr val="tx1"/>
-              </a:solidFill>
-              <a:effectLst/>
-            </a:endParaRPr>
-          </a:p>
-        </p:txBody>
-      </p:sp>
-      <p:sp>
-        <p:nvSpPr>
-          <p:cNvPr id="6" name="TextBox 5">
-            <a:extLst>
-              <a:ext uri="{FF2B5EF4-FFF2-40B4-BE49-F238E27FC236}">
-                <a16:creationId xmlns:a16="http://schemas.microsoft.com/office/drawing/2014/main" id="{4657C20B-1438-9AEA-719F-ADCEDCEC4907}"/>
+                <a16:creationId xmlns:a16="http://schemas.microsoft.com/office/drawing/2014/main" id="{45B36BE0-B851-73AF-34DC-84B1C9A8F804}"/>
               </a:ext>
             </a:extLst>
           </p:cNvPr>
@@ -5285,8 +4659,8 @@
         </p:nvSpPr>
         <p:spPr>
           <a:xfrm>
-            <a:off x="441649" y="1531162"/>
-            <a:ext cx="4198775" cy="338554"/>
+            <a:off x="7893698" y="1896138"/>
+            <a:ext cx="3834882" cy="3970318"/>
           </a:xfrm>
           <a:prstGeom prst="rect">
             <a:avLst/>
@@ -5299,40 +4673,109 @@
           </a:bodyPr>
           <a:lstStyle/>
           <a:p>
-            <a:r>
-              <a:rPr lang="en-US" sz="1600" dirty="0">
-                <a:latin typeface="Nunito" pitchFamily="2" charset="0"/>
+            <a:pPr marL="285750" indent="-285750">
+              <a:buFont typeface="Arial" panose="020B0604020202020204" pitchFamily="34" charset="0"/>
+              <a:buChar char="•"/>
+            </a:pPr>
+            <a:r>
+              <a:rPr lang="en-US" sz="1800" dirty="0">
                 <a:cs typeface="Times New Roman" panose="02020603050405020304" pitchFamily="18" charset="0"/>
               </a:rPr>
-              <a:t>Query : with </a:t>
-            </a:r>
-            <a:r>
-              <a:rPr lang="en-US" sz="1600" dirty="0" err="1">
-                <a:latin typeface="Nunito" pitchFamily="2" charset="0"/>
+              <a:t>Means that for a large number of trips, it is not necessarily a lot of time spent on bikeshare for each trip.</a:t>
+            </a:r>
+          </a:p>
+          <a:p>
+            <a:pPr marL="285750" indent="-285750">
+              <a:buFont typeface="Arial" panose="020B0604020202020204" pitchFamily="34" charset="0"/>
+              <a:buChar char="•"/>
+            </a:pPr>
+            <a:r>
+              <a:rPr lang="en-US" sz="1800" dirty="0">
                 <a:cs typeface="Times New Roman" panose="02020603050405020304" pitchFamily="18" charset="0"/>
               </a:rPr>
-              <a:t>BigQuery</a:t>
-            </a:r>
-            <a:r>
-              <a:rPr lang="en-US" sz="1600" dirty="0">
-                <a:latin typeface="Nunito" pitchFamily="2" charset="0"/>
+              <a:t>Where in the diagram it can be seen that the trend in the number of trips from the beginning of the bikeshare reopening until April 2018 tends to increase but for the average duration of use of this bikeshare, it tends to decrease.</a:t>
+            </a:r>
+          </a:p>
+          <a:p>
+            <a:pPr marL="285750" indent="-285750">
+              <a:buFont typeface="Arial" panose="020B0604020202020204" pitchFamily="34" charset="0"/>
+              <a:buChar char="•"/>
+            </a:pPr>
+            <a:r>
+              <a:rPr lang="en-US" sz="1800" dirty="0">
                 <a:cs typeface="Times New Roman" panose="02020603050405020304" pitchFamily="18" charset="0"/>
               </a:rPr>
-              <a:t> – Google cloud</a:t>
-            </a:r>
-            <a:endParaRPr lang="en-ID" sz="1600" dirty="0">
-              <a:latin typeface="Nunito" pitchFamily="2" charset="0"/>
+              <a:t>Which means the number of trips is a lot but the use is only for a short time.</a:t>
+            </a:r>
+            <a:endParaRPr lang="en-ID" sz="1800" dirty="0">
               <a:cs typeface="Times New Roman" panose="02020603050405020304" pitchFamily="18" charset="0"/>
             </a:endParaRPr>
           </a:p>
         </p:txBody>
       </p:sp>
+      <p:sp>
+        <p:nvSpPr>
+          <p:cNvPr id="6" name="TextBox 5">
+            <a:extLst>
+              <a:ext uri="{FF2B5EF4-FFF2-40B4-BE49-F238E27FC236}">
+                <a16:creationId xmlns:a16="http://schemas.microsoft.com/office/drawing/2014/main" id="{BB8E1531-CA13-B288-D371-150AE9C36A74}"/>
+              </a:ext>
+            </a:extLst>
+          </p:cNvPr>
+          <p:cNvSpPr txBox="1"/>
+          <p:nvPr/>
+        </p:nvSpPr>
+        <p:spPr>
+          <a:xfrm>
+            <a:off x="712237" y="1096212"/>
+            <a:ext cx="9802492" cy="464871"/>
+          </a:xfrm>
+          <a:prstGeom prst="rect">
+            <a:avLst/>
+          </a:prstGeom>
+          <a:noFill/>
+        </p:spPr>
+        <p:txBody>
+          <a:bodyPr wrap="none" rtlCol="0">
+            <a:spAutoFit/>
+          </a:bodyPr>
+          <a:lstStyle/>
+          <a:p>
+            <a:pPr>
+              <a:lnSpc>
+                <a:spcPct val="150000"/>
+              </a:lnSpc>
+            </a:pPr>
+            <a:r>
+              <a:rPr lang="id-ID" dirty="0">
+                <a:cs typeface="Times New Roman" panose="02020603050405020304" pitchFamily="18" charset="0"/>
+              </a:rPr>
+              <a:t>3.</a:t>
+            </a:r>
+            <a:r>
+              <a:rPr lang="en-US" dirty="0">
+                <a:cs typeface="Times New Roman" panose="02020603050405020304" pitchFamily="18" charset="0"/>
+              </a:rPr>
+              <a:t>	T</a:t>
+            </a:r>
+            <a:r>
+              <a:rPr lang="en-US" sz="1800" dirty="0">
+                <a:cs typeface="Times New Roman" panose="02020603050405020304" pitchFamily="18" charset="0"/>
+              </a:rPr>
+              <a:t>he monthly trend of the total trips and the average of duration time (after re-open the bikeshare)</a:t>
+            </a:r>
+            <a:endParaRPr lang="en-US" dirty="0">
+              <a:cs typeface="Times New Roman" panose="02020603050405020304" pitchFamily="18" charset="0"/>
+            </a:endParaRPr>
+          </a:p>
+        </p:txBody>
+      </p:sp>
       <p:pic>
         <p:nvPicPr>
-          <p:cNvPr id="4" name="Picture 3">
+          <p:cNvPr id="7" name="Picture 6">
             <a:extLst>
               <a:ext uri="{FF2B5EF4-FFF2-40B4-BE49-F238E27FC236}">
-                <a16:creationId xmlns:a16="http://schemas.microsoft.com/office/drawing/2014/main" id="{22FAA084-308D-0464-C91C-3F11891C756D}"/>
+                <a16:creationId xmlns:a16="http://schemas.microsoft.com/office/drawing/2014/main" id="{327F57E5-8614-B23A-D373-937ABFEDDF58}"/>
               </a:ext>
             </a:extLst>
           </p:cNvPr>
@@ -5349,149 +4792,23 @@
         </p:blipFill>
         <p:spPr>
           <a:xfrm>
-            <a:off x="441649" y="2063844"/>
-            <a:ext cx="4567398" cy="1225196"/>
+            <a:off x="264184" y="2092068"/>
+            <a:ext cx="7545539" cy="3774388"/>
           </a:xfrm>
           <a:prstGeom prst="rect">
             <a:avLst/>
           </a:prstGeom>
-        </p:spPr>
-      </p:pic>
-      <p:pic>
-        <p:nvPicPr>
-          <p:cNvPr id="7" name="Picture 6">
-            <a:extLst>
-              <a:ext uri="{FF2B5EF4-FFF2-40B4-BE49-F238E27FC236}">
-                <a16:creationId xmlns:a16="http://schemas.microsoft.com/office/drawing/2014/main" id="{0317AF98-F71D-0B65-BD60-C68077561BBF}"/>
-              </a:ext>
-            </a:extLst>
-          </p:cNvPr>
-          <p:cNvPicPr>
-            <a:picLocks noChangeAspect="1"/>
-          </p:cNvPicPr>
-          <p:nvPr/>
-        </p:nvPicPr>
-        <p:blipFill>
-          <a:blip r:embed="rId3"/>
-          <a:stretch>
-            <a:fillRect/>
-          </a:stretch>
-        </p:blipFill>
-        <p:spPr>
-          <a:xfrm>
-            <a:off x="441649" y="3429001"/>
-            <a:ext cx="6127102" cy="1996100"/>
-          </a:xfrm>
-          <a:prstGeom prst="rect">
-            <a:avLst/>
-          </a:prstGeom>
-        </p:spPr>
-      </p:pic>
-      <p:sp>
-        <p:nvSpPr>
-          <p:cNvPr id="12" name="TextBox 11">
-            <a:extLst>
-              <a:ext uri="{FF2B5EF4-FFF2-40B4-BE49-F238E27FC236}">
-                <a16:creationId xmlns:a16="http://schemas.microsoft.com/office/drawing/2014/main" id="{5F244DCE-6BDF-B7A1-7FF2-4B00A87DF729}"/>
-              </a:ext>
-            </a:extLst>
-          </p:cNvPr>
-          <p:cNvSpPr txBox="1"/>
-          <p:nvPr/>
-        </p:nvSpPr>
-        <p:spPr>
-          <a:xfrm>
-            <a:off x="7536026" y="375282"/>
-            <a:ext cx="4198775" cy="338554"/>
-          </a:xfrm>
-          <a:prstGeom prst="rect">
-            <a:avLst/>
-          </a:prstGeom>
-          <a:noFill/>
-        </p:spPr>
-        <p:txBody>
-          <a:bodyPr wrap="square" rtlCol="0">
-            <a:spAutoFit/>
-          </a:bodyPr>
-          <a:lstStyle/>
-          <a:p>
-            <a:r>
-              <a:rPr lang="en-US" sz="1600" dirty="0">
-                <a:latin typeface="Nunito" pitchFamily="2" charset="0"/>
-                <a:cs typeface="Times New Roman" panose="02020603050405020304" pitchFamily="18" charset="0"/>
-              </a:rPr>
-              <a:t>Visualization : Google Data Studio</a:t>
-            </a:r>
-            <a:endParaRPr lang="en-ID" sz="1600" dirty="0">
-              <a:latin typeface="Nunito" pitchFamily="2" charset="0"/>
-              <a:cs typeface="Times New Roman" panose="02020603050405020304" pitchFamily="18" charset="0"/>
-            </a:endParaRPr>
-          </a:p>
-        </p:txBody>
-      </p:sp>
-      <p:pic>
-        <p:nvPicPr>
-          <p:cNvPr id="9" name="Picture 8">
-            <a:extLst>
-              <a:ext uri="{FF2B5EF4-FFF2-40B4-BE49-F238E27FC236}">
-                <a16:creationId xmlns:a16="http://schemas.microsoft.com/office/drawing/2014/main" id="{7A790CA5-52E3-9AE1-BDA4-F22D35D89DF8}"/>
-              </a:ext>
-            </a:extLst>
-          </p:cNvPr>
-          <p:cNvPicPr>
-            <a:picLocks noChangeAspect="1"/>
-          </p:cNvPicPr>
-          <p:nvPr/>
-        </p:nvPicPr>
-        <p:blipFill rotWithShape="1">
-          <a:blip r:embed="rId4"/>
-          <a:srcRect b="11435"/>
-          <a:stretch/>
-        </p:blipFill>
-        <p:spPr>
-          <a:xfrm>
-            <a:off x="6882234" y="852230"/>
-            <a:ext cx="2461473" cy="5250859"/>
-          </a:xfrm>
-          <a:prstGeom prst="rect">
-            <a:avLst/>
-          </a:prstGeom>
-        </p:spPr>
-      </p:pic>
-      <p:pic>
-        <p:nvPicPr>
-          <p:cNvPr id="15" name="Picture 14">
-            <a:extLst>
-              <a:ext uri="{FF2B5EF4-FFF2-40B4-BE49-F238E27FC236}">
-                <a16:creationId xmlns:a16="http://schemas.microsoft.com/office/drawing/2014/main" id="{0E74F8A5-4996-734A-44CE-205BD0A1409B}"/>
-              </a:ext>
-            </a:extLst>
-          </p:cNvPr>
-          <p:cNvPicPr>
-            <a:picLocks noChangeAspect="1"/>
-          </p:cNvPicPr>
-          <p:nvPr/>
-        </p:nvPicPr>
-        <p:blipFill>
-          <a:blip r:embed="rId5"/>
-          <a:stretch>
-            <a:fillRect/>
-          </a:stretch>
-        </p:blipFill>
-        <p:spPr>
-          <a:xfrm>
-            <a:off x="9418352" y="1590320"/>
-            <a:ext cx="2461473" cy="4511431"/>
-          </a:xfrm>
-          <a:prstGeom prst="rect">
-            <a:avLst/>
-          </a:prstGeom>
+          <a:ln>
+            <a:solidFill>
+              <a:schemeClr val="tx1"/>
+            </a:solidFill>
+          </a:ln>
         </p:spPr>
       </p:pic>
     </p:spTree>
     <p:extLst>
       <p:ext uri="{BB962C8B-B14F-4D97-AF65-F5344CB8AC3E}">
-        <p14:creationId xmlns:p14="http://schemas.microsoft.com/office/powerpoint/2010/main" val="3987288484"/>
+        <p14:creationId xmlns:p14="http://schemas.microsoft.com/office/powerpoint/2010/main" val="3027476020"/>
       </p:ext>
     </p:extLst>
   </p:cSld>
@@ -5502,7 +4819,7 @@
 </file>
 
 <file path=ppt/slides/slide13.xml><?xml version="1.0" encoding="utf-8"?>
-<p:sld xmlns:a="http://schemas.openxmlformats.org/drawingml/2006/main" xmlns:r="http://schemas.openxmlformats.org/officeDocument/2006/relationships" xmlns:p="http://schemas.openxmlformats.org/presentationml/2006/main" show="0">
+<p:sld xmlns:a="http://schemas.openxmlformats.org/drawingml/2006/main" xmlns:r="http://schemas.openxmlformats.org/officeDocument/2006/relationships" xmlns:p="http://schemas.openxmlformats.org/presentationml/2006/main">
   <p:cSld>
     <p:spTree>
       <p:nvGrpSpPr>
@@ -5518,186 +4835,12 @@
           <a:chExt cx="0" cy="0"/>
         </a:xfrm>
       </p:grpSpPr>
-      <p:sp>
-        <p:nvSpPr>
-          <p:cNvPr id="10" name="Title 1">
+      <p:pic>
+        <p:nvPicPr>
+          <p:cNvPr id="9" name="Picture 8">
             <a:extLst>
               <a:ext uri="{FF2B5EF4-FFF2-40B4-BE49-F238E27FC236}">
-                <a16:creationId xmlns:a16="http://schemas.microsoft.com/office/drawing/2014/main" id="{12EE7128-FC01-4709-6F16-E8F70D23158E}"/>
-              </a:ext>
-            </a:extLst>
-          </p:cNvPr>
-          <p:cNvSpPr>
-            <a:spLocks noGrp="1"/>
-          </p:cNvSpPr>
-          <p:nvPr>
-            <p:ph type="title"/>
-          </p:nvPr>
-        </p:nvSpPr>
-        <p:spPr>
-          <a:xfrm>
-            <a:off x="1066800" y="336134"/>
-            <a:ext cx="10058400" cy="760078"/>
-          </a:xfrm>
-        </p:spPr>
-        <p:txBody>
-          <a:bodyPr>
-            <a:normAutofit/>
-          </a:bodyPr>
-          <a:lstStyle/>
-          <a:p>
-            <a:pPr rtl="0">
-              <a:spcBef>
-                <a:spcPts val="0"/>
-              </a:spcBef>
-              <a:spcAft>
-                <a:spcPts val="0"/>
-              </a:spcAft>
-            </a:pPr>
-            <a:r>
-              <a:rPr lang="en-ID" sz="3200" b="0" i="0" u="none" strike="noStrike" dirty="0">
-                <a:solidFill>
-                  <a:schemeClr val="tx1"/>
-                </a:solidFill>
-                <a:effectLst/>
-                <a:latin typeface="Nunito" panose="020B0604020202020204" pitchFamily="2" charset="0"/>
-              </a:rPr>
-              <a:t>Case Study</a:t>
-            </a:r>
-            <a:endParaRPr lang="en-ID" sz="7200" dirty="0">
-              <a:solidFill>
-                <a:schemeClr val="tx1"/>
-              </a:solidFill>
-            </a:endParaRPr>
-          </a:p>
-        </p:txBody>
-      </p:sp>
-      <p:sp>
-        <p:nvSpPr>
-          <p:cNvPr id="13" name="Title 1">
-            <a:extLst>
-              <a:ext uri="{FF2B5EF4-FFF2-40B4-BE49-F238E27FC236}">
-                <a16:creationId xmlns:a16="http://schemas.microsoft.com/office/drawing/2014/main" id="{114194E1-6887-C4BB-C88A-3D2A2A9BF1AC}"/>
-              </a:ext>
-            </a:extLst>
-          </p:cNvPr>
-          <p:cNvSpPr txBox="1">
-            <a:spLocks/>
-          </p:cNvSpPr>
-          <p:nvPr/>
-        </p:nvSpPr>
-        <p:spPr>
-          <a:xfrm>
-            <a:off x="1066800" y="852230"/>
-            <a:ext cx="10058400" cy="760078"/>
-          </a:xfrm>
-          <a:prstGeom prst="rect">
-            <a:avLst/>
-          </a:prstGeom>
-        </p:spPr>
-        <p:txBody>
-          <a:bodyPr vert="horz" lIns="91440" tIns="45720" rIns="91440" bIns="45720" rtlCol="0" anchor="ctr">
-            <a:normAutofit/>
-          </a:bodyPr>
-          <a:lstStyle>
-            <a:lvl1pPr algn="l" defTabSz="914400" rtl="0" eaLnBrk="1" latinLnBrk="0" hangingPunct="1">
-              <a:lnSpc>
-                <a:spcPct val="90000"/>
-              </a:lnSpc>
-              <a:spcBef>
-                <a:spcPct val="0"/>
-              </a:spcBef>
-              <a:buNone/>
-              <a:defRPr lang="en-US" sz="4800" kern="1200" cap="none" spc="0" baseline="0" dirty="0">
-                <a:solidFill>
-                  <a:schemeClr val="tx1">
-                    <a:lumMod val="85000"/>
-                    <a:lumOff val="15000"/>
-                  </a:schemeClr>
-                </a:solidFill>
-                <a:effectLst/>
-                <a:latin typeface="+mj-lt"/>
-                <a:ea typeface="+mn-ea"/>
-                <a:cs typeface="+mn-cs"/>
-              </a:defRPr>
-            </a:lvl1pPr>
-          </a:lstStyle>
-          <a:p>
-            <a:pPr rtl="0">
-              <a:spcBef>
-                <a:spcPts val="0"/>
-              </a:spcBef>
-              <a:spcAft>
-                <a:spcPts val="0"/>
-              </a:spcAft>
-            </a:pPr>
-            <a:r>
-              <a:rPr lang="en-ID" sz="2400" b="0" i="0" u="none" strike="noStrike" dirty="0">
-                <a:solidFill>
-                  <a:schemeClr val="tx1"/>
-                </a:solidFill>
-                <a:effectLst/>
-                <a:latin typeface="Nunito" pitchFamily="2" charset="0"/>
-              </a:rPr>
-              <a:t>SQL &amp; DATA VISUALIZATION</a:t>
-            </a:r>
-            <a:endParaRPr lang="en-ID" sz="1400" b="0" dirty="0">
-              <a:solidFill>
-                <a:schemeClr val="tx1"/>
-              </a:solidFill>
-              <a:effectLst/>
-            </a:endParaRPr>
-          </a:p>
-        </p:txBody>
-      </p:sp>
-      <p:sp>
-        <p:nvSpPr>
-          <p:cNvPr id="12" name="TextBox 11">
-            <a:extLst>
-              <a:ext uri="{FF2B5EF4-FFF2-40B4-BE49-F238E27FC236}">
-                <a16:creationId xmlns:a16="http://schemas.microsoft.com/office/drawing/2014/main" id="{5F244DCE-6BDF-B7A1-7FF2-4B00A87DF729}"/>
-              </a:ext>
-            </a:extLst>
-          </p:cNvPr>
-          <p:cNvSpPr txBox="1"/>
-          <p:nvPr/>
-        </p:nvSpPr>
-        <p:spPr>
-          <a:xfrm>
-            <a:off x="7419696" y="424905"/>
-            <a:ext cx="4198775" cy="338554"/>
-          </a:xfrm>
-          <a:prstGeom prst="rect">
-            <a:avLst/>
-          </a:prstGeom>
-          <a:noFill/>
-        </p:spPr>
-        <p:txBody>
-          <a:bodyPr wrap="square" rtlCol="0">
-            <a:spAutoFit/>
-          </a:bodyPr>
-          <a:lstStyle/>
-          <a:p>
-            <a:r>
-              <a:rPr lang="en-US" sz="1600" dirty="0">
-                <a:latin typeface="Nunito" pitchFamily="2" charset="0"/>
-                <a:cs typeface="Times New Roman" panose="02020603050405020304" pitchFamily="18" charset="0"/>
-              </a:rPr>
-              <a:t>Visualization : Google Data Studio</a:t>
-            </a:r>
-            <a:endParaRPr lang="en-ID" sz="1600" dirty="0">
-              <a:latin typeface="Nunito" pitchFamily="2" charset="0"/>
-              <a:cs typeface="Times New Roman" panose="02020603050405020304" pitchFamily="18" charset="0"/>
-            </a:endParaRPr>
-          </a:p>
-        </p:txBody>
-      </p:sp>
-      <p:pic>
-        <p:nvPicPr>
-          <p:cNvPr id="3" name="Picture 2">
-            <a:extLst>
-              <a:ext uri="{FF2B5EF4-FFF2-40B4-BE49-F238E27FC236}">
-                <a16:creationId xmlns:a16="http://schemas.microsoft.com/office/drawing/2014/main" id="{9A7FA3D3-22F4-AE6F-B27F-23E36426F9CF}"/>
+                <a16:creationId xmlns:a16="http://schemas.microsoft.com/office/drawing/2014/main" id="{266CC39F-55DF-D751-84A7-90FCF1D4F49A}"/>
               </a:ext>
             </a:extLst>
           </p:cNvPr>
@@ -5714,108 +4857,218 @@
         </p:blipFill>
         <p:spPr>
           <a:xfrm>
-            <a:off x="1147665" y="1416897"/>
-            <a:ext cx="2222891" cy="5133985"/>
+            <a:off x="1225417" y="2022875"/>
+            <a:ext cx="5865847" cy="3798593"/>
           </a:xfrm>
           <a:prstGeom prst="rect">
             <a:avLst/>
           </a:prstGeom>
+          <a:ln>
+            <a:solidFill>
+              <a:schemeClr val="tx1"/>
+            </a:solidFill>
+          </a:ln>
         </p:spPr>
       </p:pic>
-      <p:pic>
-        <p:nvPicPr>
-          <p:cNvPr id="8" name="Picture 7">
+      <p:sp>
+        <p:nvSpPr>
+          <p:cNvPr id="10" name="Title 1">
             <a:extLst>
               <a:ext uri="{FF2B5EF4-FFF2-40B4-BE49-F238E27FC236}">
-                <a16:creationId xmlns:a16="http://schemas.microsoft.com/office/drawing/2014/main" id="{3EA3ABD4-55D7-0913-C5AD-C3C977F8DB6B}"/>
+                <a16:creationId xmlns:a16="http://schemas.microsoft.com/office/drawing/2014/main" id="{12EE7128-FC01-4709-6F16-E8F70D23158E}"/>
               </a:ext>
             </a:extLst>
           </p:cNvPr>
-          <p:cNvPicPr>
-            <a:picLocks noChangeAspect="1"/>
-          </p:cNvPicPr>
+          <p:cNvSpPr>
+            <a:spLocks noGrp="1"/>
+          </p:cNvSpPr>
+          <p:nvPr>
+            <p:ph type="title"/>
+          </p:nvPr>
+        </p:nvSpPr>
+        <p:spPr>
+          <a:xfrm>
+            <a:off x="1066800" y="336134"/>
+            <a:ext cx="10058400" cy="760078"/>
+          </a:xfrm>
+        </p:spPr>
+        <p:txBody>
+          <a:bodyPr>
+            <a:normAutofit/>
+          </a:bodyPr>
+          <a:lstStyle/>
+          <a:p>
+            <a:pPr rtl="0">
+              <a:spcBef>
+                <a:spcPts val="0"/>
+              </a:spcBef>
+              <a:spcAft>
+                <a:spcPts val="0"/>
+              </a:spcAft>
+            </a:pPr>
+            <a:r>
+              <a:rPr lang="en-ID" sz="3200" b="0" i="0" u="none" strike="noStrike" dirty="0">
+                <a:solidFill>
+                  <a:schemeClr val="tx1"/>
+                </a:solidFill>
+                <a:effectLst/>
+                <a:latin typeface="+mn-lt"/>
+              </a:rPr>
+              <a:t>Visualization with Insight</a:t>
+            </a:r>
+            <a:endParaRPr lang="en-ID" sz="7200" dirty="0">
+              <a:solidFill>
+                <a:schemeClr val="tx1"/>
+              </a:solidFill>
+              <a:latin typeface="+mn-lt"/>
+            </a:endParaRPr>
+          </a:p>
+        </p:txBody>
+      </p:sp>
+      <p:sp>
+        <p:nvSpPr>
+          <p:cNvPr id="11" name="TextBox 10">
+            <a:extLst>
+              <a:ext uri="{FF2B5EF4-FFF2-40B4-BE49-F238E27FC236}">
+                <a16:creationId xmlns:a16="http://schemas.microsoft.com/office/drawing/2014/main" id="{45B36BE0-B851-73AF-34DC-84B1C9A8F804}"/>
+              </a:ext>
+            </a:extLst>
+          </p:cNvPr>
+          <p:cNvSpPr txBox="1"/>
           <p:nvPr/>
-        </p:nvPicPr>
-        <p:blipFill>
-          <a:blip r:embed="rId3"/>
-          <a:stretch>
-            <a:fillRect/>
-          </a:stretch>
-        </p:blipFill>
-        <p:spPr>
-          <a:xfrm>
-            <a:off x="3566733" y="1417921"/>
-            <a:ext cx="1134026" cy="5132961"/>
+        </p:nvSpPr>
+        <p:spPr>
+          <a:xfrm>
+            <a:off x="7240555" y="2022875"/>
+            <a:ext cx="4264090" cy="3693319"/>
           </a:xfrm>
           <a:prstGeom prst="rect">
             <a:avLst/>
           </a:prstGeom>
-        </p:spPr>
-      </p:pic>
-      <p:pic>
-        <p:nvPicPr>
-          <p:cNvPr id="14" name="Picture 13">
+          <a:noFill/>
+        </p:spPr>
+        <p:txBody>
+          <a:bodyPr wrap="square" rtlCol="0">
+            <a:spAutoFit/>
+          </a:bodyPr>
+          <a:lstStyle/>
+          <a:p>
+            <a:pPr marL="285750" indent="-285750">
+              <a:buFont typeface="Arial" panose="020B0604020202020204" pitchFamily="34" charset="0"/>
+              <a:buChar char="•"/>
+            </a:pPr>
+            <a:r>
+              <a:rPr lang="en-US" sz="1800" dirty="0">
+                <a:cs typeface="Times New Roman" panose="02020603050405020304" pitchFamily="18" charset="0"/>
+              </a:rPr>
+              <a:t>In this section we can focus on the data starting in 2017, because in this data there is already a gender distinction between male and female and we can find more detailed insight.</a:t>
+            </a:r>
+          </a:p>
+          <a:p>
+            <a:pPr marL="285750" indent="-285750">
+              <a:buFont typeface="Arial" panose="020B0604020202020204" pitchFamily="34" charset="0"/>
+              <a:buChar char="•"/>
+            </a:pPr>
+            <a:r>
+              <a:rPr lang="en-US" sz="1800" dirty="0">
+                <a:cs typeface="Times New Roman" panose="02020603050405020304" pitchFamily="18" charset="0"/>
+              </a:rPr>
+              <a:t>From the diagram below, it can be seen that the most users of bikeshare are male.</a:t>
+            </a:r>
+          </a:p>
+          <a:p>
+            <a:pPr marL="285750" indent="-285750">
+              <a:buFont typeface="Arial" panose="020B0604020202020204" pitchFamily="34" charset="0"/>
+              <a:buChar char="•"/>
+            </a:pPr>
+            <a:r>
+              <a:rPr lang="en-US" sz="1800" dirty="0">
+                <a:cs typeface="Times New Roman" panose="02020603050405020304" pitchFamily="18" charset="0"/>
+              </a:rPr>
+              <a:t>Which reaches more than half the number of service users each month.</a:t>
+            </a:r>
+          </a:p>
+          <a:p>
+            <a:pPr marL="285750" indent="-285750">
+              <a:buFont typeface="Arial" panose="020B0604020202020204" pitchFamily="34" charset="0"/>
+              <a:buChar char="•"/>
+            </a:pPr>
+            <a:r>
+              <a:rPr lang="en-US" sz="1800" dirty="0">
+                <a:cs typeface="Times New Roman" panose="02020603050405020304" pitchFamily="18" charset="0"/>
+              </a:rPr>
+              <a:t>And it is undeniable that there are still service users who do not want to provide information about their gender.</a:t>
+            </a:r>
+            <a:endParaRPr lang="en-ID" sz="1800" dirty="0">
+              <a:cs typeface="Times New Roman" panose="02020603050405020304" pitchFamily="18" charset="0"/>
+            </a:endParaRPr>
+          </a:p>
+        </p:txBody>
+      </p:sp>
+      <p:sp>
+        <p:nvSpPr>
+          <p:cNvPr id="6" name="TextBox 5">
             <a:extLst>
               <a:ext uri="{FF2B5EF4-FFF2-40B4-BE49-F238E27FC236}">
-                <a16:creationId xmlns:a16="http://schemas.microsoft.com/office/drawing/2014/main" id="{7B724CB5-7540-7588-B50D-1A1342956928}"/>
+                <a16:creationId xmlns:a16="http://schemas.microsoft.com/office/drawing/2014/main" id="{BB8E1531-CA13-B288-D371-150AE9C36A74}"/>
               </a:ext>
             </a:extLst>
           </p:cNvPr>
-          <p:cNvPicPr>
-            <a:picLocks noChangeAspect="1"/>
-          </p:cNvPicPr>
+          <p:cNvSpPr txBox="1"/>
           <p:nvPr/>
-        </p:nvPicPr>
-        <p:blipFill>
-          <a:blip r:embed="rId4"/>
-          <a:stretch>
-            <a:fillRect/>
-          </a:stretch>
-        </p:blipFill>
-        <p:spPr>
-          <a:xfrm>
-            <a:off x="4891936" y="1416897"/>
-            <a:ext cx="1230664" cy="5132961"/>
+        </p:nvSpPr>
+        <p:spPr>
+          <a:xfrm>
+            <a:off x="712237" y="1096212"/>
+            <a:ext cx="9162380" cy="464871"/>
           </a:xfrm>
           <a:prstGeom prst="rect">
             <a:avLst/>
           </a:prstGeom>
-        </p:spPr>
-      </p:pic>
-      <p:pic>
-        <p:nvPicPr>
-          <p:cNvPr id="17" name="Picture 16">
-            <a:extLst>
-              <a:ext uri="{FF2B5EF4-FFF2-40B4-BE49-F238E27FC236}">
-                <a16:creationId xmlns:a16="http://schemas.microsoft.com/office/drawing/2014/main" id="{B21EF1AA-9640-AFFA-31FE-D34CEAB3A27C}"/>
-              </a:ext>
-            </a:extLst>
-          </p:cNvPr>
-          <p:cNvPicPr>
-            <a:picLocks noChangeAspect="1"/>
-          </p:cNvPicPr>
-          <p:nvPr/>
-        </p:nvPicPr>
-        <p:blipFill>
-          <a:blip r:embed="rId5"/>
-          <a:stretch>
-            <a:fillRect/>
-          </a:stretch>
-        </p:blipFill>
-        <p:spPr>
-          <a:xfrm>
-            <a:off x="6222139" y="1416897"/>
-            <a:ext cx="1197557" cy="5104969"/>
-          </a:xfrm>
-          <a:prstGeom prst="rect">
-            <a:avLst/>
-          </a:prstGeom>
-        </p:spPr>
-      </p:pic>
+          <a:noFill/>
+        </p:spPr>
+        <p:txBody>
+          <a:bodyPr wrap="none" rtlCol="0">
+            <a:spAutoFit/>
+          </a:bodyPr>
+          <a:lstStyle/>
+          <a:p>
+            <a:pPr>
+              <a:lnSpc>
+                <a:spcPct val="150000"/>
+              </a:lnSpc>
+            </a:pPr>
+            <a:r>
+              <a:rPr lang="en-US" dirty="0">
+                <a:cs typeface="Times New Roman" panose="02020603050405020304" pitchFamily="18" charset="0"/>
+              </a:rPr>
+              <a:t>4</a:t>
+            </a:r>
+            <a:r>
+              <a:rPr lang="id-ID" dirty="0">
+                <a:cs typeface="Times New Roman" panose="02020603050405020304" pitchFamily="18" charset="0"/>
+              </a:rPr>
+              <a:t>.	</a:t>
+            </a:r>
+            <a:r>
+              <a:rPr lang="en-ID" dirty="0">
+                <a:cs typeface="Times New Roman" panose="02020603050405020304" pitchFamily="18" charset="0"/>
+              </a:rPr>
+              <a:t> W</a:t>
+            </a:r>
+            <a:r>
+              <a:rPr lang="en-US" dirty="0">
+                <a:cs typeface="Times New Roman" panose="02020603050405020304" pitchFamily="18" charset="0"/>
+              </a:rPr>
+              <a:t>ho are the most enthusiasts or renters of this San Francisco bikeshare? (Male or Female)</a:t>
+            </a:r>
+          </a:p>
+        </p:txBody>
+      </p:sp>
     </p:spTree>
     <p:extLst>
       <p:ext uri="{BB962C8B-B14F-4D97-AF65-F5344CB8AC3E}">
-        <p14:creationId xmlns:p14="http://schemas.microsoft.com/office/powerpoint/2010/main" val="1320934380"/>
+        <p14:creationId xmlns:p14="http://schemas.microsoft.com/office/powerpoint/2010/main" val="2398462303"/>
       </p:ext>
     </p:extLst>
   </p:cSld>
@@ -5884,102 +5137,25 @@
                   <a:schemeClr val="tx1"/>
                 </a:solidFill>
                 <a:effectLst/>
-                <a:latin typeface="Nunito" panose="020B0604020202020204" pitchFamily="2" charset="0"/>
-              </a:rPr>
-              <a:t>Case Study</a:t>
+                <a:latin typeface="+mn-lt"/>
+              </a:rPr>
+              <a:t>Visualization with Insight</a:t>
             </a:r>
             <a:endParaRPr lang="en-ID" sz="7200" dirty="0">
               <a:solidFill>
                 <a:schemeClr val="tx1"/>
               </a:solidFill>
+              <a:latin typeface="+mn-lt"/>
             </a:endParaRPr>
           </a:p>
         </p:txBody>
       </p:sp>
       <p:sp>
         <p:nvSpPr>
-          <p:cNvPr id="13" name="Title 1">
+          <p:cNvPr id="11" name="TextBox 10">
             <a:extLst>
               <a:ext uri="{FF2B5EF4-FFF2-40B4-BE49-F238E27FC236}">
-                <a16:creationId xmlns:a16="http://schemas.microsoft.com/office/drawing/2014/main" id="{114194E1-6887-C4BB-C88A-3D2A2A9BF1AC}"/>
-              </a:ext>
-            </a:extLst>
-          </p:cNvPr>
-          <p:cNvSpPr txBox="1">
-            <a:spLocks/>
-          </p:cNvSpPr>
-          <p:nvPr/>
-        </p:nvSpPr>
-        <p:spPr>
-          <a:xfrm>
-            <a:off x="1066800" y="852230"/>
-            <a:ext cx="10058400" cy="760078"/>
-          </a:xfrm>
-          <a:prstGeom prst="rect">
-            <a:avLst/>
-          </a:prstGeom>
-        </p:spPr>
-        <p:txBody>
-          <a:bodyPr vert="horz" lIns="91440" tIns="45720" rIns="91440" bIns="45720" rtlCol="0" anchor="ctr">
-            <a:normAutofit/>
-          </a:bodyPr>
-          <a:lstStyle>
-            <a:lvl1pPr algn="l" defTabSz="914400" rtl="0" eaLnBrk="1" latinLnBrk="0" hangingPunct="1">
-              <a:lnSpc>
-                <a:spcPct val="90000"/>
-              </a:lnSpc>
-              <a:spcBef>
-                <a:spcPct val="0"/>
-              </a:spcBef>
-              <a:buNone/>
-              <a:defRPr lang="en-US" sz="4800" kern="1200" cap="none" spc="0" baseline="0" dirty="0">
-                <a:solidFill>
-                  <a:schemeClr val="tx1">
-                    <a:lumMod val="85000"/>
-                    <a:lumOff val="15000"/>
-                  </a:schemeClr>
-                </a:solidFill>
-                <a:effectLst/>
-                <a:latin typeface="+mj-lt"/>
-                <a:ea typeface="+mn-ea"/>
-                <a:cs typeface="+mn-cs"/>
-              </a:defRPr>
-            </a:lvl1pPr>
-          </a:lstStyle>
-          <a:p>
-            <a:pPr rtl="0">
-              <a:spcBef>
-                <a:spcPts val="0"/>
-              </a:spcBef>
-              <a:spcAft>
-                <a:spcPts val="0"/>
-              </a:spcAft>
-            </a:pPr>
-            <a:r>
-              <a:rPr lang="en-ID" sz="2400" b="0" i="0" u="none" strike="noStrike" dirty="0">
-                <a:solidFill>
-                  <a:schemeClr val="tx1"/>
-                </a:solidFill>
-                <a:effectLst/>
-                <a:latin typeface="Nunito" pitchFamily="2" charset="0"/>
-              </a:rPr>
-              <a:t>SQL &amp; DATA VISUALIZATION</a:t>
-            </a:r>
-            <a:endParaRPr lang="en-ID" sz="1400" b="0" dirty="0">
-              <a:solidFill>
-                <a:schemeClr val="tx1"/>
-              </a:solidFill>
-              <a:effectLst/>
-            </a:endParaRPr>
-          </a:p>
-        </p:txBody>
-      </p:sp>
-      <p:sp>
-        <p:nvSpPr>
-          <p:cNvPr id="14" name="TextBox 13">
-            <a:extLst>
-              <a:ext uri="{FF2B5EF4-FFF2-40B4-BE49-F238E27FC236}">
-                <a16:creationId xmlns:a16="http://schemas.microsoft.com/office/drawing/2014/main" id="{4BDECECA-E7DD-54DB-5824-0C89AD2313C3}"/>
+                <a16:creationId xmlns:a16="http://schemas.microsoft.com/office/drawing/2014/main" id="{45B36BE0-B851-73AF-34DC-84B1C9A8F804}"/>
               </a:ext>
             </a:extLst>
           </p:cNvPr>
@@ -5988,8 +5164,101 @@
         </p:nvSpPr>
         <p:spPr>
           <a:xfrm>
-            <a:off x="506963" y="1522651"/>
-            <a:ext cx="8784777" cy="473206"/>
+            <a:off x="7539134" y="1944218"/>
+            <a:ext cx="3586065" cy="2585323"/>
+          </a:xfrm>
+          <a:prstGeom prst="rect">
+            <a:avLst/>
+          </a:prstGeom>
+          <a:noFill/>
+        </p:spPr>
+        <p:txBody>
+          <a:bodyPr wrap="square" rtlCol="0">
+            <a:spAutoFit/>
+          </a:bodyPr>
+          <a:lstStyle/>
+          <a:p>
+            <a:r>
+              <a:rPr lang="en-US" sz="1800" dirty="0">
+                <a:cs typeface="Times New Roman" panose="02020603050405020304" pitchFamily="18" charset="0"/>
+              </a:rPr>
+              <a:t>From the diagram below, it can be seen that :</a:t>
+            </a:r>
+          </a:p>
+          <a:p>
+            <a:endParaRPr lang="en-US" dirty="0">
+              <a:cs typeface="Times New Roman" panose="02020603050405020304" pitchFamily="18" charset="0"/>
+            </a:endParaRPr>
+          </a:p>
+          <a:p>
+            <a:pPr marL="285750" indent="-285750">
+              <a:buFont typeface="Arial" panose="020B0604020202020204" pitchFamily="34" charset="0"/>
+              <a:buChar char="•"/>
+            </a:pPr>
+            <a:r>
+              <a:rPr lang="en-US" dirty="0">
+                <a:cs typeface="Times New Roman" panose="02020603050405020304" pitchFamily="18" charset="0"/>
+              </a:rPr>
+              <a:t>W</a:t>
+            </a:r>
+            <a:r>
+              <a:rPr lang="en-US" sz="1800" dirty="0">
+                <a:cs typeface="Times New Roman" panose="02020603050405020304" pitchFamily="18" charset="0"/>
+              </a:rPr>
+              <a:t>e got more revenue fro</a:t>
+            </a:r>
+            <a:r>
+              <a:rPr lang="en-US" dirty="0">
+                <a:cs typeface="Times New Roman" panose="02020603050405020304" pitchFamily="18" charset="0"/>
+              </a:rPr>
+              <a:t>m</a:t>
+            </a:r>
+            <a:r>
+              <a:rPr lang="en-US" sz="1800" dirty="0">
+                <a:cs typeface="Times New Roman" panose="02020603050405020304" pitchFamily="18" charset="0"/>
+              </a:rPr>
+              <a:t> subscriber. </a:t>
+            </a:r>
+          </a:p>
+          <a:p>
+            <a:pPr marL="285750" indent="-285750">
+              <a:buFont typeface="Arial" panose="020B0604020202020204" pitchFamily="34" charset="0"/>
+              <a:buChar char="•"/>
+            </a:pPr>
+            <a:r>
+              <a:rPr lang="en-US" sz="1800" dirty="0">
+                <a:cs typeface="Times New Roman" panose="02020603050405020304" pitchFamily="18" charset="0"/>
+              </a:rPr>
+              <a:t>W</a:t>
+            </a:r>
+            <a:r>
+              <a:rPr lang="en-US" dirty="0">
+                <a:cs typeface="Times New Roman" panose="02020603050405020304" pitchFamily="18" charset="0"/>
+              </a:rPr>
+              <a:t>hich is a customer segment that becomes a monthly or annual member who has a longer period.</a:t>
+            </a:r>
+            <a:endParaRPr lang="en-US" sz="1800" dirty="0">
+              <a:cs typeface="Times New Roman" panose="02020603050405020304" pitchFamily="18" charset="0"/>
+            </a:endParaRPr>
+          </a:p>
+        </p:txBody>
+      </p:sp>
+      <p:sp>
+        <p:nvSpPr>
+          <p:cNvPr id="6" name="TextBox 5">
+            <a:extLst>
+              <a:ext uri="{FF2B5EF4-FFF2-40B4-BE49-F238E27FC236}">
+                <a16:creationId xmlns:a16="http://schemas.microsoft.com/office/drawing/2014/main" id="{BB8E1531-CA13-B288-D371-150AE9C36A74}"/>
+              </a:ext>
+            </a:extLst>
+          </p:cNvPr>
+          <p:cNvSpPr txBox="1"/>
+          <p:nvPr/>
+        </p:nvSpPr>
+        <p:spPr>
+          <a:xfrm>
+            <a:off x="712237" y="1096212"/>
+            <a:ext cx="8142037" cy="464871"/>
           </a:xfrm>
           <a:prstGeom prst="rect">
             <a:avLst/>
@@ -6009,83 +5278,37 @@
             </a:pPr>
             <a:r>
               <a:rPr lang="en-US" dirty="0">
-                <a:latin typeface="Nunito" pitchFamily="2" charset="0"/>
                 <a:cs typeface="Times New Roman" panose="02020603050405020304" pitchFamily="18" charset="0"/>
               </a:rPr>
-              <a:t>3. 	From which customers do we get more revenue? (from subscriber or customer)</a:t>
-            </a:r>
-            <a:endParaRPr lang="en-ID" dirty="0">
-              <a:latin typeface="Nunito" pitchFamily="2" charset="0"/>
-              <a:cs typeface="Times New Roman" panose="02020603050405020304" pitchFamily="18" charset="0"/>
-            </a:endParaRPr>
-          </a:p>
-        </p:txBody>
-      </p:sp>
-      <p:sp>
-        <p:nvSpPr>
-          <p:cNvPr id="11" name="TextBox 10">
+              <a:t>5</a:t>
+            </a:r>
+            <a:r>
+              <a:rPr lang="id-ID" dirty="0">
+                <a:cs typeface="Times New Roman" panose="02020603050405020304" pitchFamily="18" charset="0"/>
+              </a:rPr>
+              <a:t>.	</a:t>
+            </a:r>
+            <a:r>
+              <a:rPr lang="en-ID" dirty="0">
+                <a:cs typeface="Times New Roman" panose="02020603050405020304" pitchFamily="18" charset="0"/>
+              </a:rPr>
+              <a:t> </a:t>
+            </a:r>
+            <a:r>
+              <a:rPr lang="en-US" dirty="0">
+                <a:cs typeface="Times New Roman" panose="02020603050405020304" pitchFamily="18" charset="0"/>
+              </a:rPr>
+              <a:t>From which customers do we get more revenue? (from subscriber or customer)</a:t>
+            </a:r>
+          </a:p>
+        </p:txBody>
+      </p:sp>
+      <p:pic>
+        <p:nvPicPr>
+          <p:cNvPr id="8" name="Picture 7">
             <a:extLst>
               <a:ext uri="{FF2B5EF4-FFF2-40B4-BE49-F238E27FC236}">
-                <a16:creationId xmlns:a16="http://schemas.microsoft.com/office/drawing/2014/main" id="{1EB309BE-2220-0C60-A1F5-369624B55D82}"/>
-              </a:ext>
-            </a:extLst>
-          </p:cNvPr>
-          <p:cNvSpPr txBox="1"/>
-          <p:nvPr/>
-        </p:nvSpPr>
-        <p:spPr>
-          <a:xfrm>
-            <a:off x="877077" y="2038747"/>
-            <a:ext cx="10804849" cy="1077218"/>
-          </a:xfrm>
-          <a:prstGeom prst="rect">
-            <a:avLst/>
-          </a:prstGeom>
-          <a:noFill/>
-        </p:spPr>
-        <p:txBody>
-          <a:bodyPr wrap="square" rtlCol="0">
-            <a:spAutoFit/>
-          </a:bodyPr>
-          <a:lstStyle/>
-          <a:p>
-            <a:pPr marL="285750" indent="-285750">
-              <a:buFont typeface="Arial" panose="020B0604020202020204" pitchFamily="34" charset="0"/>
-              <a:buChar char="•"/>
-            </a:pPr>
-            <a:r>
-              <a:rPr lang="en-US" sz="1600" dirty="0">
-                <a:latin typeface="Nunito" pitchFamily="2" charset="0"/>
-                <a:cs typeface="Times New Roman" panose="02020603050405020304" pitchFamily="18" charset="0"/>
-              </a:rPr>
-              <a:t>In this section we can focus on the data starting in 2017, because in this data there is already a gender distinction between male and female and we can find more detailed insight.</a:t>
-            </a:r>
-          </a:p>
-          <a:p>
-            <a:pPr marL="285750" indent="-285750">
-              <a:buFont typeface="Arial" panose="020B0604020202020204" pitchFamily="34" charset="0"/>
-              <a:buChar char="•"/>
-            </a:pPr>
-            <a:r>
-              <a:rPr lang="en-US" sz="1600" dirty="0">
-                <a:latin typeface="Nunito" pitchFamily="2" charset="0"/>
-                <a:cs typeface="Times New Roman" panose="02020603050405020304" pitchFamily="18" charset="0"/>
-              </a:rPr>
-              <a:t>From the diagram below, it can be seen that the most users of bikeshare are subscribers and if based on gender, the ones who use bikeshare services the most are male. And we get more revenue from subscriber.</a:t>
-            </a:r>
-            <a:endParaRPr lang="en-ID" sz="1600" dirty="0">
-              <a:latin typeface="Nunito" pitchFamily="2" charset="0"/>
-              <a:cs typeface="Times New Roman" panose="02020603050405020304" pitchFamily="18" charset="0"/>
-            </a:endParaRPr>
-          </a:p>
-        </p:txBody>
-      </p:sp>
-      <p:pic>
-        <p:nvPicPr>
-          <p:cNvPr id="3" name="Picture 2">
-            <a:extLst>
-              <a:ext uri="{FF2B5EF4-FFF2-40B4-BE49-F238E27FC236}">
-                <a16:creationId xmlns:a16="http://schemas.microsoft.com/office/drawing/2014/main" id="{E8CFBBE0-0724-F0E7-1C19-976F76255332}"/>
+                <a16:creationId xmlns:a16="http://schemas.microsoft.com/office/drawing/2014/main" id="{D21BE90C-650D-BCCB-7F71-194477AC8B74}"/>
               </a:ext>
             </a:extLst>
           </p:cNvPr>
@@ -6102,48 +5325,23 @@
         </p:blipFill>
         <p:spPr>
           <a:xfrm>
-            <a:off x="1455576" y="3314206"/>
-            <a:ext cx="4646644" cy="3173781"/>
+            <a:off x="1225419" y="2019108"/>
+            <a:ext cx="5949822" cy="4036459"/>
           </a:xfrm>
           <a:prstGeom prst="rect">
             <a:avLst/>
           </a:prstGeom>
-        </p:spPr>
-      </p:pic>
-      <p:pic>
-        <p:nvPicPr>
-          <p:cNvPr id="7" name="Picture 6">
-            <a:extLst>
-              <a:ext uri="{FF2B5EF4-FFF2-40B4-BE49-F238E27FC236}">
-                <a16:creationId xmlns:a16="http://schemas.microsoft.com/office/drawing/2014/main" id="{F820CD4D-A5B9-0359-BD66-9C017336CAE7}"/>
-              </a:ext>
-            </a:extLst>
-          </p:cNvPr>
-          <p:cNvPicPr>
-            <a:picLocks noChangeAspect="1"/>
-          </p:cNvPicPr>
-          <p:nvPr/>
-        </p:nvPicPr>
-        <p:blipFill>
-          <a:blip r:embed="rId3"/>
-          <a:stretch>
-            <a:fillRect/>
-          </a:stretch>
-        </p:blipFill>
-        <p:spPr>
-          <a:xfrm>
-            <a:off x="6170504" y="3314205"/>
-            <a:ext cx="4691677" cy="3173781"/>
-          </a:xfrm>
-          <a:prstGeom prst="rect">
-            <a:avLst/>
-          </a:prstGeom>
+          <a:ln>
+            <a:solidFill>
+              <a:schemeClr val="tx1"/>
+            </a:solidFill>
+          </a:ln>
         </p:spPr>
       </p:pic>
     </p:spTree>
     <p:extLst>
       <p:ext uri="{BB962C8B-B14F-4D97-AF65-F5344CB8AC3E}">
-        <p14:creationId xmlns:p14="http://schemas.microsoft.com/office/powerpoint/2010/main" val="895234416"/>
+        <p14:creationId xmlns:p14="http://schemas.microsoft.com/office/powerpoint/2010/main" val="3228496845"/>
       </p:ext>
     </p:extLst>
   </p:cSld>
@@ -6154,7 +5352,7 @@
 </file>
 
 <file path=ppt/slides/slide15.xml><?xml version="1.0" encoding="utf-8"?>
-<p:sld xmlns:a="http://schemas.openxmlformats.org/drawingml/2006/main" xmlns:r="http://schemas.openxmlformats.org/officeDocument/2006/relationships" xmlns:p="http://schemas.openxmlformats.org/presentationml/2006/main" show="0">
+<p:sld xmlns:a="http://schemas.openxmlformats.org/drawingml/2006/main" xmlns:r="http://schemas.openxmlformats.org/officeDocument/2006/relationships" xmlns:p="http://schemas.openxmlformats.org/presentationml/2006/main">
   <p:cSld>
     <p:spTree>
       <p:nvGrpSpPr>
@@ -6200,10 +5398,10 @@
       </p:sp>
       <p:sp>
         <p:nvSpPr>
-          <p:cNvPr id="3" name="Subtitle 2">
+          <p:cNvPr id="4" name="Subtitle 2">
             <a:extLst>
               <a:ext uri="{FF2B5EF4-FFF2-40B4-BE49-F238E27FC236}">
-                <a16:creationId xmlns:a16="http://schemas.microsoft.com/office/drawing/2014/main" id="{B1FDC8E2-4F5F-E6C5-176D-524CF0F52A6C}"/>
+                <a16:creationId xmlns:a16="http://schemas.microsoft.com/office/drawing/2014/main" id="{94B64F33-9E54-D07E-4241-D0E3630E22A6}"/>
               </a:ext>
             </a:extLst>
           </p:cNvPr>
@@ -6214,10 +5412,15 @@
             <p:ph type="subTitle" idx="1"/>
           </p:nvPr>
         </p:nvSpPr>
-        <p:spPr/>
+        <p:spPr>
+          <a:xfrm>
+            <a:off x="1100051" y="4455621"/>
+            <a:ext cx="10058400" cy="1143000"/>
+          </a:xfrm>
+        </p:spPr>
         <p:txBody>
           <a:bodyPr>
-            <a:normAutofit fontScale="92500" lnSpcReduction="20000"/>
+            <a:normAutofit/>
           </a:bodyPr>
           <a:lstStyle/>
           <a:p>
@@ -6230,12 +5433,12 @@
               </a:spcAft>
             </a:pPr>
             <a:r>
-              <a:rPr lang="en-ID" sz="1600" b="0" i="0" u="none" strike="noStrike" dirty="0">
+              <a:rPr lang="en-ID" b="1" i="0" u="none" strike="noStrike" dirty="0">
                 <a:solidFill>
-                  <a:srgbClr val="AF7B51"/>
+                  <a:schemeClr val="accent2"/>
                 </a:solidFill>
                 <a:effectLst/>
-                <a:latin typeface="Calibri" panose="020F0502020204030204" pitchFamily="34" charset="0"/>
+                <a:latin typeface="+mn-lt"/>
               </a:rPr>
               <a:t>Dhea Amalia Lutfiani</a:t>
             </a:r>
@@ -6252,15 +5455,26 @@
             <a:r>
               <a:rPr lang="en-ID" b="0" dirty="0">
                 <a:effectLst/>
-              </a:rPr>
-              <a:t>( 7 Feb – 18 Feb )</a:t>
-            </a:r>
-          </a:p>
-          <a:p>
-            <a:endParaRPr lang="en-ID" dirty="0"/>
-          </a:p>
-          <a:p>
-            <a:endParaRPr lang="en-ID" dirty="0"/>
+                <a:latin typeface="+mn-lt"/>
+              </a:rPr>
+              <a:t>( 7 FEB – </a:t>
+            </a:r>
+            <a:r>
+              <a:rPr lang="en-ID" sz="2400" dirty="0"/>
+              <a:t>1</a:t>
+            </a:r>
+            <a:r>
+              <a:rPr lang="en-ID" b="0" dirty="0">
+                <a:effectLst/>
+                <a:latin typeface="+mn-lt"/>
+              </a:rPr>
+              <a:t>8 FEB )</a:t>
+            </a:r>
+          </a:p>
+          <a:p>
+            <a:endParaRPr lang="en-ID" dirty="0">
+              <a:latin typeface="+mn-lt"/>
+            </a:endParaRPr>
           </a:p>
         </p:txBody>
       </p:sp>
@@ -6336,7 +5550,7 @@
                   <a:schemeClr val="tx1"/>
                 </a:solidFill>
                 <a:effectLst/>
-                <a:latin typeface="Nunito" panose="020B0604020202020204" pitchFamily="2" charset="0"/>
+                <a:latin typeface="+mn-lt"/>
               </a:rPr>
               <a:t>Case Study Instructions</a:t>
             </a:r>
@@ -6344,84 +5558,7 @@
               <a:solidFill>
                 <a:schemeClr val="tx1"/>
               </a:solidFill>
-            </a:endParaRPr>
-          </a:p>
-        </p:txBody>
-      </p:sp>
-      <p:sp>
-        <p:nvSpPr>
-          <p:cNvPr id="3" name="Title 1">
-            <a:extLst>
-              <a:ext uri="{FF2B5EF4-FFF2-40B4-BE49-F238E27FC236}">
-                <a16:creationId xmlns:a16="http://schemas.microsoft.com/office/drawing/2014/main" id="{244470D9-D1EA-46F4-A16C-0413DE94AEFA}"/>
-              </a:ext>
-            </a:extLst>
-          </p:cNvPr>
-          <p:cNvSpPr txBox="1">
-            <a:spLocks/>
-          </p:cNvSpPr>
-          <p:nvPr/>
-        </p:nvSpPr>
-        <p:spPr>
-          <a:xfrm>
-            <a:off x="1066800" y="852230"/>
-            <a:ext cx="10058400" cy="760078"/>
-          </a:xfrm>
-          <a:prstGeom prst="rect">
-            <a:avLst/>
-          </a:prstGeom>
-        </p:spPr>
-        <p:txBody>
-          <a:bodyPr vert="horz" lIns="91440" tIns="45720" rIns="91440" bIns="45720" rtlCol="0" anchor="ctr">
-            <a:normAutofit/>
-          </a:bodyPr>
-          <a:lstStyle>
-            <a:lvl1pPr algn="l" defTabSz="914400" rtl="0" eaLnBrk="1" latinLnBrk="0" hangingPunct="1">
-              <a:lnSpc>
-                <a:spcPct val="90000"/>
-              </a:lnSpc>
-              <a:spcBef>
-                <a:spcPct val="0"/>
-              </a:spcBef>
-              <a:buNone/>
-              <a:defRPr lang="en-US" sz="4800" kern="1200" cap="none" spc="0" baseline="0" dirty="0">
-                <a:solidFill>
-                  <a:schemeClr val="tx1">
-                    <a:lumMod val="85000"/>
-                    <a:lumOff val="15000"/>
-                  </a:schemeClr>
-                </a:solidFill>
-                <a:effectLst/>
-                <a:latin typeface="+mj-lt"/>
-                <a:ea typeface="+mn-ea"/>
-                <a:cs typeface="+mn-cs"/>
-              </a:defRPr>
-            </a:lvl1pPr>
-          </a:lstStyle>
-          <a:p>
-            <a:pPr rtl="0">
-              <a:spcBef>
-                <a:spcPts val="0"/>
-              </a:spcBef>
-              <a:spcAft>
-                <a:spcPts val="0"/>
-              </a:spcAft>
-            </a:pPr>
-            <a:r>
-              <a:rPr lang="en-ID" sz="2400" b="0" i="0" u="none" strike="noStrike" dirty="0">
-                <a:solidFill>
-                  <a:schemeClr val="tx1"/>
-                </a:solidFill>
-                <a:effectLst/>
-                <a:latin typeface="Nunito" pitchFamily="2" charset="0"/>
-              </a:rPr>
-              <a:t>SQL &amp; DATA VISUALIZATION</a:t>
-            </a:r>
-            <a:endParaRPr lang="en-ID" sz="1400" b="0" dirty="0">
-              <a:solidFill>
-                <a:schemeClr val="tx1"/>
-              </a:solidFill>
-              <a:effectLst/>
+              <a:latin typeface="+mn-lt"/>
             </a:endParaRPr>
           </a:p>
         </p:txBody>
@@ -6441,7 +5578,7 @@
         <p:spPr>
           <a:xfrm>
             <a:off x="1066800" y="1894445"/>
-            <a:ext cx="6676828" cy="888705"/>
+            <a:ext cx="6095579" cy="880369"/>
           </a:xfrm>
           <a:prstGeom prst="rect">
             <a:avLst/>
@@ -6461,7 +5598,6 @@
             </a:pPr>
             <a:r>
               <a:rPr lang="en-ID" dirty="0">
-                <a:latin typeface="Nunito" pitchFamily="2" charset="0"/>
                 <a:cs typeface="Times New Roman" panose="02020603050405020304" pitchFamily="18" charset="0"/>
               </a:rPr>
               <a:t>Table of interest :</a:t>
@@ -6475,41 +5611,35 @@
             </a:pPr>
             <a:r>
               <a:rPr lang="en-ID" dirty="0">
-                <a:latin typeface="Nunito" pitchFamily="2" charset="0"/>
                 <a:cs typeface="Times New Roman" panose="02020603050405020304" pitchFamily="18" charset="0"/>
               </a:rPr>
               <a:t>‘</a:t>
             </a:r>
             <a:r>
               <a:rPr lang="en-US" dirty="0" err="1">
-                <a:latin typeface="Nunito" pitchFamily="2" charset="0"/>
                 <a:cs typeface="Times New Roman" panose="02020603050405020304" pitchFamily="18" charset="0"/>
               </a:rPr>
               <a:t>bigquery</a:t>
             </a:r>
             <a:r>
               <a:rPr lang="en-US" dirty="0">
-                <a:latin typeface="Nunito" pitchFamily="2" charset="0"/>
                 <a:cs typeface="Times New Roman" panose="02020603050405020304" pitchFamily="18" charset="0"/>
               </a:rPr>
               <a:t>-public-</a:t>
             </a:r>
             <a:r>
               <a:rPr lang="en-US" dirty="0" err="1">
-                <a:latin typeface="Nunito" pitchFamily="2" charset="0"/>
                 <a:cs typeface="Times New Roman" panose="02020603050405020304" pitchFamily="18" charset="0"/>
               </a:rPr>
               <a:t>data.san_francisco_bikeshare.bikeshare_trips</a:t>
             </a:r>
             <a:r>
               <a:rPr lang="en-US" dirty="0">
-                <a:latin typeface="Nunito" pitchFamily="2" charset="0"/>
                 <a:cs typeface="Times New Roman" panose="02020603050405020304" pitchFamily="18" charset="0"/>
               </a:rPr>
               <a:t>’</a:t>
             </a:r>
             <a:endParaRPr lang="en-ID" dirty="0">
-              <a:latin typeface="Nunito" pitchFamily="2" charset="0"/>
               <a:cs typeface="Times New Roman" panose="02020603050405020304" pitchFamily="18" charset="0"/>
             </a:endParaRPr>
           </a:p>
@@ -6529,8 +5659,8 @@
         </p:nvSpPr>
         <p:spPr>
           <a:xfrm>
-            <a:off x="1066800" y="2924859"/>
-            <a:ext cx="10397398" cy="2550698"/>
+            <a:off x="1066801" y="2924859"/>
+            <a:ext cx="10830128" cy="2542363"/>
           </a:xfrm>
           <a:prstGeom prst="rect">
             <a:avLst/>
@@ -6538,7 +5668,7 @@
           <a:noFill/>
         </p:spPr>
         <p:txBody>
-          <a:bodyPr wrap="none" rtlCol="0">
+          <a:bodyPr wrap="square" rtlCol="0">
             <a:spAutoFit/>
           </a:bodyPr>
           <a:lstStyle/>
@@ -6551,7 +5681,6 @@
             </a:pPr>
             <a:r>
               <a:rPr lang="en-US" dirty="0">
-                <a:latin typeface="Nunito" pitchFamily="2" charset="0"/>
                 <a:cs typeface="Times New Roman" panose="02020603050405020304" pitchFamily="18" charset="0"/>
               </a:rPr>
               <a:t>Look at this data and start thinking. List down 3 trends/points that you want to show.</a:t>
@@ -6566,7 +5695,6 @@
             </a:pPr>
             <a:r>
               <a:rPr lang="en-US" dirty="0">
-                <a:latin typeface="Nunito" pitchFamily="2" charset="0"/>
                 <a:cs typeface="Times New Roman" panose="02020603050405020304" pitchFamily="18" charset="0"/>
               </a:rPr>
               <a:t>From here, try to explore the data and make changes, filter, and prepare the data that you need.</a:t>
@@ -6581,21 +5709,19 @@
             </a:pPr>
             <a:r>
               <a:rPr lang="en-US" dirty="0">
-                <a:latin typeface="Nunito" pitchFamily="2" charset="0"/>
                 <a:cs typeface="Times New Roman" panose="02020603050405020304" pitchFamily="18" charset="0"/>
               </a:rPr>
               <a:t>Create some visualizations or dashboard with the best type of chart you have learned.</a:t>
             </a:r>
           </a:p>
           <a:p>
-            <a:pPr>
+            <a:pPr marL="354013" indent="-269875">
               <a:lnSpc>
                 <a:spcPct val="150000"/>
               </a:lnSpc>
             </a:pPr>
             <a:r>
               <a:rPr lang="en-US" dirty="0">
-                <a:latin typeface="Nunito" pitchFamily="2" charset="0"/>
                 <a:cs typeface="Times New Roman" panose="02020603050405020304" pitchFamily="18" charset="0"/>
               </a:rPr>
               <a:t>	The easiest is with Google Data Studio or Google Sheets.</a:t>
@@ -6610,27 +5736,23 @@
             </a:pPr>
             <a:r>
               <a:rPr lang="en-US" dirty="0">
-                <a:latin typeface="Nunito" pitchFamily="2" charset="0"/>
                 <a:cs typeface="Times New Roman" panose="02020603050405020304" pitchFamily="18" charset="0"/>
               </a:rPr>
-              <a:t>Then, make 1-2 slides from the Graphs with the insights you got to present your findings</a:t>
-            </a:r>
-          </a:p>
-          <a:p>
-            <a:pPr>
-              <a:lnSpc>
-                <a:spcPct val="150000"/>
-              </a:lnSpc>
-            </a:pPr>
+              <a:t>Then, make 1-2 slides from the Graphs with the insights you got to present your </a:t>
+            </a:r>
+            <a:r>
+              <a:rPr lang="en-US" dirty="0" err="1">
+                <a:cs typeface="Times New Roman" panose="02020603050405020304" pitchFamily="18" charset="0"/>
+              </a:rPr>
+              <a:t>findingsto</a:t>
+            </a:r>
             <a:r>
               <a:rPr lang="en-US" dirty="0">
-                <a:latin typeface="Nunito" pitchFamily="2" charset="0"/>
                 <a:cs typeface="Times New Roman" panose="02020603050405020304" pitchFamily="18" charset="0"/>
               </a:rPr>
-              <a:t>	to the stakeholders (read this article from HBR)</a:t>
+              <a:t> the stakeholders (read this article from HBR)</a:t>
             </a:r>
             <a:endParaRPr lang="en-ID" dirty="0">
-              <a:latin typeface="Nunito" pitchFamily="2" charset="0"/>
               <a:cs typeface="Times New Roman" panose="02020603050405020304" pitchFamily="18" charset="0"/>
             </a:endParaRPr>
           </a:p>
@@ -6650,8 +5772,8 @@
         </p:nvSpPr>
         <p:spPr>
           <a:xfrm>
-            <a:off x="1066800" y="1512411"/>
-            <a:ext cx="1297150" cy="369332"/>
+            <a:off x="1066800" y="1364170"/>
+            <a:ext cx="1173078" cy="369332"/>
           </a:xfrm>
           <a:prstGeom prst="rect">
             <a:avLst/>
@@ -6701,220 +5823,6 @@
           <a:chExt cx="0" cy="0"/>
         </a:xfrm>
       </p:grpSpPr>
-      <p:pic>
-        <p:nvPicPr>
-          <p:cNvPr id="1026" name="Picture 2">
-            <a:extLst>
-              <a:ext uri="{FF2B5EF4-FFF2-40B4-BE49-F238E27FC236}">
-                <a16:creationId xmlns:a16="http://schemas.microsoft.com/office/drawing/2014/main" id="{8260C778-8235-43A2-8005-F736CE335020}"/>
-              </a:ext>
-            </a:extLst>
-          </p:cNvPr>
-          <p:cNvPicPr>
-            <a:picLocks noChangeAspect="1" noChangeArrowheads="1"/>
-          </p:cNvPicPr>
-          <p:nvPr/>
-        </p:nvPicPr>
-        <p:blipFill>
-          <a:blip r:embed="rId2">
-            <a:extLst>
-              <a:ext uri="{28A0092B-C50C-407E-A947-70E740481C1C}">
-                <a14:useLocalDpi xmlns:a14="http://schemas.microsoft.com/office/drawing/2010/main" val="0"/>
-              </a:ext>
-            </a:extLst>
-          </a:blip>
-          <a:srcRect/>
-          <a:stretch>
-            <a:fillRect/>
-          </a:stretch>
-        </p:blipFill>
-        <p:spPr bwMode="auto">
-          <a:xfrm>
-            <a:off x="7342089" y="2275168"/>
-            <a:ext cx="4384742" cy="2241595"/>
-          </a:xfrm>
-          <a:prstGeom prst="rect">
-            <a:avLst/>
-          </a:prstGeom>
-          <a:noFill/>
-          <a:extLst>
-            <a:ext uri="{909E8E84-426E-40DD-AFC4-6F175D3DCCD1}">
-              <a14:hiddenFill xmlns:a14="http://schemas.microsoft.com/office/drawing/2010/main">
-                <a:solidFill>
-                  <a:srgbClr val="FFFFFF"/>
-                </a:solidFill>
-              </a14:hiddenFill>
-            </a:ext>
-          </a:extLst>
-        </p:spPr>
-      </p:pic>
-      <p:sp>
-        <p:nvSpPr>
-          <p:cNvPr id="4" name="TextBox 3">
-            <a:extLst>
-              <a:ext uri="{FF2B5EF4-FFF2-40B4-BE49-F238E27FC236}">
-                <a16:creationId xmlns:a16="http://schemas.microsoft.com/office/drawing/2014/main" id="{D9A78116-DCE0-4AAF-8126-46847B70DE1A}"/>
-              </a:ext>
-            </a:extLst>
-          </p:cNvPr>
-          <p:cNvSpPr txBox="1"/>
-          <p:nvPr/>
-        </p:nvSpPr>
-        <p:spPr>
-          <a:xfrm>
-            <a:off x="8298025" y="1759072"/>
-            <a:ext cx="2917786" cy="369332"/>
-          </a:xfrm>
-          <a:prstGeom prst="rect">
-            <a:avLst/>
-          </a:prstGeom>
-          <a:noFill/>
-        </p:spPr>
-        <p:txBody>
-          <a:bodyPr wrap="none" rtlCol="0">
-            <a:spAutoFit/>
-          </a:bodyPr>
-          <a:lstStyle/>
-          <a:p>
-            <a:r>
-              <a:rPr lang="en-ID" dirty="0"/>
-              <a:t>Detail from the Dataset :</a:t>
-            </a:r>
-          </a:p>
-        </p:txBody>
-      </p:sp>
-      <p:sp>
-        <p:nvSpPr>
-          <p:cNvPr id="15" name="Title 1">
-            <a:extLst>
-              <a:ext uri="{FF2B5EF4-FFF2-40B4-BE49-F238E27FC236}">
-                <a16:creationId xmlns:a16="http://schemas.microsoft.com/office/drawing/2014/main" id="{C861A3B9-2B50-D006-9944-48C5250499D8}"/>
-              </a:ext>
-            </a:extLst>
-          </p:cNvPr>
-          <p:cNvSpPr>
-            <a:spLocks noGrp="1"/>
-          </p:cNvSpPr>
-          <p:nvPr>
-            <p:ph type="title"/>
-          </p:nvPr>
-        </p:nvSpPr>
-        <p:spPr>
-          <a:xfrm>
-            <a:off x="1066800" y="336134"/>
-            <a:ext cx="10058400" cy="760078"/>
-          </a:xfrm>
-        </p:spPr>
-        <p:txBody>
-          <a:bodyPr>
-            <a:normAutofit/>
-          </a:bodyPr>
-          <a:lstStyle/>
-          <a:p>
-            <a:pPr rtl="0">
-              <a:spcBef>
-                <a:spcPts val="0"/>
-              </a:spcBef>
-              <a:spcAft>
-                <a:spcPts val="0"/>
-              </a:spcAft>
-            </a:pPr>
-            <a:r>
-              <a:rPr lang="en-ID" sz="3200" b="0" i="0" u="none" strike="noStrike" dirty="0">
-                <a:solidFill>
-                  <a:schemeClr val="tx1"/>
-                </a:solidFill>
-                <a:effectLst/>
-                <a:latin typeface="Nunito" panose="020B0604020202020204" pitchFamily="2" charset="0"/>
-              </a:rPr>
-              <a:t>Case Study</a:t>
-            </a:r>
-            <a:endParaRPr lang="en-ID" sz="7200" dirty="0">
-              <a:solidFill>
-                <a:schemeClr val="tx1"/>
-              </a:solidFill>
-            </a:endParaRPr>
-          </a:p>
-        </p:txBody>
-      </p:sp>
-      <p:sp>
-        <p:nvSpPr>
-          <p:cNvPr id="16" name="Title 1">
-            <a:extLst>
-              <a:ext uri="{FF2B5EF4-FFF2-40B4-BE49-F238E27FC236}">
-                <a16:creationId xmlns:a16="http://schemas.microsoft.com/office/drawing/2014/main" id="{139E4A0C-517A-6ABC-103D-122D9FFF9810}"/>
-              </a:ext>
-            </a:extLst>
-          </p:cNvPr>
-          <p:cNvSpPr txBox="1">
-            <a:spLocks/>
-          </p:cNvSpPr>
-          <p:nvPr/>
-        </p:nvSpPr>
-        <p:spPr>
-          <a:xfrm>
-            <a:off x="1066800" y="852230"/>
-            <a:ext cx="10058400" cy="760078"/>
-          </a:xfrm>
-          <a:prstGeom prst="rect">
-            <a:avLst/>
-          </a:prstGeom>
-        </p:spPr>
-        <p:txBody>
-          <a:bodyPr vert="horz" lIns="91440" tIns="45720" rIns="91440" bIns="45720" rtlCol="0" anchor="ctr">
-            <a:normAutofit/>
-          </a:bodyPr>
-          <a:lstStyle>
-            <a:lvl1pPr algn="l" defTabSz="914400" rtl="0" eaLnBrk="1" latinLnBrk="0" hangingPunct="1">
-              <a:lnSpc>
-                <a:spcPct val="90000"/>
-              </a:lnSpc>
-              <a:spcBef>
-                <a:spcPct val="0"/>
-              </a:spcBef>
-              <a:buNone/>
-              <a:defRPr lang="en-US" sz="4800" kern="1200" cap="none" spc="0" baseline="0" dirty="0">
-                <a:solidFill>
-                  <a:schemeClr val="tx1">
-                    <a:lumMod val="85000"/>
-                    <a:lumOff val="15000"/>
-                  </a:schemeClr>
-                </a:solidFill>
-                <a:effectLst/>
-                <a:latin typeface="+mj-lt"/>
-                <a:ea typeface="+mn-ea"/>
-                <a:cs typeface="+mn-cs"/>
-              </a:defRPr>
-            </a:lvl1pPr>
-          </a:lstStyle>
-          <a:p>
-            <a:pPr rtl="0">
-              <a:spcBef>
-                <a:spcPts val="0"/>
-              </a:spcBef>
-              <a:spcAft>
-                <a:spcPts val="0"/>
-              </a:spcAft>
-            </a:pPr>
-            <a:r>
-              <a:rPr lang="en-ID" sz="2400" b="0" i="0" u="none" strike="noStrike" dirty="0">
-                <a:solidFill>
-                  <a:schemeClr val="tx1"/>
-                </a:solidFill>
-                <a:effectLst/>
-                <a:latin typeface="Nunito" pitchFamily="2" charset="0"/>
-              </a:rPr>
-              <a:t>SQL &amp; DATA VISUALIZATION</a:t>
-            </a:r>
-            <a:endParaRPr lang="en-ID" sz="1400" b="0" dirty="0">
-              <a:solidFill>
-                <a:schemeClr val="tx1"/>
-              </a:solidFill>
-              <a:effectLst/>
-            </a:endParaRPr>
-          </a:p>
-        </p:txBody>
-      </p:sp>
       <p:sp>
         <p:nvSpPr>
           <p:cNvPr id="8" name="TextBox 7">
@@ -6929,8 +5837,8 @@
         </p:nvSpPr>
         <p:spPr>
           <a:xfrm>
-            <a:off x="1825275" y="1759072"/>
-            <a:ext cx="3196709" cy="369332"/>
+            <a:off x="1066800" y="1316358"/>
+            <a:ext cx="2678682" cy="369332"/>
           </a:xfrm>
           <a:prstGeom prst="rect">
             <a:avLst/>
@@ -6947,6 +5855,62 @@
               <a:rPr lang="en-ID" dirty="0"/>
               <a:t>Schema from the Dataset :</a:t>
             </a:r>
+          </a:p>
+        </p:txBody>
+      </p:sp>
+      <p:sp>
+        <p:nvSpPr>
+          <p:cNvPr id="10" name="Title 1">
+            <a:extLst>
+              <a:ext uri="{FF2B5EF4-FFF2-40B4-BE49-F238E27FC236}">
+                <a16:creationId xmlns:a16="http://schemas.microsoft.com/office/drawing/2014/main" id="{8BB0C297-EAAD-737A-CCDC-33C1A18CBBA5}"/>
+              </a:ext>
+            </a:extLst>
+          </p:cNvPr>
+          <p:cNvSpPr>
+            <a:spLocks noGrp="1"/>
+          </p:cNvSpPr>
+          <p:nvPr>
+            <p:ph type="title"/>
+          </p:nvPr>
+        </p:nvSpPr>
+        <p:spPr>
+          <a:xfrm>
+            <a:off x="1066800" y="336134"/>
+            <a:ext cx="10058400" cy="760078"/>
+          </a:xfrm>
+        </p:spPr>
+        <p:txBody>
+          <a:bodyPr>
+            <a:normAutofit/>
+          </a:bodyPr>
+          <a:lstStyle/>
+          <a:p>
+            <a:pPr rtl="0">
+              <a:spcBef>
+                <a:spcPts val="0"/>
+              </a:spcBef>
+              <a:spcAft>
+                <a:spcPts val="0"/>
+              </a:spcAft>
+            </a:pPr>
+            <a:r>
+              <a:rPr lang="en-ID" sz="3200" b="0" i="0" u="none" strike="noStrike" dirty="0">
+                <a:solidFill>
+                  <a:schemeClr val="tx1"/>
+                </a:solidFill>
+                <a:effectLst/>
+                <a:latin typeface="+mn-lt"/>
+              </a:rPr>
+              <a:t>Preview Data</a:t>
+            </a:r>
+            <a:endParaRPr lang="en-ID" sz="1800" b="0" dirty="0">
+              <a:solidFill>
+                <a:schemeClr val="tx1"/>
+              </a:solidFill>
+              <a:effectLst/>
+              <a:latin typeface="+mn-lt"/>
+            </a:endParaRPr>
           </a:p>
         </p:txBody>
       </p:sp>
@@ -6955,7 +5919,7 @@
           <p:cNvPr id="3" name="Picture 2">
             <a:extLst>
               <a:ext uri="{FF2B5EF4-FFF2-40B4-BE49-F238E27FC236}">
-                <a16:creationId xmlns:a16="http://schemas.microsoft.com/office/drawing/2014/main" id="{EBEC6D6D-0AF3-DDB0-AF06-2A1A6C5599FE}"/>
+                <a16:creationId xmlns:a16="http://schemas.microsoft.com/office/drawing/2014/main" id="{AEBEEE41-B209-2416-0C86-5548D080F786}"/>
               </a:ext>
             </a:extLst>
           </p:cNvPr>
@@ -6965,15 +5929,15 @@
           <p:nvPr/>
         </p:nvPicPr>
         <p:blipFill>
-          <a:blip r:embed="rId3"/>
+          <a:blip r:embed="rId2"/>
           <a:stretch>
             <a:fillRect/>
           </a:stretch>
         </p:blipFill>
         <p:spPr>
           <a:xfrm>
-            <a:off x="533776" y="2275168"/>
-            <a:ext cx="6520582" cy="3730602"/>
+            <a:off x="1190575" y="1819339"/>
+            <a:ext cx="9909198" cy="4396110"/>
           </a:xfrm>
           <a:prstGeom prst="rect">
             <a:avLst/>
@@ -7012,6 +5976,193 @@
       </p:grpSpPr>
       <p:sp>
         <p:nvSpPr>
+          <p:cNvPr id="8" name="TextBox 7">
+            <a:extLst>
+              <a:ext uri="{FF2B5EF4-FFF2-40B4-BE49-F238E27FC236}">
+                <a16:creationId xmlns:a16="http://schemas.microsoft.com/office/drawing/2014/main" id="{602DA670-7111-F17F-7392-7D46A98C838A}"/>
+              </a:ext>
+            </a:extLst>
+          </p:cNvPr>
+          <p:cNvSpPr txBox="1"/>
+          <p:nvPr/>
+        </p:nvSpPr>
+        <p:spPr>
+          <a:xfrm>
+            <a:off x="1066800" y="1316358"/>
+            <a:ext cx="2678682" cy="369332"/>
+          </a:xfrm>
+          <a:prstGeom prst="rect">
+            <a:avLst/>
+          </a:prstGeom>
+          <a:noFill/>
+        </p:spPr>
+        <p:txBody>
+          <a:bodyPr wrap="none" rtlCol="0">
+            <a:spAutoFit/>
+          </a:bodyPr>
+          <a:lstStyle/>
+          <a:p>
+            <a:r>
+              <a:rPr lang="en-ID" dirty="0"/>
+              <a:t>Schema from the Dataset :</a:t>
+            </a:r>
+          </a:p>
+        </p:txBody>
+      </p:sp>
+      <p:sp>
+        <p:nvSpPr>
+          <p:cNvPr id="10" name="Title 1">
+            <a:extLst>
+              <a:ext uri="{FF2B5EF4-FFF2-40B4-BE49-F238E27FC236}">
+                <a16:creationId xmlns:a16="http://schemas.microsoft.com/office/drawing/2014/main" id="{8BB0C297-EAAD-737A-CCDC-33C1A18CBBA5}"/>
+              </a:ext>
+            </a:extLst>
+          </p:cNvPr>
+          <p:cNvSpPr>
+            <a:spLocks noGrp="1"/>
+          </p:cNvSpPr>
+          <p:nvPr>
+            <p:ph type="title"/>
+          </p:nvPr>
+        </p:nvSpPr>
+        <p:spPr>
+          <a:xfrm>
+            <a:off x="1066800" y="336134"/>
+            <a:ext cx="10058400" cy="760078"/>
+          </a:xfrm>
+        </p:spPr>
+        <p:txBody>
+          <a:bodyPr>
+            <a:normAutofit/>
+          </a:bodyPr>
+          <a:lstStyle/>
+          <a:p>
+            <a:pPr rtl="0">
+              <a:spcBef>
+                <a:spcPts val="0"/>
+              </a:spcBef>
+              <a:spcAft>
+                <a:spcPts val="0"/>
+              </a:spcAft>
+            </a:pPr>
+            <a:r>
+              <a:rPr lang="en-ID" sz="3200" b="0" i="0" u="none" strike="noStrike" dirty="0">
+                <a:solidFill>
+                  <a:schemeClr val="tx1"/>
+                </a:solidFill>
+                <a:effectLst/>
+                <a:latin typeface="+mn-lt"/>
+              </a:rPr>
+              <a:t>Preview Data</a:t>
+            </a:r>
+            <a:endParaRPr lang="en-ID" sz="1800" b="0" dirty="0">
+              <a:solidFill>
+                <a:schemeClr val="tx1"/>
+              </a:solidFill>
+              <a:effectLst/>
+              <a:latin typeface="+mn-lt"/>
+            </a:endParaRPr>
+          </a:p>
+        </p:txBody>
+      </p:sp>
+      <p:sp>
+        <p:nvSpPr>
+          <p:cNvPr id="9" name="TextBox 8">
+            <a:extLst>
+              <a:ext uri="{FF2B5EF4-FFF2-40B4-BE49-F238E27FC236}">
+                <a16:creationId xmlns:a16="http://schemas.microsoft.com/office/drawing/2014/main" id="{CB226964-C57A-9E03-86FF-5DB83DFA0507}"/>
+              </a:ext>
+            </a:extLst>
+          </p:cNvPr>
+          <p:cNvSpPr txBox="1"/>
+          <p:nvPr/>
+        </p:nvSpPr>
+        <p:spPr>
+          <a:xfrm>
+            <a:off x="1110588" y="2829616"/>
+            <a:ext cx="10150720" cy="584775"/>
+          </a:xfrm>
+          <a:prstGeom prst="rect">
+            <a:avLst/>
+          </a:prstGeom>
+          <a:noFill/>
+        </p:spPr>
+        <p:txBody>
+          <a:bodyPr wrap="square" rtlCol="0">
+            <a:spAutoFit/>
+          </a:bodyPr>
+          <a:lstStyle/>
+          <a:p>
+            <a:r>
+              <a:rPr lang="en-US" sz="1600" dirty="0"/>
+              <a:t>From this data preview, we can find out the description of each column and know which columns can be used to answer problems or which columns can be useful for finding new insights.</a:t>
+            </a:r>
+            <a:endParaRPr lang="en-ID" sz="1600" dirty="0"/>
+          </a:p>
+        </p:txBody>
+      </p:sp>
+      <p:pic>
+        <p:nvPicPr>
+          <p:cNvPr id="4" name="Picture 3">
+            <a:extLst>
+              <a:ext uri="{FF2B5EF4-FFF2-40B4-BE49-F238E27FC236}">
+                <a16:creationId xmlns:a16="http://schemas.microsoft.com/office/drawing/2014/main" id="{9819E5C1-D9FC-1074-8B65-84A93FCD85AE}"/>
+              </a:ext>
+            </a:extLst>
+          </p:cNvPr>
+          <p:cNvPicPr>
+            <a:picLocks noChangeAspect="1"/>
+          </p:cNvPicPr>
+          <p:nvPr/>
+        </p:nvPicPr>
+        <p:blipFill>
+          <a:blip r:embed="rId2"/>
+          <a:stretch>
+            <a:fillRect/>
+          </a:stretch>
+        </p:blipFill>
+        <p:spPr>
+          <a:xfrm>
+            <a:off x="1246696" y="1898290"/>
+            <a:ext cx="9878504" cy="718726"/>
+          </a:xfrm>
+          <a:prstGeom prst="rect">
+            <a:avLst/>
+          </a:prstGeom>
+        </p:spPr>
+      </p:pic>
+    </p:spTree>
+    <p:extLst>
+      <p:ext uri="{BB962C8B-B14F-4D97-AF65-F5344CB8AC3E}">
+        <p14:creationId xmlns:p14="http://schemas.microsoft.com/office/powerpoint/2010/main" val="4153025366"/>
+      </p:ext>
+    </p:extLst>
+  </p:cSld>
+  <p:clrMapOvr>
+    <a:masterClrMapping/>
+  </p:clrMapOvr>
+</p:sld>
+</file>
+
+<file path=ppt/slides/slide5.xml><?xml version="1.0" encoding="utf-8"?>
+<p:sld xmlns:a="http://schemas.openxmlformats.org/drawingml/2006/main" xmlns:r="http://schemas.openxmlformats.org/officeDocument/2006/relationships" xmlns:p="http://schemas.openxmlformats.org/presentationml/2006/main">
+  <p:cSld>
+    <p:spTree>
+      <p:nvGrpSpPr>
+        <p:cNvPr id="1" name=""/>
+        <p:cNvGrpSpPr/>
+        <p:nvPr/>
+      </p:nvGrpSpPr>
+      <p:grpSpPr>
+        <a:xfrm>
+          <a:off x="0" y="0"/>
+          <a:ext cx="0" cy="0"/>
+          <a:chOff x="0" y="0"/>
+          <a:chExt cx="0" cy="0"/>
+        </a:xfrm>
+      </p:grpSpPr>
+      <p:sp>
+        <p:nvSpPr>
           <p:cNvPr id="6" name="TextBox 5">
             <a:extLst>
               <a:ext uri="{FF2B5EF4-FFF2-40B4-BE49-F238E27FC236}">
@@ -7024,8 +6175,8 @@
         </p:nvSpPr>
         <p:spPr>
           <a:xfrm>
-            <a:off x="936658" y="1824454"/>
-            <a:ext cx="2185214" cy="369332"/>
+            <a:off x="1066800" y="1096212"/>
+            <a:ext cx="1902444" cy="369332"/>
           </a:xfrm>
           <a:prstGeom prst="rect">
             <a:avLst/>
@@ -7040,17 +6191,17 @@
           <a:p>
             <a:r>
               <a:rPr lang="en-ID" dirty="0"/>
-              <a:t>Preview the Data:</a:t>
-            </a:r>
-          </a:p>
-        </p:txBody>
-      </p:sp>
-      <p:sp>
-        <p:nvSpPr>
-          <p:cNvPr id="15" name="Title 1">
+              <a:t>Preview the Data :</a:t>
+            </a:r>
+          </a:p>
+        </p:txBody>
+      </p:sp>
+      <p:sp>
+        <p:nvSpPr>
+          <p:cNvPr id="9" name="Title 1">
             <a:extLst>
               <a:ext uri="{FF2B5EF4-FFF2-40B4-BE49-F238E27FC236}">
-                <a16:creationId xmlns:a16="http://schemas.microsoft.com/office/drawing/2014/main" id="{C861A3B9-2B50-D006-9944-48C5250499D8}"/>
+                <a16:creationId xmlns:a16="http://schemas.microsoft.com/office/drawing/2014/main" id="{DD13760B-CEBD-8FF7-921A-CDCD4E20E3EA}"/>
               </a:ext>
             </a:extLst>
           </p:cNvPr>
@@ -7087,24 +6238,531 @@
                   <a:schemeClr val="tx1"/>
                 </a:solidFill>
                 <a:effectLst/>
-                <a:latin typeface="Nunito" panose="020B0604020202020204" pitchFamily="2" charset="0"/>
-              </a:rPr>
-              <a:t>Case Study</a:t>
+                <a:latin typeface="+mn-lt"/>
+              </a:rPr>
+              <a:t>Preview Data</a:t>
+            </a:r>
+            <a:endParaRPr lang="en-ID" sz="1800" b="0" dirty="0">
+              <a:solidFill>
+                <a:schemeClr val="tx1"/>
+              </a:solidFill>
+              <a:effectLst/>
+              <a:latin typeface="+mn-lt"/>
+            </a:endParaRPr>
+          </a:p>
+        </p:txBody>
+      </p:sp>
+      <p:pic>
+        <p:nvPicPr>
+          <p:cNvPr id="3" name="Picture 2">
+            <a:extLst>
+              <a:ext uri="{FF2B5EF4-FFF2-40B4-BE49-F238E27FC236}">
+                <a16:creationId xmlns:a16="http://schemas.microsoft.com/office/drawing/2014/main" id="{E85E89F6-14CA-2E3A-708E-3141EC6D980A}"/>
+              </a:ext>
+            </a:extLst>
+          </p:cNvPr>
+          <p:cNvPicPr>
+            <a:picLocks noChangeAspect="1"/>
+          </p:cNvPicPr>
+          <p:nvPr/>
+        </p:nvPicPr>
+        <p:blipFill>
+          <a:blip r:embed="rId2"/>
+          <a:stretch>
+            <a:fillRect/>
+          </a:stretch>
+        </p:blipFill>
+        <p:spPr>
+          <a:xfrm>
+            <a:off x="856796" y="1856290"/>
+            <a:ext cx="10478408" cy="2072820"/>
+          </a:xfrm>
+          <a:prstGeom prst="rect">
+            <a:avLst/>
+          </a:prstGeom>
+        </p:spPr>
+      </p:pic>
+      <p:pic>
+        <p:nvPicPr>
+          <p:cNvPr id="5" name="Picture 4">
+            <a:extLst>
+              <a:ext uri="{FF2B5EF4-FFF2-40B4-BE49-F238E27FC236}">
+                <a16:creationId xmlns:a16="http://schemas.microsoft.com/office/drawing/2014/main" id="{B5E26D25-5CB7-1508-8DDA-2EF2AF3CE58C}"/>
+              </a:ext>
+            </a:extLst>
+          </p:cNvPr>
+          <p:cNvPicPr>
+            <a:picLocks noChangeAspect="1"/>
+          </p:cNvPicPr>
+          <p:nvPr/>
+        </p:nvPicPr>
+        <p:blipFill>
+          <a:blip r:embed="rId3"/>
+          <a:stretch>
+            <a:fillRect/>
+          </a:stretch>
+        </p:blipFill>
+        <p:spPr>
+          <a:xfrm>
+            <a:off x="856796" y="4083479"/>
+            <a:ext cx="10303133" cy="2080440"/>
+          </a:xfrm>
+          <a:prstGeom prst="rect">
+            <a:avLst/>
+          </a:prstGeom>
+        </p:spPr>
+      </p:pic>
+    </p:spTree>
+    <p:extLst>
+      <p:ext uri="{BB962C8B-B14F-4D97-AF65-F5344CB8AC3E}">
+        <p14:creationId xmlns:p14="http://schemas.microsoft.com/office/powerpoint/2010/main" val="2970653426"/>
+      </p:ext>
+    </p:extLst>
+  </p:cSld>
+  <p:clrMapOvr>
+    <a:masterClrMapping/>
+  </p:clrMapOvr>
+</p:sld>
+</file>
+
+<file path=ppt/slides/slide6.xml><?xml version="1.0" encoding="utf-8"?>
+<p:sld xmlns:a="http://schemas.openxmlformats.org/drawingml/2006/main" xmlns:r="http://schemas.openxmlformats.org/officeDocument/2006/relationships" xmlns:p="http://schemas.openxmlformats.org/presentationml/2006/main">
+  <p:cSld>
+    <p:spTree>
+      <p:nvGrpSpPr>
+        <p:cNvPr id="1" name=""/>
+        <p:cNvGrpSpPr/>
+        <p:nvPr/>
+      </p:nvGrpSpPr>
+      <p:grpSpPr>
+        <a:xfrm>
+          <a:off x="0" y="0"/>
+          <a:ext cx="0" cy="0"/>
+          <a:chOff x="0" y="0"/>
+          <a:chExt cx="0" cy="0"/>
+        </a:xfrm>
+      </p:grpSpPr>
+      <p:sp>
+        <p:nvSpPr>
+          <p:cNvPr id="4" name="TextBox 3">
+            <a:extLst>
+              <a:ext uri="{FF2B5EF4-FFF2-40B4-BE49-F238E27FC236}">
+                <a16:creationId xmlns:a16="http://schemas.microsoft.com/office/drawing/2014/main" id="{D9A78116-DCE0-4AAF-8126-46847B70DE1A}"/>
+              </a:ext>
+            </a:extLst>
+          </p:cNvPr>
+          <p:cNvSpPr txBox="1"/>
+          <p:nvPr/>
+        </p:nvSpPr>
+        <p:spPr>
+          <a:xfrm>
+            <a:off x="1066800" y="1912131"/>
+            <a:ext cx="4863832" cy="369332"/>
+          </a:xfrm>
+          <a:prstGeom prst="rect">
+            <a:avLst/>
+          </a:prstGeom>
+          <a:noFill/>
+        </p:spPr>
+        <p:txBody>
+          <a:bodyPr wrap="none" rtlCol="0">
+            <a:spAutoFit/>
+          </a:bodyPr>
+          <a:lstStyle/>
+          <a:p>
+            <a:r>
+              <a:rPr lang="en-US" dirty="0">
+                <a:cs typeface="Times New Roman" panose="02020603050405020304" pitchFamily="18" charset="0"/>
+              </a:rPr>
+              <a:t>List down trends/points that you want to show	:</a:t>
+            </a:r>
+            <a:endParaRPr lang="en-ID" dirty="0"/>
+          </a:p>
+        </p:txBody>
+      </p:sp>
+      <p:sp>
+        <p:nvSpPr>
+          <p:cNvPr id="10" name="Title 1">
+            <a:extLst>
+              <a:ext uri="{FF2B5EF4-FFF2-40B4-BE49-F238E27FC236}">
+                <a16:creationId xmlns:a16="http://schemas.microsoft.com/office/drawing/2014/main" id="{12EE7128-FC01-4709-6F16-E8F70D23158E}"/>
+              </a:ext>
+            </a:extLst>
+          </p:cNvPr>
+          <p:cNvSpPr>
+            <a:spLocks noGrp="1"/>
+          </p:cNvSpPr>
+          <p:nvPr>
+            <p:ph type="title"/>
+          </p:nvPr>
+        </p:nvSpPr>
+        <p:spPr>
+          <a:xfrm>
+            <a:off x="1066800" y="336134"/>
+            <a:ext cx="10058400" cy="760078"/>
+          </a:xfrm>
+        </p:spPr>
+        <p:txBody>
+          <a:bodyPr>
+            <a:normAutofit/>
+          </a:bodyPr>
+          <a:lstStyle/>
+          <a:p>
+            <a:pPr rtl="0">
+              <a:spcBef>
+                <a:spcPts val="0"/>
+              </a:spcBef>
+              <a:spcAft>
+                <a:spcPts val="0"/>
+              </a:spcAft>
+            </a:pPr>
+            <a:r>
+              <a:rPr lang="en-ID" sz="3200" b="0" i="0" u="none" strike="noStrike" dirty="0">
+                <a:solidFill>
+                  <a:schemeClr val="tx1"/>
+                </a:solidFill>
+                <a:effectLst/>
+                <a:latin typeface="+mn-lt"/>
+              </a:rPr>
+              <a:t>Defining Question</a:t>
             </a:r>
             <a:endParaRPr lang="en-ID" sz="7200" dirty="0">
               <a:solidFill>
                 <a:schemeClr val="tx1"/>
               </a:solidFill>
+              <a:latin typeface="+mn-lt"/>
             </a:endParaRPr>
           </a:p>
         </p:txBody>
       </p:sp>
       <p:sp>
         <p:nvSpPr>
-          <p:cNvPr id="16" name="Title 1">
+          <p:cNvPr id="14" name="TextBox 13">
             <a:extLst>
               <a:ext uri="{FF2B5EF4-FFF2-40B4-BE49-F238E27FC236}">
-                <a16:creationId xmlns:a16="http://schemas.microsoft.com/office/drawing/2014/main" id="{139E4A0C-517A-6ABC-103D-122D9FFF9810}"/>
+                <a16:creationId xmlns:a16="http://schemas.microsoft.com/office/drawing/2014/main" id="{4BDECECA-E7DD-54DB-5824-0C89AD2313C3}"/>
+              </a:ext>
+            </a:extLst>
+          </p:cNvPr>
+          <p:cNvSpPr txBox="1"/>
+          <p:nvPr/>
+        </p:nvSpPr>
+        <p:spPr>
+          <a:xfrm>
+            <a:off x="1066800" y="2321804"/>
+            <a:ext cx="8994065" cy="2126864"/>
+          </a:xfrm>
+          <a:prstGeom prst="rect">
+            <a:avLst/>
+          </a:prstGeom>
+          <a:noFill/>
+        </p:spPr>
+        <p:txBody>
+          <a:bodyPr wrap="none" rtlCol="0">
+            <a:spAutoFit/>
+          </a:bodyPr>
+          <a:lstStyle/>
+          <a:p>
+            <a:pPr marL="342900" indent="-342900">
+              <a:lnSpc>
+                <a:spcPct val="150000"/>
+              </a:lnSpc>
+              <a:buAutoNum type="arabicPeriod"/>
+            </a:pPr>
+            <a:r>
+              <a:rPr lang="en-US" dirty="0">
+                <a:cs typeface="Times New Roman" panose="02020603050405020304" pitchFamily="18" charset="0"/>
+              </a:rPr>
+              <a:t>Number of trips per month</a:t>
+            </a:r>
+          </a:p>
+          <a:p>
+            <a:pPr marL="342900" indent="-342900">
+              <a:lnSpc>
+                <a:spcPct val="150000"/>
+              </a:lnSpc>
+              <a:buAutoNum type="arabicPeriod"/>
+            </a:pPr>
+            <a:r>
+              <a:rPr lang="en-US" dirty="0">
+                <a:cs typeface="Times New Roman" panose="02020603050405020304" pitchFamily="18" charset="0"/>
+              </a:rPr>
+              <a:t>Average duration of the trips per month</a:t>
+            </a:r>
+          </a:p>
+          <a:p>
+            <a:pPr marL="342900" indent="-342900">
+              <a:lnSpc>
+                <a:spcPct val="150000"/>
+              </a:lnSpc>
+              <a:buAutoNum type="arabicPeriod"/>
+            </a:pPr>
+            <a:r>
+              <a:rPr lang="en-US" dirty="0">
+                <a:cs typeface="Times New Roman" panose="02020603050405020304" pitchFamily="18" charset="0"/>
+              </a:rPr>
+              <a:t>T</a:t>
+            </a:r>
+            <a:r>
+              <a:rPr lang="en-US" sz="1800" dirty="0">
+                <a:cs typeface="Times New Roman" panose="02020603050405020304" pitchFamily="18" charset="0"/>
+              </a:rPr>
+              <a:t>he monthly trend of the total trips and the average of duration time</a:t>
+            </a:r>
+          </a:p>
+          <a:p>
+            <a:pPr marL="342900" indent="-342900">
+              <a:lnSpc>
+                <a:spcPct val="150000"/>
+              </a:lnSpc>
+              <a:buAutoNum type="arabicPeriod"/>
+            </a:pPr>
+            <a:r>
+              <a:rPr lang="en-ID" dirty="0">
+                <a:cs typeface="Times New Roman" panose="02020603050405020304" pitchFamily="18" charset="0"/>
+              </a:rPr>
+              <a:t>W</a:t>
+            </a:r>
+            <a:r>
+              <a:rPr lang="en-US" dirty="0">
+                <a:cs typeface="Times New Roman" panose="02020603050405020304" pitchFamily="18" charset="0"/>
+              </a:rPr>
+              <a:t>ho are the most enthusiasts or renters of this San Francisco bikeshare? (Male or Female)</a:t>
+            </a:r>
+          </a:p>
+          <a:p>
+            <a:pPr marL="342900" indent="-342900">
+              <a:lnSpc>
+                <a:spcPct val="150000"/>
+              </a:lnSpc>
+              <a:buAutoNum type="arabicPeriod"/>
+            </a:pPr>
+            <a:r>
+              <a:rPr lang="en-US" dirty="0">
+                <a:cs typeface="Times New Roman" panose="02020603050405020304" pitchFamily="18" charset="0"/>
+              </a:rPr>
+              <a:t>From which customers do we get more revenue? (from subscriber or customer)</a:t>
+            </a:r>
+            <a:endParaRPr lang="en-ID" dirty="0">
+              <a:cs typeface="Times New Roman" panose="02020603050405020304" pitchFamily="18" charset="0"/>
+            </a:endParaRPr>
+          </a:p>
+        </p:txBody>
+      </p:sp>
+    </p:spTree>
+    <p:extLst>
+      <p:ext uri="{BB962C8B-B14F-4D97-AF65-F5344CB8AC3E}">
+        <p14:creationId xmlns:p14="http://schemas.microsoft.com/office/powerpoint/2010/main" val="1158908950"/>
+      </p:ext>
+    </p:extLst>
+  </p:cSld>
+  <p:clrMapOvr>
+    <a:masterClrMapping/>
+  </p:clrMapOvr>
+</p:sld>
+</file>
+
+<file path=ppt/slides/slide7.xml><?xml version="1.0" encoding="utf-8"?>
+<p:sld xmlns:a="http://schemas.openxmlformats.org/drawingml/2006/main" xmlns:r="http://schemas.openxmlformats.org/officeDocument/2006/relationships" xmlns:p="http://schemas.openxmlformats.org/presentationml/2006/main">
+  <p:cSld>
+    <p:spTree>
+      <p:nvGrpSpPr>
+        <p:cNvPr id="1" name=""/>
+        <p:cNvGrpSpPr/>
+        <p:nvPr/>
+      </p:nvGrpSpPr>
+      <p:grpSpPr>
+        <a:xfrm>
+          <a:off x="0" y="0"/>
+          <a:ext cx="0" cy="0"/>
+          <a:chOff x="0" y="0"/>
+          <a:chExt cx="0" cy="0"/>
+        </a:xfrm>
+      </p:grpSpPr>
+      <p:sp>
+        <p:nvSpPr>
+          <p:cNvPr id="4" name="TextBox 3">
+            <a:extLst>
+              <a:ext uri="{FF2B5EF4-FFF2-40B4-BE49-F238E27FC236}">
+                <a16:creationId xmlns:a16="http://schemas.microsoft.com/office/drawing/2014/main" id="{D9A78116-DCE0-4AAF-8126-46847B70DE1A}"/>
+              </a:ext>
+            </a:extLst>
+          </p:cNvPr>
+          <p:cNvSpPr txBox="1"/>
+          <p:nvPr/>
+        </p:nvSpPr>
+        <p:spPr>
+          <a:xfrm>
+            <a:off x="1066800" y="1874436"/>
+            <a:ext cx="10058400" cy="2662267"/>
+          </a:xfrm>
+          <a:prstGeom prst="rect">
+            <a:avLst/>
+          </a:prstGeom>
+          <a:noFill/>
+        </p:spPr>
+        <p:txBody>
+          <a:bodyPr wrap="square" rtlCol="0">
+            <a:spAutoFit/>
+          </a:bodyPr>
+          <a:lstStyle/>
+          <a:p>
+            <a:pPr marL="285750" indent="-285750">
+              <a:buFont typeface="Arial" panose="020B0604020202020204" pitchFamily="34" charset="0"/>
+              <a:buChar char="•"/>
+            </a:pPr>
+            <a:r>
+              <a:rPr lang="en-US" dirty="0">
+                <a:cs typeface="Times New Roman" panose="02020603050405020304" pitchFamily="18" charset="0"/>
+              </a:rPr>
+              <a:t>There are 2 queries used in this project.</a:t>
+            </a:r>
+          </a:p>
+          <a:p>
+            <a:pPr marL="269875"/>
+            <a:r>
+              <a:rPr lang="en-US" dirty="0">
+                <a:cs typeface="Times New Roman" panose="02020603050405020304" pitchFamily="18" charset="0"/>
+              </a:rPr>
+              <a:t>The first query is to answer problem questions for numbers 1 and 2.</a:t>
+            </a:r>
+          </a:p>
+          <a:p>
+            <a:pPr marL="269875">
+              <a:spcAft>
+                <a:spcPts val="600"/>
+              </a:spcAft>
+            </a:pPr>
+            <a:r>
+              <a:rPr lang="en-US" dirty="0">
+                <a:cs typeface="Times New Roman" panose="02020603050405020304" pitchFamily="18" charset="0"/>
+              </a:rPr>
+              <a:t>And the second query is to answer other problems, namely problems number 3, 4, and 5.</a:t>
+            </a:r>
+          </a:p>
+          <a:p>
+            <a:pPr marL="285750" indent="-285750">
+              <a:buFont typeface="Arial" panose="020B0604020202020204" pitchFamily="34" charset="0"/>
+              <a:buChar char="•"/>
+            </a:pPr>
+            <a:r>
+              <a:rPr lang="en-US" dirty="0">
+                <a:cs typeface="Times New Roman" panose="02020603050405020304" pitchFamily="18" charset="0"/>
+              </a:rPr>
+              <a:t>Why are these two queries separated? </a:t>
+            </a:r>
+          </a:p>
+          <a:p>
+            <a:pPr marL="269875"/>
+            <a:r>
+              <a:rPr lang="en-US" dirty="0">
+                <a:cs typeface="Times New Roman" panose="02020603050405020304" pitchFamily="18" charset="0"/>
+              </a:rPr>
+              <a:t>Because I personally want to answer the first and second problems in the entire span of time. This is done in order to see what happened and how the picture or outline of the company's situation.</a:t>
+            </a:r>
+          </a:p>
+          <a:p>
+            <a:pPr marL="269875"/>
+            <a:r>
+              <a:rPr lang="en-US" dirty="0">
+                <a:cs typeface="Times New Roman" panose="02020603050405020304" pitchFamily="18" charset="0"/>
+              </a:rPr>
+              <a:t>And to answer another problem, I use a more specific time, starting in 2017. </a:t>
+            </a:r>
+          </a:p>
+          <a:p>
+            <a:pPr marL="269875"/>
+            <a:r>
+              <a:rPr lang="en-US" dirty="0">
+                <a:cs typeface="Times New Roman" panose="02020603050405020304" pitchFamily="18" charset="0"/>
+              </a:rPr>
+              <a:t>	Why did I choose this range? </a:t>
+            </a:r>
+          </a:p>
+          <a:p>
+            <a:pPr marL="269875"/>
+            <a:r>
+              <a:rPr lang="en-US" dirty="0">
+                <a:cs typeface="Times New Roman" panose="02020603050405020304" pitchFamily="18" charset="0"/>
+              </a:rPr>
+              <a:t>	Will be answered in the second </a:t>
+            </a:r>
+            <a:r>
+              <a:rPr lang="en-US" dirty="0" err="1">
+                <a:cs typeface="Times New Roman" panose="02020603050405020304" pitchFamily="18" charset="0"/>
+              </a:rPr>
+              <a:t>probem</a:t>
+            </a:r>
+            <a:r>
+              <a:rPr lang="en-US" dirty="0">
+                <a:cs typeface="Times New Roman" panose="02020603050405020304" pitchFamily="18" charset="0"/>
+              </a:rPr>
+              <a:t> later.</a:t>
+            </a:r>
+          </a:p>
+        </p:txBody>
+      </p:sp>
+      <p:sp>
+        <p:nvSpPr>
+          <p:cNvPr id="10" name="Title 1">
+            <a:extLst>
+              <a:ext uri="{FF2B5EF4-FFF2-40B4-BE49-F238E27FC236}">
+                <a16:creationId xmlns:a16="http://schemas.microsoft.com/office/drawing/2014/main" id="{12EE7128-FC01-4709-6F16-E8F70D23158E}"/>
+              </a:ext>
+            </a:extLst>
+          </p:cNvPr>
+          <p:cNvSpPr>
+            <a:spLocks noGrp="1"/>
+          </p:cNvSpPr>
+          <p:nvPr>
+            <p:ph type="title"/>
+          </p:nvPr>
+        </p:nvSpPr>
+        <p:spPr>
+          <a:xfrm>
+            <a:off x="1066800" y="336134"/>
+            <a:ext cx="10058400" cy="760078"/>
+          </a:xfrm>
+        </p:spPr>
+        <p:txBody>
+          <a:bodyPr>
+            <a:normAutofit/>
+          </a:bodyPr>
+          <a:lstStyle/>
+          <a:p>
+            <a:pPr rtl="0">
+              <a:spcBef>
+                <a:spcPts val="0"/>
+              </a:spcBef>
+              <a:spcAft>
+                <a:spcPts val="0"/>
+              </a:spcAft>
+            </a:pPr>
+            <a:r>
+              <a:rPr lang="en-ID" sz="3200" b="0" i="0" u="none" strike="noStrike" dirty="0">
+                <a:solidFill>
+                  <a:schemeClr val="tx1"/>
+                </a:solidFill>
+                <a:effectLst/>
+                <a:latin typeface="+mn-lt"/>
+              </a:rPr>
+              <a:t>Exploring Data</a:t>
+            </a:r>
+            <a:endParaRPr lang="en-ID" sz="7200" dirty="0">
+              <a:solidFill>
+                <a:schemeClr val="tx1"/>
+              </a:solidFill>
+              <a:latin typeface="+mn-lt"/>
+            </a:endParaRPr>
+          </a:p>
+        </p:txBody>
+      </p:sp>
+      <p:sp>
+        <p:nvSpPr>
+          <p:cNvPr id="5" name="Title 1">
+            <a:extLst>
+              <a:ext uri="{FF2B5EF4-FFF2-40B4-BE49-F238E27FC236}">
+                <a16:creationId xmlns:a16="http://schemas.microsoft.com/office/drawing/2014/main" id="{5D7D54B7-F571-E107-259A-8872AEA91E78}"/>
               </a:ext>
             </a:extLst>
           </p:cNvPr>
@@ -7115,7 +6773,7 @@
         </p:nvSpPr>
         <p:spPr>
           <a:xfrm>
-            <a:off x="1066800" y="852230"/>
+            <a:off x="1066800" y="948930"/>
             <a:ext cx="10058400" cy="760078"/>
           </a:xfrm>
           <a:prstGeom prst="rect">
@@ -7159,58 +6817,37 @@
               </a:spcAft>
             </a:pPr>
             <a:r>
-              <a:rPr lang="en-ID" sz="2400" b="0" i="0" u="none" strike="noStrike" dirty="0">
+              <a:rPr lang="en-ID" sz="2400" dirty="0">
                 <a:solidFill>
                   <a:schemeClr val="tx1"/>
                 </a:solidFill>
-                <a:effectLst/>
-                <a:latin typeface="Nunito" pitchFamily="2" charset="0"/>
-              </a:rPr>
-              <a:t>SQL &amp; DATA VISUALIZATION</a:t>
+                <a:latin typeface="+mn-lt"/>
+              </a:rPr>
+              <a:t>Include SQL with </a:t>
+            </a:r>
+            <a:r>
+              <a:rPr lang="en-ID" sz="2400" dirty="0" err="1">
+                <a:solidFill>
+                  <a:schemeClr val="tx1"/>
+                </a:solidFill>
+                <a:latin typeface="+mn-lt"/>
+              </a:rPr>
+              <a:t>BigQuery</a:t>
             </a:r>
             <a:endParaRPr lang="en-ID" sz="1400" b="0" dirty="0">
               <a:solidFill>
                 <a:schemeClr val="tx1"/>
               </a:solidFill>
               <a:effectLst/>
+              <a:latin typeface="+mn-lt"/>
             </a:endParaRPr>
           </a:p>
         </p:txBody>
       </p:sp>
-      <p:pic>
-        <p:nvPicPr>
-          <p:cNvPr id="3" name="Picture 2">
-            <a:extLst>
-              <a:ext uri="{FF2B5EF4-FFF2-40B4-BE49-F238E27FC236}">
-                <a16:creationId xmlns:a16="http://schemas.microsoft.com/office/drawing/2014/main" id="{1C056E4F-7705-EF5E-864A-3EE414CBDF45}"/>
-              </a:ext>
-            </a:extLst>
-          </p:cNvPr>
-          <p:cNvPicPr>
-            <a:picLocks noChangeAspect="1"/>
-          </p:cNvPicPr>
-          <p:nvPr/>
-        </p:nvPicPr>
-        <p:blipFill>
-          <a:blip r:embed="rId2"/>
-          <a:stretch>
-            <a:fillRect/>
-          </a:stretch>
-        </p:blipFill>
-        <p:spPr>
-          <a:xfrm>
-            <a:off x="299391" y="2232655"/>
-            <a:ext cx="11593217" cy="2194402"/>
-          </a:xfrm>
-          <a:prstGeom prst="rect">
-            <a:avLst/>
-          </a:prstGeom>
-        </p:spPr>
-      </p:pic>
     </p:spTree>
     <p:extLst>
       <p:ext uri="{BB962C8B-B14F-4D97-AF65-F5344CB8AC3E}">
-        <p14:creationId xmlns:p14="http://schemas.microsoft.com/office/powerpoint/2010/main" val="2970653426"/>
+        <p14:creationId xmlns:p14="http://schemas.microsoft.com/office/powerpoint/2010/main" val="1520307747"/>
       </p:ext>
     </p:extLst>
   </p:cSld>
@@ -7220,7 +6857,7 @@
 </p:sld>
 </file>
 
-<file path=ppt/slides/slide5.xml><?xml version="1.0" encoding="utf-8"?>
+<file path=ppt/slides/slide8.xml><?xml version="1.0" encoding="utf-8"?>
 <p:sld xmlns:a="http://schemas.openxmlformats.org/drawingml/2006/main" xmlns:r="http://schemas.openxmlformats.org/officeDocument/2006/relationships" xmlns:p="http://schemas.openxmlformats.org/presentationml/2006/main">
   <p:cSld>
     <p:spTree>
@@ -7239,45 +6876,6 @@
       </p:grpSpPr>
       <p:sp>
         <p:nvSpPr>
-          <p:cNvPr id="4" name="TextBox 3">
-            <a:extLst>
-              <a:ext uri="{FF2B5EF4-FFF2-40B4-BE49-F238E27FC236}">
-                <a16:creationId xmlns:a16="http://schemas.microsoft.com/office/drawing/2014/main" id="{D9A78116-DCE0-4AAF-8126-46847B70DE1A}"/>
-              </a:ext>
-            </a:extLst>
-          </p:cNvPr>
-          <p:cNvSpPr txBox="1"/>
-          <p:nvPr/>
-        </p:nvSpPr>
-        <p:spPr>
-          <a:xfrm>
-            <a:off x="1066800" y="1580701"/>
-            <a:ext cx="5315879" cy="369332"/>
-          </a:xfrm>
-          <a:prstGeom prst="rect">
-            <a:avLst/>
-          </a:prstGeom>
-          <a:noFill/>
-        </p:spPr>
-        <p:txBody>
-          <a:bodyPr wrap="none" rtlCol="0">
-            <a:spAutoFit/>
-          </a:bodyPr>
-          <a:lstStyle/>
-          <a:p>
-            <a:r>
-              <a:rPr lang="en-US" dirty="0">
-                <a:latin typeface="Nunito" pitchFamily="2" charset="0"/>
-                <a:cs typeface="Times New Roman" panose="02020603050405020304" pitchFamily="18" charset="0"/>
-              </a:rPr>
-              <a:t>List down 3 trends/points that you want to show	:</a:t>
-            </a:r>
-            <a:endParaRPr lang="en-ID" dirty="0"/>
-          </a:p>
-        </p:txBody>
-      </p:sp>
-      <p:sp>
-        <p:nvSpPr>
           <p:cNvPr id="10" name="Title 1">
             <a:extLst>
               <a:ext uri="{FF2B5EF4-FFF2-40B4-BE49-F238E27FC236}">
@@ -7318,24 +6916,25 @@
                   <a:schemeClr val="tx1"/>
                 </a:solidFill>
                 <a:effectLst/>
-                <a:latin typeface="Nunito" panose="020B0604020202020204" pitchFamily="2" charset="0"/>
-              </a:rPr>
-              <a:t>Case Study</a:t>
+                <a:latin typeface="+mn-lt"/>
+              </a:rPr>
+              <a:t>Exploring Data</a:t>
             </a:r>
             <a:endParaRPr lang="en-ID" sz="7200" dirty="0">
               <a:solidFill>
                 <a:schemeClr val="tx1"/>
               </a:solidFill>
+              <a:latin typeface="+mn-lt"/>
             </a:endParaRPr>
           </a:p>
         </p:txBody>
       </p:sp>
       <p:sp>
         <p:nvSpPr>
-          <p:cNvPr id="13" name="Title 1">
+          <p:cNvPr id="5" name="Title 1">
             <a:extLst>
               <a:ext uri="{FF2B5EF4-FFF2-40B4-BE49-F238E27FC236}">
-                <a16:creationId xmlns:a16="http://schemas.microsoft.com/office/drawing/2014/main" id="{114194E1-6887-C4BB-C88A-3D2A2A9BF1AC}"/>
+                <a16:creationId xmlns:a16="http://schemas.microsoft.com/office/drawing/2014/main" id="{5D7D54B7-F571-E107-259A-8872AEA91E78}"/>
               </a:ext>
             </a:extLst>
           </p:cNvPr>
@@ -7346,7 +6945,7 @@
         </p:nvSpPr>
         <p:spPr>
           <a:xfrm>
-            <a:off x="1066800" y="852230"/>
+            <a:off x="1066800" y="948930"/>
             <a:ext cx="10058400" cy="760078"/>
           </a:xfrm>
           <a:prstGeom prst="rect">
@@ -7390,20 +6989,29 @@
               </a:spcAft>
             </a:pPr>
             <a:r>
-              <a:rPr lang="en-ID" sz="2400" b="0" i="0" u="none" strike="noStrike" dirty="0">
+              <a:rPr lang="en-ID" sz="2400" dirty="0">
                 <a:solidFill>
                   <a:schemeClr val="tx1"/>
                 </a:solidFill>
-                <a:effectLst/>
-                <a:latin typeface="Nunito" pitchFamily="2" charset="0"/>
-              </a:rPr>
-              <a:t>SQL &amp; DATA VISUALIZATION</a:t>
+                <a:latin typeface="+mn-lt"/>
+              </a:rPr>
+              <a:t>Include SQL with </a:t>
+            </a:r>
+            <a:r>
+              <a:rPr lang="en-ID" sz="2400" dirty="0" err="1">
+                <a:solidFill>
+                  <a:schemeClr val="tx1"/>
+                </a:solidFill>
+                <a:latin typeface="+mn-lt"/>
+              </a:rPr>
+              <a:t>BigQuery</a:t>
             </a:r>
             <a:endParaRPr lang="en-ID" sz="1400" b="0" dirty="0">
               <a:solidFill>
                 <a:schemeClr val="tx1"/>
               </a:solidFill>
               <a:effectLst/>
+              <a:latin typeface="+mn-lt"/>
             </a:endParaRPr>
           </a:p>
         </p:txBody>
@@ -7413,7 +7021,7 @@
           <p:cNvPr id="14" name="TextBox 13">
             <a:extLst>
               <a:ext uri="{FF2B5EF4-FFF2-40B4-BE49-F238E27FC236}">
-                <a16:creationId xmlns:a16="http://schemas.microsoft.com/office/drawing/2014/main" id="{4BDECECA-E7DD-54DB-5824-0C89AD2313C3}"/>
+                <a16:creationId xmlns:a16="http://schemas.microsoft.com/office/drawing/2014/main" id="{CFA15252-1A40-26C3-7000-2E0EAF14F181}"/>
               </a:ext>
             </a:extLst>
           </p:cNvPr>
@@ -7422,8 +7030,8 @@
         </p:nvSpPr>
         <p:spPr>
           <a:xfrm>
-            <a:off x="1066800" y="2096797"/>
-            <a:ext cx="8610049" cy="1304203"/>
+            <a:off x="768221" y="1784568"/>
+            <a:ext cx="10058400" cy="369332"/>
           </a:xfrm>
           <a:prstGeom prst="rect">
             <a:avLst/>
@@ -7431,65 +7039,136 @@
           <a:noFill/>
         </p:spPr>
         <p:txBody>
-          <a:bodyPr wrap="none" rtlCol="0">
+          <a:bodyPr wrap="square" rtlCol="0">
             <a:spAutoFit/>
           </a:bodyPr>
           <a:lstStyle/>
           <a:p>
             <a:pPr marL="342900" indent="-342900">
-              <a:lnSpc>
-                <a:spcPct val="150000"/>
-              </a:lnSpc>
+              <a:buFont typeface="+mj-lt"/>
               <a:buAutoNum type="arabicPeriod"/>
             </a:pPr>
             <a:r>
               <a:rPr lang="en-US" dirty="0">
-                <a:latin typeface="Nunito" pitchFamily="2" charset="0"/>
                 <a:cs typeface="Times New Roman" panose="02020603050405020304" pitchFamily="18" charset="0"/>
               </a:rPr>
-              <a:t>Number of trips per month</a:t>
-            </a:r>
-          </a:p>
-          <a:p>
-            <a:pPr marL="342900" indent="-342900">
-              <a:lnSpc>
-                <a:spcPct val="150000"/>
-              </a:lnSpc>
-              <a:buAutoNum type="arabicPeriod"/>
-            </a:pPr>
+              <a:t>First Query</a:t>
+            </a:r>
+          </a:p>
+        </p:txBody>
+      </p:sp>
+      <p:pic>
+        <p:nvPicPr>
+          <p:cNvPr id="15" name="Picture 14">
+            <a:extLst>
+              <a:ext uri="{FF2B5EF4-FFF2-40B4-BE49-F238E27FC236}">
+                <a16:creationId xmlns:a16="http://schemas.microsoft.com/office/drawing/2014/main" id="{78916F5F-0D00-12CB-007C-0A71192068ED}"/>
+              </a:ext>
+            </a:extLst>
+          </p:cNvPr>
+          <p:cNvPicPr>
+            <a:picLocks noChangeAspect="1"/>
+          </p:cNvPicPr>
+          <p:nvPr/>
+        </p:nvPicPr>
+        <p:blipFill>
+          <a:blip r:embed="rId2"/>
+          <a:stretch>
+            <a:fillRect/>
+          </a:stretch>
+        </p:blipFill>
+        <p:spPr>
+          <a:xfrm>
+            <a:off x="1212979" y="2198031"/>
+            <a:ext cx="5920926" cy="1534214"/>
+          </a:xfrm>
+          <a:prstGeom prst="rect">
+            <a:avLst/>
+          </a:prstGeom>
+          <a:ln>
+            <a:solidFill>
+              <a:schemeClr val="tx1"/>
+            </a:solidFill>
+          </a:ln>
+        </p:spPr>
+      </p:pic>
+      <p:pic>
+        <p:nvPicPr>
+          <p:cNvPr id="7" name="Picture 6">
+            <a:extLst>
+              <a:ext uri="{FF2B5EF4-FFF2-40B4-BE49-F238E27FC236}">
+                <a16:creationId xmlns:a16="http://schemas.microsoft.com/office/drawing/2014/main" id="{970096C6-07D7-88B8-9390-2AABE05250AB}"/>
+              </a:ext>
+            </a:extLst>
+          </p:cNvPr>
+          <p:cNvPicPr>
+            <a:picLocks noChangeAspect="1"/>
+          </p:cNvPicPr>
+          <p:nvPr/>
+        </p:nvPicPr>
+        <p:blipFill>
+          <a:blip r:embed="rId3"/>
+          <a:stretch>
+            <a:fillRect/>
+          </a:stretch>
+        </p:blipFill>
+        <p:spPr>
+          <a:xfrm>
+            <a:off x="1212979" y="3839394"/>
+            <a:ext cx="7838098" cy="2748018"/>
+          </a:xfrm>
+          <a:prstGeom prst="rect">
+            <a:avLst/>
+          </a:prstGeom>
+          <a:ln>
+            <a:solidFill>
+              <a:schemeClr val="tx1"/>
+            </a:solidFill>
+          </a:ln>
+        </p:spPr>
+      </p:pic>
+      <p:sp>
+        <p:nvSpPr>
+          <p:cNvPr id="8" name="TextBox 7">
+            <a:extLst>
+              <a:ext uri="{FF2B5EF4-FFF2-40B4-BE49-F238E27FC236}">
+                <a16:creationId xmlns:a16="http://schemas.microsoft.com/office/drawing/2014/main" id="{BDB6FB77-BB90-3832-C398-34FAAE2D039D}"/>
+              </a:ext>
+            </a:extLst>
+          </p:cNvPr>
+          <p:cNvSpPr txBox="1"/>
+          <p:nvPr/>
+        </p:nvSpPr>
+        <p:spPr>
+          <a:xfrm>
+            <a:off x="7581775" y="3362913"/>
+            <a:ext cx="1795491" cy="369332"/>
+          </a:xfrm>
+          <a:prstGeom prst="rect">
+            <a:avLst/>
+          </a:prstGeom>
+          <a:noFill/>
+        </p:spPr>
+        <p:txBody>
+          <a:bodyPr wrap="square" rtlCol="0">
+            <a:spAutoFit/>
+          </a:bodyPr>
+          <a:lstStyle/>
+          <a:p>
             <a:r>
               <a:rPr lang="en-US" dirty="0">
-                <a:latin typeface="Nunito" pitchFamily="2" charset="0"/>
                 <a:cs typeface="Times New Roman" panose="02020603050405020304" pitchFamily="18" charset="0"/>
               </a:rPr>
-              <a:t>Average duration of the trips per month</a:t>
-            </a:r>
-          </a:p>
-          <a:p>
-            <a:pPr marL="342900" indent="-342900">
-              <a:lnSpc>
-                <a:spcPct val="150000"/>
-              </a:lnSpc>
-              <a:buAutoNum type="arabicPeriod"/>
-            </a:pPr>
-            <a:r>
-              <a:rPr lang="en-US" dirty="0">
-                <a:latin typeface="Nunito" pitchFamily="2" charset="0"/>
-                <a:cs typeface="Times New Roman" panose="02020603050405020304" pitchFamily="18" charset="0"/>
-              </a:rPr>
-              <a:t>From which customers do we get more revenue? (from subscriber or customer)</a:t>
-            </a:r>
-            <a:endParaRPr lang="en-ID" dirty="0">
-              <a:latin typeface="Nunito" pitchFamily="2" charset="0"/>
-              <a:cs typeface="Times New Roman" panose="02020603050405020304" pitchFamily="18" charset="0"/>
-            </a:endParaRPr>
+              <a:t>And the result :</a:t>
+            </a:r>
+            <a:endParaRPr lang="en-ID" dirty="0"/>
           </a:p>
         </p:txBody>
       </p:sp>
     </p:spTree>
     <p:extLst>
       <p:ext uri="{BB962C8B-B14F-4D97-AF65-F5344CB8AC3E}">
-        <p14:creationId xmlns:p14="http://schemas.microsoft.com/office/powerpoint/2010/main" val="1487701455"/>
+        <p14:creationId xmlns:p14="http://schemas.microsoft.com/office/powerpoint/2010/main" val="364611038"/>
       </p:ext>
     </p:extLst>
   </p:cSld>
@@ -7499,7 +7178,7 @@
 </p:sld>
 </file>
 
-<file path=ppt/slides/slide6.xml><?xml version="1.0" encoding="utf-8"?>
+<file path=ppt/slides/slide9.xml><?xml version="1.0" encoding="utf-8"?>
 <p:sld xmlns:a="http://schemas.openxmlformats.org/drawingml/2006/main" xmlns:r="http://schemas.openxmlformats.org/officeDocument/2006/relationships" xmlns:p="http://schemas.openxmlformats.org/presentationml/2006/main">
   <p:cSld>
     <p:spTree>
@@ -7558,24 +7237,25 @@
                   <a:schemeClr val="tx1"/>
                 </a:solidFill>
                 <a:effectLst/>
-                <a:latin typeface="Nunito" panose="020B0604020202020204" pitchFamily="2" charset="0"/>
-              </a:rPr>
-              <a:t>Case Study</a:t>
+                <a:latin typeface="+mn-lt"/>
+              </a:rPr>
+              <a:t>Exploring Data</a:t>
             </a:r>
             <a:endParaRPr lang="en-ID" sz="7200" dirty="0">
               <a:solidFill>
                 <a:schemeClr val="tx1"/>
               </a:solidFill>
+              <a:latin typeface="+mn-lt"/>
             </a:endParaRPr>
           </a:p>
         </p:txBody>
       </p:sp>
       <p:sp>
         <p:nvSpPr>
-          <p:cNvPr id="13" name="Title 1">
+          <p:cNvPr id="5" name="Title 1">
             <a:extLst>
               <a:ext uri="{FF2B5EF4-FFF2-40B4-BE49-F238E27FC236}">
-                <a16:creationId xmlns:a16="http://schemas.microsoft.com/office/drawing/2014/main" id="{114194E1-6887-C4BB-C88A-3D2A2A9BF1AC}"/>
+                <a16:creationId xmlns:a16="http://schemas.microsoft.com/office/drawing/2014/main" id="{5D7D54B7-F571-E107-259A-8872AEA91E78}"/>
               </a:ext>
             </a:extLst>
           </p:cNvPr>
@@ -7586,7 +7266,7 @@
         </p:nvSpPr>
         <p:spPr>
           <a:xfrm>
-            <a:off x="1066800" y="852230"/>
+            <a:off x="1066800" y="948930"/>
             <a:ext cx="10058400" cy="760078"/>
           </a:xfrm>
           <a:prstGeom prst="rect">
@@ -7630,20 +7310,29 @@
               </a:spcAft>
             </a:pPr>
             <a:r>
-              <a:rPr lang="en-ID" sz="2400" b="0" i="0" u="none" strike="noStrike" dirty="0">
+              <a:rPr lang="en-ID" sz="2400" dirty="0">
                 <a:solidFill>
                   <a:schemeClr val="tx1"/>
                 </a:solidFill>
-                <a:effectLst/>
-                <a:latin typeface="Nunito" pitchFamily="2" charset="0"/>
-              </a:rPr>
-              <a:t>SQL &amp; DATA VISUALIZATION</a:t>
+                <a:latin typeface="+mn-lt"/>
+              </a:rPr>
+              <a:t>Include SQL with </a:t>
+            </a:r>
+            <a:r>
+              <a:rPr lang="en-ID" sz="2400" dirty="0" err="1">
+                <a:solidFill>
+                  <a:schemeClr val="tx1"/>
+                </a:solidFill>
+                <a:latin typeface="+mn-lt"/>
+              </a:rPr>
+              <a:t>BigQuery</a:t>
             </a:r>
             <a:endParaRPr lang="en-ID" sz="1400" b="0" dirty="0">
               <a:solidFill>
                 <a:schemeClr val="tx1"/>
               </a:solidFill>
               <a:effectLst/>
+              <a:latin typeface="+mn-lt"/>
             </a:endParaRPr>
           </a:p>
         </p:txBody>
@@ -7653,7 +7342,7 @@
           <p:cNvPr id="14" name="TextBox 13">
             <a:extLst>
               <a:ext uri="{FF2B5EF4-FFF2-40B4-BE49-F238E27FC236}">
-                <a16:creationId xmlns:a16="http://schemas.microsoft.com/office/drawing/2014/main" id="{4BDECECA-E7DD-54DB-5824-0C89AD2313C3}"/>
+                <a16:creationId xmlns:a16="http://schemas.microsoft.com/office/drawing/2014/main" id="{CFA15252-1A40-26C3-7000-2E0EAF14F181}"/>
               </a:ext>
             </a:extLst>
           </p:cNvPr>
@@ -7662,8 +7351,8 @@
         </p:nvSpPr>
         <p:spPr>
           <a:xfrm>
-            <a:off x="506963" y="1522651"/>
-            <a:ext cx="3284874" cy="473206"/>
+            <a:off x="768221" y="1784568"/>
+            <a:ext cx="10058400" cy="369332"/>
           </a:xfrm>
           <a:prstGeom prst="rect">
             <a:avLst/>
@@ -7671,37 +7360,26 @@
           <a:noFill/>
         </p:spPr>
         <p:txBody>
-          <a:bodyPr wrap="none" rtlCol="0">
+          <a:bodyPr wrap="square" rtlCol="0">
             <a:spAutoFit/>
           </a:bodyPr>
           <a:lstStyle/>
           <a:p>
-            <a:pPr marL="342900" indent="-342900">
-              <a:lnSpc>
-                <a:spcPct val="150000"/>
-              </a:lnSpc>
-              <a:buAutoNum type="arabicPeriod"/>
-            </a:pPr>
             <a:r>
               <a:rPr lang="en-US" dirty="0">
-                <a:latin typeface="Nunito" pitchFamily="2" charset="0"/>
                 <a:cs typeface="Times New Roman" panose="02020603050405020304" pitchFamily="18" charset="0"/>
               </a:rPr>
-              <a:t>Number of trips per month</a:t>
-            </a:r>
-            <a:endParaRPr lang="en-ID" dirty="0">
-              <a:latin typeface="Nunito" pitchFamily="2" charset="0"/>
-              <a:cs typeface="Times New Roman" panose="02020603050405020304" pitchFamily="18" charset="0"/>
-            </a:endParaRPr>
+              <a:t>2.	Second Query</a:t>
+            </a:r>
           </a:p>
         </p:txBody>
       </p:sp>
       <p:pic>
         <p:nvPicPr>
-          <p:cNvPr id="6" name="Picture 5">
+          <p:cNvPr id="8" name="Picture 7">
             <a:extLst>
               <a:ext uri="{FF2B5EF4-FFF2-40B4-BE49-F238E27FC236}">
-                <a16:creationId xmlns:a16="http://schemas.microsoft.com/office/drawing/2014/main" id="{6B1B91BF-6050-B441-1959-DF7F8FB8D1C0}"/>
+                <a16:creationId xmlns:a16="http://schemas.microsoft.com/office/drawing/2014/main" id="{ED830E84-C36E-B4DB-1478-E63481779E22}"/>
               </a:ext>
             </a:extLst>
           </p:cNvPr>
@@ -7718,414 +7396,25 @@
         </p:blipFill>
         <p:spPr>
           <a:xfrm>
-            <a:off x="4230489" y="1612308"/>
-            <a:ext cx="7581876" cy="4734384"/>
+            <a:off x="1212977" y="2250031"/>
+            <a:ext cx="6199253" cy="1662938"/>
           </a:xfrm>
           <a:prstGeom prst="rect">
             <a:avLst/>
           </a:prstGeom>
+          <a:ln>
+            <a:solidFill>
+              <a:schemeClr val="tx1"/>
+            </a:solidFill>
+          </a:ln>
         </p:spPr>
       </p:pic>
-      <p:sp>
-        <p:nvSpPr>
-          <p:cNvPr id="11" name="TextBox 10">
+      <p:pic>
+        <p:nvPicPr>
+          <p:cNvPr id="9" name="Picture 8">
             <a:extLst>
               <a:ext uri="{FF2B5EF4-FFF2-40B4-BE49-F238E27FC236}">
-                <a16:creationId xmlns:a16="http://schemas.microsoft.com/office/drawing/2014/main" id="{1EB309BE-2220-0C60-A1F5-369624B55D82}"/>
-              </a:ext>
-            </a:extLst>
-          </p:cNvPr>
-          <p:cNvSpPr txBox="1"/>
-          <p:nvPr/>
-        </p:nvSpPr>
-        <p:spPr>
-          <a:xfrm>
-            <a:off x="877078" y="2038747"/>
-            <a:ext cx="3284874" cy="3539430"/>
-          </a:xfrm>
-          <a:prstGeom prst="rect">
-            <a:avLst/>
-          </a:prstGeom>
-          <a:noFill/>
-        </p:spPr>
-        <p:txBody>
-          <a:bodyPr wrap="square" rtlCol="0">
-            <a:spAutoFit/>
-          </a:bodyPr>
-          <a:lstStyle/>
-          <a:p>
-            <a:pPr marL="285750" indent="-285750">
-              <a:buFont typeface="Arial" panose="020B0604020202020204" pitchFamily="34" charset="0"/>
-              <a:buChar char="•"/>
-            </a:pPr>
-            <a:r>
-              <a:rPr lang="en-US" sz="1600" dirty="0">
-                <a:latin typeface="Nunito" pitchFamily="2" charset="0"/>
-                <a:cs typeface="Times New Roman" panose="02020603050405020304" pitchFamily="18" charset="0"/>
-              </a:rPr>
-              <a:t>This diagram shows the number of trips per month at each station. </a:t>
-            </a:r>
-          </a:p>
-          <a:p>
-            <a:pPr marL="285750" indent="-285750">
-              <a:buFont typeface="Arial" panose="020B0604020202020204" pitchFamily="34" charset="0"/>
-              <a:buChar char="•"/>
-            </a:pPr>
-            <a:r>
-              <a:rPr lang="en-US" sz="1600" dirty="0">
-                <a:latin typeface="Nunito" pitchFamily="2" charset="0"/>
-                <a:cs typeface="Times New Roman" panose="02020603050405020304" pitchFamily="18" charset="0"/>
-              </a:rPr>
-              <a:t>We can say that :</a:t>
-            </a:r>
-          </a:p>
-          <a:p>
-            <a:pPr marL="285750" indent="-285750">
-              <a:buFont typeface="Arial" panose="020B0604020202020204" pitchFamily="34" charset="0"/>
-              <a:buChar char="•"/>
-            </a:pPr>
-            <a:r>
-              <a:rPr lang="en-US" sz="1600" dirty="0">
-                <a:latin typeface="Nunito" pitchFamily="2" charset="0"/>
-                <a:cs typeface="Times New Roman" panose="02020603050405020304" pitchFamily="18" charset="0"/>
-              </a:rPr>
-              <a:t>Where Market at Sansome station has the highest number of trips per month than any other station.</a:t>
-            </a:r>
-          </a:p>
-          <a:p>
-            <a:pPr marL="285750" indent="-285750">
-              <a:buFont typeface="Arial" panose="020B0604020202020204" pitchFamily="34" charset="0"/>
-              <a:buChar char="•"/>
-            </a:pPr>
-            <a:r>
-              <a:rPr lang="en-US" sz="1600" dirty="0">
-                <a:latin typeface="Nunito" pitchFamily="2" charset="0"/>
-                <a:cs typeface="Times New Roman" panose="02020603050405020304" pitchFamily="18" charset="0"/>
-              </a:rPr>
-              <a:t>Every year in the end of the year, the users of this San Francisco bikeshare service are decreasing.</a:t>
-            </a:r>
-          </a:p>
-          <a:p>
-            <a:pPr marL="285750" indent="-285750">
-              <a:buFont typeface="Arial" panose="020B0604020202020204" pitchFamily="34" charset="0"/>
-              <a:buChar char="•"/>
-            </a:pPr>
-            <a:r>
-              <a:rPr lang="en-US" sz="1600" dirty="0">
-                <a:latin typeface="Nunito" pitchFamily="2" charset="0"/>
-                <a:cs typeface="Times New Roman" panose="02020603050405020304" pitchFamily="18" charset="0"/>
-              </a:rPr>
-              <a:t>And in October 2014, had the most number of trips.</a:t>
-            </a:r>
-            <a:endParaRPr lang="en-ID" sz="1600" dirty="0">
-              <a:latin typeface="Nunito" pitchFamily="2" charset="0"/>
-              <a:cs typeface="Times New Roman" panose="02020603050405020304" pitchFamily="18" charset="0"/>
-            </a:endParaRPr>
-          </a:p>
-        </p:txBody>
-      </p:sp>
-    </p:spTree>
-    <p:extLst>
-      <p:ext uri="{BB962C8B-B14F-4D97-AF65-F5344CB8AC3E}">
-        <p14:creationId xmlns:p14="http://schemas.microsoft.com/office/powerpoint/2010/main" val="580745324"/>
-      </p:ext>
-    </p:extLst>
-  </p:cSld>
-  <p:clrMapOvr>
-    <a:masterClrMapping/>
-  </p:clrMapOvr>
-</p:sld>
-</file>
-
-<file path=ppt/slides/slide7.xml><?xml version="1.0" encoding="utf-8"?>
-<p:sld xmlns:a="http://schemas.openxmlformats.org/drawingml/2006/main" xmlns:r="http://schemas.openxmlformats.org/officeDocument/2006/relationships" xmlns:p="http://schemas.openxmlformats.org/presentationml/2006/main" show="0">
-  <p:cSld>
-    <p:spTree>
-      <p:nvGrpSpPr>
-        <p:cNvPr id="1" name=""/>
-        <p:cNvGrpSpPr/>
-        <p:nvPr/>
-      </p:nvGrpSpPr>
-      <p:grpSpPr>
-        <a:xfrm>
-          <a:off x="0" y="0"/>
-          <a:ext cx="0" cy="0"/>
-          <a:chOff x="0" y="0"/>
-          <a:chExt cx="0" cy="0"/>
-        </a:xfrm>
-      </p:grpSpPr>
-      <p:sp>
-        <p:nvSpPr>
-          <p:cNvPr id="10" name="Title 1">
-            <a:extLst>
-              <a:ext uri="{FF2B5EF4-FFF2-40B4-BE49-F238E27FC236}">
-                <a16:creationId xmlns:a16="http://schemas.microsoft.com/office/drawing/2014/main" id="{12EE7128-FC01-4709-6F16-E8F70D23158E}"/>
-              </a:ext>
-            </a:extLst>
-          </p:cNvPr>
-          <p:cNvSpPr>
-            <a:spLocks noGrp="1"/>
-          </p:cNvSpPr>
-          <p:nvPr>
-            <p:ph type="title"/>
-          </p:nvPr>
-        </p:nvSpPr>
-        <p:spPr>
-          <a:xfrm>
-            <a:off x="1066800" y="336134"/>
-            <a:ext cx="10058400" cy="760078"/>
-          </a:xfrm>
-        </p:spPr>
-        <p:txBody>
-          <a:bodyPr>
-            <a:normAutofit/>
-          </a:bodyPr>
-          <a:lstStyle/>
-          <a:p>
-            <a:pPr rtl="0">
-              <a:spcBef>
-                <a:spcPts val="0"/>
-              </a:spcBef>
-              <a:spcAft>
-                <a:spcPts val="0"/>
-              </a:spcAft>
-            </a:pPr>
-            <a:r>
-              <a:rPr lang="en-ID" sz="3200" b="0" i="0" u="none" strike="noStrike" dirty="0">
-                <a:solidFill>
-                  <a:schemeClr val="tx1"/>
-                </a:solidFill>
-                <a:effectLst/>
-                <a:latin typeface="Nunito" panose="020B0604020202020204" pitchFamily="2" charset="0"/>
-              </a:rPr>
-              <a:t>Case Study</a:t>
-            </a:r>
-            <a:endParaRPr lang="en-ID" sz="7200" dirty="0">
-              <a:solidFill>
-                <a:schemeClr val="tx1"/>
-              </a:solidFill>
-            </a:endParaRPr>
-          </a:p>
-        </p:txBody>
-      </p:sp>
-      <p:sp>
-        <p:nvSpPr>
-          <p:cNvPr id="13" name="Title 1">
-            <a:extLst>
-              <a:ext uri="{FF2B5EF4-FFF2-40B4-BE49-F238E27FC236}">
-                <a16:creationId xmlns:a16="http://schemas.microsoft.com/office/drawing/2014/main" id="{114194E1-6887-C4BB-C88A-3D2A2A9BF1AC}"/>
-              </a:ext>
-            </a:extLst>
-          </p:cNvPr>
-          <p:cNvSpPr txBox="1">
-            <a:spLocks/>
-          </p:cNvSpPr>
-          <p:nvPr/>
-        </p:nvSpPr>
-        <p:spPr>
-          <a:xfrm>
-            <a:off x="1066800" y="852230"/>
-            <a:ext cx="10058400" cy="760078"/>
-          </a:xfrm>
-          <a:prstGeom prst="rect">
-            <a:avLst/>
-          </a:prstGeom>
-        </p:spPr>
-        <p:txBody>
-          <a:bodyPr vert="horz" lIns="91440" tIns="45720" rIns="91440" bIns="45720" rtlCol="0" anchor="ctr">
-            <a:normAutofit/>
-          </a:bodyPr>
-          <a:lstStyle>
-            <a:lvl1pPr algn="l" defTabSz="914400" rtl="0" eaLnBrk="1" latinLnBrk="0" hangingPunct="1">
-              <a:lnSpc>
-                <a:spcPct val="90000"/>
-              </a:lnSpc>
-              <a:spcBef>
-                <a:spcPct val="0"/>
-              </a:spcBef>
-              <a:buNone/>
-              <a:defRPr lang="en-US" sz="4800" kern="1200" cap="none" spc="0" baseline="0" dirty="0">
-                <a:solidFill>
-                  <a:schemeClr val="tx1">
-                    <a:lumMod val="85000"/>
-                    <a:lumOff val="15000"/>
-                  </a:schemeClr>
-                </a:solidFill>
-                <a:effectLst/>
-                <a:latin typeface="+mj-lt"/>
-                <a:ea typeface="+mn-ea"/>
-                <a:cs typeface="+mn-cs"/>
-              </a:defRPr>
-            </a:lvl1pPr>
-          </a:lstStyle>
-          <a:p>
-            <a:pPr rtl="0">
-              <a:spcBef>
-                <a:spcPts val="0"/>
-              </a:spcBef>
-              <a:spcAft>
-                <a:spcPts val="0"/>
-              </a:spcAft>
-            </a:pPr>
-            <a:r>
-              <a:rPr lang="en-ID" sz="2400" b="0" i="0" u="none" strike="noStrike" dirty="0">
-                <a:solidFill>
-                  <a:schemeClr val="tx1"/>
-                </a:solidFill>
-                <a:effectLst/>
-                <a:latin typeface="Nunito" pitchFamily="2" charset="0"/>
-              </a:rPr>
-              <a:t>SQL &amp; DATA VISUALIZATION</a:t>
-            </a:r>
-            <a:endParaRPr lang="en-ID" sz="1400" b="0" dirty="0">
-              <a:solidFill>
-                <a:schemeClr val="tx1"/>
-              </a:solidFill>
-              <a:effectLst/>
-            </a:endParaRPr>
-          </a:p>
-        </p:txBody>
-      </p:sp>
-      <p:sp>
-        <p:nvSpPr>
-          <p:cNvPr id="14" name="TextBox 13">
-            <a:extLst>
-              <a:ext uri="{FF2B5EF4-FFF2-40B4-BE49-F238E27FC236}">
-                <a16:creationId xmlns:a16="http://schemas.microsoft.com/office/drawing/2014/main" id="{4BDECECA-E7DD-54DB-5824-0C89AD2313C3}"/>
-              </a:ext>
-            </a:extLst>
-          </p:cNvPr>
-          <p:cNvSpPr txBox="1"/>
-          <p:nvPr/>
-        </p:nvSpPr>
-        <p:spPr>
-          <a:xfrm>
-            <a:off x="600269" y="1508968"/>
-            <a:ext cx="3284874" cy="473206"/>
-          </a:xfrm>
-          <a:prstGeom prst="rect">
-            <a:avLst/>
-          </a:prstGeom>
-          <a:noFill/>
-        </p:spPr>
-        <p:txBody>
-          <a:bodyPr wrap="none" rtlCol="0">
-            <a:spAutoFit/>
-          </a:bodyPr>
-          <a:lstStyle/>
-          <a:p>
-            <a:pPr marL="342900" indent="-342900">
-              <a:lnSpc>
-                <a:spcPct val="150000"/>
-              </a:lnSpc>
-              <a:buAutoNum type="arabicPeriod"/>
-            </a:pPr>
-            <a:r>
-              <a:rPr lang="en-US" dirty="0">
-                <a:latin typeface="Nunito" pitchFamily="2" charset="0"/>
-                <a:cs typeface="Times New Roman" panose="02020603050405020304" pitchFamily="18" charset="0"/>
-              </a:rPr>
-              <a:t>Number of trips per month</a:t>
-            </a:r>
-            <a:endParaRPr lang="en-ID" dirty="0">
-              <a:latin typeface="Nunito" pitchFamily="2" charset="0"/>
-              <a:cs typeface="Times New Roman" panose="02020603050405020304" pitchFamily="18" charset="0"/>
-            </a:endParaRPr>
-          </a:p>
-        </p:txBody>
-      </p:sp>
-      <p:pic>
-        <p:nvPicPr>
-          <p:cNvPr id="4" name="Picture 3">
-            <a:extLst>
-              <a:ext uri="{FF2B5EF4-FFF2-40B4-BE49-F238E27FC236}">
-                <a16:creationId xmlns:a16="http://schemas.microsoft.com/office/drawing/2014/main" id="{ABBDE091-3941-08A0-9650-D073603A424F}"/>
-              </a:ext>
-            </a:extLst>
-          </p:cNvPr>
-          <p:cNvPicPr>
-            <a:picLocks noChangeAspect="1"/>
-          </p:cNvPicPr>
-          <p:nvPr/>
-        </p:nvPicPr>
-        <p:blipFill>
-          <a:blip r:embed="rId2"/>
-          <a:stretch>
-            <a:fillRect/>
-          </a:stretch>
-        </p:blipFill>
-        <p:spPr>
-          <a:xfrm>
-            <a:off x="989044" y="2422473"/>
-            <a:ext cx="4960776" cy="1285422"/>
-          </a:xfrm>
-          <a:prstGeom prst="rect">
-            <a:avLst/>
-          </a:prstGeom>
-        </p:spPr>
-      </p:pic>
-      <p:sp>
-        <p:nvSpPr>
-          <p:cNvPr id="8" name="TextBox 7">
-            <a:extLst>
-              <a:ext uri="{FF2B5EF4-FFF2-40B4-BE49-F238E27FC236}">
-                <a16:creationId xmlns:a16="http://schemas.microsoft.com/office/drawing/2014/main" id="{4933D6BD-2E35-7377-4016-88306D6CB04C}"/>
-              </a:ext>
-            </a:extLst>
-          </p:cNvPr>
-          <p:cNvSpPr txBox="1"/>
-          <p:nvPr/>
-        </p:nvSpPr>
-        <p:spPr>
-          <a:xfrm>
-            <a:off x="989044" y="2052607"/>
-            <a:ext cx="4198775" cy="338554"/>
-          </a:xfrm>
-          <a:prstGeom prst="rect">
-            <a:avLst/>
-          </a:prstGeom>
-          <a:noFill/>
-        </p:spPr>
-        <p:txBody>
-          <a:bodyPr wrap="square" rtlCol="0">
-            <a:spAutoFit/>
-          </a:bodyPr>
-          <a:lstStyle/>
-          <a:p>
-            <a:r>
-              <a:rPr lang="en-US" sz="1600" dirty="0">
-                <a:latin typeface="Nunito" pitchFamily="2" charset="0"/>
-                <a:cs typeface="Times New Roman" panose="02020603050405020304" pitchFamily="18" charset="0"/>
-              </a:rPr>
-              <a:t>Query : with </a:t>
-            </a:r>
-            <a:r>
-              <a:rPr lang="en-US" sz="1600" dirty="0" err="1">
-                <a:latin typeface="Nunito" pitchFamily="2" charset="0"/>
-                <a:cs typeface="Times New Roman" panose="02020603050405020304" pitchFamily="18" charset="0"/>
-              </a:rPr>
-              <a:t>BigQuery</a:t>
-            </a:r>
-            <a:r>
-              <a:rPr lang="en-US" sz="1600" dirty="0">
-                <a:latin typeface="Nunito" pitchFamily="2" charset="0"/>
-                <a:cs typeface="Times New Roman" panose="02020603050405020304" pitchFamily="18" charset="0"/>
-              </a:rPr>
-              <a:t> – Google cloud</a:t>
-            </a:r>
-            <a:endParaRPr lang="en-ID" sz="1600" dirty="0">
-              <a:latin typeface="Nunito" pitchFamily="2" charset="0"/>
-              <a:cs typeface="Times New Roman" panose="02020603050405020304" pitchFamily="18" charset="0"/>
-            </a:endParaRPr>
-          </a:p>
-        </p:txBody>
-      </p:sp>
-      <p:pic>
-        <p:nvPicPr>
-          <p:cNvPr id="6" name="Picture 5">
-            <a:extLst>
-              <a:ext uri="{FF2B5EF4-FFF2-40B4-BE49-F238E27FC236}">
-                <a16:creationId xmlns:a16="http://schemas.microsoft.com/office/drawing/2014/main" id="{A27F1934-1B03-DC63-98A0-3199267E2966}"/>
+                <a16:creationId xmlns:a16="http://schemas.microsoft.com/office/drawing/2014/main" id="{268947C2-28DB-FA7D-0710-F50F6B927276}"/>
               </a:ext>
             </a:extLst>
           </p:cNvPr>
@@ -8142,20 +7431,25 @@
         </p:blipFill>
         <p:spPr>
           <a:xfrm>
-            <a:off x="989044" y="3839394"/>
-            <a:ext cx="7651143" cy="2682472"/>
+            <a:off x="1212976" y="4108912"/>
+            <a:ext cx="7779691" cy="2534484"/>
           </a:xfrm>
           <a:prstGeom prst="rect">
             <a:avLst/>
           </a:prstGeom>
+          <a:ln>
+            <a:solidFill>
+              <a:schemeClr val="tx1"/>
+            </a:solidFill>
+          </a:ln>
         </p:spPr>
       </p:pic>
       <p:sp>
         <p:nvSpPr>
-          <p:cNvPr id="9" name="TextBox 8">
+          <p:cNvPr id="11" name="TextBox 10">
             <a:extLst>
               <a:ext uri="{FF2B5EF4-FFF2-40B4-BE49-F238E27FC236}">
-                <a16:creationId xmlns:a16="http://schemas.microsoft.com/office/drawing/2014/main" id="{B08150DF-A672-D93B-72D5-0EF3FF46286F}"/>
+                <a16:creationId xmlns:a16="http://schemas.microsoft.com/office/drawing/2014/main" id="{DFA03A45-E85C-2B32-58BE-EEB3EBA59CC9}"/>
               </a:ext>
             </a:extLst>
           </p:cNvPr>
@@ -8164,8 +7458,8 @@
         </p:nvSpPr>
         <p:spPr>
           <a:xfrm>
-            <a:off x="6767803" y="2052607"/>
-            <a:ext cx="4198775" cy="338554"/>
+            <a:off x="7535122" y="3664020"/>
+            <a:ext cx="1795491" cy="369332"/>
           </a:xfrm>
           <a:prstGeom prst="rect">
             <a:avLst/>
@@ -8179,797 +7473,19 @@
           <a:lstStyle/>
           <a:p>
             <a:r>
-              <a:rPr lang="en-US" sz="1600" dirty="0" err="1">
-                <a:latin typeface="Nunito" pitchFamily="2" charset="0"/>
+              <a:rPr lang="en-US" dirty="0">
                 <a:cs typeface="Times New Roman" panose="02020603050405020304" pitchFamily="18" charset="0"/>
               </a:rPr>
-              <a:t>BigQuery</a:t>
-            </a:r>
-            <a:r>
-              <a:rPr lang="en-US" sz="1600" dirty="0">
-                <a:latin typeface="Nunito" pitchFamily="2" charset="0"/>
-                <a:cs typeface="Times New Roman" panose="02020603050405020304" pitchFamily="18" charset="0"/>
-              </a:rPr>
-              <a:t> Documentation – Query Syntax</a:t>
-            </a:r>
+              <a:t>And the result :</a:t>
+            </a:r>
+            <a:endParaRPr lang="en-ID" dirty="0"/>
           </a:p>
         </p:txBody>
       </p:sp>
     </p:spTree>
     <p:extLst>
       <p:ext uri="{BB962C8B-B14F-4D97-AF65-F5344CB8AC3E}">
-        <p14:creationId xmlns:p14="http://schemas.microsoft.com/office/powerpoint/2010/main" val="2901880499"/>
-      </p:ext>
-    </p:extLst>
-  </p:cSld>
-  <p:clrMapOvr>
-    <a:masterClrMapping/>
-  </p:clrMapOvr>
-</p:sld>
-</file>
-
-<file path=ppt/slides/slide8.xml><?xml version="1.0" encoding="utf-8"?>
-<p:sld xmlns:a="http://schemas.openxmlformats.org/drawingml/2006/main" xmlns:r="http://schemas.openxmlformats.org/officeDocument/2006/relationships" xmlns:p="http://schemas.openxmlformats.org/presentationml/2006/main" show="0">
-  <p:cSld>
-    <p:spTree>
-      <p:nvGrpSpPr>
-        <p:cNvPr id="1" name=""/>
-        <p:cNvGrpSpPr/>
-        <p:nvPr/>
-      </p:nvGrpSpPr>
-      <p:grpSpPr>
-        <a:xfrm>
-          <a:off x="0" y="0"/>
-          <a:ext cx="0" cy="0"/>
-          <a:chOff x="0" y="0"/>
-          <a:chExt cx="0" cy="0"/>
-        </a:xfrm>
-      </p:grpSpPr>
-      <p:sp>
-        <p:nvSpPr>
-          <p:cNvPr id="10" name="Title 1">
-            <a:extLst>
-              <a:ext uri="{FF2B5EF4-FFF2-40B4-BE49-F238E27FC236}">
-                <a16:creationId xmlns:a16="http://schemas.microsoft.com/office/drawing/2014/main" id="{12EE7128-FC01-4709-6F16-E8F70D23158E}"/>
-              </a:ext>
-            </a:extLst>
-          </p:cNvPr>
-          <p:cNvSpPr>
-            <a:spLocks noGrp="1"/>
-          </p:cNvSpPr>
-          <p:nvPr>
-            <p:ph type="title"/>
-          </p:nvPr>
-        </p:nvSpPr>
-        <p:spPr>
-          <a:xfrm>
-            <a:off x="1066800" y="336134"/>
-            <a:ext cx="10058400" cy="760078"/>
-          </a:xfrm>
-        </p:spPr>
-        <p:txBody>
-          <a:bodyPr>
-            <a:normAutofit/>
-          </a:bodyPr>
-          <a:lstStyle/>
-          <a:p>
-            <a:pPr rtl="0">
-              <a:spcBef>
-                <a:spcPts val="0"/>
-              </a:spcBef>
-              <a:spcAft>
-                <a:spcPts val="0"/>
-              </a:spcAft>
-            </a:pPr>
-            <a:r>
-              <a:rPr lang="en-ID" sz="3200" b="0" i="0" u="none" strike="noStrike" dirty="0">
-                <a:solidFill>
-                  <a:schemeClr val="tx1"/>
-                </a:solidFill>
-                <a:effectLst/>
-                <a:latin typeface="Nunito" panose="020B0604020202020204" pitchFamily="2" charset="0"/>
-              </a:rPr>
-              <a:t>Case Study</a:t>
-            </a:r>
-            <a:endParaRPr lang="en-ID" sz="7200" dirty="0">
-              <a:solidFill>
-                <a:schemeClr val="tx1"/>
-              </a:solidFill>
-            </a:endParaRPr>
-          </a:p>
-        </p:txBody>
-      </p:sp>
-      <p:sp>
-        <p:nvSpPr>
-          <p:cNvPr id="13" name="Title 1">
-            <a:extLst>
-              <a:ext uri="{FF2B5EF4-FFF2-40B4-BE49-F238E27FC236}">
-                <a16:creationId xmlns:a16="http://schemas.microsoft.com/office/drawing/2014/main" id="{114194E1-6887-C4BB-C88A-3D2A2A9BF1AC}"/>
-              </a:ext>
-            </a:extLst>
-          </p:cNvPr>
-          <p:cNvSpPr txBox="1">
-            <a:spLocks/>
-          </p:cNvSpPr>
-          <p:nvPr/>
-        </p:nvSpPr>
-        <p:spPr>
-          <a:xfrm>
-            <a:off x="1066800" y="852230"/>
-            <a:ext cx="10058400" cy="760078"/>
-          </a:xfrm>
-          <a:prstGeom prst="rect">
-            <a:avLst/>
-          </a:prstGeom>
-        </p:spPr>
-        <p:txBody>
-          <a:bodyPr vert="horz" lIns="91440" tIns="45720" rIns="91440" bIns="45720" rtlCol="0" anchor="ctr">
-            <a:normAutofit/>
-          </a:bodyPr>
-          <a:lstStyle>
-            <a:lvl1pPr algn="l" defTabSz="914400" rtl="0" eaLnBrk="1" latinLnBrk="0" hangingPunct="1">
-              <a:lnSpc>
-                <a:spcPct val="90000"/>
-              </a:lnSpc>
-              <a:spcBef>
-                <a:spcPct val="0"/>
-              </a:spcBef>
-              <a:buNone/>
-              <a:defRPr lang="en-US" sz="4800" kern="1200" cap="none" spc="0" baseline="0" dirty="0">
-                <a:solidFill>
-                  <a:schemeClr val="tx1">
-                    <a:lumMod val="85000"/>
-                    <a:lumOff val="15000"/>
-                  </a:schemeClr>
-                </a:solidFill>
-                <a:effectLst/>
-                <a:latin typeface="+mj-lt"/>
-                <a:ea typeface="+mn-ea"/>
-                <a:cs typeface="+mn-cs"/>
-              </a:defRPr>
-            </a:lvl1pPr>
-          </a:lstStyle>
-          <a:p>
-            <a:pPr rtl="0">
-              <a:spcBef>
-                <a:spcPts val="0"/>
-              </a:spcBef>
-              <a:spcAft>
-                <a:spcPts val="0"/>
-              </a:spcAft>
-            </a:pPr>
-            <a:r>
-              <a:rPr lang="en-ID" sz="2400" b="0" i="0" u="none" strike="noStrike" dirty="0">
-                <a:solidFill>
-                  <a:schemeClr val="tx1"/>
-                </a:solidFill>
-                <a:effectLst/>
-                <a:latin typeface="Nunito" pitchFamily="2" charset="0"/>
-              </a:rPr>
-              <a:t>SQL &amp; DATA VISUALIZATION</a:t>
-            </a:r>
-            <a:endParaRPr lang="en-ID" sz="1400" b="0" dirty="0">
-              <a:solidFill>
-                <a:schemeClr val="tx1"/>
-              </a:solidFill>
-              <a:effectLst/>
-            </a:endParaRPr>
-          </a:p>
-        </p:txBody>
-      </p:sp>
-      <p:sp>
-        <p:nvSpPr>
-          <p:cNvPr id="14" name="TextBox 13">
-            <a:extLst>
-              <a:ext uri="{FF2B5EF4-FFF2-40B4-BE49-F238E27FC236}">
-                <a16:creationId xmlns:a16="http://schemas.microsoft.com/office/drawing/2014/main" id="{4BDECECA-E7DD-54DB-5824-0C89AD2313C3}"/>
-              </a:ext>
-            </a:extLst>
-          </p:cNvPr>
-          <p:cNvSpPr txBox="1"/>
-          <p:nvPr/>
-        </p:nvSpPr>
-        <p:spPr>
-          <a:xfrm>
-            <a:off x="600269" y="1508968"/>
-            <a:ext cx="3284874" cy="473206"/>
-          </a:xfrm>
-          <a:prstGeom prst="rect">
-            <a:avLst/>
-          </a:prstGeom>
-          <a:noFill/>
-        </p:spPr>
-        <p:txBody>
-          <a:bodyPr wrap="none" rtlCol="0">
-            <a:spAutoFit/>
-          </a:bodyPr>
-          <a:lstStyle/>
-          <a:p>
-            <a:pPr marL="342900" indent="-342900">
-              <a:lnSpc>
-                <a:spcPct val="150000"/>
-              </a:lnSpc>
-              <a:buAutoNum type="arabicPeriod"/>
-            </a:pPr>
-            <a:r>
-              <a:rPr lang="en-US" dirty="0">
-                <a:latin typeface="Nunito" pitchFamily="2" charset="0"/>
-                <a:cs typeface="Times New Roman" panose="02020603050405020304" pitchFamily="18" charset="0"/>
-              </a:rPr>
-              <a:t>Number of trips per month</a:t>
-            </a:r>
-            <a:endParaRPr lang="en-ID" dirty="0">
-              <a:latin typeface="Nunito" pitchFamily="2" charset="0"/>
-              <a:cs typeface="Times New Roman" panose="02020603050405020304" pitchFamily="18" charset="0"/>
-            </a:endParaRPr>
-          </a:p>
-        </p:txBody>
-      </p:sp>
-      <p:pic>
-        <p:nvPicPr>
-          <p:cNvPr id="3" name="Picture 2">
-            <a:extLst>
-              <a:ext uri="{FF2B5EF4-FFF2-40B4-BE49-F238E27FC236}">
-                <a16:creationId xmlns:a16="http://schemas.microsoft.com/office/drawing/2014/main" id="{71D53EDD-9EDF-24FE-32CA-933326A613F7}"/>
-              </a:ext>
-            </a:extLst>
-          </p:cNvPr>
-          <p:cNvPicPr>
-            <a:picLocks noChangeAspect="1"/>
-          </p:cNvPicPr>
-          <p:nvPr/>
-        </p:nvPicPr>
-        <p:blipFill>
-          <a:blip r:embed="rId2"/>
-          <a:stretch>
-            <a:fillRect/>
-          </a:stretch>
-        </p:blipFill>
-        <p:spPr>
-          <a:xfrm>
-            <a:off x="7588830" y="336134"/>
-            <a:ext cx="4198776" cy="2089623"/>
-          </a:xfrm>
-          <a:prstGeom prst="rect">
-            <a:avLst/>
-          </a:prstGeom>
-        </p:spPr>
-      </p:pic>
-      <p:sp>
-        <p:nvSpPr>
-          <p:cNvPr id="8" name="TextBox 7">
-            <a:extLst>
-              <a:ext uri="{FF2B5EF4-FFF2-40B4-BE49-F238E27FC236}">
-                <a16:creationId xmlns:a16="http://schemas.microsoft.com/office/drawing/2014/main" id="{4933D6BD-2E35-7377-4016-88306D6CB04C}"/>
-              </a:ext>
-            </a:extLst>
-          </p:cNvPr>
-          <p:cNvSpPr txBox="1"/>
-          <p:nvPr/>
-        </p:nvSpPr>
-        <p:spPr>
-          <a:xfrm>
-            <a:off x="989044" y="2052607"/>
-            <a:ext cx="4198775" cy="338554"/>
-          </a:xfrm>
-          <a:prstGeom prst="rect">
-            <a:avLst/>
-          </a:prstGeom>
-          <a:noFill/>
-        </p:spPr>
-        <p:txBody>
-          <a:bodyPr wrap="square" rtlCol="0">
-            <a:spAutoFit/>
-          </a:bodyPr>
-          <a:lstStyle/>
-          <a:p>
-            <a:r>
-              <a:rPr lang="en-US" sz="1600" dirty="0">
-                <a:latin typeface="Nunito" pitchFamily="2" charset="0"/>
-                <a:cs typeface="Times New Roman" panose="02020603050405020304" pitchFamily="18" charset="0"/>
-              </a:rPr>
-              <a:t>Visualization : Google Data Studio</a:t>
-            </a:r>
-            <a:endParaRPr lang="en-ID" sz="1600" dirty="0">
-              <a:latin typeface="Nunito" pitchFamily="2" charset="0"/>
-              <a:cs typeface="Times New Roman" panose="02020603050405020304" pitchFamily="18" charset="0"/>
-            </a:endParaRPr>
-          </a:p>
-        </p:txBody>
-      </p:sp>
-      <p:pic>
-        <p:nvPicPr>
-          <p:cNvPr id="9" name="Picture 8">
-            <a:extLst>
-              <a:ext uri="{FF2B5EF4-FFF2-40B4-BE49-F238E27FC236}">
-                <a16:creationId xmlns:a16="http://schemas.microsoft.com/office/drawing/2014/main" id="{971530A9-623C-0CCA-2F99-08D7B752817A}"/>
-              </a:ext>
-            </a:extLst>
-          </p:cNvPr>
-          <p:cNvPicPr>
-            <a:picLocks noChangeAspect="1"/>
-          </p:cNvPicPr>
-          <p:nvPr/>
-        </p:nvPicPr>
-        <p:blipFill>
-          <a:blip r:embed="rId3"/>
-          <a:stretch>
-            <a:fillRect/>
-          </a:stretch>
-        </p:blipFill>
-        <p:spPr>
-          <a:xfrm>
-            <a:off x="1066800" y="2391161"/>
-            <a:ext cx="6312912" cy="3941999"/>
-          </a:xfrm>
-          <a:prstGeom prst="rect">
-            <a:avLst/>
-          </a:prstGeom>
-        </p:spPr>
-      </p:pic>
-      <p:pic>
-        <p:nvPicPr>
-          <p:cNvPr id="5" name="Picture 4">
-            <a:extLst>
-              <a:ext uri="{FF2B5EF4-FFF2-40B4-BE49-F238E27FC236}">
-                <a16:creationId xmlns:a16="http://schemas.microsoft.com/office/drawing/2014/main" id="{3027D0D6-DF94-9197-20FF-FC4372C3641B}"/>
-              </a:ext>
-            </a:extLst>
-          </p:cNvPr>
-          <p:cNvPicPr>
-            <a:picLocks noChangeAspect="1"/>
-          </p:cNvPicPr>
-          <p:nvPr/>
-        </p:nvPicPr>
-        <p:blipFill>
-          <a:blip r:embed="rId4"/>
-          <a:stretch>
-            <a:fillRect/>
-          </a:stretch>
-        </p:blipFill>
-        <p:spPr>
-          <a:xfrm>
-            <a:off x="8103468" y="2579866"/>
-            <a:ext cx="1689429" cy="3942000"/>
-          </a:xfrm>
-          <a:prstGeom prst="rect">
-            <a:avLst/>
-          </a:prstGeom>
-        </p:spPr>
-      </p:pic>
-      <p:pic>
-        <p:nvPicPr>
-          <p:cNvPr id="11" name="Picture 10">
-            <a:extLst>
-              <a:ext uri="{FF2B5EF4-FFF2-40B4-BE49-F238E27FC236}">
-                <a16:creationId xmlns:a16="http://schemas.microsoft.com/office/drawing/2014/main" id="{DB32C639-0870-620D-681B-07655B98155B}"/>
-              </a:ext>
-            </a:extLst>
-          </p:cNvPr>
-          <p:cNvPicPr>
-            <a:picLocks noChangeAspect="1"/>
-          </p:cNvPicPr>
-          <p:nvPr/>
-        </p:nvPicPr>
-        <p:blipFill>
-          <a:blip r:embed="rId5"/>
-          <a:stretch>
-            <a:fillRect/>
-          </a:stretch>
-        </p:blipFill>
-        <p:spPr>
-          <a:xfrm>
-            <a:off x="9881030" y="2579866"/>
-            <a:ext cx="1689428" cy="3957357"/>
-          </a:xfrm>
-          <a:prstGeom prst="rect">
-            <a:avLst/>
-          </a:prstGeom>
-        </p:spPr>
-      </p:pic>
-      <p:sp>
-        <p:nvSpPr>
-          <p:cNvPr id="15" name="TextBox 14">
-            <a:extLst>
-              <a:ext uri="{FF2B5EF4-FFF2-40B4-BE49-F238E27FC236}">
-                <a16:creationId xmlns:a16="http://schemas.microsoft.com/office/drawing/2014/main" id="{57AA7C2B-2C04-CE48-26E7-0BF61FD5ECA3}"/>
-              </a:ext>
-            </a:extLst>
-          </p:cNvPr>
-          <p:cNvSpPr txBox="1"/>
-          <p:nvPr/>
-        </p:nvSpPr>
-        <p:spPr>
-          <a:xfrm>
-            <a:off x="10566429" y="1789850"/>
-            <a:ext cx="1004029" cy="338554"/>
-          </a:xfrm>
-          <a:prstGeom prst="rect">
-            <a:avLst/>
-          </a:prstGeom>
-        </p:spPr>
-        <p:style>
-          <a:lnRef idx="2">
-            <a:schemeClr val="accent6"/>
-          </a:lnRef>
-          <a:fillRef idx="1">
-            <a:schemeClr val="lt1"/>
-          </a:fillRef>
-          <a:effectRef idx="0">
-            <a:schemeClr val="accent6"/>
-          </a:effectRef>
-          <a:fontRef idx="minor">
-            <a:schemeClr val="dk1"/>
-          </a:fontRef>
-        </p:style>
-        <p:txBody>
-          <a:bodyPr wrap="square" rtlCol="0">
-            <a:spAutoFit/>
-          </a:bodyPr>
-          <a:lstStyle/>
-          <a:p>
-            <a:r>
-              <a:rPr lang="en-US" sz="1600" dirty="0">
-                <a:latin typeface="Nunito" pitchFamily="2" charset="0"/>
-                <a:cs typeface="Times New Roman" panose="02020603050405020304" pitchFamily="18" charset="0"/>
-              </a:rPr>
-              <a:t>Per year</a:t>
-            </a:r>
-            <a:endParaRPr lang="en-ID" sz="1600" dirty="0">
-              <a:latin typeface="Nunito" pitchFamily="2" charset="0"/>
-              <a:cs typeface="Times New Roman" panose="02020603050405020304" pitchFamily="18" charset="0"/>
-            </a:endParaRPr>
-          </a:p>
-        </p:txBody>
-      </p:sp>
-    </p:spTree>
-    <p:extLst>
-      <p:ext uri="{BB962C8B-B14F-4D97-AF65-F5344CB8AC3E}">
-        <p14:creationId xmlns:p14="http://schemas.microsoft.com/office/powerpoint/2010/main" val="453034989"/>
-      </p:ext>
-    </p:extLst>
-  </p:cSld>
-  <p:clrMapOvr>
-    <a:masterClrMapping/>
-  </p:clrMapOvr>
-</p:sld>
-</file>
-
-<file path=ppt/slides/slide9.xml><?xml version="1.0" encoding="utf-8"?>
-<p:sld xmlns:a="http://schemas.openxmlformats.org/drawingml/2006/main" xmlns:r="http://schemas.openxmlformats.org/officeDocument/2006/relationships" xmlns:p="http://schemas.openxmlformats.org/presentationml/2006/main">
-  <p:cSld>
-    <p:spTree>
-      <p:nvGrpSpPr>
-        <p:cNvPr id="1" name=""/>
-        <p:cNvGrpSpPr/>
-        <p:nvPr/>
-      </p:nvGrpSpPr>
-      <p:grpSpPr>
-        <a:xfrm>
-          <a:off x="0" y="0"/>
-          <a:ext cx="0" cy="0"/>
-          <a:chOff x="0" y="0"/>
-          <a:chExt cx="0" cy="0"/>
-        </a:xfrm>
-      </p:grpSpPr>
-      <p:sp>
-        <p:nvSpPr>
-          <p:cNvPr id="10" name="Title 1">
-            <a:extLst>
-              <a:ext uri="{FF2B5EF4-FFF2-40B4-BE49-F238E27FC236}">
-                <a16:creationId xmlns:a16="http://schemas.microsoft.com/office/drawing/2014/main" id="{12EE7128-FC01-4709-6F16-E8F70D23158E}"/>
-              </a:ext>
-            </a:extLst>
-          </p:cNvPr>
-          <p:cNvSpPr>
-            <a:spLocks noGrp="1"/>
-          </p:cNvSpPr>
-          <p:nvPr>
-            <p:ph type="title"/>
-          </p:nvPr>
-        </p:nvSpPr>
-        <p:spPr>
-          <a:xfrm>
-            <a:off x="1066800" y="336134"/>
-            <a:ext cx="10058400" cy="760078"/>
-          </a:xfrm>
-        </p:spPr>
-        <p:txBody>
-          <a:bodyPr>
-            <a:normAutofit/>
-          </a:bodyPr>
-          <a:lstStyle/>
-          <a:p>
-            <a:pPr rtl="0">
-              <a:spcBef>
-                <a:spcPts val="0"/>
-              </a:spcBef>
-              <a:spcAft>
-                <a:spcPts val="0"/>
-              </a:spcAft>
-            </a:pPr>
-            <a:r>
-              <a:rPr lang="en-ID" sz="3200" b="0" i="0" u="none" strike="noStrike" dirty="0">
-                <a:solidFill>
-                  <a:schemeClr val="tx1"/>
-                </a:solidFill>
-                <a:effectLst/>
-                <a:latin typeface="Nunito" panose="020B0604020202020204" pitchFamily="2" charset="0"/>
-              </a:rPr>
-              <a:t>Case Study</a:t>
-            </a:r>
-            <a:endParaRPr lang="en-ID" sz="7200" dirty="0">
-              <a:solidFill>
-                <a:schemeClr val="tx1"/>
-              </a:solidFill>
-            </a:endParaRPr>
-          </a:p>
-        </p:txBody>
-      </p:sp>
-      <p:sp>
-        <p:nvSpPr>
-          <p:cNvPr id="13" name="Title 1">
-            <a:extLst>
-              <a:ext uri="{FF2B5EF4-FFF2-40B4-BE49-F238E27FC236}">
-                <a16:creationId xmlns:a16="http://schemas.microsoft.com/office/drawing/2014/main" id="{114194E1-6887-C4BB-C88A-3D2A2A9BF1AC}"/>
-              </a:ext>
-            </a:extLst>
-          </p:cNvPr>
-          <p:cNvSpPr txBox="1">
-            <a:spLocks/>
-          </p:cNvSpPr>
-          <p:nvPr/>
-        </p:nvSpPr>
-        <p:spPr>
-          <a:xfrm>
-            <a:off x="1066800" y="852230"/>
-            <a:ext cx="10058400" cy="760078"/>
-          </a:xfrm>
-          <a:prstGeom prst="rect">
-            <a:avLst/>
-          </a:prstGeom>
-        </p:spPr>
-        <p:txBody>
-          <a:bodyPr vert="horz" lIns="91440" tIns="45720" rIns="91440" bIns="45720" rtlCol="0" anchor="ctr">
-            <a:normAutofit/>
-          </a:bodyPr>
-          <a:lstStyle>
-            <a:lvl1pPr algn="l" defTabSz="914400" rtl="0" eaLnBrk="1" latinLnBrk="0" hangingPunct="1">
-              <a:lnSpc>
-                <a:spcPct val="90000"/>
-              </a:lnSpc>
-              <a:spcBef>
-                <a:spcPct val="0"/>
-              </a:spcBef>
-              <a:buNone/>
-              <a:defRPr lang="en-US" sz="4800" kern="1200" cap="none" spc="0" baseline="0" dirty="0">
-                <a:solidFill>
-                  <a:schemeClr val="tx1">
-                    <a:lumMod val="85000"/>
-                    <a:lumOff val="15000"/>
-                  </a:schemeClr>
-                </a:solidFill>
-                <a:effectLst/>
-                <a:latin typeface="+mj-lt"/>
-                <a:ea typeface="+mn-ea"/>
-                <a:cs typeface="+mn-cs"/>
-              </a:defRPr>
-            </a:lvl1pPr>
-          </a:lstStyle>
-          <a:p>
-            <a:pPr rtl="0">
-              <a:spcBef>
-                <a:spcPts val="0"/>
-              </a:spcBef>
-              <a:spcAft>
-                <a:spcPts val="0"/>
-              </a:spcAft>
-            </a:pPr>
-            <a:r>
-              <a:rPr lang="en-ID" sz="2400" b="0" i="0" u="none" strike="noStrike" dirty="0">
-                <a:solidFill>
-                  <a:schemeClr val="tx1"/>
-                </a:solidFill>
-                <a:effectLst/>
-                <a:latin typeface="Nunito" pitchFamily="2" charset="0"/>
-              </a:rPr>
-              <a:t>SQL &amp; DATA VISUALIZATION</a:t>
-            </a:r>
-            <a:endParaRPr lang="en-ID" sz="1400" b="0" dirty="0">
-              <a:solidFill>
-                <a:schemeClr val="tx1"/>
-              </a:solidFill>
-              <a:effectLst/>
-            </a:endParaRPr>
-          </a:p>
-        </p:txBody>
-      </p:sp>
-      <p:sp>
-        <p:nvSpPr>
-          <p:cNvPr id="14" name="TextBox 13">
-            <a:extLst>
-              <a:ext uri="{FF2B5EF4-FFF2-40B4-BE49-F238E27FC236}">
-                <a16:creationId xmlns:a16="http://schemas.microsoft.com/office/drawing/2014/main" id="{4BDECECA-E7DD-54DB-5824-0C89AD2313C3}"/>
-              </a:ext>
-            </a:extLst>
-          </p:cNvPr>
-          <p:cNvSpPr txBox="1"/>
-          <p:nvPr/>
-        </p:nvSpPr>
-        <p:spPr>
-          <a:xfrm>
-            <a:off x="506963" y="1522651"/>
-            <a:ext cx="4750018" cy="888705"/>
-          </a:xfrm>
-          <a:prstGeom prst="rect">
-            <a:avLst/>
-          </a:prstGeom>
-          <a:noFill/>
-        </p:spPr>
-        <p:txBody>
-          <a:bodyPr wrap="square" rtlCol="0">
-            <a:spAutoFit/>
-          </a:bodyPr>
-          <a:lstStyle/>
-          <a:p>
-            <a:pPr>
-              <a:lnSpc>
-                <a:spcPct val="150000"/>
-              </a:lnSpc>
-            </a:pPr>
-            <a:r>
-              <a:rPr lang="en-US" dirty="0">
-                <a:latin typeface="Nunito" pitchFamily="2" charset="0"/>
-                <a:cs typeface="Times New Roman" panose="02020603050405020304" pitchFamily="18" charset="0"/>
-              </a:rPr>
-              <a:t>2. 	Average duration of the trips per month</a:t>
-            </a:r>
-          </a:p>
-          <a:p>
-            <a:pPr>
-              <a:lnSpc>
-                <a:spcPct val="150000"/>
-              </a:lnSpc>
-            </a:pPr>
-            <a:endParaRPr lang="en-ID" dirty="0">
-              <a:latin typeface="Nunito" pitchFamily="2" charset="0"/>
-              <a:cs typeface="Times New Roman" panose="02020603050405020304" pitchFamily="18" charset="0"/>
-            </a:endParaRPr>
-          </a:p>
-        </p:txBody>
-      </p:sp>
-      <p:sp>
-        <p:nvSpPr>
-          <p:cNvPr id="11" name="TextBox 10">
-            <a:extLst>
-              <a:ext uri="{FF2B5EF4-FFF2-40B4-BE49-F238E27FC236}">
-                <a16:creationId xmlns:a16="http://schemas.microsoft.com/office/drawing/2014/main" id="{1EB309BE-2220-0C60-A1F5-369624B55D82}"/>
-              </a:ext>
-            </a:extLst>
-          </p:cNvPr>
-          <p:cNvSpPr txBox="1"/>
-          <p:nvPr/>
-        </p:nvSpPr>
-        <p:spPr>
-          <a:xfrm>
-            <a:off x="603379" y="2038747"/>
-            <a:ext cx="3399452" cy="3293209"/>
-          </a:xfrm>
-          <a:prstGeom prst="rect">
-            <a:avLst/>
-          </a:prstGeom>
-          <a:noFill/>
-        </p:spPr>
-        <p:txBody>
-          <a:bodyPr wrap="square" rtlCol="0">
-            <a:spAutoFit/>
-          </a:bodyPr>
-          <a:lstStyle/>
-          <a:p>
-            <a:pPr marL="285750" indent="-285750">
-              <a:buFont typeface="Arial" panose="020B0604020202020204" pitchFamily="34" charset="0"/>
-              <a:buChar char="•"/>
-            </a:pPr>
-            <a:r>
-              <a:rPr lang="en-US" sz="1600" dirty="0">
-                <a:latin typeface="Nunito" pitchFamily="2" charset="0"/>
-                <a:cs typeface="Times New Roman" panose="02020603050405020304" pitchFamily="18" charset="0"/>
-              </a:rPr>
-              <a:t>This chart shows the average duration of bikeshare usage/borrowing (grouped by gender).</a:t>
-            </a:r>
-          </a:p>
-          <a:p>
-            <a:pPr marL="285750" indent="-285750">
-              <a:buFont typeface="Arial" panose="020B0604020202020204" pitchFamily="34" charset="0"/>
-              <a:buChar char="•"/>
-            </a:pPr>
-            <a:r>
-              <a:rPr lang="en-US" sz="1600" dirty="0">
-                <a:latin typeface="Nunito" pitchFamily="2" charset="0"/>
-                <a:cs typeface="Times New Roman" panose="02020603050405020304" pitchFamily="18" charset="0"/>
-              </a:rPr>
-              <a:t>However, it can be seen that:</a:t>
-            </a:r>
-          </a:p>
-          <a:p>
-            <a:pPr marL="285750" indent="-285750">
-              <a:buFont typeface="Arial" panose="020B0604020202020204" pitchFamily="34" charset="0"/>
-              <a:buChar char="•"/>
-            </a:pPr>
-            <a:r>
-              <a:rPr lang="en-US" sz="1600" dirty="0">
-                <a:latin typeface="Nunito" pitchFamily="2" charset="0"/>
-                <a:cs typeface="Times New Roman" panose="02020603050405020304" pitchFamily="18" charset="0"/>
-              </a:rPr>
-              <a:t>The implementation of this gender grouping started in June 2017.</a:t>
-            </a:r>
-          </a:p>
-          <a:p>
-            <a:pPr marL="285750" indent="-285750">
-              <a:buFont typeface="Arial" panose="020B0604020202020204" pitchFamily="34" charset="0"/>
-              <a:buChar char="•"/>
-            </a:pPr>
-            <a:r>
-              <a:rPr lang="en-US" sz="1600" dirty="0">
-                <a:latin typeface="Nunito" pitchFamily="2" charset="0"/>
-                <a:cs typeface="Times New Roman" panose="02020603050405020304" pitchFamily="18" charset="0"/>
-              </a:rPr>
-              <a:t>From Sept 2016 to May 2017 no data was recorded.</a:t>
-            </a:r>
-          </a:p>
-          <a:p>
-            <a:pPr marL="285750" indent="-285750">
-              <a:buFont typeface="Arial" panose="020B0604020202020204" pitchFamily="34" charset="0"/>
-              <a:buChar char="•"/>
-            </a:pPr>
-            <a:r>
-              <a:rPr lang="en-US" sz="1600" dirty="0">
-                <a:latin typeface="Nunito" pitchFamily="2" charset="0"/>
-                <a:cs typeface="Times New Roman" panose="02020603050405020304" pitchFamily="18" charset="0"/>
-              </a:rPr>
-              <a:t>And the highest average duration of the trips per month occurred in July 2017</a:t>
-            </a:r>
-            <a:endParaRPr lang="en-ID" sz="1600" dirty="0">
-              <a:latin typeface="Nunito" pitchFamily="2" charset="0"/>
-              <a:cs typeface="Times New Roman" panose="02020603050405020304" pitchFamily="18" charset="0"/>
-            </a:endParaRPr>
-          </a:p>
-        </p:txBody>
-      </p:sp>
-      <p:pic>
-        <p:nvPicPr>
-          <p:cNvPr id="5" name="Picture 4">
-            <a:extLst>
-              <a:ext uri="{FF2B5EF4-FFF2-40B4-BE49-F238E27FC236}">
-                <a16:creationId xmlns:a16="http://schemas.microsoft.com/office/drawing/2014/main" id="{1C46BC66-9F20-22CD-EADC-8A1EBB1D577E}"/>
-              </a:ext>
-            </a:extLst>
-          </p:cNvPr>
-          <p:cNvPicPr>
-            <a:picLocks noChangeAspect="1"/>
-          </p:cNvPicPr>
-          <p:nvPr/>
-        </p:nvPicPr>
-        <p:blipFill>
-          <a:blip r:embed="rId2"/>
-          <a:stretch>
-            <a:fillRect/>
-          </a:stretch>
-        </p:blipFill>
-        <p:spPr>
-          <a:xfrm>
-            <a:off x="4002831" y="2038747"/>
-            <a:ext cx="7874613" cy="4377996"/>
-          </a:xfrm>
-          <a:prstGeom prst="rect">
-            <a:avLst/>
-          </a:prstGeom>
-        </p:spPr>
-      </p:pic>
-    </p:spTree>
-    <p:extLst>
-      <p:ext uri="{BB962C8B-B14F-4D97-AF65-F5344CB8AC3E}">
-        <p14:creationId xmlns:p14="http://schemas.microsoft.com/office/powerpoint/2010/main" val="1237556320"/>
+        <p14:creationId xmlns:p14="http://schemas.microsoft.com/office/powerpoint/2010/main" val="2017390840"/>
       </p:ext>
     </p:extLst>
   </p:cSld>
@@ -8980,9 +7496,9 @@
 </file>
 
 <file path=ppt/theme/theme1.xml><?xml version="1.0" encoding="utf-8"?>
-<a:theme xmlns:a="http://schemas.openxmlformats.org/drawingml/2006/main" name="Savon">
+<a:theme xmlns:a="http://schemas.openxmlformats.org/drawingml/2006/main" name="Retrospect">
   <a:themeElements>
-    <a:clrScheme name="Savon">
+    <a:clrScheme name="Retrospect">
       <a:dk1>
         <a:sysClr val="windowText" lastClr="000000"/>
       </a:dk1>
@@ -8990,48 +7506,83 @@
         <a:sysClr val="window" lastClr="FFFFFF"/>
       </a:lt1>
       <a:dk2>
-        <a:srgbClr val="1485A4"/>
+        <a:srgbClr val="455F51"/>
       </a:dk2>
       <a:lt2>
-        <a:srgbClr val="E3DED1"/>
+        <a:srgbClr val="E2DFCC"/>
       </a:lt2>
       <a:accent1>
-        <a:srgbClr val="1CADE4"/>
+        <a:srgbClr val="99CB38"/>
       </a:accent1>
       <a:accent2>
-        <a:srgbClr val="2683C6"/>
+        <a:srgbClr val="63A537"/>
       </a:accent2>
       <a:accent3>
-        <a:srgbClr val="27CED7"/>
+        <a:srgbClr val="37A76F"/>
       </a:accent3>
       <a:accent4>
-        <a:srgbClr val="42BA97"/>
+        <a:srgbClr val="44C1A3"/>
       </a:accent4>
       <a:accent5>
-        <a:srgbClr val="3E8853"/>
+        <a:srgbClr val="4EB3CF"/>
       </a:accent5>
       <a:accent6>
-        <a:srgbClr val="62A39F"/>
+        <a:srgbClr val="51C3F9"/>
       </a:accent6>
       <a:hlink>
-        <a:srgbClr val="F49100"/>
+        <a:srgbClr val="6B9F25"/>
       </a:hlink>
       <a:folHlink>
-        <a:srgbClr val="739D9B"/>
+        <a:srgbClr val="B26B02"/>
       </a:folHlink>
     </a:clrScheme>
-    <a:fontScheme name="Savon">
+    <a:fontScheme name="Retrospect">
       <a:majorFont>
-        <a:latin typeface="Century Gothic" panose="020B0502020202020204"/>
+        <a:latin typeface="Calibri Light" panose="020F0302020204030204"/>
         <a:ea typeface=""/>
         <a:cs typeface=""/>
-        <a:font script="Jpan" typeface="ＭＳ ゴシック"/>
+        <a:font script="Jpan" typeface="ＭＳ Ｐゴシック"/>
         <a:font script="Hang" typeface="맑은 고딕"/>
         <a:font script="Hans" typeface="宋体"/>
         <a:font script="Hant" typeface="新細明體"/>
-        <a:font script="Arab" typeface="Tahoma"/>
-        <a:font script="Hebr" typeface="Gisha"/>
-        <a:font script="Thai" typeface="DilleniaUPC"/>
+        <a:font script="Arab" typeface="Times New Roman"/>
+        <a:font script="Hebr" typeface="Times New Roman"/>
+        <a:font script="Thai" typeface="Angsana New"/>
+        <a:font script="Ethi" typeface="Nyala"/>
+        <a:font script="Beng" typeface="Vrinda"/>
+        <a:font script="Gujr" typeface="Shruti"/>
+        <a:font script="Khmr" typeface="MoolBoran"/>
+        <a:font script="Knda" typeface="Tunga"/>
+        <a:font script="Guru" typeface="Raavi"/>
+        <a:font script="Cans" typeface="Euphemia"/>
+        <a:font script="Cher" typeface="Plantagenet Cherokee"/>
+        <a:font script="Yiii" typeface="Microsoft Yi Baiti"/>
+        <a:font script="Tibt" typeface="Microsoft Himalaya"/>
+        <a:font script="Thaa" typeface="MV Boli"/>
+        <a:font script="Deva" typeface="Mangal"/>
+        <a:font script="Telu" typeface="Gautami"/>
+        <a:font script="Taml" typeface="Latha"/>
+        <a:font script="Syrc" typeface="Estrangelo Edessa"/>
+        <a:font script="Orya" typeface="Kalinga"/>
+        <a:font script="Mlym" typeface="Kartika"/>
+        <a:font script="Laoo" typeface="DokChampa"/>
+        <a:font script="Sinh" typeface="Iskoola Pota"/>
+        <a:font script="Mong" typeface="Mongolian Baiti"/>
+        <a:font script="Viet" typeface="Times New Roman"/>
+        <a:font script="Uigh" typeface="Microsoft Uighur"/>
+        <a:font script="Geor" typeface="Sylfaen"/>
+      </a:majorFont>
+      <a:minorFont>
+        <a:latin typeface="Calibri" panose="020F0502020204030204"/>
+        <a:ea typeface=""/>
+        <a:cs typeface=""/>
+        <a:font script="Jpan" typeface="ＭＳ Ｐゴシック"/>
+        <a:font script="Hang" typeface="맑은 고딕"/>
+        <a:font script="Hans" typeface="宋体"/>
+        <a:font script="Hant" typeface="新細明體"/>
+        <a:font script="Arab" typeface="Arial"/>
+        <a:font script="Hebr" typeface="Arial"/>
+        <a:font script="Thai" typeface="Cordia New"/>
         <a:font script="Ethi" typeface="Nyala"/>
         <a:font script="Beng" typeface="Vrinda"/>
         <a:font script="Gujr" typeface="Shruti"/>
@@ -9052,47 +7603,12 @@
         <a:font script="Laoo" typeface="DokChampa"/>
         <a:font script="Sinh" typeface="Iskoola Pota"/>
         <a:font script="Mong" typeface="Mongolian Baiti"/>
-        <a:font script="Viet" typeface="Tahoma"/>
-        <a:font script="Uigh" typeface="Microsoft Uighur"/>
-        <a:font script="Geor" typeface="Sylfaen"/>
-      </a:majorFont>
-      <a:minorFont>
-        <a:latin typeface="Century Gothic" panose="020B0502020202020204"/>
-        <a:ea typeface=""/>
-        <a:cs typeface=""/>
-        <a:font script="Jpan" typeface="ＭＳ ゴシック"/>
-        <a:font script="Hang" typeface="맑은 고딕"/>
-        <a:font script="Hans" typeface="宋体"/>
-        <a:font script="Hant" typeface="新細明體"/>
-        <a:font script="Arab" typeface="Tahoma"/>
-        <a:font script="Hebr" typeface="Gisha"/>
-        <a:font script="Thai" typeface="DilleniaUPC"/>
-        <a:font script="Ethi" typeface="Nyala"/>
-        <a:font script="Beng" typeface="Vrinda"/>
-        <a:font script="Gujr" typeface="Shruti"/>
-        <a:font script="Khmr" typeface="DaunPenh"/>
-        <a:font script="Knda" typeface="Tunga"/>
-        <a:font script="Guru" typeface="Raavi"/>
-        <a:font script="Cans" typeface="Euphemia"/>
-        <a:font script="Cher" typeface="Plantagenet Cherokee"/>
-        <a:font script="Yiii" typeface="Microsoft Yi Baiti"/>
-        <a:font script="Tibt" typeface="Microsoft Himalaya"/>
-        <a:font script="Thaa" typeface="MV Boli"/>
-        <a:font script="Deva" typeface="Mangal"/>
-        <a:font script="Telu" typeface="Gautami"/>
-        <a:font script="Taml" typeface="Latha"/>
-        <a:font script="Syrc" typeface="Estrangelo Edessa"/>
-        <a:font script="Orya" typeface="Kalinga"/>
-        <a:font script="Mlym" typeface="Kartika"/>
-        <a:font script="Laoo" typeface="DokChampa"/>
-        <a:font script="Sinh" typeface="Iskoola Pota"/>
-        <a:font script="Mong" typeface="Mongolian Baiti"/>
-        <a:font script="Viet" typeface="Verdana"/>
+        <a:font script="Viet" typeface="Arial"/>
         <a:font script="Uigh" typeface="Microsoft Uighur"/>
         <a:font script="Geor" typeface="Sylfaen"/>
       </a:minorFont>
     </a:fontScheme>
-    <a:fmtScheme name="Savon">
+    <a:fmtScheme name="Retrospect">
       <a:fillStyleLst>
         <a:solidFill>
           <a:schemeClr val="phClr"/>
@@ -9101,68 +7617,77 @@
           <a:gsLst>
             <a:gs pos="0">
               <a:schemeClr val="phClr">
+                <a:tint val="65000"/>
+                <a:shade val="92000"/>
+                <a:satMod val="130000"/>
+              </a:schemeClr>
+            </a:gs>
+            <a:gs pos="45000">
+              <a:schemeClr val="phClr">
                 <a:tint val="60000"/>
-                <a:satMod val="105000"/>
-                <a:lumMod val="105000"/>
+                <a:shade val="99000"/>
+                <a:satMod val="120000"/>
               </a:schemeClr>
             </a:gs>
             <a:gs pos="100000">
               <a:schemeClr val="phClr">
-                <a:tint val="65000"/>
-                <a:satMod val="100000"/>
-                <a:lumMod val="100000"/>
-              </a:schemeClr>
-            </a:gs>
-            <a:gs pos="100000">
-              <a:schemeClr val="phClr">
-                <a:tint val="70000"/>
-                <a:satMod val="100000"/>
-                <a:lumMod val="100000"/>
+                <a:tint val="55000"/>
+                <a:satMod val="140000"/>
               </a:schemeClr>
             </a:gs>
           </a:gsLst>
-          <a:lin ang="5400000" scaled="0"/>
+          <a:path path="circle">
+            <a:fillToRect l="100000" t="100000" r="100000" b="100000"/>
+          </a:path>
         </a:gradFill>
         <a:gradFill rotWithShape="1">
           <a:gsLst>
             <a:gs pos="0">
               <a:schemeClr val="phClr">
-                <a:satMod val="100000"/>
-                <a:lumMod val="100000"/>
+                <a:shade val="85000"/>
+                <a:satMod val="130000"/>
               </a:schemeClr>
             </a:gs>
-            <a:gs pos="50000">
+            <a:gs pos="34000">
               <a:schemeClr val="phClr">
-                <a:shade val="99000"/>
-                <a:satMod val="105000"/>
-                <a:lumMod val="100000"/>
+                <a:shade val="87000"/>
+                <a:satMod val="125000"/>
+              </a:schemeClr>
+            </a:gs>
+            <a:gs pos="70000">
+              <a:schemeClr val="phClr">
+                <a:tint val="100000"/>
+                <a:shade val="90000"/>
+                <a:satMod val="130000"/>
               </a:schemeClr>
             </a:gs>
             <a:gs pos="100000">
               <a:schemeClr val="phClr">
-                <a:shade val="98000"/>
-                <a:satMod val="105000"/>
-                <a:lumMod val="100000"/>
+                <a:tint val="100000"/>
+                <a:shade val="100000"/>
+                <a:satMod val="110000"/>
               </a:schemeClr>
             </a:gs>
           </a:gsLst>
-          <a:lin ang="5400000" scaled="0"/>
+          <a:path path="circle">
+            <a:fillToRect l="100000" t="100000" r="100000" b="100000"/>
+          </a:path>
         </a:gradFill>
       </a:fillStyleLst>
       <a:lnStyleLst>
-        <a:ln w="6350" cap="flat" cmpd="sng" algn="ctr">
-          <a:solidFill>
-            <a:schemeClr val="phClr"/>
-          </a:solidFill>
-          <a:prstDash val="solid"/>
-        </a:ln>
         <a:ln w="12700" cap="flat" cmpd="sng" algn="ctr">
           <a:solidFill>
             <a:schemeClr val="phClr"/>
           </a:solidFill>
           <a:prstDash val="solid"/>
         </a:ln>
-        <a:ln w="19050" cap="flat" cmpd="sng" algn="ctr">
+        <a:ln w="15875" cap="flat" cmpd="sng" algn="ctr">
+          <a:solidFill>
+            <a:schemeClr val="phClr"/>
+          </a:solidFill>
+          <a:prstDash val="solid"/>
+        </a:ln>
+        <a:ln w="25400" cap="flat" cmpd="sng" algn="ctr">
           <a:solidFill>
             <a:schemeClr val="phClr"/>
           </a:solidFill>
@@ -9175,18 +7700,18 @@
         </a:effectStyle>
         <a:effectStyle>
           <a:effectLst>
-            <a:outerShdw blurRad="38100" dist="12700" dir="5400000" algn="ctr" rotWithShape="0">
+            <a:outerShdw blurRad="38100" dist="25400" dir="2700000" algn="br" rotWithShape="0">
               <a:srgbClr val="000000">
-                <a:alpha val="63000"/>
+                <a:alpha val="60000"/>
               </a:srgbClr>
             </a:outerShdw>
           </a:effectLst>
         </a:effectStyle>
         <a:effectStyle>
           <a:effectLst>
-            <a:outerShdw blurRad="57150" dist="19050" dir="5400000" algn="ctr" rotWithShape="0">
+            <a:outerShdw blurRad="44450" dist="25400" dir="2700000" algn="br" rotWithShape="0">
               <a:srgbClr val="000000">
-                <a:alpha val="63000"/>
+                <a:alpha val="60000"/>
               </a:srgbClr>
             </a:outerShdw>
           </a:effectLst>
@@ -9194,12 +7719,12 @@
             <a:camera prst="orthographicFront">
               <a:rot lat="0" lon="0" rev="0"/>
             </a:camera>
-            <a:lightRig rig="flat" dir="tl">
-              <a:rot lat="0" lon="0" rev="4200000"/>
+            <a:lightRig rig="threePt" dir="t">
+              <a:rot lat="0" lon="0" rev="19800000"/>
             </a:lightRig>
           </a:scene3d>
           <a:sp3d prstMaterial="flat">
-            <a:bevelT w="50800" h="63500" prst="riblet"/>
+            <a:bevelT w="25400" h="31750"/>
           </a:sp3d>
         </a:effectStyle>
       </a:effectStyleLst>
@@ -9207,46 +7732,39 @@
         <a:solidFill>
           <a:schemeClr val="phClr"/>
         </a:solidFill>
+        <a:solidFill>
+          <a:schemeClr val="phClr">
+            <a:tint val="90000"/>
+            <a:shade val="97000"/>
+            <a:satMod val="130000"/>
+          </a:schemeClr>
+        </a:solidFill>
         <a:gradFill rotWithShape="1">
           <a:gsLst>
             <a:gs pos="0">
               <a:schemeClr val="phClr">
-                <a:tint val="90000"/>
-                <a:shade val="92000"/>
-                <a:satMod val="160000"/>
+                <a:tint val="96000"/>
+                <a:shade val="99000"/>
+                <a:satMod val="140000"/>
               </a:schemeClr>
             </a:gs>
-            <a:gs pos="77000">
+            <a:gs pos="65000">
               <a:schemeClr val="phClr">
                 <a:tint val="100000"/>
-                <a:shade val="73000"/>
-                <a:satMod val="155000"/>
+                <a:shade val="80000"/>
+                <a:satMod val="130000"/>
               </a:schemeClr>
             </a:gs>
             <a:gs pos="100000">
               <a:schemeClr val="phClr">
                 <a:tint val="100000"/>
-                <a:shade val="67000"/>
-                <a:satMod val="145000"/>
+                <a:shade val="48000"/>
+                <a:satMod val="120000"/>
               </a:schemeClr>
             </a:gs>
           </a:gsLst>
-          <a:lin ang="5400000" scaled="0"/>
+          <a:lin ang="16200000" scaled="0"/>
         </a:gradFill>
-        <a:blipFill rotWithShape="1">
-          <a:blip xmlns:r="http://schemas.openxmlformats.org/officeDocument/2006/relationships" r:embed="rId1">
-            <a:duotone>
-              <a:schemeClr val="phClr">
-                <a:tint val="95000"/>
-              </a:schemeClr>
-              <a:schemeClr val="phClr">
-                <a:shade val="92000"/>
-                <a:satMod val="115000"/>
-              </a:schemeClr>
-            </a:duotone>
-          </a:blip>
-          <a:tile tx="0" ty="0" sx="60000" sy="60000" flip="none" algn="tl"/>
-        </a:blipFill>
       </a:bgFillStyleLst>
     </a:fmtScheme>
   </a:themeElements>
@@ -9254,7 +7772,7 @@
   <a:extraClrSchemeLst/>
   <a:extLst>
     <a:ext uri="{05A4C25C-085E-4340-85A3-A5531E510DB2}">
-      <thm15:themeFamily xmlns:thm15="http://schemas.microsoft.com/office/thememl/2012/main" name="Savon" id="{1306E473-ED32-493B-A2D0-240A757EDD34}" vid="{C20BADFE-D095-436F-9677-9264042809F0}"/>
+      <thm15:themeFamily xmlns:thm15="http://schemas.microsoft.com/office/thememl/2012/main" name="Retrospect" id="{5F128B03-DCCA-4EEB-AB3B-CF2899314A46}" vid="{D26EA377-59BD-4C9C-9D94-EE8416EE4C79}"/>
     </a:ext>
   </a:extLst>
 </a:theme>
